--- a/slides/LLMs/05  Gen AI - Business Apps.pptx
+++ b/slides/LLMs/05  Gen AI - Business Apps.pptx
@@ -5,10 +5,10 @@
     <p:sldMasterId id="2147483648" r:id="rId1"/>
   </p:sldMasterIdLst>
   <p:notesMasterIdLst>
-    <p:notesMasterId r:id="rId16"/>
+    <p:notesMasterId r:id="rId18"/>
   </p:notesMasterIdLst>
   <p:handoutMasterIdLst>
-    <p:handoutMasterId r:id="rId17"/>
+    <p:handoutMasterId r:id="rId19"/>
   </p:handoutMasterIdLst>
   <p:sldIdLst>
     <p:sldId id="256" r:id="rId3"/>
@@ -23,7 +23,9 @@
     <p:sldId id="431" r:id="rId12"/>
     <p:sldId id="437" r:id="rId13"/>
     <p:sldId id="438" r:id="rId14"/>
-    <p:sldId id="1315" r:id="rId15"/>
+    <p:sldId id="1317" r:id="rId15"/>
+    <p:sldId id="1316" r:id="rId16"/>
+    <p:sldId id="1315" r:id="rId17"/>
   </p:sldIdLst>
   <p:sldSz cx="12192000" cy="6858000"/>
   <p:notesSz cx="6858000" cy="9144000"/>
@@ -4000,6 +4002,315 @@
         </p:nvSpPr>
         <p:spPr/>
         <p:txBody>
+          <a:bodyPr>
+            <a:normAutofit/>
+          </a:bodyPr>
+          <a:p>
+            <a:r>
+              <a:rPr lang="en-US" altLang="en-GB"/>
+              <a:t>Contents creation timeline</a:t>
+            </a:r>
+            <a:endParaRPr lang="en-US" altLang="en-GB"/>
+          </a:p>
+        </p:txBody>
+      </p:sp>
+      <p:sp>
+        <p:nvSpPr>
+          <p:cNvPr id="3" name="Content Placeholder 2"/>
+          <p:cNvSpPr>
+            <a:spLocks noGrp="1"/>
+          </p:cNvSpPr>
+          <p:nvPr>
+            <p:ph idx="1"/>
+          </p:nvPr>
+        </p:nvSpPr>
+        <p:spPr/>
+        <p:txBody>
+          <a:bodyPr>
+            <a:normAutofit fontScale="60000"/>
+          </a:bodyPr>
+          <a:p>
+            <a:r>
+              <a:rPr lang="zh-CN" altLang="en-US"/>
+              <a:t>🌐</a:t>
+            </a:r>
+            <a:r>
+              <a:rPr lang="en-US" altLang="en-GB"/>
+              <a:t> Web 1.0 (1990s) </a:t>
+            </a:r>
+            <a:r>
+              <a:rPr lang="zh-CN" altLang="en-US"/>
+              <a:t>🌐</a:t>
+            </a:r>
+            <a:r>
+              <a:rPr lang="en-US" altLang="en-GB"/>
+              <a:t> </a:t>
+            </a:r>
+            <a:r>
+              <a:rPr lang="en-US" altLang="en-US"/>
+              <a:t>➡</a:t>
+            </a:r>
+            <a:r>
+              <a:rPr lang="" altLang="en-US"/>
+              <a:t>️</a:t>
+            </a:r>
+            <a:r>
+              <a:rPr lang="en-US" altLang="en-GB"/>
+              <a:t> Static pages, one-way streets for information.</a:t>
+            </a:r>
+            <a:endParaRPr lang="en-US" altLang="en-GB"/>
+          </a:p>
+          <a:p>
+            <a:endParaRPr lang="en-US" altLang="en-GB"/>
+          </a:p>
+          <a:p>
+            <a:r>
+              <a:rPr lang="zh-CN" altLang="en-US"/>
+              <a:t>📸</a:t>
+            </a:r>
+            <a:r>
+              <a:rPr lang="en-US" altLang="en-GB"/>
+              <a:t> Web 2.0 (Early 2000s) </a:t>
+            </a:r>
+            <a:r>
+              <a:rPr lang="zh-CN" altLang="en-US"/>
+              <a:t>📸</a:t>
+            </a:r>
+            <a:r>
+              <a:rPr lang="en-US" altLang="en-GB"/>
+              <a:t> </a:t>
+            </a:r>
+            <a:r>
+              <a:rPr lang="en-US" altLang="en-US"/>
+              <a:t>➡</a:t>
+            </a:r>
+            <a:r>
+              <a:rPr lang="" altLang="en-US"/>
+              <a:t>️</a:t>
+            </a:r>
+            <a:r>
+              <a:rPr lang="en-US" altLang="en-GB"/>
+              <a:t> User-generated content via blogs and forums.</a:t>
+            </a:r>
+            <a:endParaRPr lang="en-US" altLang="en-GB"/>
+          </a:p>
+          <a:p>
+            <a:endParaRPr lang="en-US" altLang="en-GB"/>
+          </a:p>
+          <a:p>
+            <a:r>
+              <a:rPr lang="zh-CN" altLang="en-US"/>
+              <a:t>📱</a:t>
+            </a:r>
+            <a:r>
+              <a:rPr lang="en-US" altLang="en-GB"/>
+              <a:t> The Rise of Social Media (Mid-2000s) </a:t>
+            </a:r>
+            <a:r>
+              <a:rPr lang="zh-CN" altLang="en-US"/>
+              <a:t>📱</a:t>
+            </a:r>
+            <a:r>
+              <a:rPr lang="en-US" altLang="en-GB"/>
+              <a:t> </a:t>
+            </a:r>
+            <a:r>
+              <a:rPr lang="en-US" altLang="en-US"/>
+              <a:t>➡</a:t>
+            </a:r>
+            <a:r>
+              <a:rPr lang="" altLang="en-US"/>
+              <a:t>️</a:t>
+            </a:r>
+            <a:r>
+              <a:rPr lang="en-US" altLang="en-GB"/>
+              <a:t> Content creation exploded, share &amp; influence, "Viral" became a buzzword.</a:t>
+            </a:r>
+            <a:endParaRPr lang="en-US" altLang="en-GB"/>
+          </a:p>
+          <a:p>
+            <a:endParaRPr lang="en-US" altLang="en-GB"/>
+          </a:p>
+          <a:p>
+            <a:r>
+              <a:rPr lang="zh-CN" altLang="en-US"/>
+              <a:t>📱</a:t>
+            </a:r>
+            <a:r>
+              <a:rPr lang="en-US" altLang="en-GB"/>
+              <a:t> Mobile Era (2010s) </a:t>
+            </a:r>
+            <a:r>
+              <a:rPr lang="zh-CN" altLang="en-US"/>
+              <a:t>📱</a:t>
+            </a:r>
+            <a:r>
+              <a:rPr lang="en-US" altLang="en-GB"/>
+              <a:t> </a:t>
+            </a:r>
+            <a:r>
+              <a:rPr lang="en-US" altLang="en-US"/>
+              <a:t>➡</a:t>
+            </a:r>
+            <a:r>
+              <a:rPr lang="" altLang="en-US"/>
+              <a:t>️</a:t>
+            </a:r>
+            <a:r>
+              <a:rPr lang="en-US" altLang="en-GB"/>
+              <a:t> Content consumption habits changed, visual storytelling, short content.</a:t>
+            </a:r>
+            <a:endParaRPr lang="en-US" altLang="en-GB"/>
+          </a:p>
+          <a:p>
+            <a:endParaRPr lang="en-US" altLang="en-GB"/>
+          </a:p>
+          <a:p>
+            <a:r>
+              <a:rPr lang="zh-CN" altLang="en-US"/>
+              <a:t>🤖</a:t>
+            </a:r>
+            <a:r>
+              <a:rPr lang="en-US" altLang="en-GB"/>
+              <a:t> AI and Automation (Present) </a:t>
+            </a:r>
+            <a:r>
+              <a:rPr lang="zh-CN" altLang="en-US"/>
+              <a:t>🤖</a:t>
+            </a:r>
+            <a:r>
+              <a:rPr lang="en-US" altLang="en-GB"/>
+              <a:t> </a:t>
+            </a:r>
+            <a:r>
+              <a:rPr lang="en-US" altLang="en-US"/>
+              <a:t>➡</a:t>
+            </a:r>
+            <a:r>
+              <a:rPr lang="" altLang="en-US"/>
+              <a:t>️</a:t>
+            </a:r>
+            <a:r>
+              <a:rPr lang="en-US" altLang="en-GB"/>
+              <a:t> Today's helpers. Today, AI assists content creators with everything.</a:t>
+            </a:r>
+            <a:endParaRPr lang="en-US" altLang="en-GB"/>
+          </a:p>
+        </p:txBody>
+      </p:sp>
+      <p:sp>
+        <p:nvSpPr>
+          <p:cNvPr id="4" name="Slide Number Placeholder 3"/>
+          <p:cNvSpPr>
+            <a:spLocks noGrp="1"/>
+          </p:cNvSpPr>
+          <p:nvPr>
+            <p:ph type="sldNum" sz="quarter" idx="12"/>
+          </p:nvPr>
+        </p:nvSpPr>
+        <p:spPr/>
+        <p:txBody>
+          <a:bodyPr/>
+          <a:p>
+            <a:fld id="{9B618960-8005-486C-9A75-10CB2AAC16F9}" type="slidenum">
+              <a:rPr lang="en-US" smtClean="0"/>
+            </a:fld>
+            <a:endParaRPr lang="en-US"/>
+          </a:p>
+        </p:txBody>
+      </p:sp>
+    </p:spTree>
+  </p:cSld>
+  <p:clrMapOvr>
+    <a:masterClrMapping/>
+  </p:clrMapOvr>
+</p:sld>
+</file>
+
+<file path=ppt/slides/slide14.xml><?xml version="1.0" encoding="utf-8"?>
+<p:sld xmlns:a="http://schemas.openxmlformats.org/drawingml/2006/main" xmlns:r="http://schemas.openxmlformats.org/officeDocument/2006/relationships" xmlns:p="http://schemas.openxmlformats.org/presentationml/2006/main">
+  <p:cSld>
+    <p:spTree>
+      <p:nvGrpSpPr>
+        <p:cNvPr id="1" name=""/>
+        <p:cNvGrpSpPr/>
+        <p:nvPr/>
+      </p:nvGrpSpPr>
+      <p:grpSpPr/>
+      <p:sp>
+        <p:nvSpPr>
+          <p:cNvPr id="5" name="Title 4"/>
+          <p:cNvSpPr>
+            <a:spLocks noGrp="1"/>
+          </p:cNvSpPr>
+          <p:nvPr>
+            <p:ph type="title"/>
+          </p:nvPr>
+        </p:nvSpPr>
+        <p:spPr/>
+        <p:txBody>
+          <a:bodyPr/>
+          <a:p>
+            <a:pPr algn="ctr"/>
+            <a:r>
+              <a:rPr lang="en-US" altLang="en-GB"/>
+              <a:t>AI Agents </a:t>
+            </a:r>
+            <a:endParaRPr lang="en-US" altLang="en-GB"/>
+          </a:p>
+        </p:txBody>
+      </p:sp>
+      <p:sp>
+        <p:nvSpPr>
+          <p:cNvPr id="4" name="Slide Number Placeholder 3"/>
+          <p:cNvSpPr>
+            <a:spLocks noGrp="1"/>
+          </p:cNvSpPr>
+          <p:nvPr>
+            <p:ph type="sldNum" sz="quarter" idx="12"/>
+          </p:nvPr>
+        </p:nvSpPr>
+        <p:spPr/>
+        <p:txBody>
+          <a:bodyPr/>
+          <a:p>
+            <a:fld id="{9B618960-8005-486C-9A75-10CB2AAC16F9}" type="slidenum">
+              <a:rPr lang="en-US" smtClean="0"/>
+            </a:fld>
+            <a:endParaRPr lang="en-US"/>
+          </a:p>
+        </p:txBody>
+      </p:sp>
+    </p:spTree>
+  </p:cSld>
+  <p:clrMapOvr>
+    <a:masterClrMapping/>
+  </p:clrMapOvr>
+</p:sld>
+</file>
+
+<file path=ppt/slides/slide15.xml><?xml version="1.0" encoding="utf-8"?>
+<p:sld xmlns:a="http://schemas.openxmlformats.org/drawingml/2006/main" xmlns:r="http://schemas.openxmlformats.org/officeDocument/2006/relationships" xmlns:p="http://schemas.openxmlformats.org/presentationml/2006/main">
+  <p:cSld>
+    <p:spTree>
+      <p:nvGrpSpPr>
+        <p:cNvPr id="1" name=""/>
+        <p:cNvGrpSpPr/>
+        <p:nvPr/>
+      </p:nvGrpSpPr>
+      <p:grpSpPr/>
+      <p:sp>
+        <p:nvSpPr>
+          <p:cNvPr id="2" name="Title 1"/>
+          <p:cNvSpPr>
+            <a:spLocks noGrp="1"/>
+          </p:cNvSpPr>
+          <p:nvPr>
+            <p:ph type="title"/>
+          </p:nvPr>
+        </p:nvSpPr>
+        <p:spPr/>
+        <p:txBody>
           <a:bodyPr/>
           <a:p>
             <a:r>
@@ -4119,24 +4430,6 @@
               <a:rPr lang="en-US"/>
               <a:t>Generative AI and Business</a:t>
             </a:r>
-            <a:endParaRPr lang="en-US"/>
-          </a:p>
-        </p:txBody>
-      </p:sp>
-      <p:sp>
-        <p:nvSpPr>
-          <p:cNvPr id="5" name="Text Placeholder 4"/>
-          <p:cNvSpPr>
-            <a:spLocks noGrp="1"/>
-          </p:cNvSpPr>
-          <p:nvPr>
-            <p:ph type="body" idx="1"/>
-          </p:nvPr>
-        </p:nvSpPr>
-        <p:spPr/>
-        <p:txBody>
-          <a:bodyPr/>
-          <a:p>
             <a:endParaRPr lang="en-US"/>
           </a:p>
         </p:txBody>

--- a/slides/LLMs/05  Gen AI - Business Apps.pptx
+++ b/slides/LLMs/05  Gen AI - Business Apps.pptx
@@ -5,10 +5,10 @@
     <p:sldMasterId id="2147483648" r:id="rId1"/>
   </p:sldMasterIdLst>
   <p:notesMasterIdLst>
-    <p:notesMasterId r:id="rId16"/>
+    <p:notesMasterId r:id="rId18"/>
   </p:notesMasterIdLst>
   <p:handoutMasterIdLst>
-    <p:handoutMasterId r:id="rId17"/>
+    <p:handoutMasterId r:id="rId19"/>
   </p:handoutMasterIdLst>
   <p:sldIdLst>
     <p:sldId id="256" r:id="rId2"/>
@@ -17,14 +17,16 @@
     <p:sldId id="427" r:id="rId5"/>
     <p:sldId id="431" r:id="rId6"/>
     <p:sldId id="1319" r:id="rId7"/>
-    <p:sldId id="435" r:id="rId8"/>
-    <p:sldId id="429" r:id="rId9"/>
-    <p:sldId id="430" r:id="rId10"/>
-    <p:sldId id="436" r:id="rId11"/>
-    <p:sldId id="437" r:id="rId12"/>
-    <p:sldId id="438" r:id="rId13"/>
-    <p:sldId id="1317" r:id="rId14"/>
-    <p:sldId id="1315" r:id="rId15"/>
+    <p:sldId id="1320" r:id="rId8"/>
+    <p:sldId id="1321" r:id="rId9"/>
+    <p:sldId id="435" r:id="rId10"/>
+    <p:sldId id="429" r:id="rId11"/>
+    <p:sldId id="430" r:id="rId12"/>
+    <p:sldId id="436" r:id="rId13"/>
+    <p:sldId id="437" r:id="rId14"/>
+    <p:sldId id="438" r:id="rId15"/>
+    <p:sldId id="1317" r:id="rId16"/>
+    <p:sldId id="1315" r:id="rId17"/>
   </p:sldIdLst>
   <p:sldSz cx="12192000" cy="6858000"/>
   <p:notesSz cx="6858000" cy="9144000"/>
@@ -3717,6 +3719,198 @@
           <a:p>
             <a:r>
               <a:rPr lang="en-US"/>
+              <a:t>Example 1: Surgeon</a:t>
+            </a:r>
+          </a:p>
+        </p:txBody>
+      </p:sp>
+      <p:pic>
+        <p:nvPicPr>
+          <p:cNvPr id="4" name="Content Placeholder 3"/>
+          <p:cNvPicPr>
+            <a:picLocks noGrp="1" noChangeAspect="1"/>
+          </p:cNvPicPr>
+          <p:nvPr>
+            <p:ph idx="1"/>
+          </p:nvPr>
+        </p:nvPicPr>
+        <p:blipFill>
+          <a:blip r:embed="rId2"/>
+          <a:stretch>
+            <a:fillRect/>
+          </a:stretch>
+        </p:blipFill>
+        <p:spPr>
+          <a:xfrm>
+            <a:off x="838200" y="2380615"/>
+            <a:ext cx="10515600" cy="3241040"/>
+          </a:xfrm>
+          <a:prstGeom prst="rect">
+            <a:avLst/>
+          </a:prstGeom>
+        </p:spPr>
+      </p:pic>
+      <p:sp>
+        <p:nvSpPr>
+          <p:cNvPr id="3" name="Slide Number Placeholder 2"/>
+          <p:cNvSpPr>
+            <a:spLocks noGrp="1"/>
+          </p:cNvSpPr>
+          <p:nvPr>
+            <p:ph type="sldNum" sz="quarter" idx="12"/>
+          </p:nvPr>
+        </p:nvSpPr>
+        <p:spPr/>
+        <p:txBody>
+          <a:bodyPr/>
+          <a:lstStyle/>
+          <a:p>
+            <a:fld id="{9B618960-8005-486C-9A75-10CB2AAC16F9}" type="slidenum">
+              <a:rPr lang="en-US" smtClean="0"/>
+              <a:t>10</a:t>
+            </a:fld>
+            <a:endParaRPr lang="en-US"/>
+          </a:p>
+        </p:txBody>
+      </p:sp>
+    </p:spTree>
+  </p:cSld>
+  <p:clrMapOvr>
+    <a:masterClrMapping/>
+  </p:clrMapOvr>
+</p:sld>
+</file>
+
+<file path=ppt/slides/slide11.xml><?xml version="1.0" encoding="utf-8"?>
+<p:sld xmlns:a="http://schemas.openxmlformats.org/drawingml/2006/main" xmlns:r="http://schemas.openxmlformats.org/officeDocument/2006/relationships" xmlns:p="http://schemas.openxmlformats.org/presentationml/2006/main">
+  <p:cSld>
+    <p:spTree>
+      <p:nvGrpSpPr>
+        <p:cNvPr id="1" name=""/>
+        <p:cNvGrpSpPr/>
+        <p:nvPr/>
+      </p:nvGrpSpPr>
+      <p:grpSpPr>
+        <a:xfrm>
+          <a:off x="0" y="0"/>
+          <a:ext cx="0" cy="0"/>
+          <a:chOff x="0" y="0"/>
+          <a:chExt cx="0" cy="0"/>
+        </a:xfrm>
+      </p:grpSpPr>
+      <p:sp>
+        <p:nvSpPr>
+          <p:cNvPr id="2" name="Title 1"/>
+          <p:cNvSpPr>
+            <a:spLocks noGrp="1"/>
+          </p:cNvSpPr>
+          <p:nvPr>
+            <p:ph type="title"/>
+          </p:nvPr>
+        </p:nvSpPr>
+        <p:spPr/>
+        <p:txBody>
+          <a:bodyPr/>
+          <a:lstStyle/>
+          <a:p>
+            <a:r>
+              <a:rPr lang="en-US"/>
+              <a:t>Example 2: Legal documentation review	</a:t>
+            </a:r>
+          </a:p>
+        </p:txBody>
+      </p:sp>
+      <p:pic>
+        <p:nvPicPr>
+          <p:cNvPr id="4" name="Content Placeholder 3"/>
+          <p:cNvPicPr>
+            <a:picLocks noGrp="1" noChangeAspect="1"/>
+          </p:cNvPicPr>
+          <p:nvPr>
+            <p:ph idx="1"/>
+          </p:nvPr>
+        </p:nvPicPr>
+        <p:blipFill>
+          <a:blip r:embed="rId2"/>
+          <a:stretch>
+            <a:fillRect/>
+          </a:stretch>
+        </p:blipFill>
+        <p:spPr>
+          <a:xfrm>
+            <a:off x="955675" y="1825625"/>
+            <a:ext cx="10279380" cy="4351655"/>
+          </a:xfrm>
+          <a:prstGeom prst="rect">
+            <a:avLst/>
+          </a:prstGeom>
+        </p:spPr>
+      </p:pic>
+      <p:sp>
+        <p:nvSpPr>
+          <p:cNvPr id="3" name="Slide Number Placeholder 2"/>
+          <p:cNvSpPr>
+            <a:spLocks noGrp="1"/>
+          </p:cNvSpPr>
+          <p:nvPr>
+            <p:ph type="sldNum" sz="quarter" idx="12"/>
+          </p:nvPr>
+        </p:nvSpPr>
+        <p:spPr/>
+        <p:txBody>
+          <a:bodyPr/>
+          <a:lstStyle/>
+          <a:p>
+            <a:fld id="{9B618960-8005-486C-9A75-10CB2AAC16F9}" type="slidenum">
+              <a:rPr lang="en-US" smtClean="0"/>
+              <a:t>11</a:t>
+            </a:fld>
+            <a:endParaRPr lang="en-US"/>
+          </a:p>
+        </p:txBody>
+      </p:sp>
+    </p:spTree>
+  </p:cSld>
+  <p:clrMapOvr>
+    <a:masterClrMapping/>
+  </p:clrMapOvr>
+</p:sld>
+</file>
+
+<file path=ppt/slides/slide12.xml><?xml version="1.0" encoding="utf-8"?>
+<p:sld xmlns:a="http://schemas.openxmlformats.org/drawingml/2006/main" xmlns:r="http://schemas.openxmlformats.org/officeDocument/2006/relationships" xmlns:p="http://schemas.openxmlformats.org/presentationml/2006/main">
+  <p:cSld>
+    <p:spTree>
+      <p:nvGrpSpPr>
+        <p:cNvPr id="1" name=""/>
+        <p:cNvGrpSpPr/>
+        <p:nvPr/>
+      </p:nvGrpSpPr>
+      <p:grpSpPr>
+        <a:xfrm>
+          <a:off x="0" y="0"/>
+          <a:ext cx="0" cy="0"/>
+          <a:chOff x="0" y="0"/>
+          <a:chExt cx="0" cy="0"/>
+        </a:xfrm>
+      </p:grpSpPr>
+      <p:sp>
+        <p:nvSpPr>
+          <p:cNvPr id="2" name="Title 1"/>
+          <p:cNvSpPr>
+            <a:spLocks noGrp="1"/>
+          </p:cNvSpPr>
+          <p:nvPr>
+            <p:ph type="title"/>
+          </p:nvPr>
+        </p:nvSpPr>
+        <p:spPr/>
+        <p:txBody>
+          <a:bodyPr/>
+          <a:lstStyle/>
+          <a:p>
+            <a:r>
+              <a:rPr lang="en-US"/>
               <a:t>Example 3: Marketing automation</a:t>
             </a:r>
           </a:p>
@@ -3765,7 +3959,7 @@
           <a:p>
             <a:fld id="{9B618960-8005-486C-9A75-10CB2AAC16F9}" type="slidenum">
               <a:rPr lang="en-US" smtClean="0"/>
-              <a:t>10</a:t>
+              <a:t>12</a:t>
             </a:fld>
             <a:endParaRPr lang="en-US"/>
           </a:p>
@@ -3779,7 +3973,7 @@
 </p:sld>
 </file>
 
-<file path=ppt/slides/slide11.xml><?xml version="1.0" encoding="utf-8"?>
+<file path=ppt/slides/slide13.xml><?xml version="1.0" encoding="utf-8"?>
 <p:sld xmlns:a="http://schemas.openxmlformats.org/drawingml/2006/main" xmlns:r="http://schemas.openxmlformats.org/officeDocument/2006/relationships" xmlns:p="http://schemas.openxmlformats.org/presentationml/2006/main">
   <p:cSld>
     <p:spTree>
@@ -3864,7 +4058,7 @@
           <a:p>
             <a:fld id="{9B618960-8005-486C-9A75-10CB2AAC16F9}" type="slidenum">
               <a:rPr lang="en-US" smtClean="0"/>
-              <a:t>11</a:t>
+              <a:t>13</a:t>
             </a:fld>
             <a:endParaRPr lang="en-US"/>
           </a:p>
@@ -3878,7 +4072,7 @@
 </p:sld>
 </file>
 
-<file path=ppt/slides/slide12.xml><?xml version="1.0" encoding="utf-8"?>
+<file path=ppt/slides/slide14.xml><?xml version="1.0" encoding="utf-8"?>
 <p:sld xmlns:a="http://schemas.openxmlformats.org/drawingml/2006/main" xmlns:r="http://schemas.openxmlformats.org/officeDocument/2006/relationships" xmlns:p="http://schemas.openxmlformats.org/presentationml/2006/main">
   <p:cSld>
     <p:spTree>
@@ -3960,7 +4154,7 @@
           <a:p>
             <a:fld id="{9B618960-8005-486C-9A75-10CB2AAC16F9}" type="slidenum">
               <a:rPr lang="en-US" smtClean="0"/>
-              <a:t>12</a:t>
+              <a:t>14</a:t>
             </a:fld>
             <a:endParaRPr lang="en-US"/>
           </a:p>
@@ -3974,7 +4168,7 @@
 </p:sld>
 </file>
 
-<file path=ppt/slides/slide13.xml><?xml version="1.0" encoding="utf-8"?>
+<file path=ppt/slides/slide15.xml><?xml version="1.0" encoding="utf-8"?>
 <p:sld xmlns:a="http://schemas.openxmlformats.org/drawingml/2006/main" xmlns:r="http://schemas.openxmlformats.org/officeDocument/2006/relationships" xmlns:p="http://schemas.openxmlformats.org/presentationml/2006/main">
   <p:cSld>
     <p:spTree>
@@ -4028,7 +4222,7 @@
         <p:spPr/>
         <p:txBody>
           <a:bodyPr>
-            <a:normAutofit fontScale="75000" lnSpcReduction="10000"/>
+            <a:normAutofit fontScale="75000" lnSpcReduction="20000"/>
           </a:bodyPr>
           <a:lstStyle/>
           <a:p>
@@ -4212,7 +4406,7 @@
           <a:p>
             <a:fld id="{9B618960-8005-486C-9A75-10CB2AAC16F9}" type="slidenum">
               <a:rPr lang="en-US" smtClean="0"/>
-              <a:t>13</a:t>
+              <a:t>15</a:t>
             </a:fld>
             <a:endParaRPr lang="en-US"/>
           </a:p>
@@ -4226,7 +4420,7 @@
 </p:sld>
 </file>
 
-<file path=ppt/slides/slide14.xml><?xml version="1.0" encoding="utf-8"?>
+<file path=ppt/slides/slide16.xml><?xml version="1.0" encoding="utf-8"?>
 <p:sld xmlns:a="http://schemas.openxmlformats.org/drawingml/2006/main" xmlns:r="http://schemas.openxmlformats.org/officeDocument/2006/relationships" xmlns:p="http://schemas.openxmlformats.org/presentationml/2006/main">
   <p:cSld>
     <p:spTree>
@@ -4334,7 +4528,7 @@
           <a:p>
             <a:fld id="{9B618960-8005-486C-9A75-10CB2AAC16F9}" type="slidenum">
               <a:rPr lang="en-US" smtClean="0"/>
-              <a:t>14</a:t>
+              <a:t>16</a:t>
             </a:fld>
             <a:endParaRPr lang="en-US"/>
           </a:p>
@@ -12863,7 +13057,13 @@
       </p:grpSpPr>
       <p:sp>
         <p:nvSpPr>
-          <p:cNvPr id="4" name="Title 3"/>
+          <p:cNvPr id="2" name="Title 1">
+            <a:extLst>
+              <a:ext uri="{FF2B5EF4-FFF2-40B4-BE49-F238E27FC236}">
+                <a16:creationId xmlns:a16="http://schemas.microsoft.com/office/drawing/2014/main" id="{6E96AA8D-27B0-EE7B-565B-362FCC317252}"/>
+              </a:ext>
+            </a:extLst>
+          </p:cNvPr>
           <p:cNvSpPr>
             <a:spLocks noGrp="1"/>
           </p:cNvSpPr>
@@ -12871,19 +13071,2841 @@
             <p:ph type="title"/>
           </p:nvPr>
         </p:nvSpPr>
+        <p:spPr>
+          <a:xfrm>
+            <a:off x="10422294" y="2679117"/>
+            <a:ext cx="1677954" cy="2434059"/>
+          </a:xfrm>
+        </p:spPr>
+        <p:txBody>
+          <a:bodyPr>
+            <a:noAutofit/>
+          </a:bodyPr>
+          <a:lstStyle/>
+          <a:p>
+            <a:r>
+              <a:rPr lang="en-US" sz="2800" b="1" dirty="0"/>
+              <a:t>Resilience Planner</a:t>
+            </a:r>
+            <a:r>
+              <a:rPr lang="en-US" sz="2800" dirty="0"/>
+              <a:t> (focused on critical infrastructures)</a:t>
+            </a:r>
+          </a:p>
+        </p:txBody>
+      </p:sp>
+      <p:sp>
+        <p:nvSpPr>
+          <p:cNvPr id="4" name="Slide Number Placeholder 3">
+            <a:extLst>
+              <a:ext uri="{FF2B5EF4-FFF2-40B4-BE49-F238E27FC236}">
+                <a16:creationId xmlns:a16="http://schemas.microsoft.com/office/drawing/2014/main" id="{5A66FA3E-5580-81BD-BAC3-F3E3A7075533}"/>
+              </a:ext>
+            </a:extLst>
+          </p:cNvPr>
+          <p:cNvSpPr>
+            <a:spLocks noGrp="1"/>
+          </p:cNvSpPr>
+          <p:nvPr>
+            <p:ph type="sldNum" sz="quarter" idx="12"/>
+          </p:nvPr>
+        </p:nvSpPr>
         <p:spPr/>
         <p:txBody>
           <a:bodyPr/>
           <a:lstStyle/>
           <a:p>
-            <a:r>
-              <a:rPr lang="en-US"/>
-              <a:t>New workflows and new Opportunities</a:t>
-            </a:r>
+            <a:fld id="{9B618960-8005-486C-9A75-10CB2AAC16F9}" type="slidenum">
+              <a:rPr lang="en-US" smtClean="0"/>
+              <a:t>7</a:t>
+            </a:fld>
+            <a:endParaRPr lang="en-US"/>
           </a:p>
         </p:txBody>
       </p:sp>
+      <p:graphicFrame>
+        <p:nvGraphicFramePr>
+          <p:cNvPr id="5" name="Table 4">
+            <a:extLst>
+              <a:ext uri="{FF2B5EF4-FFF2-40B4-BE49-F238E27FC236}">
+                <a16:creationId xmlns:a16="http://schemas.microsoft.com/office/drawing/2014/main" id="{6107A93E-E0F8-3DD7-55F8-F5C9AF3D7CDB}"/>
+              </a:ext>
+            </a:extLst>
+          </p:cNvPr>
+          <p:cNvGraphicFramePr>
+            <a:graphicFrameLocks noGrp="1"/>
+          </p:cNvGraphicFramePr>
+          <p:nvPr>
+            <p:extLst>
+              <p:ext uri="{D42A27DB-BD31-4B8C-83A1-F6EECF244321}">
+                <p14:modId xmlns:p14="http://schemas.microsoft.com/office/powerpoint/2010/main" val="130275691"/>
+              </p:ext>
+            </p:extLst>
+          </p:nvPr>
+        </p:nvGraphicFramePr>
+        <p:xfrm>
+          <a:off x="91752" y="89504"/>
+          <a:ext cx="10395856" cy="6677258"/>
+        </p:xfrm>
+        <a:graphic>
+          <a:graphicData uri="http://schemas.openxmlformats.org/drawingml/2006/table">
+            <a:tbl>
+              <a:tblPr/>
+              <a:tblGrid>
+                <a:gridCol w="3903489">
+                  <a:extLst>
+                    <a:ext uri="{9D8B030D-6E8A-4147-A177-3AD203B41FA5}">
+                      <a16:colId xmlns:a16="http://schemas.microsoft.com/office/drawing/2014/main" val="3476841642"/>
+                    </a:ext>
+                  </a:extLst>
+                </a:gridCol>
+                <a:gridCol w="1413580">
+                  <a:extLst>
+                    <a:ext uri="{9D8B030D-6E8A-4147-A177-3AD203B41FA5}">
+                      <a16:colId xmlns:a16="http://schemas.microsoft.com/office/drawing/2014/main" val="1149879210"/>
+                    </a:ext>
+                  </a:extLst>
+                </a:gridCol>
+                <a:gridCol w="5078787">
+                  <a:extLst>
+                    <a:ext uri="{9D8B030D-6E8A-4147-A177-3AD203B41FA5}">
+                      <a16:colId xmlns:a16="http://schemas.microsoft.com/office/drawing/2014/main" val="2740241622"/>
+                    </a:ext>
+                  </a:extLst>
+                </a:gridCol>
+              </a:tblGrid>
+              <a:tr h="181577">
+                <a:tc>
+                  <a:txBody>
+                    <a:bodyPr/>
+                    <a:lstStyle/>
+                    <a:p>
+                      <a:pPr>
+                        <a:buNone/>
+                      </a:pPr>
+                      <a:r>
+                        <a:rPr lang="en-US" sz="1400" b="1"/>
+                        <a:t>Task</a:t>
+                      </a:r>
+                      <a:endParaRPr lang="en-US" sz="1400"/>
+                    </a:p>
+                  </a:txBody>
+                  <a:tcPr marL="30009" marR="30009" marT="15005" marB="15005" anchor="ctr">
+                    <a:lnL w="12700" cap="flat" cmpd="sng" algn="ctr">
+                      <a:solidFill>
+                        <a:schemeClr val="tx1"/>
+                      </a:solidFill>
+                      <a:prstDash val="solid"/>
+                      <a:round/>
+                      <a:headEnd type="none" w="med" len="med"/>
+                      <a:tailEnd type="none" w="med" len="med"/>
+                    </a:lnL>
+                    <a:lnR w="12700" cap="flat" cmpd="sng" algn="ctr">
+                      <a:solidFill>
+                        <a:schemeClr val="tx1"/>
+                      </a:solidFill>
+                      <a:prstDash val="solid"/>
+                      <a:round/>
+                      <a:headEnd type="none" w="med" len="med"/>
+                      <a:tailEnd type="none" w="med" len="med"/>
+                    </a:lnR>
+                    <a:lnT w="12700" cap="flat" cmpd="sng" algn="ctr">
+                      <a:solidFill>
+                        <a:schemeClr val="tx1"/>
+                      </a:solidFill>
+                      <a:prstDash val="solid"/>
+                      <a:round/>
+                      <a:headEnd type="none" w="med" len="med"/>
+                      <a:tailEnd type="none" w="med" len="med"/>
+                    </a:lnT>
+                    <a:lnB w="12700" cap="flat" cmpd="sng" algn="ctr">
+                      <a:solidFill>
+                        <a:schemeClr val="tx1"/>
+                      </a:solidFill>
+                      <a:prstDash val="solid"/>
+                      <a:round/>
+                      <a:headEnd type="none" w="med" len="med"/>
+                      <a:tailEnd type="none" w="med" len="med"/>
+                    </a:lnB>
+                    <a:noFill/>
+                  </a:tcPr>
+                </a:tc>
+                <a:tc>
+                  <a:txBody>
+                    <a:bodyPr/>
+                    <a:lstStyle/>
+                    <a:p>
+                      <a:pPr>
+                        <a:buNone/>
+                      </a:pPr>
+                      <a:r>
+                        <a:rPr lang="en-US" sz="1400" b="1"/>
+                        <a:t>GenAI Potential</a:t>
+                      </a:r>
+                      <a:endParaRPr lang="en-US" sz="1400"/>
+                    </a:p>
+                  </a:txBody>
+                  <a:tcPr marL="30009" marR="30009" marT="15005" marB="15005" anchor="ctr">
+                    <a:lnL w="12700" cap="flat" cmpd="sng" algn="ctr">
+                      <a:solidFill>
+                        <a:schemeClr val="tx1"/>
+                      </a:solidFill>
+                      <a:prstDash val="solid"/>
+                      <a:round/>
+                      <a:headEnd type="none" w="med" len="med"/>
+                      <a:tailEnd type="none" w="med" len="med"/>
+                    </a:lnL>
+                    <a:lnR w="12700" cap="flat" cmpd="sng" algn="ctr">
+                      <a:solidFill>
+                        <a:schemeClr val="tx1"/>
+                      </a:solidFill>
+                      <a:prstDash val="solid"/>
+                      <a:round/>
+                      <a:headEnd type="none" w="med" len="med"/>
+                      <a:tailEnd type="none" w="med" len="med"/>
+                    </a:lnR>
+                    <a:lnT w="12700" cap="flat" cmpd="sng" algn="ctr">
+                      <a:solidFill>
+                        <a:schemeClr val="tx1"/>
+                      </a:solidFill>
+                      <a:prstDash val="solid"/>
+                      <a:round/>
+                      <a:headEnd type="none" w="med" len="med"/>
+                      <a:tailEnd type="none" w="med" len="med"/>
+                    </a:lnT>
+                    <a:lnB w="12700" cap="flat" cmpd="sng" algn="ctr">
+                      <a:solidFill>
+                        <a:schemeClr val="tx1"/>
+                      </a:solidFill>
+                      <a:prstDash val="solid"/>
+                      <a:round/>
+                      <a:headEnd type="none" w="med" len="med"/>
+                      <a:tailEnd type="none" w="med" len="med"/>
+                    </a:lnB>
+                    <a:noFill/>
+                  </a:tcPr>
+                </a:tc>
+                <a:tc>
+                  <a:txBody>
+                    <a:bodyPr/>
+                    <a:lstStyle/>
+                    <a:p>
+                      <a:pPr>
+                        <a:buNone/>
+                      </a:pPr>
+                      <a:r>
+                        <a:rPr lang="en-US" sz="1400" b="1"/>
+                        <a:t>Notes / Examples</a:t>
+                      </a:r>
+                      <a:endParaRPr lang="en-US" sz="1400"/>
+                    </a:p>
+                  </a:txBody>
+                  <a:tcPr marL="30009" marR="30009" marT="15005" marB="15005" anchor="ctr">
+                    <a:lnL w="12700" cap="flat" cmpd="sng" algn="ctr">
+                      <a:solidFill>
+                        <a:schemeClr val="tx1"/>
+                      </a:solidFill>
+                      <a:prstDash val="solid"/>
+                      <a:round/>
+                      <a:headEnd type="none" w="med" len="med"/>
+                      <a:tailEnd type="none" w="med" len="med"/>
+                    </a:lnL>
+                    <a:lnR w="12700" cap="flat" cmpd="sng" algn="ctr">
+                      <a:solidFill>
+                        <a:schemeClr val="tx1"/>
+                      </a:solidFill>
+                      <a:prstDash val="solid"/>
+                      <a:round/>
+                      <a:headEnd type="none" w="med" len="med"/>
+                      <a:tailEnd type="none" w="med" len="med"/>
+                    </a:lnR>
+                    <a:lnT w="12700" cap="flat" cmpd="sng" algn="ctr">
+                      <a:solidFill>
+                        <a:schemeClr val="tx1"/>
+                      </a:solidFill>
+                      <a:prstDash val="solid"/>
+                      <a:round/>
+                      <a:headEnd type="none" w="med" len="med"/>
+                      <a:tailEnd type="none" w="med" len="med"/>
+                    </a:lnT>
+                    <a:lnB w="12700" cap="flat" cmpd="sng" algn="ctr">
+                      <a:solidFill>
+                        <a:schemeClr val="tx1"/>
+                      </a:solidFill>
+                      <a:prstDash val="solid"/>
+                      <a:round/>
+                      <a:headEnd type="none" w="med" len="med"/>
+                      <a:tailEnd type="none" w="med" len="med"/>
+                    </a:lnB>
+                    <a:noFill/>
+                  </a:tcPr>
+                </a:tc>
+                <a:extLst>
+                  <a:ext uri="{0D108BD9-81ED-4DB2-BD59-A6C34878D82A}">
+                    <a16:rowId xmlns:a16="http://schemas.microsoft.com/office/drawing/2014/main" val="1959614789"/>
+                  </a:ext>
+                </a:extLst>
+              </a:tr>
+              <a:tr h="454997">
+                <a:tc>
+                  <a:txBody>
+                    <a:bodyPr/>
+                    <a:lstStyle/>
+                    <a:p>
+                      <a:pPr>
+                        <a:buNone/>
+                      </a:pPr>
+                      <a:r>
+                        <a:rPr lang="en-US" sz="1400"/>
+                        <a:t>Risk assessment and scenario analysis</a:t>
+                      </a:r>
+                    </a:p>
+                  </a:txBody>
+                  <a:tcPr marL="30009" marR="30009" marT="15005" marB="15005" anchor="ctr">
+                    <a:lnL w="12700" cap="flat" cmpd="sng" algn="ctr">
+                      <a:solidFill>
+                        <a:schemeClr val="tx1"/>
+                      </a:solidFill>
+                      <a:prstDash val="solid"/>
+                      <a:round/>
+                      <a:headEnd type="none" w="med" len="med"/>
+                      <a:tailEnd type="none" w="med" len="med"/>
+                    </a:lnL>
+                    <a:lnR w="12700" cap="flat" cmpd="sng" algn="ctr">
+                      <a:solidFill>
+                        <a:schemeClr val="tx1"/>
+                      </a:solidFill>
+                      <a:prstDash val="solid"/>
+                      <a:round/>
+                      <a:headEnd type="none" w="med" len="med"/>
+                      <a:tailEnd type="none" w="med" len="med"/>
+                    </a:lnR>
+                    <a:lnT w="12700" cap="flat" cmpd="sng" algn="ctr">
+                      <a:solidFill>
+                        <a:schemeClr val="tx1"/>
+                      </a:solidFill>
+                      <a:prstDash val="solid"/>
+                      <a:round/>
+                      <a:headEnd type="none" w="med" len="med"/>
+                      <a:tailEnd type="none" w="med" len="med"/>
+                    </a:lnT>
+                    <a:lnB w="12700" cap="flat" cmpd="sng" algn="ctr">
+                      <a:solidFill>
+                        <a:schemeClr val="tx1"/>
+                      </a:solidFill>
+                      <a:prstDash val="solid"/>
+                      <a:round/>
+                      <a:headEnd type="none" w="med" len="med"/>
+                      <a:tailEnd type="none" w="med" len="med"/>
+                    </a:lnB>
+                    <a:noFill/>
+                  </a:tcPr>
+                </a:tc>
+                <a:tc>
+                  <a:txBody>
+                    <a:bodyPr/>
+                    <a:lstStyle/>
+                    <a:p>
+                      <a:pPr>
+                        <a:buNone/>
+                      </a:pPr>
+                      <a:r>
+                        <a:rPr lang="en-US" sz="1400" b="1"/>
+                        <a:t>High</a:t>
+                      </a:r>
+                      <a:endParaRPr lang="en-US" sz="1400"/>
+                    </a:p>
+                  </a:txBody>
+                  <a:tcPr marL="30009" marR="30009" marT="15005" marB="15005" anchor="ctr">
+                    <a:lnL w="12700" cap="flat" cmpd="sng" algn="ctr">
+                      <a:solidFill>
+                        <a:schemeClr val="tx1"/>
+                      </a:solidFill>
+                      <a:prstDash val="solid"/>
+                      <a:round/>
+                      <a:headEnd type="none" w="med" len="med"/>
+                      <a:tailEnd type="none" w="med" len="med"/>
+                    </a:lnL>
+                    <a:lnR w="12700" cap="flat" cmpd="sng" algn="ctr">
+                      <a:solidFill>
+                        <a:schemeClr val="tx1"/>
+                      </a:solidFill>
+                      <a:prstDash val="solid"/>
+                      <a:round/>
+                      <a:headEnd type="none" w="med" len="med"/>
+                      <a:tailEnd type="none" w="med" len="med"/>
+                    </a:lnR>
+                    <a:lnT w="12700" cap="flat" cmpd="sng" algn="ctr">
+                      <a:solidFill>
+                        <a:schemeClr val="tx1"/>
+                      </a:solidFill>
+                      <a:prstDash val="solid"/>
+                      <a:round/>
+                      <a:headEnd type="none" w="med" len="med"/>
+                      <a:tailEnd type="none" w="med" len="med"/>
+                    </a:lnT>
+                    <a:lnB w="12700" cap="flat" cmpd="sng" algn="ctr">
+                      <a:solidFill>
+                        <a:schemeClr val="tx1"/>
+                      </a:solidFill>
+                      <a:prstDash val="solid"/>
+                      <a:round/>
+                      <a:headEnd type="none" w="med" len="med"/>
+                      <a:tailEnd type="none" w="med" len="med"/>
+                    </a:lnB>
+                    <a:noFill/>
+                  </a:tcPr>
+                </a:tc>
+                <a:tc>
+                  <a:txBody>
+                    <a:bodyPr/>
+                    <a:lstStyle/>
+                    <a:p>
+                      <a:pPr>
+                        <a:buNone/>
+                      </a:pPr>
+                      <a:r>
+                        <a:rPr lang="en-US" sz="1400"/>
+                        <a:t>GenAI can analyze historical data, simulate threats, and generate potential impact scenarios.</a:t>
+                      </a:r>
+                    </a:p>
+                  </a:txBody>
+                  <a:tcPr marL="30009" marR="30009" marT="15005" marB="15005" anchor="ctr">
+                    <a:lnL w="12700" cap="flat" cmpd="sng" algn="ctr">
+                      <a:solidFill>
+                        <a:schemeClr val="tx1"/>
+                      </a:solidFill>
+                      <a:prstDash val="solid"/>
+                      <a:round/>
+                      <a:headEnd type="none" w="med" len="med"/>
+                      <a:tailEnd type="none" w="med" len="med"/>
+                    </a:lnL>
+                    <a:lnR w="12700" cap="flat" cmpd="sng" algn="ctr">
+                      <a:solidFill>
+                        <a:schemeClr val="tx1"/>
+                      </a:solidFill>
+                      <a:prstDash val="solid"/>
+                      <a:round/>
+                      <a:headEnd type="none" w="med" len="med"/>
+                      <a:tailEnd type="none" w="med" len="med"/>
+                    </a:lnR>
+                    <a:lnT w="12700" cap="flat" cmpd="sng" algn="ctr">
+                      <a:solidFill>
+                        <a:schemeClr val="tx1"/>
+                      </a:solidFill>
+                      <a:prstDash val="solid"/>
+                      <a:round/>
+                      <a:headEnd type="none" w="med" len="med"/>
+                      <a:tailEnd type="none" w="med" len="med"/>
+                    </a:lnT>
+                    <a:lnB w="12700" cap="flat" cmpd="sng" algn="ctr">
+                      <a:solidFill>
+                        <a:schemeClr val="tx1"/>
+                      </a:solidFill>
+                      <a:prstDash val="solid"/>
+                      <a:round/>
+                      <a:headEnd type="none" w="med" len="med"/>
+                      <a:tailEnd type="none" w="med" len="med"/>
+                    </a:lnB>
+                    <a:noFill/>
+                  </a:tcPr>
+                </a:tc>
+                <a:extLst>
+                  <a:ext uri="{0D108BD9-81ED-4DB2-BD59-A6C34878D82A}">
+                    <a16:rowId xmlns:a16="http://schemas.microsoft.com/office/drawing/2014/main" val="2980701744"/>
+                  </a:ext>
+                </a:extLst>
+              </a:tr>
+              <a:tr h="454997">
+                <a:tc>
+                  <a:txBody>
+                    <a:bodyPr/>
+                    <a:lstStyle/>
+                    <a:p>
+                      <a:pPr>
+                        <a:buNone/>
+                      </a:pPr>
+                      <a:r>
+                        <a:rPr lang="en-US" sz="1400" dirty="0"/>
+                        <a:t>Infrastructure vulnerability mapping</a:t>
+                      </a:r>
+                    </a:p>
+                  </a:txBody>
+                  <a:tcPr marL="30009" marR="30009" marT="15005" marB="15005" anchor="ctr">
+                    <a:lnL w="12700" cap="flat" cmpd="sng" algn="ctr">
+                      <a:solidFill>
+                        <a:schemeClr val="tx1"/>
+                      </a:solidFill>
+                      <a:prstDash val="solid"/>
+                      <a:round/>
+                      <a:headEnd type="none" w="med" len="med"/>
+                      <a:tailEnd type="none" w="med" len="med"/>
+                    </a:lnL>
+                    <a:lnR w="12700" cap="flat" cmpd="sng" algn="ctr">
+                      <a:solidFill>
+                        <a:schemeClr val="tx1"/>
+                      </a:solidFill>
+                      <a:prstDash val="solid"/>
+                      <a:round/>
+                      <a:headEnd type="none" w="med" len="med"/>
+                      <a:tailEnd type="none" w="med" len="med"/>
+                    </a:lnR>
+                    <a:lnT w="12700" cap="flat" cmpd="sng" algn="ctr">
+                      <a:solidFill>
+                        <a:schemeClr val="tx1"/>
+                      </a:solidFill>
+                      <a:prstDash val="solid"/>
+                      <a:round/>
+                      <a:headEnd type="none" w="med" len="med"/>
+                      <a:tailEnd type="none" w="med" len="med"/>
+                    </a:lnT>
+                    <a:lnB w="12700" cap="flat" cmpd="sng" algn="ctr">
+                      <a:solidFill>
+                        <a:schemeClr val="tx1"/>
+                      </a:solidFill>
+                      <a:prstDash val="solid"/>
+                      <a:round/>
+                      <a:headEnd type="none" w="med" len="med"/>
+                      <a:tailEnd type="none" w="med" len="med"/>
+                    </a:lnB>
+                    <a:noFill/>
+                  </a:tcPr>
+                </a:tc>
+                <a:tc>
+                  <a:txBody>
+                    <a:bodyPr/>
+                    <a:lstStyle/>
+                    <a:p>
+                      <a:pPr>
+                        <a:buNone/>
+                      </a:pPr>
+                      <a:r>
+                        <a:rPr lang="en-US" sz="1400" b="1"/>
+                        <a:t>High</a:t>
+                      </a:r>
+                      <a:endParaRPr lang="en-US" sz="1400"/>
+                    </a:p>
+                  </a:txBody>
+                  <a:tcPr marL="30009" marR="30009" marT="15005" marB="15005" anchor="ctr">
+                    <a:lnL w="12700" cap="flat" cmpd="sng" algn="ctr">
+                      <a:solidFill>
+                        <a:schemeClr val="tx1"/>
+                      </a:solidFill>
+                      <a:prstDash val="solid"/>
+                      <a:round/>
+                      <a:headEnd type="none" w="med" len="med"/>
+                      <a:tailEnd type="none" w="med" len="med"/>
+                    </a:lnL>
+                    <a:lnR w="12700" cap="flat" cmpd="sng" algn="ctr">
+                      <a:solidFill>
+                        <a:schemeClr val="tx1"/>
+                      </a:solidFill>
+                      <a:prstDash val="solid"/>
+                      <a:round/>
+                      <a:headEnd type="none" w="med" len="med"/>
+                      <a:tailEnd type="none" w="med" len="med"/>
+                    </a:lnR>
+                    <a:lnT w="12700" cap="flat" cmpd="sng" algn="ctr">
+                      <a:solidFill>
+                        <a:schemeClr val="tx1"/>
+                      </a:solidFill>
+                      <a:prstDash val="solid"/>
+                      <a:round/>
+                      <a:headEnd type="none" w="med" len="med"/>
+                      <a:tailEnd type="none" w="med" len="med"/>
+                    </a:lnT>
+                    <a:lnB w="12700" cap="flat" cmpd="sng" algn="ctr">
+                      <a:solidFill>
+                        <a:schemeClr val="tx1"/>
+                      </a:solidFill>
+                      <a:prstDash val="solid"/>
+                      <a:round/>
+                      <a:headEnd type="none" w="med" len="med"/>
+                      <a:tailEnd type="none" w="med" len="med"/>
+                    </a:lnB>
+                    <a:noFill/>
+                  </a:tcPr>
+                </a:tc>
+                <a:tc>
+                  <a:txBody>
+                    <a:bodyPr/>
+                    <a:lstStyle/>
+                    <a:p>
+                      <a:pPr>
+                        <a:buNone/>
+                      </a:pPr>
+                      <a:r>
+                        <a:rPr lang="en-US" sz="1400"/>
+                        <a:t>Can process sensor, GIS, and maintenance data to identify weak points.</a:t>
+                      </a:r>
+                    </a:p>
+                  </a:txBody>
+                  <a:tcPr marL="30009" marR="30009" marT="15005" marB="15005" anchor="ctr">
+                    <a:lnL w="12700" cap="flat" cmpd="sng" algn="ctr">
+                      <a:solidFill>
+                        <a:schemeClr val="tx1"/>
+                      </a:solidFill>
+                      <a:prstDash val="solid"/>
+                      <a:round/>
+                      <a:headEnd type="none" w="med" len="med"/>
+                      <a:tailEnd type="none" w="med" len="med"/>
+                    </a:lnL>
+                    <a:lnR w="12700" cap="flat" cmpd="sng" algn="ctr">
+                      <a:solidFill>
+                        <a:schemeClr val="tx1"/>
+                      </a:solidFill>
+                      <a:prstDash val="solid"/>
+                      <a:round/>
+                      <a:headEnd type="none" w="med" len="med"/>
+                      <a:tailEnd type="none" w="med" len="med"/>
+                    </a:lnR>
+                    <a:lnT w="12700" cap="flat" cmpd="sng" algn="ctr">
+                      <a:solidFill>
+                        <a:schemeClr val="tx1"/>
+                      </a:solidFill>
+                      <a:prstDash val="solid"/>
+                      <a:round/>
+                      <a:headEnd type="none" w="med" len="med"/>
+                      <a:tailEnd type="none" w="med" len="med"/>
+                    </a:lnT>
+                    <a:lnB w="12700" cap="flat" cmpd="sng" algn="ctr">
+                      <a:solidFill>
+                        <a:schemeClr val="tx1"/>
+                      </a:solidFill>
+                      <a:prstDash val="solid"/>
+                      <a:round/>
+                      <a:headEnd type="none" w="med" len="med"/>
+                      <a:tailEnd type="none" w="med" len="med"/>
+                    </a:lnB>
+                    <a:noFill/>
+                  </a:tcPr>
+                </a:tc>
+                <a:extLst>
+                  <a:ext uri="{0D108BD9-81ED-4DB2-BD59-A6C34878D82A}">
+                    <a16:rowId xmlns:a16="http://schemas.microsoft.com/office/drawing/2014/main" val="3835723933"/>
+                  </a:ext>
+                </a:extLst>
+              </a:tr>
+              <a:tr h="454997">
+                <a:tc>
+                  <a:txBody>
+                    <a:bodyPr/>
+                    <a:lstStyle/>
+                    <a:p>
+                      <a:pPr>
+                        <a:buNone/>
+                      </a:pPr>
+                      <a:r>
+                        <a:rPr lang="en-US" sz="1400"/>
+                        <a:t>Developing resilience strategies</a:t>
+                      </a:r>
+                    </a:p>
+                  </a:txBody>
+                  <a:tcPr marL="30009" marR="30009" marT="15005" marB="15005" anchor="ctr">
+                    <a:lnL w="12700" cap="flat" cmpd="sng" algn="ctr">
+                      <a:solidFill>
+                        <a:schemeClr val="tx1"/>
+                      </a:solidFill>
+                      <a:prstDash val="solid"/>
+                      <a:round/>
+                      <a:headEnd type="none" w="med" len="med"/>
+                      <a:tailEnd type="none" w="med" len="med"/>
+                    </a:lnL>
+                    <a:lnR w="12700" cap="flat" cmpd="sng" algn="ctr">
+                      <a:solidFill>
+                        <a:schemeClr val="tx1"/>
+                      </a:solidFill>
+                      <a:prstDash val="solid"/>
+                      <a:round/>
+                      <a:headEnd type="none" w="med" len="med"/>
+                      <a:tailEnd type="none" w="med" len="med"/>
+                    </a:lnR>
+                    <a:lnT w="12700" cap="flat" cmpd="sng" algn="ctr">
+                      <a:solidFill>
+                        <a:schemeClr val="tx1"/>
+                      </a:solidFill>
+                      <a:prstDash val="solid"/>
+                      <a:round/>
+                      <a:headEnd type="none" w="med" len="med"/>
+                      <a:tailEnd type="none" w="med" len="med"/>
+                    </a:lnT>
+                    <a:lnB w="12700" cap="flat" cmpd="sng" algn="ctr">
+                      <a:solidFill>
+                        <a:schemeClr val="tx1"/>
+                      </a:solidFill>
+                      <a:prstDash val="solid"/>
+                      <a:round/>
+                      <a:headEnd type="none" w="med" len="med"/>
+                      <a:tailEnd type="none" w="med" len="med"/>
+                    </a:lnB>
+                    <a:noFill/>
+                  </a:tcPr>
+                </a:tc>
+                <a:tc>
+                  <a:txBody>
+                    <a:bodyPr/>
+                    <a:lstStyle/>
+                    <a:p>
+                      <a:pPr>
+                        <a:buNone/>
+                      </a:pPr>
+                      <a:r>
+                        <a:rPr lang="en-US" sz="1400" b="1"/>
+                        <a:t>Medium</a:t>
+                      </a:r>
+                      <a:endParaRPr lang="en-US" sz="1400"/>
+                    </a:p>
+                  </a:txBody>
+                  <a:tcPr marL="30009" marR="30009" marT="15005" marB="15005" anchor="ctr">
+                    <a:lnL w="12700" cap="flat" cmpd="sng" algn="ctr">
+                      <a:solidFill>
+                        <a:schemeClr val="tx1"/>
+                      </a:solidFill>
+                      <a:prstDash val="solid"/>
+                      <a:round/>
+                      <a:headEnd type="none" w="med" len="med"/>
+                      <a:tailEnd type="none" w="med" len="med"/>
+                    </a:lnL>
+                    <a:lnR w="12700" cap="flat" cmpd="sng" algn="ctr">
+                      <a:solidFill>
+                        <a:schemeClr val="tx1"/>
+                      </a:solidFill>
+                      <a:prstDash val="solid"/>
+                      <a:round/>
+                      <a:headEnd type="none" w="med" len="med"/>
+                      <a:tailEnd type="none" w="med" len="med"/>
+                    </a:lnR>
+                    <a:lnT w="12700" cap="flat" cmpd="sng" algn="ctr">
+                      <a:solidFill>
+                        <a:schemeClr val="tx1"/>
+                      </a:solidFill>
+                      <a:prstDash val="solid"/>
+                      <a:round/>
+                      <a:headEnd type="none" w="med" len="med"/>
+                      <a:tailEnd type="none" w="med" len="med"/>
+                    </a:lnT>
+                    <a:lnB w="12700" cap="flat" cmpd="sng" algn="ctr">
+                      <a:solidFill>
+                        <a:schemeClr val="tx1"/>
+                      </a:solidFill>
+                      <a:prstDash val="solid"/>
+                      <a:round/>
+                      <a:headEnd type="none" w="med" len="med"/>
+                      <a:tailEnd type="none" w="med" len="med"/>
+                    </a:lnB>
+                    <a:noFill/>
+                  </a:tcPr>
+                </a:tc>
+                <a:tc>
+                  <a:txBody>
+                    <a:bodyPr/>
+                    <a:lstStyle/>
+                    <a:p>
+                      <a:pPr>
+                        <a:buNone/>
+                      </a:pPr>
+                      <a:r>
+                        <a:rPr lang="en-US" sz="1400"/>
+                        <a:t>Can suggest strategies based on best practices, but final decisions require expert judgment.</a:t>
+                      </a:r>
+                    </a:p>
+                  </a:txBody>
+                  <a:tcPr marL="30009" marR="30009" marT="15005" marB="15005" anchor="ctr">
+                    <a:lnL w="12700" cap="flat" cmpd="sng" algn="ctr">
+                      <a:solidFill>
+                        <a:schemeClr val="tx1"/>
+                      </a:solidFill>
+                      <a:prstDash val="solid"/>
+                      <a:round/>
+                      <a:headEnd type="none" w="med" len="med"/>
+                      <a:tailEnd type="none" w="med" len="med"/>
+                    </a:lnL>
+                    <a:lnR w="12700" cap="flat" cmpd="sng" algn="ctr">
+                      <a:solidFill>
+                        <a:schemeClr val="tx1"/>
+                      </a:solidFill>
+                      <a:prstDash val="solid"/>
+                      <a:round/>
+                      <a:headEnd type="none" w="med" len="med"/>
+                      <a:tailEnd type="none" w="med" len="med"/>
+                    </a:lnR>
+                    <a:lnT w="12700" cap="flat" cmpd="sng" algn="ctr">
+                      <a:solidFill>
+                        <a:schemeClr val="tx1"/>
+                      </a:solidFill>
+                      <a:prstDash val="solid"/>
+                      <a:round/>
+                      <a:headEnd type="none" w="med" len="med"/>
+                      <a:tailEnd type="none" w="med" len="med"/>
+                    </a:lnT>
+                    <a:lnB w="12700" cap="flat" cmpd="sng" algn="ctr">
+                      <a:solidFill>
+                        <a:schemeClr val="tx1"/>
+                      </a:solidFill>
+                      <a:prstDash val="solid"/>
+                      <a:round/>
+                      <a:headEnd type="none" w="med" len="med"/>
+                      <a:tailEnd type="none" w="med" len="med"/>
+                    </a:lnB>
+                    <a:noFill/>
+                  </a:tcPr>
+                </a:tc>
+                <a:extLst>
+                  <a:ext uri="{0D108BD9-81ED-4DB2-BD59-A6C34878D82A}">
+                    <a16:rowId xmlns:a16="http://schemas.microsoft.com/office/drawing/2014/main" val="2717290189"/>
+                  </a:ext>
+                </a:extLst>
+              </a:tr>
+              <a:tr h="454997">
+                <a:tc>
+                  <a:txBody>
+                    <a:bodyPr/>
+                    <a:lstStyle/>
+                    <a:p>
+                      <a:pPr>
+                        <a:buNone/>
+                      </a:pPr>
+                      <a:r>
+                        <a:rPr lang="en-US" sz="1400"/>
+                        <a:t>Emergency response planning</a:t>
+                      </a:r>
+                    </a:p>
+                  </a:txBody>
+                  <a:tcPr marL="30009" marR="30009" marT="15005" marB="15005" anchor="ctr">
+                    <a:lnL w="12700" cap="flat" cmpd="sng" algn="ctr">
+                      <a:solidFill>
+                        <a:schemeClr val="tx1"/>
+                      </a:solidFill>
+                      <a:prstDash val="solid"/>
+                      <a:round/>
+                      <a:headEnd type="none" w="med" len="med"/>
+                      <a:tailEnd type="none" w="med" len="med"/>
+                    </a:lnL>
+                    <a:lnR w="12700" cap="flat" cmpd="sng" algn="ctr">
+                      <a:solidFill>
+                        <a:schemeClr val="tx1"/>
+                      </a:solidFill>
+                      <a:prstDash val="solid"/>
+                      <a:round/>
+                      <a:headEnd type="none" w="med" len="med"/>
+                      <a:tailEnd type="none" w="med" len="med"/>
+                    </a:lnR>
+                    <a:lnT w="12700" cap="flat" cmpd="sng" algn="ctr">
+                      <a:solidFill>
+                        <a:schemeClr val="tx1"/>
+                      </a:solidFill>
+                      <a:prstDash val="solid"/>
+                      <a:round/>
+                      <a:headEnd type="none" w="med" len="med"/>
+                      <a:tailEnd type="none" w="med" len="med"/>
+                    </a:lnT>
+                    <a:lnB w="12700" cap="flat" cmpd="sng" algn="ctr">
+                      <a:solidFill>
+                        <a:schemeClr val="tx1"/>
+                      </a:solidFill>
+                      <a:prstDash val="solid"/>
+                      <a:round/>
+                      <a:headEnd type="none" w="med" len="med"/>
+                      <a:tailEnd type="none" w="med" len="med"/>
+                    </a:lnB>
+                    <a:noFill/>
+                  </a:tcPr>
+                </a:tc>
+                <a:tc>
+                  <a:txBody>
+                    <a:bodyPr/>
+                    <a:lstStyle/>
+                    <a:p>
+                      <a:pPr>
+                        <a:buNone/>
+                      </a:pPr>
+                      <a:r>
+                        <a:rPr lang="en-US" sz="1400" b="1"/>
+                        <a:t>Medium</a:t>
+                      </a:r>
+                      <a:endParaRPr lang="en-US" sz="1400"/>
+                    </a:p>
+                  </a:txBody>
+                  <a:tcPr marL="30009" marR="30009" marT="15005" marB="15005" anchor="ctr">
+                    <a:lnL w="12700" cap="flat" cmpd="sng" algn="ctr">
+                      <a:solidFill>
+                        <a:schemeClr val="tx1"/>
+                      </a:solidFill>
+                      <a:prstDash val="solid"/>
+                      <a:round/>
+                      <a:headEnd type="none" w="med" len="med"/>
+                      <a:tailEnd type="none" w="med" len="med"/>
+                    </a:lnL>
+                    <a:lnR w="12700" cap="flat" cmpd="sng" algn="ctr">
+                      <a:solidFill>
+                        <a:schemeClr val="tx1"/>
+                      </a:solidFill>
+                      <a:prstDash val="solid"/>
+                      <a:round/>
+                      <a:headEnd type="none" w="med" len="med"/>
+                      <a:tailEnd type="none" w="med" len="med"/>
+                    </a:lnR>
+                    <a:lnT w="12700" cap="flat" cmpd="sng" algn="ctr">
+                      <a:solidFill>
+                        <a:schemeClr val="tx1"/>
+                      </a:solidFill>
+                      <a:prstDash val="solid"/>
+                      <a:round/>
+                      <a:headEnd type="none" w="med" len="med"/>
+                      <a:tailEnd type="none" w="med" len="med"/>
+                    </a:lnT>
+                    <a:lnB w="12700" cap="flat" cmpd="sng" algn="ctr">
+                      <a:solidFill>
+                        <a:schemeClr val="tx1"/>
+                      </a:solidFill>
+                      <a:prstDash val="solid"/>
+                      <a:round/>
+                      <a:headEnd type="none" w="med" len="med"/>
+                      <a:tailEnd type="none" w="med" len="med"/>
+                    </a:lnB>
+                    <a:noFill/>
+                  </a:tcPr>
+                </a:tc>
+                <a:tc>
+                  <a:txBody>
+                    <a:bodyPr/>
+                    <a:lstStyle/>
+                    <a:p>
+                      <a:pPr>
+                        <a:buNone/>
+                      </a:pPr>
+                      <a:r>
+                        <a:rPr lang="en-US" sz="1400"/>
+                        <a:t>Can generate response plans, checklists, and protocols, but human coordination is essential.</a:t>
+                      </a:r>
+                    </a:p>
+                  </a:txBody>
+                  <a:tcPr marL="30009" marR="30009" marT="15005" marB="15005" anchor="ctr">
+                    <a:lnL w="12700" cap="flat" cmpd="sng" algn="ctr">
+                      <a:solidFill>
+                        <a:schemeClr val="tx1"/>
+                      </a:solidFill>
+                      <a:prstDash val="solid"/>
+                      <a:round/>
+                      <a:headEnd type="none" w="med" len="med"/>
+                      <a:tailEnd type="none" w="med" len="med"/>
+                    </a:lnL>
+                    <a:lnR w="12700" cap="flat" cmpd="sng" algn="ctr">
+                      <a:solidFill>
+                        <a:schemeClr val="tx1"/>
+                      </a:solidFill>
+                      <a:prstDash val="solid"/>
+                      <a:round/>
+                      <a:headEnd type="none" w="med" len="med"/>
+                      <a:tailEnd type="none" w="med" len="med"/>
+                    </a:lnR>
+                    <a:lnT w="12700" cap="flat" cmpd="sng" algn="ctr">
+                      <a:solidFill>
+                        <a:schemeClr val="tx1"/>
+                      </a:solidFill>
+                      <a:prstDash val="solid"/>
+                      <a:round/>
+                      <a:headEnd type="none" w="med" len="med"/>
+                      <a:tailEnd type="none" w="med" len="med"/>
+                    </a:lnT>
+                    <a:lnB w="12700" cap="flat" cmpd="sng" algn="ctr">
+                      <a:solidFill>
+                        <a:schemeClr val="tx1"/>
+                      </a:solidFill>
+                      <a:prstDash val="solid"/>
+                      <a:round/>
+                      <a:headEnd type="none" w="med" len="med"/>
+                      <a:tailEnd type="none" w="med" len="med"/>
+                    </a:lnB>
+                    <a:noFill/>
+                  </a:tcPr>
+                </a:tc>
+                <a:extLst>
+                  <a:ext uri="{0D108BD9-81ED-4DB2-BD59-A6C34878D82A}">
+                    <a16:rowId xmlns:a16="http://schemas.microsoft.com/office/drawing/2014/main" val="2681780845"/>
+                  </a:ext>
+                </a:extLst>
+              </a:tr>
+              <a:tr h="454997">
+                <a:tc>
+                  <a:txBody>
+                    <a:bodyPr/>
+                    <a:lstStyle/>
+                    <a:p>
+                      <a:pPr>
+                        <a:buNone/>
+                      </a:pPr>
+                      <a:r>
+                        <a:rPr lang="en-US" sz="1400"/>
+                        <a:t>Incident simulation and training</a:t>
+                      </a:r>
+                    </a:p>
+                  </a:txBody>
+                  <a:tcPr marL="30009" marR="30009" marT="15005" marB="15005" anchor="ctr">
+                    <a:lnL w="12700" cap="flat" cmpd="sng" algn="ctr">
+                      <a:solidFill>
+                        <a:schemeClr val="tx1"/>
+                      </a:solidFill>
+                      <a:prstDash val="solid"/>
+                      <a:round/>
+                      <a:headEnd type="none" w="med" len="med"/>
+                      <a:tailEnd type="none" w="med" len="med"/>
+                    </a:lnL>
+                    <a:lnR w="12700" cap="flat" cmpd="sng" algn="ctr">
+                      <a:solidFill>
+                        <a:schemeClr val="tx1"/>
+                      </a:solidFill>
+                      <a:prstDash val="solid"/>
+                      <a:round/>
+                      <a:headEnd type="none" w="med" len="med"/>
+                      <a:tailEnd type="none" w="med" len="med"/>
+                    </a:lnR>
+                    <a:lnT w="12700" cap="flat" cmpd="sng" algn="ctr">
+                      <a:solidFill>
+                        <a:schemeClr val="tx1"/>
+                      </a:solidFill>
+                      <a:prstDash val="solid"/>
+                      <a:round/>
+                      <a:headEnd type="none" w="med" len="med"/>
+                      <a:tailEnd type="none" w="med" len="med"/>
+                    </a:lnT>
+                    <a:lnB w="12700" cap="flat" cmpd="sng" algn="ctr">
+                      <a:solidFill>
+                        <a:schemeClr val="tx1"/>
+                      </a:solidFill>
+                      <a:prstDash val="solid"/>
+                      <a:round/>
+                      <a:headEnd type="none" w="med" len="med"/>
+                      <a:tailEnd type="none" w="med" len="med"/>
+                    </a:lnB>
+                    <a:noFill/>
+                  </a:tcPr>
+                </a:tc>
+                <a:tc>
+                  <a:txBody>
+                    <a:bodyPr/>
+                    <a:lstStyle/>
+                    <a:p>
+                      <a:pPr>
+                        <a:buNone/>
+                      </a:pPr>
+                      <a:r>
+                        <a:rPr lang="en-US" sz="1400" b="1"/>
+                        <a:t>High</a:t>
+                      </a:r>
+                      <a:endParaRPr lang="en-US" sz="1400"/>
+                    </a:p>
+                  </a:txBody>
+                  <a:tcPr marL="30009" marR="30009" marT="15005" marB="15005" anchor="ctr">
+                    <a:lnL w="12700" cap="flat" cmpd="sng" algn="ctr">
+                      <a:solidFill>
+                        <a:schemeClr val="tx1"/>
+                      </a:solidFill>
+                      <a:prstDash val="solid"/>
+                      <a:round/>
+                      <a:headEnd type="none" w="med" len="med"/>
+                      <a:tailEnd type="none" w="med" len="med"/>
+                    </a:lnL>
+                    <a:lnR w="12700" cap="flat" cmpd="sng" algn="ctr">
+                      <a:solidFill>
+                        <a:schemeClr val="tx1"/>
+                      </a:solidFill>
+                      <a:prstDash val="solid"/>
+                      <a:round/>
+                      <a:headEnd type="none" w="med" len="med"/>
+                      <a:tailEnd type="none" w="med" len="med"/>
+                    </a:lnR>
+                    <a:lnT w="12700" cap="flat" cmpd="sng" algn="ctr">
+                      <a:solidFill>
+                        <a:schemeClr val="tx1"/>
+                      </a:solidFill>
+                      <a:prstDash val="solid"/>
+                      <a:round/>
+                      <a:headEnd type="none" w="med" len="med"/>
+                      <a:tailEnd type="none" w="med" len="med"/>
+                    </a:lnT>
+                    <a:lnB w="12700" cap="flat" cmpd="sng" algn="ctr">
+                      <a:solidFill>
+                        <a:schemeClr val="tx1"/>
+                      </a:solidFill>
+                      <a:prstDash val="solid"/>
+                      <a:round/>
+                      <a:headEnd type="none" w="med" len="med"/>
+                      <a:tailEnd type="none" w="med" len="med"/>
+                    </a:lnB>
+                    <a:noFill/>
+                  </a:tcPr>
+                </a:tc>
+                <a:tc>
+                  <a:txBody>
+                    <a:bodyPr/>
+                    <a:lstStyle/>
+                    <a:p>
+                      <a:pPr>
+                        <a:buNone/>
+                      </a:pPr>
+                      <a:r>
+                        <a:rPr lang="en-US" sz="1400"/>
+                        <a:t>Can create realistic simulated incidents for staff training and tabletop exercises.</a:t>
+                      </a:r>
+                    </a:p>
+                  </a:txBody>
+                  <a:tcPr marL="30009" marR="30009" marT="15005" marB="15005" anchor="ctr">
+                    <a:lnL w="12700" cap="flat" cmpd="sng" algn="ctr">
+                      <a:solidFill>
+                        <a:schemeClr val="tx1"/>
+                      </a:solidFill>
+                      <a:prstDash val="solid"/>
+                      <a:round/>
+                      <a:headEnd type="none" w="med" len="med"/>
+                      <a:tailEnd type="none" w="med" len="med"/>
+                    </a:lnL>
+                    <a:lnR w="12700" cap="flat" cmpd="sng" algn="ctr">
+                      <a:solidFill>
+                        <a:schemeClr val="tx1"/>
+                      </a:solidFill>
+                      <a:prstDash val="solid"/>
+                      <a:round/>
+                      <a:headEnd type="none" w="med" len="med"/>
+                      <a:tailEnd type="none" w="med" len="med"/>
+                    </a:lnR>
+                    <a:lnT w="12700" cap="flat" cmpd="sng" algn="ctr">
+                      <a:solidFill>
+                        <a:schemeClr val="tx1"/>
+                      </a:solidFill>
+                      <a:prstDash val="solid"/>
+                      <a:round/>
+                      <a:headEnd type="none" w="med" len="med"/>
+                      <a:tailEnd type="none" w="med" len="med"/>
+                    </a:lnT>
+                    <a:lnB w="12700" cap="flat" cmpd="sng" algn="ctr">
+                      <a:solidFill>
+                        <a:schemeClr val="tx1"/>
+                      </a:solidFill>
+                      <a:prstDash val="solid"/>
+                      <a:round/>
+                      <a:headEnd type="none" w="med" len="med"/>
+                      <a:tailEnd type="none" w="med" len="med"/>
+                    </a:lnB>
+                    <a:noFill/>
+                  </a:tcPr>
+                </a:tc>
+                <a:extLst>
+                  <a:ext uri="{0D108BD9-81ED-4DB2-BD59-A6C34878D82A}">
+                    <a16:rowId xmlns:a16="http://schemas.microsoft.com/office/drawing/2014/main" val="3863774160"/>
+                  </a:ext>
+                </a:extLst>
+              </a:tr>
+              <a:tr h="318287">
+                <a:tc>
+                  <a:txBody>
+                    <a:bodyPr/>
+                    <a:lstStyle/>
+                    <a:p>
+                      <a:pPr>
+                        <a:buNone/>
+                      </a:pPr>
+                      <a:r>
+                        <a:rPr lang="en-US" sz="1400"/>
+                        <a:t>Policy and procedure drafting</a:t>
+                      </a:r>
+                    </a:p>
+                  </a:txBody>
+                  <a:tcPr marL="30009" marR="30009" marT="15005" marB="15005" anchor="ctr">
+                    <a:lnL w="12700" cap="flat" cmpd="sng" algn="ctr">
+                      <a:solidFill>
+                        <a:schemeClr val="tx1"/>
+                      </a:solidFill>
+                      <a:prstDash val="solid"/>
+                      <a:round/>
+                      <a:headEnd type="none" w="med" len="med"/>
+                      <a:tailEnd type="none" w="med" len="med"/>
+                    </a:lnL>
+                    <a:lnR w="12700" cap="flat" cmpd="sng" algn="ctr">
+                      <a:solidFill>
+                        <a:schemeClr val="tx1"/>
+                      </a:solidFill>
+                      <a:prstDash val="solid"/>
+                      <a:round/>
+                      <a:headEnd type="none" w="med" len="med"/>
+                      <a:tailEnd type="none" w="med" len="med"/>
+                    </a:lnR>
+                    <a:lnT w="12700" cap="flat" cmpd="sng" algn="ctr">
+                      <a:solidFill>
+                        <a:schemeClr val="tx1"/>
+                      </a:solidFill>
+                      <a:prstDash val="solid"/>
+                      <a:round/>
+                      <a:headEnd type="none" w="med" len="med"/>
+                      <a:tailEnd type="none" w="med" len="med"/>
+                    </a:lnT>
+                    <a:lnB w="12700" cap="flat" cmpd="sng" algn="ctr">
+                      <a:solidFill>
+                        <a:schemeClr val="tx1"/>
+                      </a:solidFill>
+                      <a:prstDash val="solid"/>
+                      <a:round/>
+                      <a:headEnd type="none" w="med" len="med"/>
+                      <a:tailEnd type="none" w="med" len="med"/>
+                    </a:lnB>
+                    <a:noFill/>
+                  </a:tcPr>
+                </a:tc>
+                <a:tc>
+                  <a:txBody>
+                    <a:bodyPr/>
+                    <a:lstStyle/>
+                    <a:p>
+                      <a:pPr>
+                        <a:buNone/>
+                      </a:pPr>
+                      <a:r>
+                        <a:rPr lang="en-US" sz="1400" b="1"/>
+                        <a:t>High</a:t>
+                      </a:r>
+                      <a:endParaRPr lang="en-US" sz="1400"/>
+                    </a:p>
+                  </a:txBody>
+                  <a:tcPr marL="30009" marR="30009" marT="15005" marB="15005" anchor="ctr">
+                    <a:lnL w="12700" cap="flat" cmpd="sng" algn="ctr">
+                      <a:solidFill>
+                        <a:schemeClr val="tx1"/>
+                      </a:solidFill>
+                      <a:prstDash val="solid"/>
+                      <a:round/>
+                      <a:headEnd type="none" w="med" len="med"/>
+                      <a:tailEnd type="none" w="med" len="med"/>
+                    </a:lnL>
+                    <a:lnR w="12700" cap="flat" cmpd="sng" algn="ctr">
+                      <a:solidFill>
+                        <a:schemeClr val="tx1"/>
+                      </a:solidFill>
+                      <a:prstDash val="solid"/>
+                      <a:round/>
+                      <a:headEnd type="none" w="med" len="med"/>
+                      <a:tailEnd type="none" w="med" len="med"/>
+                    </a:lnR>
+                    <a:lnT w="12700" cap="flat" cmpd="sng" algn="ctr">
+                      <a:solidFill>
+                        <a:schemeClr val="tx1"/>
+                      </a:solidFill>
+                      <a:prstDash val="solid"/>
+                      <a:round/>
+                      <a:headEnd type="none" w="med" len="med"/>
+                      <a:tailEnd type="none" w="med" len="med"/>
+                    </a:lnT>
+                    <a:lnB w="12700" cap="flat" cmpd="sng" algn="ctr">
+                      <a:solidFill>
+                        <a:schemeClr val="tx1"/>
+                      </a:solidFill>
+                      <a:prstDash val="solid"/>
+                      <a:round/>
+                      <a:headEnd type="none" w="med" len="med"/>
+                      <a:tailEnd type="none" w="med" len="med"/>
+                    </a:lnB>
+                    <a:noFill/>
+                  </a:tcPr>
+                </a:tc>
+                <a:tc>
+                  <a:txBody>
+                    <a:bodyPr/>
+                    <a:lstStyle/>
+                    <a:p>
+                      <a:pPr>
+                        <a:buNone/>
+                      </a:pPr>
+                      <a:r>
+                        <a:rPr lang="en-US" sz="1400"/>
+                        <a:t>Can draft SOPs, contingency plans, and guidelines quickly.</a:t>
+                      </a:r>
+                    </a:p>
+                  </a:txBody>
+                  <a:tcPr marL="30009" marR="30009" marT="15005" marB="15005" anchor="ctr">
+                    <a:lnL w="12700" cap="flat" cmpd="sng" algn="ctr">
+                      <a:solidFill>
+                        <a:schemeClr val="tx1"/>
+                      </a:solidFill>
+                      <a:prstDash val="solid"/>
+                      <a:round/>
+                      <a:headEnd type="none" w="med" len="med"/>
+                      <a:tailEnd type="none" w="med" len="med"/>
+                    </a:lnL>
+                    <a:lnR w="12700" cap="flat" cmpd="sng" algn="ctr">
+                      <a:solidFill>
+                        <a:schemeClr val="tx1"/>
+                      </a:solidFill>
+                      <a:prstDash val="solid"/>
+                      <a:round/>
+                      <a:headEnd type="none" w="med" len="med"/>
+                      <a:tailEnd type="none" w="med" len="med"/>
+                    </a:lnR>
+                    <a:lnT w="12700" cap="flat" cmpd="sng" algn="ctr">
+                      <a:solidFill>
+                        <a:schemeClr val="tx1"/>
+                      </a:solidFill>
+                      <a:prstDash val="solid"/>
+                      <a:round/>
+                      <a:headEnd type="none" w="med" len="med"/>
+                      <a:tailEnd type="none" w="med" len="med"/>
+                    </a:lnT>
+                    <a:lnB w="12700" cap="flat" cmpd="sng" algn="ctr">
+                      <a:solidFill>
+                        <a:schemeClr val="tx1"/>
+                      </a:solidFill>
+                      <a:prstDash val="solid"/>
+                      <a:round/>
+                      <a:headEnd type="none" w="med" len="med"/>
+                      <a:tailEnd type="none" w="med" len="med"/>
+                    </a:lnB>
+                    <a:noFill/>
+                  </a:tcPr>
+                </a:tc>
+                <a:extLst>
+                  <a:ext uri="{0D108BD9-81ED-4DB2-BD59-A6C34878D82A}">
+                    <a16:rowId xmlns:a16="http://schemas.microsoft.com/office/drawing/2014/main" val="1896692885"/>
+                  </a:ext>
+                </a:extLst>
+              </a:tr>
+              <a:tr h="454997">
+                <a:tc>
+                  <a:txBody>
+                    <a:bodyPr/>
+                    <a:lstStyle/>
+                    <a:p>
+                      <a:pPr>
+                        <a:buNone/>
+                      </a:pPr>
+                      <a:r>
+                        <a:rPr lang="en-US" sz="1400"/>
+                        <a:t>Monitoring and analyzing real-time system data</a:t>
+                      </a:r>
+                    </a:p>
+                  </a:txBody>
+                  <a:tcPr marL="30009" marR="30009" marT="15005" marB="15005" anchor="ctr">
+                    <a:lnL w="12700" cap="flat" cmpd="sng" algn="ctr">
+                      <a:solidFill>
+                        <a:schemeClr val="tx1"/>
+                      </a:solidFill>
+                      <a:prstDash val="solid"/>
+                      <a:round/>
+                      <a:headEnd type="none" w="med" len="med"/>
+                      <a:tailEnd type="none" w="med" len="med"/>
+                    </a:lnL>
+                    <a:lnR w="12700" cap="flat" cmpd="sng" algn="ctr">
+                      <a:solidFill>
+                        <a:schemeClr val="tx1"/>
+                      </a:solidFill>
+                      <a:prstDash val="solid"/>
+                      <a:round/>
+                      <a:headEnd type="none" w="med" len="med"/>
+                      <a:tailEnd type="none" w="med" len="med"/>
+                    </a:lnR>
+                    <a:lnT w="12700" cap="flat" cmpd="sng" algn="ctr">
+                      <a:solidFill>
+                        <a:schemeClr val="tx1"/>
+                      </a:solidFill>
+                      <a:prstDash val="solid"/>
+                      <a:round/>
+                      <a:headEnd type="none" w="med" len="med"/>
+                      <a:tailEnd type="none" w="med" len="med"/>
+                    </a:lnT>
+                    <a:lnB w="12700" cap="flat" cmpd="sng" algn="ctr">
+                      <a:solidFill>
+                        <a:schemeClr val="tx1"/>
+                      </a:solidFill>
+                      <a:prstDash val="solid"/>
+                      <a:round/>
+                      <a:headEnd type="none" w="med" len="med"/>
+                      <a:tailEnd type="none" w="med" len="med"/>
+                    </a:lnB>
+                    <a:noFill/>
+                  </a:tcPr>
+                </a:tc>
+                <a:tc>
+                  <a:txBody>
+                    <a:bodyPr/>
+                    <a:lstStyle/>
+                    <a:p>
+                      <a:pPr>
+                        <a:buNone/>
+                      </a:pPr>
+                      <a:r>
+                        <a:rPr lang="en-US" sz="1400" b="1"/>
+                        <a:t>Medium</a:t>
+                      </a:r>
+                      <a:endParaRPr lang="en-US" sz="1400"/>
+                    </a:p>
+                  </a:txBody>
+                  <a:tcPr marL="30009" marR="30009" marT="15005" marB="15005" anchor="ctr">
+                    <a:lnL w="12700" cap="flat" cmpd="sng" algn="ctr">
+                      <a:solidFill>
+                        <a:schemeClr val="tx1"/>
+                      </a:solidFill>
+                      <a:prstDash val="solid"/>
+                      <a:round/>
+                      <a:headEnd type="none" w="med" len="med"/>
+                      <a:tailEnd type="none" w="med" len="med"/>
+                    </a:lnL>
+                    <a:lnR w="12700" cap="flat" cmpd="sng" algn="ctr">
+                      <a:solidFill>
+                        <a:schemeClr val="tx1"/>
+                      </a:solidFill>
+                      <a:prstDash val="solid"/>
+                      <a:round/>
+                      <a:headEnd type="none" w="med" len="med"/>
+                      <a:tailEnd type="none" w="med" len="med"/>
+                    </a:lnR>
+                    <a:lnT w="12700" cap="flat" cmpd="sng" algn="ctr">
+                      <a:solidFill>
+                        <a:schemeClr val="tx1"/>
+                      </a:solidFill>
+                      <a:prstDash val="solid"/>
+                      <a:round/>
+                      <a:headEnd type="none" w="med" len="med"/>
+                      <a:tailEnd type="none" w="med" len="med"/>
+                    </a:lnT>
+                    <a:lnB w="12700" cap="flat" cmpd="sng" algn="ctr">
+                      <a:solidFill>
+                        <a:schemeClr val="tx1"/>
+                      </a:solidFill>
+                      <a:prstDash val="solid"/>
+                      <a:round/>
+                      <a:headEnd type="none" w="med" len="med"/>
+                      <a:tailEnd type="none" w="med" len="med"/>
+                    </a:lnB>
+                    <a:noFill/>
+                  </a:tcPr>
+                </a:tc>
+                <a:tc>
+                  <a:txBody>
+                    <a:bodyPr/>
+                    <a:lstStyle/>
+                    <a:p>
+                      <a:pPr>
+                        <a:buNone/>
+                      </a:pPr>
+                      <a:r>
+                        <a:rPr lang="en-US" sz="1400" dirty="0"/>
+                        <a:t>Can flag anomalies or patterns but requires integration with live systems.</a:t>
+                      </a:r>
+                    </a:p>
+                  </a:txBody>
+                  <a:tcPr marL="30009" marR="30009" marT="15005" marB="15005" anchor="ctr">
+                    <a:lnL w="12700" cap="flat" cmpd="sng" algn="ctr">
+                      <a:solidFill>
+                        <a:schemeClr val="tx1"/>
+                      </a:solidFill>
+                      <a:prstDash val="solid"/>
+                      <a:round/>
+                      <a:headEnd type="none" w="med" len="med"/>
+                      <a:tailEnd type="none" w="med" len="med"/>
+                    </a:lnL>
+                    <a:lnR w="12700" cap="flat" cmpd="sng" algn="ctr">
+                      <a:solidFill>
+                        <a:schemeClr val="tx1"/>
+                      </a:solidFill>
+                      <a:prstDash val="solid"/>
+                      <a:round/>
+                      <a:headEnd type="none" w="med" len="med"/>
+                      <a:tailEnd type="none" w="med" len="med"/>
+                    </a:lnR>
+                    <a:lnT w="12700" cap="flat" cmpd="sng" algn="ctr">
+                      <a:solidFill>
+                        <a:schemeClr val="tx1"/>
+                      </a:solidFill>
+                      <a:prstDash val="solid"/>
+                      <a:round/>
+                      <a:headEnd type="none" w="med" len="med"/>
+                      <a:tailEnd type="none" w="med" len="med"/>
+                    </a:lnT>
+                    <a:lnB w="12700" cap="flat" cmpd="sng" algn="ctr">
+                      <a:solidFill>
+                        <a:schemeClr val="tx1"/>
+                      </a:solidFill>
+                      <a:prstDash val="solid"/>
+                      <a:round/>
+                      <a:headEnd type="none" w="med" len="med"/>
+                      <a:tailEnd type="none" w="med" len="med"/>
+                    </a:lnB>
+                    <a:noFill/>
+                  </a:tcPr>
+                </a:tc>
+                <a:extLst>
+                  <a:ext uri="{0D108BD9-81ED-4DB2-BD59-A6C34878D82A}">
+                    <a16:rowId xmlns:a16="http://schemas.microsoft.com/office/drawing/2014/main" val="1832484392"/>
+                  </a:ext>
+                </a:extLst>
+              </a:tr>
+              <a:tr h="454997">
+                <a:tc>
+                  <a:txBody>
+                    <a:bodyPr/>
+                    <a:lstStyle/>
+                    <a:p>
+                      <a:pPr>
+                        <a:buNone/>
+                      </a:pPr>
+                      <a:r>
+                        <a:rPr lang="en-US" sz="1400"/>
+                        <a:t>Reporting and documentation</a:t>
+                      </a:r>
+                    </a:p>
+                  </a:txBody>
+                  <a:tcPr marL="30009" marR="30009" marT="15005" marB="15005" anchor="ctr">
+                    <a:lnL w="12700" cap="flat" cmpd="sng" algn="ctr">
+                      <a:solidFill>
+                        <a:schemeClr val="tx1"/>
+                      </a:solidFill>
+                      <a:prstDash val="solid"/>
+                      <a:round/>
+                      <a:headEnd type="none" w="med" len="med"/>
+                      <a:tailEnd type="none" w="med" len="med"/>
+                    </a:lnL>
+                    <a:lnR w="12700" cap="flat" cmpd="sng" algn="ctr">
+                      <a:solidFill>
+                        <a:schemeClr val="tx1"/>
+                      </a:solidFill>
+                      <a:prstDash val="solid"/>
+                      <a:round/>
+                      <a:headEnd type="none" w="med" len="med"/>
+                      <a:tailEnd type="none" w="med" len="med"/>
+                    </a:lnR>
+                    <a:lnT w="12700" cap="flat" cmpd="sng" algn="ctr">
+                      <a:solidFill>
+                        <a:schemeClr val="tx1"/>
+                      </a:solidFill>
+                      <a:prstDash val="solid"/>
+                      <a:round/>
+                      <a:headEnd type="none" w="med" len="med"/>
+                      <a:tailEnd type="none" w="med" len="med"/>
+                    </a:lnT>
+                    <a:lnB w="12700" cap="flat" cmpd="sng" algn="ctr">
+                      <a:solidFill>
+                        <a:schemeClr val="tx1"/>
+                      </a:solidFill>
+                      <a:prstDash val="solid"/>
+                      <a:round/>
+                      <a:headEnd type="none" w="med" len="med"/>
+                      <a:tailEnd type="none" w="med" len="med"/>
+                    </a:lnB>
+                    <a:noFill/>
+                  </a:tcPr>
+                </a:tc>
+                <a:tc>
+                  <a:txBody>
+                    <a:bodyPr/>
+                    <a:lstStyle/>
+                    <a:p>
+                      <a:pPr>
+                        <a:buNone/>
+                      </a:pPr>
+                      <a:r>
+                        <a:rPr lang="en-US" sz="1400" b="1"/>
+                        <a:t>High</a:t>
+                      </a:r>
+                      <a:endParaRPr lang="en-US" sz="1400"/>
+                    </a:p>
+                  </a:txBody>
+                  <a:tcPr marL="30009" marR="30009" marT="15005" marB="15005" anchor="ctr">
+                    <a:lnL w="12700" cap="flat" cmpd="sng" algn="ctr">
+                      <a:solidFill>
+                        <a:schemeClr val="tx1"/>
+                      </a:solidFill>
+                      <a:prstDash val="solid"/>
+                      <a:round/>
+                      <a:headEnd type="none" w="med" len="med"/>
+                      <a:tailEnd type="none" w="med" len="med"/>
+                    </a:lnL>
+                    <a:lnR w="12700" cap="flat" cmpd="sng" algn="ctr">
+                      <a:solidFill>
+                        <a:schemeClr val="tx1"/>
+                      </a:solidFill>
+                      <a:prstDash val="solid"/>
+                      <a:round/>
+                      <a:headEnd type="none" w="med" len="med"/>
+                      <a:tailEnd type="none" w="med" len="med"/>
+                    </a:lnR>
+                    <a:lnT w="12700" cap="flat" cmpd="sng" algn="ctr">
+                      <a:solidFill>
+                        <a:schemeClr val="tx1"/>
+                      </a:solidFill>
+                      <a:prstDash val="solid"/>
+                      <a:round/>
+                      <a:headEnd type="none" w="med" len="med"/>
+                      <a:tailEnd type="none" w="med" len="med"/>
+                    </a:lnT>
+                    <a:lnB w="12700" cap="flat" cmpd="sng" algn="ctr">
+                      <a:solidFill>
+                        <a:schemeClr val="tx1"/>
+                      </a:solidFill>
+                      <a:prstDash val="solid"/>
+                      <a:round/>
+                      <a:headEnd type="none" w="med" len="med"/>
+                      <a:tailEnd type="none" w="med" len="med"/>
+                    </a:lnB>
+                    <a:noFill/>
+                  </a:tcPr>
+                </a:tc>
+                <a:tc>
+                  <a:txBody>
+                    <a:bodyPr/>
+                    <a:lstStyle/>
+                    <a:p>
+                      <a:pPr>
+                        <a:buNone/>
+                      </a:pPr>
+                      <a:r>
+                        <a:rPr lang="en-US" sz="1400"/>
+                        <a:t>Can generate reports, summaries, and dashboards from data automatically.</a:t>
+                      </a:r>
+                    </a:p>
+                  </a:txBody>
+                  <a:tcPr marL="30009" marR="30009" marT="15005" marB="15005" anchor="ctr">
+                    <a:lnL w="12700" cap="flat" cmpd="sng" algn="ctr">
+                      <a:solidFill>
+                        <a:schemeClr val="tx1"/>
+                      </a:solidFill>
+                      <a:prstDash val="solid"/>
+                      <a:round/>
+                      <a:headEnd type="none" w="med" len="med"/>
+                      <a:tailEnd type="none" w="med" len="med"/>
+                    </a:lnL>
+                    <a:lnR w="12700" cap="flat" cmpd="sng" algn="ctr">
+                      <a:solidFill>
+                        <a:schemeClr val="tx1"/>
+                      </a:solidFill>
+                      <a:prstDash val="solid"/>
+                      <a:round/>
+                      <a:headEnd type="none" w="med" len="med"/>
+                      <a:tailEnd type="none" w="med" len="med"/>
+                    </a:lnR>
+                    <a:lnT w="12700" cap="flat" cmpd="sng" algn="ctr">
+                      <a:solidFill>
+                        <a:schemeClr val="tx1"/>
+                      </a:solidFill>
+                      <a:prstDash val="solid"/>
+                      <a:round/>
+                      <a:headEnd type="none" w="med" len="med"/>
+                      <a:tailEnd type="none" w="med" len="med"/>
+                    </a:lnT>
+                    <a:lnB w="12700" cap="flat" cmpd="sng" algn="ctr">
+                      <a:solidFill>
+                        <a:schemeClr val="tx1"/>
+                      </a:solidFill>
+                      <a:prstDash val="solid"/>
+                      <a:round/>
+                      <a:headEnd type="none" w="med" len="med"/>
+                      <a:tailEnd type="none" w="med" len="med"/>
+                    </a:lnB>
+                    <a:noFill/>
+                  </a:tcPr>
+                </a:tc>
+                <a:extLst>
+                  <a:ext uri="{0D108BD9-81ED-4DB2-BD59-A6C34878D82A}">
+                    <a16:rowId xmlns:a16="http://schemas.microsoft.com/office/drawing/2014/main" val="1762735681"/>
+                  </a:ext>
+                </a:extLst>
+              </a:tr>
+              <a:tr h="454997">
+                <a:tc>
+                  <a:txBody>
+                    <a:bodyPr/>
+                    <a:lstStyle/>
+                    <a:p>
+                      <a:pPr>
+                        <a:buNone/>
+                      </a:pPr>
+                      <a:r>
+                        <a:rPr lang="en-US" sz="1400"/>
+                        <a:t>Collaboration and stakeholder communication</a:t>
+                      </a:r>
+                    </a:p>
+                  </a:txBody>
+                  <a:tcPr marL="30009" marR="30009" marT="15005" marB="15005" anchor="ctr">
+                    <a:lnL w="12700" cap="flat" cmpd="sng" algn="ctr">
+                      <a:solidFill>
+                        <a:schemeClr val="tx1"/>
+                      </a:solidFill>
+                      <a:prstDash val="solid"/>
+                      <a:round/>
+                      <a:headEnd type="none" w="med" len="med"/>
+                      <a:tailEnd type="none" w="med" len="med"/>
+                    </a:lnL>
+                    <a:lnR w="12700" cap="flat" cmpd="sng" algn="ctr">
+                      <a:solidFill>
+                        <a:schemeClr val="tx1"/>
+                      </a:solidFill>
+                      <a:prstDash val="solid"/>
+                      <a:round/>
+                      <a:headEnd type="none" w="med" len="med"/>
+                      <a:tailEnd type="none" w="med" len="med"/>
+                    </a:lnR>
+                    <a:lnT w="12700" cap="flat" cmpd="sng" algn="ctr">
+                      <a:solidFill>
+                        <a:schemeClr val="tx1"/>
+                      </a:solidFill>
+                      <a:prstDash val="solid"/>
+                      <a:round/>
+                      <a:headEnd type="none" w="med" len="med"/>
+                      <a:tailEnd type="none" w="med" len="med"/>
+                    </a:lnT>
+                    <a:lnB w="12700" cap="flat" cmpd="sng" algn="ctr">
+                      <a:solidFill>
+                        <a:schemeClr val="tx1"/>
+                      </a:solidFill>
+                      <a:prstDash val="solid"/>
+                      <a:round/>
+                      <a:headEnd type="none" w="med" len="med"/>
+                      <a:tailEnd type="none" w="med" len="med"/>
+                    </a:lnB>
+                    <a:noFill/>
+                  </a:tcPr>
+                </a:tc>
+                <a:tc>
+                  <a:txBody>
+                    <a:bodyPr/>
+                    <a:lstStyle/>
+                    <a:p>
+                      <a:pPr>
+                        <a:buNone/>
+                      </a:pPr>
+                      <a:r>
+                        <a:rPr lang="en-US" sz="1400" b="1"/>
+                        <a:t>Medium</a:t>
+                      </a:r>
+                      <a:endParaRPr lang="en-US" sz="1400"/>
+                    </a:p>
+                  </a:txBody>
+                  <a:tcPr marL="30009" marR="30009" marT="15005" marB="15005" anchor="ctr">
+                    <a:lnL w="12700" cap="flat" cmpd="sng" algn="ctr">
+                      <a:solidFill>
+                        <a:schemeClr val="tx1"/>
+                      </a:solidFill>
+                      <a:prstDash val="solid"/>
+                      <a:round/>
+                      <a:headEnd type="none" w="med" len="med"/>
+                      <a:tailEnd type="none" w="med" len="med"/>
+                    </a:lnL>
+                    <a:lnR w="12700" cap="flat" cmpd="sng" algn="ctr">
+                      <a:solidFill>
+                        <a:schemeClr val="tx1"/>
+                      </a:solidFill>
+                      <a:prstDash val="solid"/>
+                      <a:round/>
+                      <a:headEnd type="none" w="med" len="med"/>
+                      <a:tailEnd type="none" w="med" len="med"/>
+                    </a:lnR>
+                    <a:lnT w="12700" cap="flat" cmpd="sng" algn="ctr">
+                      <a:solidFill>
+                        <a:schemeClr val="tx1"/>
+                      </a:solidFill>
+                      <a:prstDash val="solid"/>
+                      <a:round/>
+                      <a:headEnd type="none" w="med" len="med"/>
+                      <a:tailEnd type="none" w="med" len="med"/>
+                    </a:lnT>
+                    <a:lnB w="12700" cap="flat" cmpd="sng" algn="ctr">
+                      <a:solidFill>
+                        <a:schemeClr val="tx1"/>
+                      </a:solidFill>
+                      <a:prstDash val="solid"/>
+                      <a:round/>
+                      <a:headEnd type="none" w="med" len="med"/>
+                      <a:tailEnd type="none" w="med" len="med"/>
+                    </a:lnB>
+                    <a:noFill/>
+                  </a:tcPr>
+                </a:tc>
+                <a:tc>
+                  <a:txBody>
+                    <a:bodyPr/>
+                    <a:lstStyle/>
+                    <a:p>
+                      <a:pPr>
+                        <a:buNone/>
+                      </a:pPr>
+                      <a:r>
+                        <a:rPr lang="en-US" sz="1400"/>
+                        <a:t>Can draft emails, presentations, and meeting notes, but human approval is needed.</a:t>
+                      </a:r>
+                    </a:p>
+                  </a:txBody>
+                  <a:tcPr marL="30009" marR="30009" marT="15005" marB="15005" anchor="ctr">
+                    <a:lnL w="12700" cap="flat" cmpd="sng" algn="ctr">
+                      <a:solidFill>
+                        <a:schemeClr val="tx1"/>
+                      </a:solidFill>
+                      <a:prstDash val="solid"/>
+                      <a:round/>
+                      <a:headEnd type="none" w="med" len="med"/>
+                      <a:tailEnd type="none" w="med" len="med"/>
+                    </a:lnL>
+                    <a:lnR w="12700" cap="flat" cmpd="sng" algn="ctr">
+                      <a:solidFill>
+                        <a:schemeClr val="tx1"/>
+                      </a:solidFill>
+                      <a:prstDash val="solid"/>
+                      <a:round/>
+                      <a:headEnd type="none" w="med" len="med"/>
+                      <a:tailEnd type="none" w="med" len="med"/>
+                    </a:lnR>
+                    <a:lnT w="12700" cap="flat" cmpd="sng" algn="ctr">
+                      <a:solidFill>
+                        <a:schemeClr val="tx1"/>
+                      </a:solidFill>
+                      <a:prstDash val="solid"/>
+                      <a:round/>
+                      <a:headEnd type="none" w="med" len="med"/>
+                      <a:tailEnd type="none" w="med" len="med"/>
+                    </a:lnT>
+                    <a:lnB w="12700" cap="flat" cmpd="sng" algn="ctr">
+                      <a:solidFill>
+                        <a:schemeClr val="tx1"/>
+                      </a:solidFill>
+                      <a:prstDash val="solid"/>
+                      <a:round/>
+                      <a:headEnd type="none" w="med" len="med"/>
+                      <a:tailEnd type="none" w="med" len="med"/>
+                    </a:lnB>
+                    <a:noFill/>
+                  </a:tcPr>
+                </a:tc>
+                <a:extLst>
+                  <a:ext uri="{0D108BD9-81ED-4DB2-BD59-A6C34878D82A}">
+                    <a16:rowId xmlns:a16="http://schemas.microsoft.com/office/drawing/2014/main" val="1395467663"/>
+                  </a:ext>
+                </a:extLst>
+              </a:tr>
+              <a:tr h="454997">
+                <a:tc>
+                  <a:txBody>
+                    <a:bodyPr/>
+                    <a:lstStyle/>
+                    <a:p>
+                      <a:pPr>
+                        <a:buNone/>
+                      </a:pPr>
+                      <a:r>
+                        <a:rPr lang="en-US" sz="1400"/>
+                        <a:t>Post-incident review and lessons learned</a:t>
+                      </a:r>
+                    </a:p>
+                  </a:txBody>
+                  <a:tcPr marL="30009" marR="30009" marT="15005" marB="15005" anchor="ctr">
+                    <a:lnL w="12700" cap="flat" cmpd="sng" algn="ctr">
+                      <a:solidFill>
+                        <a:schemeClr val="tx1"/>
+                      </a:solidFill>
+                      <a:prstDash val="solid"/>
+                      <a:round/>
+                      <a:headEnd type="none" w="med" len="med"/>
+                      <a:tailEnd type="none" w="med" len="med"/>
+                    </a:lnL>
+                    <a:lnR w="12700" cap="flat" cmpd="sng" algn="ctr">
+                      <a:solidFill>
+                        <a:schemeClr val="tx1"/>
+                      </a:solidFill>
+                      <a:prstDash val="solid"/>
+                      <a:round/>
+                      <a:headEnd type="none" w="med" len="med"/>
+                      <a:tailEnd type="none" w="med" len="med"/>
+                    </a:lnR>
+                    <a:lnT w="12700" cap="flat" cmpd="sng" algn="ctr">
+                      <a:solidFill>
+                        <a:schemeClr val="tx1"/>
+                      </a:solidFill>
+                      <a:prstDash val="solid"/>
+                      <a:round/>
+                      <a:headEnd type="none" w="med" len="med"/>
+                      <a:tailEnd type="none" w="med" len="med"/>
+                    </a:lnT>
+                    <a:lnB w="12700" cap="flat" cmpd="sng" algn="ctr">
+                      <a:solidFill>
+                        <a:schemeClr val="tx1"/>
+                      </a:solidFill>
+                      <a:prstDash val="solid"/>
+                      <a:round/>
+                      <a:headEnd type="none" w="med" len="med"/>
+                      <a:tailEnd type="none" w="med" len="med"/>
+                    </a:lnB>
+                    <a:noFill/>
+                  </a:tcPr>
+                </a:tc>
+                <a:tc>
+                  <a:txBody>
+                    <a:bodyPr/>
+                    <a:lstStyle/>
+                    <a:p>
+                      <a:pPr>
+                        <a:buNone/>
+                      </a:pPr>
+                      <a:r>
+                        <a:rPr lang="en-US" sz="1400" b="1"/>
+                        <a:t>High</a:t>
+                      </a:r>
+                      <a:endParaRPr lang="en-US" sz="1400"/>
+                    </a:p>
+                  </a:txBody>
+                  <a:tcPr marL="30009" marR="30009" marT="15005" marB="15005" anchor="ctr">
+                    <a:lnL w="12700" cap="flat" cmpd="sng" algn="ctr">
+                      <a:solidFill>
+                        <a:schemeClr val="tx1"/>
+                      </a:solidFill>
+                      <a:prstDash val="solid"/>
+                      <a:round/>
+                      <a:headEnd type="none" w="med" len="med"/>
+                      <a:tailEnd type="none" w="med" len="med"/>
+                    </a:lnL>
+                    <a:lnR w="12700" cap="flat" cmpd="sng" algn="ctr">
+                      <a:solidFill>
+                        <a:schemeClr val="tx1"/>
+                      </a:solidFill>
+                      <a:prstDash val="solid"/>
+                      <a:round/>
+                      <a:headEnd type="none" w="med" len="med"/>
+                      <a:tailEnd type="none" w="med" len="med"/>
+                    </a:lnR>
+                    <a:lnT w="12700" cap="flat" cmpd="sng" algn="ctr">
+                      <a:solidFill>
+                        <a:schemeClr val="tx1"/>
+                      </a:solidFill>
+                      <a:prstDash val="solid"/>
+                      <a:round/>
+                      <a:headEnd type="none" w="med" len="med"/>
+                      <a:tailEnd type="none" w="med" len="med"/>
+                    </a:lnT>
+                    <a:lnB w="12700" cap="flat" cmpd="sng" algn="ctr">
+                      <a:solidFill>
+                        <a:schemeClr val="tx1"/>
+                      </a:solidFill>
+                      <a:prstDash val="solid"/>
+                      <a:round/>
+                      <a:headEnd type="none" w="med" len="med"/>
+                      <a:tailEnd type="none" w="med" len="med"/>
+                    </a:lnB>
+                    <a:noFill/>
+                  </a:tcPr>
+                </a:tc>
+                <a:tc>
+                  <a:txBody>
+                    <a:bodyPr/>
+                    <a:lstStyle/>
+                    <a:p>
+                      <a:pPr>
+                        <a:buNone/>
+                      </a:pPr>
+                      <a:r>
+                        <a:rPr lang="en-US" sz="1400"/>
+                        <a:t>Can summarize events, extract insights, and suggest improvements.</a:t>
+                      </a:r>
+                    </a:p>
+                  </a:txBody>
+                  <a:tcPr marL="30009" marR="30009" marT="15005" marB="15005" anchor="ctr">
+                    <a:lnL w="12700" cap="flat" cmpd="sng" algn="ctr">
+                      <a:solidFill>
+                        <a:schemeClr val="tx1"/>
+                      </a:solidFill>
+                      <a:prstDash val="solid"/>
+                      <a:round/>
+                      <a:headEnd type="none" w="med" len="med"/>
+                      <a:tailEnd type="none" w="med" len="med"/>
+                    </a:lnL>
+                    <a:lnR w="12700" cap="flat" cmpd="sng" algn="ctr">
+                      <a:solidFill>
+                        <a:schemeClr val="tx1"/>
+                      </a:solidFill>
+                      <a:prstDash val="solid"/>
+                      <a:round/>
+                      <a:headEnd type="none" w="med" len="med"/>
+                      <a:tailEnd type="none" w="med" len="med"/>
+                    </a:lnR>
+                    <a:lnT w="12700" cap="flat" cmpd="sng" algn="ctr">
+                      <a:solidFill>
+                        <a:schemeClr val="tx1"/>
+                      </a:solidFill>
+                      <a:prstDash val="solid"/>
+                      <a:round/>
+                      <a:headEnd type="none" w="med" len="med"/>
+                      <a:tailEnd type="none" w="med" len="med"/>
+                    </a:lnT>
+                    <a:lnB w="12700" cap="flat" cmpd="sng" algn="ctr">
+                      <a:solidFill>
+                        <a:schemeClr val="tx1"/>
+                      </a:solidFill>
+                      <a:prstDash val="solid"/>
+                      <a:round/>
+                      <a:headEnd type="none" w="med" len="med"/>
+                      <a:tailEnd type="none" w="med" len="med"/>
+                    </a:lnB>
+                    <a:noFill/>
+                  </a:tcPr>
+                </a:tc>
+                <a:extLst>
+                  <a:ext uri="{0D108BD9-81ED-4DB2-BD59-A6C34878D82A}">
+                    <a16:rowId xmlns:a16="http://schemas.microsoft.com/office/drawing/2014/main" val="4293201177"/>
+                  </a:ext>
+                </a:extLst>
+              </a:tr>
+              <a:tr h="454997">
+                <a:tc>
+                  <a:txBody>
+                    <a:bodyPr/>
+                    <a:lstStyle/>
+                    <a:p>
+                      <a:pPr>
+                        <a:buNone/>
+                      </a:pPr>
+                      <a:r>
+                        <a:rPr lang="en-US" sz="1400"/>
+                        <a:t>Regulatory compliance checking</a:t>
+                      </a:r>
+                    </a:p>
+                  </a:txBody>
+                  <a:tcPr marL="30009" marR="30009" marT="15005" marB="15005" anchor="ctr">
+                    <a:lnL w="12700" cap="flat" cmpd="sng" algn="ctr">
+                      <a:solidFill>
+                        <a:schemeClr val="tx1"/>
+                      </a:solidFill>
+                      <a:prstDash val="solid"/>
+                      <a:round/>
+                      <a:headEnd type="none" w="med" len="med"/>
+                      <a:tailEnd type="none" w="med" len="med"/>
+                    </a:lnL>
+                    <a:lnR w="12700" cap="flat" cmpd="sng" algn="ctr">
+                      <a:solidFill>
+                        <a:schemeClr val="tx1"/>
+                      </a:solidFill>
+                      <a:prstDash val="solid"/>
+                      <a:round/>
+                      <a:headEnd type="none" w="med" len="med"/>
+                      <a:tailEnd type="none" w="med" len="med"/>
+                    </a:lnR>
+                    <a:lnT w="12700" cap="flat" cmpd="sng" algn="ctr">
+                      <a:solidFill>
+                        <a:schemeClr val="tx1"/>
+                      </a:solidFill>
+                      <a:prstDash val="solid"/>
+                      <a:round/>
+                      <a:headEnd type="none" w="med" len="med"/>
+                      <a:tailEnd type="none" w="med" len="med"/>
+                    </a:lnT>
+                    <a:lnB w="12700" cap="flat" cmpd="sng" algn="ctr">
+                      <a:solidFill>
+                        <a:schemeClr val="tx1"/>
+                      </a:solidFill>
+                      <a:prstDash val="solid"/>
+                      <a:round/>
+                      <a:headEnd type="none" w="med" len="med"/>
+                      <a:tailEnd type="none" w="med" len="med"/>
+                    </a:lnB>
+                    <a:noFill/>
+                  </a:tcPr>
+                </a:tc>
+                <a:tc>
+                  <a:txBody>
+                    <a:bodyPr/>
+                    <a:lstStyle/>
+                    <a:p>
+                      <a:pPr>
+                        <a:buNone/>
+                      </a:pPr>
+                      <a:r>
+                        <a:rPr lang="en-US" sz="1400" b="1"/>
+                        <a:t>Medium</a:t>
+                      </a:r>
+                      <a:endParaRPr lang="en-US" sz="1400"/>
+                    </a:p>
+                  </a:txBody>
+                  <a:tcPr marL="30009" marR="30009" marT="15005" marB="15005" anchor="ctr">
+                    <a:lnL w="12700" cap="flat" cmpd="sng" algn="ctr">
+                      <a:solidFill>
+                        <a:schemeClr val="tx1"/>
+                      </a:solidFill>
+                      <a:prstDash val="solid"/>
+                      <a:round/>
+                      <a:headEnd type="none" w="med" len="med"/>
+                      <a:tailEnd type="none" w="med" len="med"/>
+                    </a:lnL>
+                    <a:lnR w="12700" cap="flat" cmpd="sng" algn="ctr">
+                      <a:solidFill>
+                        <a:schemeClr val="tx1"/>
+                      </a:solidFill>
+                      <a:prstDash val="solid"/>
+                      <a:round/>
+                      <a:headEnd type="none" w="med" len="med"/>
+                      <a:tailEnd type="none" w="med" len="med"/>
+                    </a:lnR>
+                    <a:lnT w="12700" cap="flat" cmpd="sng" algn="ctr">
+                      <a:solidFill>
+                        <a:schemeClr val="tx1"/>
+                      </a:solidFill>
+                      <a:prstDash val="solid"/>
+                      <a:round/>
+                      <a:headEnd type="none" w="med" len="med"/>
+                      <a:tailEnd type="none" w="med" len="med"/>
+                    </a:lnT>
+                    <a:lnB w="12700" cap="flat" cmpd="sng" algn="ctr">
+                      <a:solidFill>
+                        <a:schemeClr val="tx1"/>
+                      </a:solidFill>
+                      <a:prstDash val="solid"/>
+                      <a:round/>
+                      <a:headEnd type="none" w="med" len="med"/>
+                      <a:tailEnd type="none" w="med" len="med"/>
+                    </a:lnB>
+                    <a:noFill/>
+                  </a:tcPr>
+                </a:tc>
+                <a:tc>
+                  <a:txBody>
+                    <a:bodyPr/>
+                    <a:lstStyle/>
+                    <a:p>
+                      <a:pPr>
+                        <a:buNone/>
+                      </a:pPr>
+                      <a:r>
+                        <a:rPr lang="en-US" sz="1400"/>
+                        <a:t>Can cross-check procedures and reports against legal/regulatory frameworks.</a:t>
+                      </a:r>
+                    </a:p>
+                  </a:txBody>
+                  <a:tcPr marL="30009" marR="30009" marT="15005" marB="15005" anchor="ctr">
+                    <a:lnL w="12700" cap="flat" cmpd="sng" algn="ctr">
+                      <a:solidFill>
+                        <a:schemeClr val="tx1"/>
+                      </a:solidFill>
+                      <a:prstDash val="solid"/>
+                      <a:round/>
+                      <a:headEnd type="none" w="med" len="med"/>
+                      <a:tailEnd type="none" w="med" len="med"/>
+                    </a:lnL>
+                    <a:lnR w="12700" cap="flat" cmpd="sng" algn="ctr">
+                      <a:solidFill>
+                        <a:schemeClr val="tx1"/>
+                      </a:solidFill>
+                      <a:prstDash val="solid"/>
+                      <a:round/>
+                      <a:headEnd type="none" w="med" len="med"/>
+                      <a:tailEnd type="none" w="med" len="med"/>
+                    </a:lnR>
+                    <a:lnT w="12700" cap="flat" cmpd="sng" algn="ctr">
+                      <a:solidFill>
+                        <a:schemeClr val="tx1"/>
+                      </a:solidFill>
+                      <a:prstDash val="solid"/>
+                      <a:round/>
+                      <a:headEnd type="none" w="med" len="med"/>
+                      <a:tailEnd type="none" w="med" len="med"/>
+                    </a:lnT>
+                    <a:lnB w="12700" cap="flat" cmpd="sng" algn="ctr">
+                      <a:solidFill>
+                        <a:schemeClr val="tx1"/>
+                      </a:solidFill>
+                      <a:prstDash val="solid"/>
+                      <a:round/>
+                      <a:headEnd type="none" w="med" len="med"/>
+                      <a:tailEnd type="none" w="med" len="med"/>
+                    </a:lnB>
+                    <a:noFill/>
+                  </a:tcPr>
+                </a:tc>
+                <a:extLst>
+                  <a:ext uri="{0D108BD9-81ED-4DB2-BD59-A6C34878D82A}">
+                    <a16:rowId xmlns:a16="http://schemas.microsoft.com/office/drawing/2014/main" val="3047260869"/>
+                  </a:ext>
+                </a:extLst>
+              </a:tr>
+              <a:tr h="318287">
+                <a:tc>
+                  <a:txBody>
+                    <a:bodyPr/>
+                    <a:lstStyle/>
+                    <a:p>
+                      <a:pPr>
+                        <a:buNone/>
+                      </a:pPr>
+                      <a:r>
+                        <a:rPr lang="en-US" sz="1400"/>
+                        <a:t>Predictive maintenance planning</a:t>
+                      </a:r>
+                    </a:p>
+                  </a:txBody>
+                  <a:tcPr marL="30009" marR="30009" marT="15005" marB="15005" anchor="ctr">
+                    <a:lnL w="12700" cap="flat" cmpd="sng" algn="ctr">
+                      <a:solidFill>
+                        <a:schemeClr val="tx1"/>
+                      </a:solidFill>
+                      <a:prstDash val="solid"/>
+                      <a:round/>
+                      <a:headEnd type="none" w="med" len="med"/>
+                      <a:tailEnd type="none" w="med" len="med"/>
+                    </a:lnL>
+                    <a:lnR w="12700" cap="flat" cmpd="sng" algn="ctr">
+                      <a:solidFill>
+                        <a:schemeClr val="tx1"/>
+                      </a:solidFill>
+                      <a:prstDash val="solid"/>
+                      <a:round/>
+                      <a:headEnd type="none" w="med" len="med"/>
+                      <a:tailEnd type="none" w="med" len="med"/>
+                    </a:lnR>
+                    <a:lnT w="12700" cap="flat" cmpd="sng" algn="ctr">
+                      <a:solidFill>
+                        <a:schemeClr val="tx1"/>
+                      </a:solidFill>
+                      <a:prstDash val="solid"/>
+                      <a:round/>
+                      <a:headEnd type="none" w="med" len="med"/>
+                      <a:tailEnd type="none" w="med" len="med"/>
+                    </a:lnT>
+                    <a:lnB w="12700" cap="flat" cmpd="sng" algn="ctr">
+                      <a:solidFill>
+                        <a:schemeClr val="tx1"/>
+                      </a:solidFill>
+                      <a:prstDash val="solid"/>
+                      <a:round/>
+                      <a:headEnd type="none" w="med" len="med"/>
+                      <a:tailEnd type="none" w="med" len="med"/>
+                    </a:lnB>
+                    <a:noFill/>
+                  </a:tcPr>
+                </a:tc>
+                <a:tc>
+                  <a:txBody>
+                    <a:bodyPr/>
+                    <a:lstStyle/>
+                    <a:p>
+                      <a:pPr>
+                        <a:buNone/>
+                      </a:pPr>
+                      <a:r>
+                        <a:rPr lang="en-US" sz="1400" b="1"/>
+                        <a:t>Medium</a:t>
+                      </a:r>
+                      <a:endParaRPr lang="en-US" sz="1400"/>
+                    </a:p>
+                  </a:txBody>
+                  <a:tcPr marL="30009" marR="30009" marT="15005" marB="15005" anchor="ctr">
+                    <a:lnL w="12700" cap="flat" cmpd="sng" algn="ctr">
+                      <a:solidFill>
+                        <a:schemeClr val="tx1"/>
+                      </a:solidFill>
+                      <a:prstDash val="solid"/>
+                      <a:round/>
+                      <a:headEnd type="none" w="med" len="med"/>
+                      <a:tailEnd type="none" w="med" len="med"/>
+                    </a:lnL>
+                    <a:lnR w="12700" cap="flat" cmpd="sng" algn="ctr">
+                      <a:solidFill>
+                        <a:schemeClr val="tx1"/>
+                      </a:solidFill>
+                      <a:prstDash val="solid"/>
+                      <a:round/>
+                      <a:headEnd type="none" w="med" len="med"/>
+                      <a:tailEnd type="none" w="med" len="med"/>
+                    </a:lnR>
+                    <a:lnT w="12700" cap="flat" cmpd="sng" algn="ctr">
+                      <a:solidFill>
+                        <a:schemeClr val="tx1"/>
+                      </a:solidFill>
+                      <a:prstDash val="solid"/>
+                      <a:round/>
+                      <a:headEnd type="none" w="med" len="med"/>
+                      <a:tailEnd type="none" w="med" len="med"/>
+                    </a:lnT>
+                    <a:lnB w="12700" cap="flat" cmpd="sng" algn="ctr">
+                      <a:solidFill>
+                        <a:schemeClr val="tx1"/>
+                      </a:solidFill>
+                      <a:prstDash val="solid"/>
+                      <a:round/>
+                      <a:headEnd type="none" w="med" len="med"/>
+                      <a:tailEnd type="none" w="med" len="med"/>
+                    </a:lnB>
+                    <a:noFill/>
+                  </a:tcPr>
+                </a:tc>
+                <a:tc>
+                  <a:txBody>
+                    <a:bodyPr/>
+                    <a:lstStyle/>
+                    <a:p>
+                      <a:pPr>
+                        <a:buNone/>
+                      </a:pPr>
+                      <a:r>
+                        <a:rPr lang="en-US" sz="1400"/>
+                        <a:t>Can help identify likely failure points based on historical data.</a:t>
+                      </a:r>
+                    </a:p>
+                  </a:txBody>
+                  <a:tcPr marL="30009" marR="30009" marT="15005" marB="15005" anchor="ctr">
+                    <a:lnL w="12700" cap="flat" cmpd="sng" algn="ctr">
+                      <a:solidFill>
+                        <a:schemeClr val="tx1"/>
+                      </a:solidFill>
+                      <a:prstDash val="solid"/>
+                      <a:round/>
+                      <a:headEnd type="none" w="med" len="med"/>
+                      <a:tailEnd type="none" w="med" len="med"/>
+                    </a:lnL>
+                    <a:lnR w="12700" cap="flat" cmpd="sng" algn="ctr">
+                      <a:solidFill>
+                        <a:schemeClr val="tx1"/>
+                      </a:solidFill>
+                      <a:prstDash val="solid"/>
+                      <a:round/>
+                      <a:headEnd type="none" w="med" len="med"/>
+                      <a:tailEnd type="none" w="med" len="med"/>
+                    </a:lnR>
+                    <a:lnT w="12700" cap="flat" cmpd="sng" algn="ctr">
+                      <a:solidFill>
+                        <a:schemeClr val="tx1"/>
+                      </a:solidFill>
+                      <a:prstDash val="solid"/>
+                      <a:round/>
+                      <a:headEnd type="none" w="med" len="med"/>
+                      <a:tailEnd type="none" w="med" len="med"/>
+                    </a:lnT>
+                    <a:lnB w="12700" cap="flat" cmpd="sng" algn="ctr">
+                      <a:solidFill>
+                        <a:schemeClr val="tx1"/>
+                      </a:solidFill>
+                      <a:prstDash val="solid"/>
+                      <a:round/>
+                      <a:headEnd type="none" w="med" len="med"/>
+                      <a:tailEnd type="none" w="med" len="med"/>
+                    </a:lnB>
+                    <a:noFill/>
+                  </a:tcPr>
+                </a:tc>
+                <a:extLst>
+                  <a:ext uri="{0D108BD9-81ED-4DB2-BD59-A6C34878D82A}">
+                    <a16:rowId xmlns:a16="http://schemas.microsoft.com/office/drawing/2014/main" val="423221264"/>
+                  </a:ext>
+                </a:extLst>
+              </a:tr>
+              <a:tr h="318287">
+                <a:tc>
+                  <a:txBody>
+                    <a:bodyPr/>
+                    <a:lstStyle/>
+                    <a:p>
+                      <a:pPr>
+                        <a:buNone/>
+                      </a:pPr>
+                      <a:r>
+                        <a:rPr lang="en-US" sz="1400"/>
+                        <a:t>Prioritization of resources and investments</a:t>
+                      </a:r>
+                    </a:p>
+                  </a:txBody>
+                  <a:tcPr marL="30009" marR="30009" marT="15005" marB="15005" anchor="ctr">
+                    <a:lnL w="12700" cap="flat" cmpd="sng" algn="ctr">
+                      <a:solidFill>
+                        <a:schemeClr val="tx1"/>
+                      </a:solidFill>
+                      <a:prstDash val="solid"/>
+                      <a:round/>
+                      <a:headEnd type="none" w="med" len="med"/>
+                      <a:tailEnd type="none" w="med" len="med"/>
+                    </a:lnL>
+                    <a:lnR w="12700" cap="flat" cmpd="sng" algn="ctr">
+                      <a:solidFill>
+                        <a:schemeClr val="tx1"/>
+                      </a:solidFill>
+                      <a:prstDash val="solid"/>
+                      <a:round/>
+                      <a:headEnd type="none" w="med" len="med"/>
+                      <a:tailEnd type="none" w="med" len="med"/>
+                    </a:lnR>
+                    <a:lnT w="12700" cap="flat" cmpd="sng" algn="ctr">
+                      <a:solidFill>
+                        <a:schemeClr val="tx1"/>
+                      </a:solidFill>
+                      <a:prstDash val="solid"/>
+                      <a:round/>
+                      <a:headEnd type="none" w="med" len="med"/>
+                      <a:tailEnd type="none" w="med" len="med"/>
+                    </a:lnT>
+                    <a:lnB w="12700" cap="flat" cmpd="sng" algn="ctr">
+                      <a:solidFill>
+                        <a:schemeClr val="tx1"/>
+                      </a:solidFill>
+                      <a:prstDash val="solid"/>
+                      <a:round/>
+                      <a:headEnd type="none" w="med" len="med"/>
+                      <a:tailEnd type="none" w="med" len="med"/>
+                    </a:lnB>
+                    <a:noFill/>
+                  </a:tcPr>
+                </a:tc>
+                <a:tc>
+                  <a:txBody>
+                    <a:bodyPr/>
+                    <a:lstStyle/>
+                    <a:p>
+                      <a:pPr>
+                        <a:buNone/>
+                      </a:pPr>
+                      <a:r>
+                        <a:rPr lang="en-US" sz="1400" b="1"/>
+                        <a:t>Medium</a:t>
+                      </a:r>
+                      <a:endParaRPr lang="en-US" sz="1400"/>
+                    </a:p>
+                  </a:txBody>
+                  <a:tcPr marL="30009" marR="30009" marT="15005" marB="15005" anchor="ctr">
+                    <a:lnL w="12700" cap="flat" cmpd="sng" algn="ctr">
+                      <a:solidFill>
+                        <a:schemeClr val="tx1"/>
+                      </a:solidFill>
+                      <a:prstDash val="solid"/>
+                      <a:round/>
+                      <a:headEnd type="none" w="med" len="med"/>
+                      <a:tailEnd type="none" w="med" len="med"/>
+                    </a:lnL>
+                    <a:lnR w="12700" cap="flat" cmpd="sng" algn="ctr">
+                      <a:solidFill>
+                        <a:schemeClr val="tx1"/>
+                      </a:solidFill>
+                      <a:prstDash val="solid"/>
+                      <a:round/>
+                      <a:headEnd type="none" w="med" len="med"/>
+                      <a:tailEnd type="none" w="med" len="med"/>
+                    </a:lnR>
+                    <a:lnT w="12700" cap="flat" cmpd="sng" algn="ctr">
+                      <a:solidFill>
+                        <a:schemeClr val="tx1"/>
+                      </a:solidFill>
+                      <a:prstDash val="solid"/>
+                      <a:round/>
+                      <a:headEnd type="none" w="med" len="med"/>
+                      <a:tailEnd type="none" w="med" len="med"/>
+                    </a:lnT>
+                    <a:lnB w="12700" cap="flat" cmpd="sng" algn="ctr">
+                      <a:solidFill>
+                        <a:schemeClr val="tx1"/>
+                      </a:solidFill>
+                      <a:prstDash val="solid"/>
+                      <a:round/>
+                      <a:headEnd type="none" w="med" len="med"/>
+                      <a:tailEnd type="none" w="med" len="med"/>
+                    </a:lnB>
+                    <a:noFill/>
+                  </a:tcPr>
+                </a:tc>
+                <a:tc>
+                  <a:txBody>
+                    <a:bodyPr/>
+                    <a:lstStyle/>
+                    <a:p>
+                      <a:pPr>
+                        <a:buNone/>
+                      </a:pPr>
+                      <a:r>
+                        <a:rPr lang="en-US" sz="1400"/>
+                        <a:t>Can suggest optimizations based on risk and impact data.</a:t>
+                      </a:r>
+                    </a:p>
+                  </a:txBody>
+                  <a:tcPr marL="30009" marR="30009" marT="15005" marB="15005" anchor="ctr">
+                    <a:lnL w="12700" cap="flat" cmpd="sng" algn="ctr">
+                      <a:solidFill>
+                        <a:schemeClr val="tx1"/>
+                      </a:solidFill>
+                      <a:prstDash val="solid"/>
+                      <a:round/>
+                      <a:headEnd type="none" w="med" len="med"/>
+                      <a:tailEnd type="none" w="med" len="med"/>
+                    </a:lnL>
+                    <a:lnR w="12700" cap="flat" cmpd="sng" algn="ctr">
+                      <a:solidFill>
+                        <a:schemeClr val="tx1"/>
+                      </a:solidFill>
+                      <a:prstDash val="solid"/>
+                      <a:round/>
+                      <a:headEnd type="none" w="med" len="med"/>
+                      <a:tailEnd type="none" w="med" len="med"/>
+                    </a:lnR>
+                    <a:lnT w="12700" cap="flat" cmpd="sng" algn="ctr">
+                      <a:solidFill>
+                        <a:schemeClr val="tx1"/>
+                      </a:solidFill>
+                      <a:prstDash val="solid"/>
+                      <a:round/>
+                      <a:headEnd type="none" w="med" len="med"/>
+                      <a:tailEnd type="none" w="med" len="med"/>
+                    </a:lnT>
+                    <a:lnB w="12700" cap="flat" cmpd="sng" algn="ctr">
+                      <a:solidFill>
+                        <a:schemeClr val="tx1"/>
+                      </a:solidFill>
+                      <a:prstDash val="solid"/>
+                      <a:round/>
+                      <a:headEnd type="none" w="med" len="med"/>
+                      <a:tailEnd type="none" w="med" len="med"/>
+                    </a:lnB>
+                    <a:noFill/>
+                  </a:tcPr>
+                </a:tc>
+                <a:extLst>
+                  <a:ext uri="{0D108BD9-81ED-4DB2-BD59-A6C34878D82A}">
+                    <a16:rowId xmlns:a16="http://schemas.microsoft.com/office/drawing/2014/main" val="1987891448"/>
+                  </a:ext>
+                </a:extLst>
+              </a:tr>
+              <a:tr h="454997">
+                <a:tc>
+                  <a:txBody>
+                    <a:bodyPr/>
+                    <a:lstStyle/>
+                    <a:p>
+                      <a:pPr>
+                        <a:buNone/>
+                      </a:pPr>
+                      <a:r>
+                        <a:rPr lang="en-US" sz="1400"/>
+                        <a:t>Scenario-based policy simulation</a:t>
+                      </a:r>
+                    </a:p>
+                  </a:txBody>
+                  <a:tcPr marL="30009" marR="30009" marT="15005" marB="15005" anchor="ctr">
+                    <a:lnL w="12700" cap="flat" cmpd="sng" algn="ctr">
+                      <a:solidFill>
+                        <a:schemeClr val="tx1"/>
+                      </a:solidFill>
+                      <a:prstDash val="solid"/>
+                      <a:round/>
+                      <a:headEnd type="none" w="med" len="med"/>
+                      <a:tailEnd type="none" w="med" len="med"/>
+                    </a:lnL>
+                    <a:lnR w="12700" cap="flat" cmpd="sng" algn="ctr">
+                      <a:solidFill>
+                        <a:schemeClr val="tx1"/>
+                      </a:solidFill>
+                      <a:prstDash val="solid"/>
+                      <a:round/>
+                      <a:headEnd type="none" w="med" len="med"/>
+                      <a:tailEnd type="none" w="med" len="med"/>
+                    </a:lnR>
+                    <a:lnT w="12700" cap="flat" cmpd="sng" algn="ctr">
+                      <a:solidFill>
+                        <a:schemeClr val="tx1"/>
+                      </a:solidFill>
+                      <a:prstDash val="solid"/>
+                      <a:round/>
+                      <a:headEnd type="none" w="med" len="med"/>
+                      <a:tailEnd type="none" w="med" len="med"/>
+                    </a:lnT>
+                    <a:lnB w="12700" cap="flat" cmpd="sng" algn="ctr">
+                      <a:solidFill>
+                        <a:schemeClr val="tx1"/>
+                      </a:solidFill>
+                      <a:prstDash val="solid"/>
+                      <a:round/>
+                      <a:headEnd type="none" w="med" len="med"/>
+                      <a:tailEnd type="none" w="med" len="med"/>
+                    </a:lnB>
+                    <a:noFill/>
+                  </a:tcPr>
+                </a:tc>
+                <a:tc>
+                  <a:txBody>
+                    <a:bodyPr/>
+                    <a:lstStyle/>
+                    <a:p>
+                      <a:pPr>
+                        <a:buNone/>
+                      </a:pPr>
+                      <a:r>
+                        <a:rPr lang="en-US" sz="1400" b="1"/>
+                        <a:t>High</a:t>
+                      </a:r>
+                      <a:endParaRPr lang="en-US" sz="1400"/>
+                    </a:p>
+                  </a:txBody>
+                  <a:tcPr marL="30009" marR="30009" marT="15005" marB="15005" anchor="ctr">
+                    <a:lnL w="12700" cap="flat" cmpd="sng" algn="ctr">
+                      <a:solidFill>
+                        <a:schemeClr val="tx1"/>
+                      </a:solidFill>
+                      <a:prstDash val="solid"/>
+                      <a:round/>
+                      <a:headEnd type="none" w="med" len="med"/>
+                      <a:tailEnd type="none" w="med" len="med"/>
+                    </a:lnL>
+                    <a:lnR w="12700" cap="flat" cmpd="sng" algn="ctr">
+                      <a:solidFill>
+                        <a:schemeClr val="tx1"/>
+                      </a:solidFill>
+                      <a:prstDash val="solid"/>
+                      <a:round/>
+                      <a:headEnd type="none" w="med" len="med"/>
+                      <a:tailEnd type="none" w="med" len="med"/>
+                    </a:lnR>
+                    <a:lnT w="12700" cap="flat" cmpd="sng" algn="ctr">
+                      <a:solidFill>
+                        <a:schemeClr val="tx1"/>
+                      </a:solidFill>
+                      <a:prstDash val="solid"/>
+                      <a:round/>
+                      <a:headEnd type="none" w="med" len="med"/>
+                      <a:tailEnd type="none" w="med" len="med"/>
+                    </a:lnT>
+                    <a:lnB w="12700" cap="flat" cmpd="sng" algn="ctr">
+                      <a:solidFill>
+                        <a:schemeClr val="tx1"/>
+                      </a:solidFill>
+                      <a:prstDash val="solid"/>
+                      <a:round/>
+                      <a:headEnd type="none" w="med" len="med"/>
+                      <a:tailEnd type="none" w="med" len="med"/>
+                    </a:lnB>
+                    <a:noFill/>
+                  </a:tcPr>
+                </a:tc>
+                <a:tc>
+                  <a:txBody>
+                    <a:bodyPr/>
+                    <a:lstStyle/>
+                    <a:p>
+                      <a:pPr>
+                        <a:buNone/>
+                      </a:pPr>
+                      <a:r>
+                        <a:rPr lang="en-US" sz="1400"/>
+                        <a:t>Can run multiple “what-if” analyses using AI models to anticipate outcomes.</a:t>
+                      </a:r>
+                    </a:p>
+                  </a:txBody>
+                  <a:tcPr marL="30009" marR="30009" marT="15005" marB="15005" anchor="ctr">
+                    <a:lnL w="12700" cap="flat" cmpd="sng" algn="ctr">
+                      <a:solidFill>
+                        <a:schemeClr val="tx1"/>
+                      </a:solidFill>
+                      <a:prstDash val="solid"/>
+                      <a:round/>
+                      <a:headEnd type="none" w="med" len="med"/>
+                      <a:tailEnd type="none" w="med" len="med"/>
+                    </a:lnL>
+                    <a:lnR w="12700" cap="flat" cmpd="sng" algn="ctr">
+                      <a:solidFill>
+                        <a:schemeClr val="tx1"/>
+                      </a:solidFill>
+                      <a:prstDash val="solid"/>
+                      <a:round/>
+                      <a:headEnd type="none" w="med" len="med"/>
+                      <a:tailEnd type="none" w="med" len="med"/>
+                    </a:lnR>
+                    <a:lnT w="12700" cap="flat" cmpd="sng" algn="ctr">
+                      <a:solidFill>
+                        <a:schemeClr val="tx1"/>
+                      </a:solidFill>
+                      <a:prstDash val="solid"/>
+                      <a:round/>
+                      <a:headEnd type="none" w="med" len="med"/>
+                      <a:tailEnd type="none" w="med" len="med"/>
+                    </a:lnT>
+                    <a:lnB w="12700" cap="flat" cmpd="sng" algn="ctr">
+                      <a:solidFill>
+                        <a:schemeClr val="tx1"/>
+                      </a:solidFill>
+                      <a:prstDash val="solid"/>
+                      <a:round/>
+                      <a:headEnd type="none" w="med" len="med"/>
+                      <a:tailEnd type="none" w="med" len="med"/>
+                    </a:lnB>
+                    <a:noFill/>
+                  </a:tcPr>
+                </a:tc>
+                <a:extLst>
+                  <a:ext uri="{0D108BD9-81ED-4DB2-BD59-A6C34878D82A}">
+                    <a16:rowId xmlns:a16="http://schemas.microsoft.com/office/drawing/2014/main" val="819592043"/>
+                  </a:ext>
+                </a:extLst>
+              </a:tr>
+              <a:tr h="454997">
+                <a:tc>
+                  <a:txBody>
+                    <a:bodyPr/>
+                    <a:lstStyle/>
+                    <a:p>
+                      <a:pPr>
+                        <a:buNone/>
+                      </a:pPr>
+                      <a:r>
+                        <a:rPr lang="en-US" sz="1400"/>
+                        <a:t>Integration of new technologies into infrastructure</a:t>
+                      </a:r>
+                    </a:p>
+                  </a:txBody>
+                  <a:tcPr marL="30009" marR="30009" marT="15005" marB="15005" anchor="ctr">
+                    <a:lnL w="12700" cap="flat" cmpd="sng" algn="ctr">
+                      <a:solidFill>
+                        <a:schemeClr val="tx1"/>
+                      </a:solidFill>
+                      <a:prstDash val="solid"/>
+                      <a:round/>
+                      <a:headEnd type="none" w="med" len="med"/>
+                      <a:tailEnd type="none" w="med" len="med"/>
+                    </a:lnL>
+                    <a:lnR w="12700" cap="flat" cmpd="sng" algn="ctr">
+                      <a:solidFill>
+                        <a:schemeClr val="tx1"/>
+                      </a:solidFill>
+                      <a:prstDash val="solid"/>
+                      <a:round/>
+                      <a:headEnd type="none" w="med" len="med"/>
+                      <a:tailEnd type="none" w="med" len="med"/>
+                    </a:lnR>
+                    <a:lnT w="12700" cap="flat" cmpd="sng" algn="ctr">
+                      <a:solidFill>
+                        <a:schemeClr val="tx1"/>
+                      </a:solidFill>
+                      <a:prstDash val="solid"/>
+                      <a:round/>
+                      <a:headEnd type="none" w="med" len="med"/>
+                      <a:tailEnd type="none" w="med" len="med"/>
+                    </a:lnT>
+                    <a:lnB w="12700" cap="flat" cmpd="sng" algn="ctr">
+                      <a:solidFill>
+                        <a:schemeClr val="tx1"/>
+                      </a:solidFill>
+                      <a:prstDash val="solid"/>
+                      <a:round/>
+                      <a:headEnd type="none" w="med" len="med"/>
+                      <a:tailEnd type="none" w="med" len="med"/>
+                    </a:lnB>
+                    <a:noFill/>
+                  </a:tcPr>
+                </a:tc>
+                <a:tc>
+                  <a:txBody>
+                    <a:bodyPr/>
+                    <a:lstStyle/>
+                    <a:p>
+                      <a:pPr>
+                        <a:buNone/>
+                      </a:pPr>
+                      <a:r>
+                        <a:rPr lang="en-US" sz="1400" b="1"/>
+                        <a:t>Low</a:t>
+                      </a:r>
+                      <a:endParaRPr lang="en-US" sz="1400"/>
+                    </a:p>
+                  </a:txBody>
+                  <a:tcPr marL="30009" marR="30009" marT="15005" marB="15005" anchor="ctr">
+                    <a:lnL w="12700" cap="flat" cmpd="sng" algn="ctr">
+                      <a:solidFill>
+                        <a:schemeClr val="tx1"/>
+                      </a:solidFill>
+                      <a:prstDash val="solid"/>
+                      <a:round/>
+                      <a:headEnd type="none" w="med" len="med"/>
+                      <a:tailEnd type="none" w="med" len="med"/>
+                    </a:lnL>
+                    <a:lnR w="12700" cap="flat" cmpd="sng" algn="ctr">
+                      <a:solidFill>
+                        <a:schemeClr val="tx1"/>
+                      </a:solidFill>
+                      <a:prstDash val="solid"/>
+                      <a:round/>
+                      <a:headEnd type="none" w="med" len="med"/>
+                      <a:tailEnd type="none" w="med" len="med"/>
+                    </a:lnR>
+                    <a:lnT w="12700" cap="flat" cmpd="sng" algn="ctr">
+                      <a:solidFill>
+                        <a:schemeClr val="tx1"/>
+                      </a:solidFill>
+                      <a:prstDash val="solid"/>
+                      <a:round/>
+                      <a:headEnd type="none" w="med" len="med"/>
+                      <a:tailEnd type="none" w="med" len="med"/>
+                    </a:lnT>
+                    <a:lnB w="12700" cap="flat" cmpd="sng" algn="ctr">
+                      <a:solidFill>
+                        <a:schemeClr val="tx1"/>
+                      </a:solidFill>
+                      <a:prstDash val="solid"/>
+                      <a:round/>
+                      <a:headEnd type="none" w="med" len="med"/>
+                      <a:tailEnd type="none" w="med" len="med"/>
+                    </a:lnB>
+                    <a:noFill/>
+                  </a:tcPr>
+                </a:tc>
+                <a:tc>
+                  <a:txBody>
+                    <a:bodyPr/>
+                    <a:lstStyle/>
+                    <a:p>
+                      <a:pPr>
+                        <a:buNone/>
+                      </a:pPr>
+                      <a:r>
+                        <a:rPr lang="en-US" sz="1400" dirty="0"/>
+                        <a:t>GenAI can provide suggestions, but detailed technical evaluation is required.</a:t>
+                      </a:r>
+                    </a:p>
+                  </a:txBody>
+                  <a:tcPr marL="30009" marR="30009" marT="15005" marB="15005" anchor="ctr">
+                    <a:lnL w="12700" cap="flat" cmpd="sng" algn="ctr">
+                      <a:solidFill>
+                        <a:schemeClr val="tx1"/>
+                      </a:solidFill>
+                      <a:prstDash val="solid"/>
+                      <a:round/>
+                      <a:headEnd type="none" w="med" len="med"/>
+                      <a:tailEnd type="none" w="med" len="med"/>
+                    </a:lnL>
+                    <a:lnR w="12700" cap="flat" cmpd="sng" algn="ctr">
+                      <a:solidFill>
+                        <a:schemeClr val="tx1"/>
+                      </a:solidFill>
+                      <a:prstDash val="solid"/>
+                      <a:round/>
+                      <a:headEnd type="none" w="med" len="med"/>
+                      <a:tailEnd type="none" w="med" len="med"/>
+                    </a:lnR>
+                    <a:lnT w="12700" cap="flat" cmpd="sng" algn="ctr">
+                      <a:solidFill>
+                        <a:schemeClr val="tx1"/>
+                      </a:solidFill>
+                      <a:prstDash val="solid"/>
+                      <a:round/>
+                      <a:headEnd type="none" w="med" len="med"/>
+                      <a:tailEnd type="none" w="med" len="med"/>
+                    </a:lnT>
+                    <a:lnB w="12700" cap="flat" cmpd="sng" algn="ctr">
+                      <a:solidFill>
+                        <a:schemeClr val="tx1"/>
+                      </a:solidFill>
+                      <a:prstDash val="solid"/>
+                      <a:round/>
+                      <a:headEnd type="none" w="med" len="med"/>
+                      <a:tailEnd type="none" w="med" len="med"/>
+                    </a:lnB>
+                    <a:noFill/>
+                  </a:tcPr>
+                </a:tc>
+                <a:extLst>
+                  <a:ext uri="{0D108BD9-81ED-4DB2-BD59-A6C34878D82A}">
+                    <a16:rowId xmlns:a16="http://schemas.microsoft.com/office/drawing/2014/main" val="2304287892"/>
+                  </a:ext>
+                </a:extLst>
+              </a:tr>
+            </a:tbl>
+          </a:graphicData>
+        </a:graphic>
+      </p:graphicFrame>
     </p:spTree>
+    <p:extLst>
+      <p:ext uri="{BB962C8B-B14F-4D97-AF65-F5344CB8AC3E}">
+        <p14:creationId xmlns:p14="http://schemas.microsoft.com/office/powerpoint/2010/main" val="2207115179"/>
+      </p:ext>
+    </p:extLst>
   </p:cSld>
   <p:clrMapOvr>
     <a:masterClrMapping/>
@@ -12910,7 +15932,13 @@
       </p:grpSpPr>
       <p:sp>
         <p:nvSpPr>
-          <p:cNvPr id="2" name="Title 1"/>
+          <p:cNvPr id="2" name="Title 1">
+            <a:extLst>
+              <a:ext uri="{FF2B5EF4-FFF2-40B4-BE49-F238E27FC236}">
+                <a16:creationId xmlns:a16="http://schemas.microsoft.com/office/drawing/2014/main" id="{55F42937-FFA4-A3C7-8281-340C1304B16D}"/>
+              </a:ext>
+            </a:extLst>
+          </p:cNvPr>
           <p:cNvSpPr>
             <a:spLocks noGrp="1"/>
           </p:cNvSpPr>
@@ -12918,47 +15946,38 @@
             <p:ph type="title"/>
           </p:nvPr>
         </p:nvSpPr>
-        <p:spPr/>
+        <p:spPr>
+          <a:xfrm>
+            <a:off x="10719319" y="136525"/>
+            <a:ext cx="1653073" cy="1325563"/>
+          </a:xfrm>
+        </p:spPr>
         <p:txBody>
-          <a:bodyPr/>
+          <a:bodyPr>
+            <a:normAutofit fontScale="90000"/>
+          </a:bodyPr>
           <a:lstStyle/>
           <a:p>
             <a:r>
-              <a:rPr lang="en-US"/>
-              <a:t>Example 1: Surgeon</a:t>
+              <a:rPr lang="en-US" sz="2000" b="1" dirty="0"/>
+              <a:t>Cybersecurity Engineer</a:t>
+            </a:r>
+            <a:r>
+              <a:rPr lang="en-US" sz="2000" dirty="0"/>
+              <a:t> (focused on critical infrastructures)</a:t>
             </a:r>
           </a:p>
         </p:txBody>
       </p:sp>
-      <p:pic>
-        <p:nvPicPr>
-          <p:cNvPr id="4" name="Content Placeholder 3"/>
-          <p:cNvPicPr>
-            <a:picLocks noGrp="1" noChangeAspect="1"/>
-          </p:cNvPicPr>
-          <p:nvPr>
-            <p:ph idx="1"/>
-          </p:nvPr>
-        </p:nvPicPr>
-        <p:blipFill>
-          <a:blip r:embed="rId2"/>
-          <a:stretch>
-            <a:fillRect/>
-          </a:stretch>
-        </p:blipFill>
-        <p:spPr>
-          <a:xfrm>
-            <a:off x="838200" y="2380615"/>
-            <a:ext cx="10515600" cy="3241040"/>
-          </a:xfrm>
-          <a:prstGeom prst="rect">
-            <a:avLst/>
-          </a:prstGeom>
-        </p:spPr>
-      </p:pic>
       <p:sp>
         <p:nvSpPr>
-          <p:cNvPr id="3" name="Slide Number Placeholder 2"/>
+          <p:cNvPr id="4" name="Slide Number Placeholder 3">
+            <a:extLst>
+              <a:ext uri="{FF2B5EF4-FFF2-40B4-BE49-F238E27FC236}">
+                <a16:creationId xmlns:a16="http://schemas.microsoft.com/office/drawing/2014/main" id="{B014B015-84F9-243F-1003-48C0891FF0BF}"/>
+              </a:ext>
+            </a:extLst>
+          </p:cNvPr>
           <p:cNvSpPr>
             <a:spLocks noGrp="1"/>
           </p:cNvSpPr>
@@ -12979,7 +15998,2789 @@
           </a:p>
         </p:txBody>
       </p:sp>
+      <p:graphicFrame>
+        <p:nvGraphicFramePr>
+          <p:cNvPr id="5" name="Table 4">
+            <a:extLst>
+              <a:ext uri="{FF2B5EF4-FFF2-40B4-BE49-F238E27FC236}">
+                <a16:creationId xmlns:a16="http://schemas.microsoft.com/office/drawing/2014/main" id="{7AF43F20-E981-B04D-74AF-6B93FF114618}"/>
+              </a:ext>
+            </a:extLst>
+          </p:cNvPr>
+          <p:cNvGraphicFramePr>
+            <a:graphicFrameLocks noGrp="1"/>
+          </p:cNvGraphicFramePr>
+          <p:nvPr>
+            <p:extLst>
+              <p:ext uri="{D42A27DB-BD31-4B8C-83A1-F6EECF244321}">
+                <p14:modId xmlns:p14="http://schemas.microsoft.com/office/powerpoint/2010/main" val="1597092895"/>
+              </p:ext>
+            </p:extLst>
+          </p:nvPr>
+        </p:nvGraphicFramePr>
+        <p:xfrm>
+          <a:off x="76593" y="52400"/>
+          <a:ext cx="10802901" cy="6708867"/>
+        </p:xfrm>
+        <a:graphic>
+          <a:graphicData uri="http://schemas.openxmlformats.org/drawingml/2006/table">
+            <a:tbl>
+              <a:tblPr/>
+              <a:tblGrid>
+                <a:gridCol w="3093309">
+                  <a:extLst>
+                    <a:ext uri="{9D8B030D-6E8A-4147-A177-3AD203B41FA5}">
+                      <a16:colId xmlns:a16="http://schemas.microsoft.com/office/drawing/2014/main" val="1000547542"/>
+                    </a:ext>
+                  </a:extLst>
+                </a:gridCol>
+                <a:gridCol w="1318368">
+                  <a:extLst>
+                    <a:ext uri="{9D8B030D-6E8A-4147-A177-3AD203B41FA5}">
+                      <a16:colId xmlns:a16="http://schemas.microsoft.com/office/drawing/2014/main" val="2917834481"/>
+                    </a:ext>
+                  </a:extLst>
+                </a:gridCol>
+                <a:gridCol w="6391224">
+                  <a:extLst>
+                    <a:ext uri="{9D8B030D-6E8A-4147-A177-3AD203B41FA5}">
+                      <a16:colId xmlns:a16="http://schemas.microsoft.com/office/drawing/2014/main" val="3077857697"/>
+                    </a:ext>
+                  </a:extLst>
+                </a:gridCol>
+              </a:tblGrid>
+              <a:tr h="157839">
+                <a:tc>
+                  <a:txBody>
+                    <a:bodyPr/>
+                    <a:lstStyle/>
+                    <a:p>
+                      <a:pPr>
+                        <a:buNone/>
+                      </a:pPr>
+                      <a:r>
+                        <a:rPr lang="en-US" sz="1400" b="1"/>
+                        <a:t>Task</a:t>
+                      </a:r>
+                      <a:endParaRPr lang="en-US" sz="1400"/>
+                    </a:p>
+                  </a:txBody>
+                  <a:tcPr marL="28255" marR="28255" marT="14128" marB="14128" anchor="ctr">
+                    <a:lnL w="12700" cap="flat" cmpd="sng" algn="ctr">
+                      <a:solidFill>
+                        <a:schemeClr val="tx1"/>
+                      </a:solidFill>
+                      <a:prstDash val="solid"/>
+                      <a:round/>
+                      <a:headEnd type="none" w="med" len="med"/>
+                      <a:tailEnd type="none" w="med" len="med"/>
+                    </a:lnL>
+                    <a:lnR w="12700" cap="flat" cmpd="sng" algn="ctr">
+                      <a:solidFill>
+                        <a:schemeClr val="tx1"/>
+                      </a:solidFill>
+                      <a:prstDash val="solid"/>
+                      <a:round/>
+                      <a:headEnd type="none" w="med" len="med"/>
+                      <a:tailEnd type="none" w="med" len="med"/>
+                    </a:lnR>
+                    <a:lnT w="12700" cap="flat" cmpd="sng" algn="ctr">
+                      <a:solidFill>
+                        <a:schemeClr val="tx1"/>
+                      </a:solidFill>
+                      <a:prstDash val="solid"/>
+                      <a:round/>
+                      <a:headEnd type="none" w="med" len="med"/>
+                      <a:tailEnd type="none" w="med" len="med"/>
+                    </a:lnT>
+                    <a:lnB w="12700" cap="flat" cmpd="sng" algn="ctr">
+                      <a:solidFill>
+                        <a:schemeClr val="tx1"/>
+                      </a:solidFill>
+                      <a:prstDash val="solid"/>
+                      <a:round/>
+                      <a:headEnd type="none" w="med" len="med"/>
+                      <a:tailEnd type="none" w="med" len="med"/>
+                    </a:lnB>
+                    <a:noFill/>
+                  </a:tcPr>
+                </a:tc>
+                <a:tc>
+                  <a:txBody>
+                    <a:bodyPr/>
+                    <a:lstStyle/>
+                    <a:p>
+                      <a:pPr>
+                        <a:buNone/>
+                      </a:pPr>
+                      <a:r>
+                        <a:rPr lang="en-US" sz="1400" b="1"/>
+                        <a:t>GenAI Potential</a:t>
+                      </a:r>
+                      <a:endParaRPr lang="en-US" sz="1400"/>
+                    </a:p>
+                  </a:txBody>
+                  <a:tcPr marL="28255" marR="28255" marT="14128" marB="14128" anchor="ctr">
+                    <a:lnL w="12700" cap="flat" cmpd="sng" algn="ctr">
+                      <a:solidFill>
+                        <a:schemeClr val="tx1"/>
+                      </a:solidFill>
+                      <a:prstDash val="solid"/>
+                      <a:round/>
+                      <a:headEnd type="none" w="med" len="med"/>
+                      <a:tailEnd type="none" w="med" len="med"/>
+                    </a:lnL>
+                    <a:lnR w="12700" cap="flat" cmpd="sng" algn="ctr">
+                      <a:solidFill>
+                        <a:schemeClr val="tx1"/>
+                      </a:solidFill>
+                      <a:prstDash val="solid"/>
+                      <a:round/>
+                      <a:headEnd type="none" w="med" len="med"/>
+                      <a:tailEnd type="none" w="med" len="med"/>
+                    </a:lnR>
+                    <a:lnT w="12700" cap="flat" cmpd="sng" algn="ctr">
+                      <a:solidFill>
+                        <a:schemeClr val="tx1"/>
+                      </a:solidFill>
+                      <a:prstDash val="solid"/>
+                      <a:round/>
+                      <a:headEnd type="none" w="med" len="med"/>
+                      <a:tailEnd type="none" w="med" len="med"/>
+                    </a:lnT>
+                    <a:lnB w="12700" cap="flat" cmpd="sng" algn="ctr">
+                      <a:solidFill>
+                        <a:schemeClr val="tx1"/>
+                      </a:solidFill>
+                      <a:prstDash val="solid"/>
+                      <a:round/>
+                      <a:headEnd type="none" w="med" len="med"/>
+                      <a:tailEnd type="none" w="med" len="med"/>
+                    </a:lnB>
+                    <a:noFill/>
+                  </a:tcPr>
+                </a:tc>
+                <a:tc>
+                  <a:txBody>
+                    <a:bodyPr/>
+                    <a:lstStyle/>
+                    <a:p>
+                      <a:pPr>
+                        <a:buNone/>
+                      </a:pPr>
+                      <a:r>
+                        <a:rPr lang="en-US" sz="1400" b="1"/>
+                        <a:t>Notes / Examples</a:t>
+                      </a:r>
+                      <a:endParaRPr lang="en-US" sz="1400"/>
+                    </a:p>
+                  </a:txBody>
+                  <a:tcPr marL="28255" marR="28255" marT="14128" marB="14128" anchor="ctr">
+                    <a:lnL w="12700" cap="flat" cmpd="sng" algn="ctr">
+                      <a:solidFill>
+                        <a:schemeClr val="tx1"/>
+                      </a:solidFill>
+                      <a:prstDash val="solid"/>
+                      <a:round/>
+                      <a:headEnd type="none" w="med" len="med"/>
+                      <a:tailEnd type="none" w="med" len="med"/>
+                    </a:lnL>
+                    <a:lnR w="12700" cap="flat" cmpd="sng" algn="ctr">
+                      <a:solidFill>
+                        <a:schemeClr val="tx1"/>
+                      </a:solidFill>
+                      <a:prstDash val="solid"/>
+                      <a:round/>
+                      <a:headEnd type="none" w="med" len="med"/>
+                      <a:tailEnd type="none" w="med" len="med"/>
+                    </a:lnR>
+                    <a:lnT w="12700" cap="flat" cmpd="sng" algn="ctr">
+                      <a:solidFill>
+                        <a:schemeClr val="tx1"/>
+                      </a:solidFill>
+                      <a:prstDash val="solid"/>
+                      <a:round/>
+                      <a:headEnd type="none" w="med" len="med"/>
+                      <a:tailEnd type="none" w="med" len="med"/>
+                    </a:lnT>
+                    <a:lnB w="12700" cap="flat" cmpd="sng" algn="ctr">
+                      <a:solidFill>
+                        <a:schemeClr val="tx1"/>
+                      </a:solidFill>
+                      <a:prstDash val="solid"/>
+                      <a:round/>
+                      <a:headEnd type="none" w="med" len="med"/>
+                      <a:tailEnd type="none" w="med" len="med"/>
+                    </a:lnB>
+                    <a:noFill/>
+                  </a:tcPr>
+                </a:tc>
+                <a:extLst>
+                  <a:ext uri="{0D108BD9-81ED-4DB2-BD59-A6C34878D82A}">
+                    <a16:rowId xmlns:a16="http://schemas.microsoft.com/office/drawing/2014/main" val="2019482500"/>
+                  </a:ext>
+                </a:extLst>
+              </a:tr>
+              <a:tr h="519574">
+                <a:tc>
+                  <a:txBody>
+                    <a:bodyPr/>
+                    <a:lstStyle/>
+                    <a:p>
+                      <a:pPr>
+                        <a:buNone/>
+                      </a:pPr>
+                      <a:r>
+                        <a:rPr lang="en-US" sz="1400"/>
+                        <a:t>Threat intelligence gathering</a:t>
+                      </a:r>
+                    </a:p>
+                  </a:txBody>
+                  <a:tcPr marL="28255" marR="28255" marT="14128" marB="14128" anchor="ctr">
+                    <a:lnL w="12700" cap="flat" cmpd="sng" algn="ctr">
+                      <a:solidFill>
+                        <a:schemeClr val="tx1"/>
+                      </a:solidFill>
+                      <a:prstDash val="solid"/>
+                      <a:round/>
+                      <a:headEnd type="none" w="med" len="med"/>
+                      <a:tailEnd type="none" w="med" len="med"/>
+                    </a:lnL>
+                    <a:lnR w="12700" cap="flat" cmpd="sng" algn="ctr">
+                      <a:solidFill>
+                        <a:schemeClr val="tx1"/>
+                      </a:solidFill>
+                      <a:prstDash val="solid"/>
+                      <a:round/>
+                      <a:headEnd type="none" w="med" len="med"/>
+                      <a:tailEnd type="none" w="med" len="med"/>
+                    </a:lnR>
+                    <a:lnT w="12700" cap="flat" cmpd="sng" algn="ctr">
+                      <a:solidFill>
+                        <a:schemeClr val="tx1"/>
+                      </a:solidFill>
+                      <a:prstDash val="solid"/>
+                      <a:round/>
+                      <a:headEnd type="none" w="med" len="med"/>
+                      <a:tailEnd type="none" w="med" len="med"/>
+                    </a:lnT>
+                    <a:lnB w="12700" cap="flat" cmpd="sng" algn="ctr">
+                      <a:solidFill>
+                        <a:schemeClr val="tx1"/>
+                      </a:solidFill>
+                      <a:prstDash val="solid"/>
+                      <a:round/>
+                      <a:headEnd type="none" w="med" len="med"/>
+                      <a:tailEnd type="none" w="med" len="med"/>
+                    </a:lnB>
+                    <a:noFill/>
+                  </a:tcPr>
+                </a:tc>
+                <a:tc>
+                  <a:txBody>
+                    <a:bodyPr/>
+                    <a:lstStyle/>
+                    <a:p>
+                      <a:pPr>
+                        <a:buNone/>
+                      </a:pPr>
+                      <a:r>
+                        <a:rPr lang="en-US" sz="1400" b="1"/>
+                        <a:t>High</a:t>
+                      </a:r>
+                      <a:endParaRPr lang="en-US" sz="1400"/>
+                    </a:p>
+                  </a:txBody>
+                  <a:tcPr marL="28255" marR="28255" marT="14128" marB="14128" anchor="ctr">
+                    <a:lnL w="12700" cap="flat" cmpd="sng" algn="ctr">
+                      <a:solidFill>
+                        <a:schemeClr val="tx1"/>
+                      </a:solidFill>
+                      <a:prstDash val="solid"/>
+                      <a:round/>
+                      <a:headEnd type="none" w="med" len="med"/>
+                      <a:tailEnd type="none" w="med" len="med"/>
+                    </a:lnL>
+                    <a:lnR w="12700" cap="flat" cmpd="sng" algn="ctr">
+                      <a:solidFill>
+                        <a:schemeClr val="tx1"/>
+                      </a:solidFill>
+                      <a:prstDash val="solid"/>
+                      <a:round/>
+                      <a:headEnd type="none" w="med" len="med"/>
+                      <a:tailEnd type="none" w="med" len="med"/>
+                    </a:lnR>
+                    <a:lnT w="12700" cap="flat" cmpd="sng" algn="ctr">
+                      <a:solidFill>
+                        <a:schemeClr val="tx1"/>
+                      </a:solidFill>
+                      <a:prstDash val="solid"/>
+                      <a:round/>
+                      <a:headEnd type="none" w="med" len="med"/>
+                      <a:tailEnd type="none" w="med" len="med"/>
+                    </a:lnT>
+                    <a:lnB w="12700" cap="flat" cmpd="sng" algn="ctr">
+                      <a:solidFill>
+                        <a:schemeClr val="tx1"/>
+                      </a:solidFill>
+                      <a:prstDash val="solid"/>
+                      <a:round/>
+                      <a:headEnd type="none" w="med" len="med"/>
+                      <a:tailEnd type="none" w="med" len="med"/>
+                    </a:lnB>
+                    <a:noFill/>
+                  </a:tcPr>
+                </a:tc>
+                <a:tc>
+                  <a:txBody>
+                    <a:bodyPr/>
+                    <a:lstStyle/>
+                    <a:p>
+                      <a:pPr>
+                        <a:buNone/>
+                      </a:pPr>
+                      <a:r>
+                        <a:rPr lang="en-US" sz="1400"/>
+                        <a:t>GenAI can process large volumes of threat reports, dark web info, and news to identify emerging threats.</a:t>
+                      </a:r>
+                    </a:p>
+                  </a:txBody>
+                  <a:tcPr marL="28255" marR="28255" marT="14128" marB="14128" anchor="ctr">
+                    <a:lnL w="12700" cap="flat" cmpd="sng" algn="ctr">
+                      <a:solidFill>
+                        <a:schemeClr val="tx1"/>
+                      </a:solidFill>
+                      <a:prstDash val="solid"/>
+                      <a:round/>
+                      <a:headEnd type="none" w="med" len="med"/>
+                      <a:tailEnd type="none" w="med" len="med"/>
+                    </a:lnL>
+                    <a:lnR w="12700" cap="flat" cmpd="sng" algn="ctr">
+                      <a:solidFill>
+                        <a:schemeClr val="tx1"/>
+                      </a:solidFill>
+                      <a:prstDash val="solid"/>
+                      <a:round/>
+                      <a:headEnd type="none" w="med" len="med"/>
+                      <a:tailEnd type="none" w="med" len="med"/>
+                    </a:lnR>
+                    <a:lnT w="12700" cap="flat" cmpd="sng" algn="ctr">
+                      <a:solidFill>
+                        <a:schemeClr val="tx1"/>
+                      </a:solidFill>
+                      <a:prstDash val="solid"/>
+                      <a:round/>
+                      <a:headEnd type="none" w="med" len="med"/>
+                      <a:tailEnd type="none" w="med" len="med"/>
+                    </a:lnT>
+                    <a:lnB w="12700" cap="flat" cmpd="sng" algn="ctr">
+                      <a:solidFill>
+                        <a:schemeClr val="tx1"/>
+                      </a:solidFill>
+                      <a:prstDash val="solid"/>
+                      <a:round/>
+                      <a:headEnd type="none" w="med" len="med"/>
+                      <a:tailEnd type="none" w="med" len="med"/>
+                    </a:lnB>
+                    <a:noFill/>
+                  </a:tcPr>
+                </a:tc>
+                <a:extLst>
+                  <a:ext uri="{0D108BD9-81ED-4DB2-BD59-A6C34878D82A}">
+                    <a16:rowId xmlns:a16="http://schemas.microsoft.com/office/drawing/2014/main" val="3037926155"/>
+                  </a:ext>
+                </a:extLst>
+              </a:tr>
+              <a:tr h="398996">
+                <a:tc>
+                  <a:txBody>
+                    <a:bodyPr/>
+                    <a:lstStyle/>
+                    <a:p>
+                      <a:pPr>
+                        <a:buNone/>
+                      </a:pPr>
+                      <a:r>
+                        <a:rPr lang="en-US" sz="1400"/>
+                        <a:t>Vulnerability scanning and assessment</a:t>
+                      </a:r>
+                    </a:p>
+                  </a:txBody>
+                  <a:tcPr marL="28255" marR="28255" marT="14128" marB="14128" anchor="ctr">
+                    <a:lnL w="12700" cap="flat" cmpd="sng" algn="ctr">
+                      <a:solidFill>
+                        <a:schemeClr val="tx1"/>
+                      </a:solidFill>
+                      <a:prstDash val="solid"/>
+                      <a:round/>
+                      <a:headEnd type="none" w="med" len="med"/>
+                      <a:tailEnd type="none" w="med" len="med"/>
+                    </a:lnL>
+                    <a:lnR w="12700" cap="flat" cmpd="sng" algn="ctr">
+                      <a:solidFill>
+                        <a:schemeClr val="tx1"/>
+                      </a:solidFill>
+                      <a:prstDash val="solid"/>
+                      <a:round/>
+                      <a:headEnd type="none" w="med" len="med"/>
+                      <a:tailEnd type="none" w="med" len="med"/>
+                    </a:lnR>
+                    <a:lnT w="12700" cap="flat" cmpd="sng" algn="ctr">
+                      <a:solidFill>
+                        <a:schemeClr val="tx1"/>
+                      </a:solidFill>
+                      <a:prstDash val="solid"/>
+                      <a:round/>
+                      <a:headEnd type="none" w="med" len="med"/>
+                      <a:tailEnd type="none" w="med" len="med"/>
+                    </a:lnT>
+                    <a:lnB w="12700" cap="flat" cmpd="sng" algn="ctr">
+                      <a:solidFill>
+                        <a:schemeClr val="tx1"/>
+                      </a:solidFill>
+                      <a:prstDash val="solid"/>
+                      <a:round/>
+                      <a:headEnd type="none" w="med" len="med"/>
+                      <a:tailEnd type="none" w="med" len="med"/>
+                    </a:lnB>
+                    <a:noFill/>
+                  </a:tcPr>
+                </a:tc>
+                <a:tc>
+                  <a:txBody>
+                    <a:bodyPr/>
+                    <a:lstStyle/>
+                    <a:p>
+                      <a:pPr>
+                        <a:buNone/>
+                      </a:pPr>
+                      <a:r>
+                        <a:rPr lang="en-US" sz="1400" b="1"/>
+                        <a:t>High</a:t>
+                      </a:r>
+                      <a:endParaRPr lang="en-US" sz="1400"/>
+                    </a:p>
+                  </a:txBody>
+                  <a:tcPr marL="28255" marR="28255" marT="14128" marB="14128" anchor="ctr">
+                    <a:lnL w="12700" cap="flat" cmpd="sng" algn="ctr">
+                      <a:solidFill>
+                        <a:schemeClr val="tx1"/>
+                      </a:solidFill>
+                      <a:prstDash val="solid"/>
+                      <a:round/>
+                      <a:headEnd type="none" w="med" len="med"/>
+                      <a:tailEnd type="none" w="med" len="med"/>
+                    </a:lnL>
+                    <a:lnR w="12700" cap="flat" cmpd="sng" algn="ctr">
+                      <a:solidFill>
+                        <a:schemeClr val="tx1"/>
+                      </a:solidFill>
+                      <a:prstDash val="solid"/>
+                      <a:round/>
+                      <a:headEnd type="none" w="med" len="med"/>
+                      <a:tailEnd type="none" w="med" len="med"/>
+                    </a:lnR>
+                    <a:lnT w="12700" cap="flat" cmpd="sng" algn="ctr">
+                      <a:solidFill>
+                        <a:schemeClr val="tx1"/>
+                      </a:solidFill>
+                      <a:prstDash val="solid"/>
+                      <a:round/>
+                      <a:headEnd type="none" w="med" len="med"/>
+                      <a:tailEnd type="none" w="med" len="med"/>
+                    </a:lnT>
+                    <a:lnB w="12700" cap="flat" cmpd="sng" algn="ctr">
+                      <a:solidFill>
+                        <a:schemeClr val="tx1"/>
+                      </a:solidFill>
+                      <a:prstDash val="solid"/>
+                      <a:round/>
+                      <a:headEnd type="none" w="med" len="med"/>
+                      <a:tailEnd type="none" w="med" len="med"/>
+                    </a:lnB>
+                    <a:noFill/>
+                  </a:tcPr>
+                </a:tc>
+                <a:tc>
+                  <a:txBody>
+                    <a:bodyPr/>
+                    <a:lstStyle/>
+                    <a:p>
+                      <a:pPr>
+                        <a:buNone/>
+                      </a:pPr>
+                      <a:r>
+                        <a:rPr lang="en-US" sz="1400"/>
+                        <a:t>Can analyze scan results, prioritize risks, and suggest mitigations.</a:t>
+                      </a:r>
+                    </a:p>
+                  </a:txBody>
+                  <a:tcPr marL="28255" marR="28255" marT="14128" marB="14128" anchor="ctr">
+                    <a:lnL w="12700" cap="flat" cmpd="sng" algn="ctr">
+                      <a:solidFill>
+                        <a:schemeClr val="tx1"/>
+                      </a:solidFill>
+                      <a:prstDash val="solid"/>
+                      <a:round/>
+                      <a:headEnd type="none" w="med" len="med"/>
+                      <a:tailEnd type="none" w="med" len="med"/>
+                    </a:lnL>
+                    <a:lnR w="12700" cap="flat" cmpd="sng" algn="ctr">
+                      <a:solidFill>
+                        <a:schemeClr val="tx1"/>
+                      </a:solidFill>
+                      <a:prstDash val="solid"/>
+                      <a:round/>
+                      <a:headEnd type="none" w="med" len="med"/>
+                      <a:tailEnd type="none" w="med" len="med"/>
+                    </a:lnR>
+                    <a:lnT w="12700" cap="flat" cmpd="sng" algn="ctr">
+                      <a:solidFill>
+                        <a:schemeClr val="tx1"/>
+                      </a:solidFill>
+                      <a:prstDash val="solid"/>
+                      <a:round/>
+                      <a:headEnd type="none" w="med" len="med"/>
+                      <a:tailEnd type="none" w="med" len="med"/>
+                    </a:lnT>
+                    <a:lnB w="12700" cap="flat" cmpd="sng" algn="ctr">
+                      <a:solidFill>
+                        <a:schemeClr val="tx1"/>
+                      </a:solidFill>
+                      <a:prstDash val="solid"/>
+                      <a:round/>
+                      <a:headEnd type="none" w="med" len="med"/>
+                      <a:tailEnd type="none" w="med" len="med"/>
+                    </a:lnB>
+                    <a:noFill/>
+                  </a:tcPr>
+                </a:tc>
+                <a:extLst>
+                  <a:ext uri="{0D108BD9-81ED-4DB2-BD59-A6C34878D82A}">
+                    <a16:rowId xmlns:a16="http://schemas.microsoft.com/office/drawing/2014/main" val="2151879802"/>
+                  </a:ext>
+                </a:extLst>
+              </a:tr>
+              <a:tr h="398996">
+                <a:tc>
+                  <a:txBody>
+                    <a:bodyPr/>
+                    <a:lstStyle/>
+                    <a:p>
+                      <a:pPr>
+                        <a:buNone/>
+                      </a:pPr>
+                      <a:r>
+                        <a:rPr lang="en-US" sz="1400"/>
+                        <a:t>Security monitoring (SIEM analysis)</a:t>
+                      </a:r>
+                    </a:p>
+                  </a:txBody>
+                  <a:tcPr marL="28255" marR="28255" marT="14128" marB="14128" anchor="ctr">
+                    <a:lnL w="12700" cap="flat" cmpd="sng" algn="ctr">
+                      <a:solidFill>
+                        <a:schemeClr val="tx1"/>
+                      </a:solidFill>
+                      <a:prstDash val="solid"/>
+                      <a:round/>
+                      <a:headEnd type="none" w="med" len="med"/>
+                      <a:tailEnd type="none" w="med" len="med"/>
+                    </a:lnL>
+                    <a:lnR w="12700" cap="flat" cmpd="sng" algn="ctr">
+                      <a:solidFill>
+                        <a:schemeClr val="tx1"/>
+                      </a:solidFill>
+                      <a:prstDash val="solid"/>
+                      <a:round/>
+                      <a:headEnd type="none" w="med" len="med"/>
+                      <a:tailEnd type="none" w="med" len="med"/>
+                    </a:lnR>
+                    <a:lnT w="12700" cap="flat" cmpd="sng" algn="ctr">
+                      <a:solidFill>
+                        <a:schemeClr val="tx1"/>
+                      </a:solidFill>
+                      <a:prstDash val="solid"/>
+                      <a:round/>
+                      <a:headEnd type="none" w="med" len="med"/>
+                      <a:tailEnd type="none" w="med" len="med"/>
+                    </a:lnT>
+                    <a:lnB w="12700" cap="flat" cmpd="sng" algn="ctr">
+                      <a:solidFill>
+                        <a:schemeClr val="tx1"/>
+                      </a:solidFill>
+                      <a:prstDash val="solid"/>
+                      <a:round/>
+                      <a:headEnd type="none" w="med" len="med"/>
+                      <a:tailEnd type="none" w="med" len="med"/>
+                    </a:lnB>
+                    <a:noFill/>
+                  </a:tcPr>
+                </a:tc>
+                <a:tc>
+                  <a:txBody>
+                    <a:bodyPr/>
+                    <a:lstStyle/>
+                    <a:p>
+                      <a:pPr>
+                        <a:buNone/>
+                      </a:pPr>
+                      <a:r>
+                        <a:rPr lang="en-US" sz="1400" b="1"/>
+                        <a:t>High</a:t>
+                      </a:r>
+                      <a:endParaRPr lang="en-US" sz="1400"/>
+                    </a:p>
+                  </a:txBody>
+                  <a:tcPr marL="28255" marR="28255" marT="14128" marB="14128" anchor="ctr">
+                    <a:lnL w="12700" cap="flat" cmpd="sng" algn="ctr">
+                      <a:solidFill>
+                        <a:schemeClr val="tx1"/>
+                      </a:solidFill>
+                      <a:prstDash val="solid"/>
+                      <a:round/>
+                      <a:headEnd type="none" w="med" len="med"/>
+                      <a:tailEnd type="none" w="med" len="med"/>
+                    </a:lnL>
+                    <a:lnR w="12700" cap="flat" cmpd="sng" algn="ctr">
+                      <a:solidFill>
+                        <a:schemeClr val="tx1"/>
+                      </a:solidFill>
+                      <a:prstDash val="solid"/>
+                      <a:round/>
+                      <a:headEnd type="none" w="med" len="med"/>
+                      <a:tailEnd type="none" w="med" len="med"/>
+                    </a:lnR>
+                    <a:lnT w="12700" cap="flat" cmpd="sng" algn="ctr">
+                      <a:solidFill>
+                        <a:schemeClr val="tx1"/>
+                      </a:solidFill>
+                      <a:prstDash val="solid"/>
+                      <a:round/>
+                      <a:headEnd type="none" w="med" len="med"/>
+                      <a:tailEnd type="none" w="med" len="med"/>
+                    </a:lnT>
+                    <a:lnB w="12700" cap="flat" cmpd="sng" algn="ctr">
+                      <a:solidFill>
+                        <a:schemeClr val="tx1"/>
+                      </a:solidFill>
+                      <a:prstDash val="solid"/>
+                      <a:round/>
+                      <a:headEnd type="none" w="med" len="med"/>
+                      <a:tailEnd type="none" w="med" len="med"/>
+                    </a:lnB>
+                    <a:noFill/>
+                  </a:tcPr>
+                </a:tc>
+                <a:tc>
+                  <a:txBody>
+                    <a:bodyPr/>
+                    <a:lstStyle/>
+                    <a:p>
+                      <a:pPr>
+                        <a:buNone/>
+                      </a:pPr>
+                      <a:r>
+                        <a:rPr lang="en-US" sz="1400"/>
+                        <a:t>Can help detect anomalies and generate alerts from logs and network data.</a:t>
+                      </a:r>
+                    </a:p>
+                  </a:txBody>
+                  <a:tcPr marL="28255" marR="28255" marT="14128" marB="14128" anchor="ctr">
+                    <a:lnL w="12700" cap="flat" cmpd="sng" algn="ctr">
+                      <a:solidFill>
+                        <a:schemeClr val="tx1"/>
+                      </a:solidFill>
+                      <a:prstDash val="solid"/>
+                      <a:round/>
+                      <a:headEnd type="none" w="med" len="med"/>
+                      <a:tailEnd type="none" w="med" len="med"/>
+                    </a:lnL>
+                    <a:lnR w="12700" cap="flat" cmpd="sng" algn="ctr">
+                      <a:solidFill>
+                        <a:schemeClr val="tx1"/>
+                      </a:solidFill>
+                      <a:prstDash val="solid"/>
+                      <a:round/>
+                      <a:headEnd type="none" w="med" len="med"/>
+                      <a:tailEnd type="none" w="med" len="med"/>
+                    </a:lnR>
+                    <a:lnT w="12700" cap="flat" cmpd="sng" algn="ctr">
+                      <a:solidFill>
+                        <a:schemeClr val="tx1"/>
+                      </a:solidFill>
+                      <a:prstDash val="solid"/>
+                      <a:round/>
+                      <a:headEnd type="none" w="med" len="med"/>
+                      <a:tailEnd type="none" w="med" len="med"/>
+                    </a:lnT>
+                    <a:lnB w="12700" cap="flat" cmpd="sng" algn="ctr">
+                      <a:solidFill>
+                        <a:schemeClr val="tx1"/>
+                      </a:solidFill>
+                      <a:prstDash val="solid"/>
+                      <a:round/>
+                      <a:headEnd type="none" w="med" len="med"/>
+                      <a:tailEnd type="none" w="med" len="med"/>
+                    </a:lnB>
+                    <a:noFill/>
+                  </a:tcPr>
+                </a:tc>
+                <a:extLst>
+                  <a:ext uri="{0D108BD9-81ED-4DB2-BD59-A6C34878D82A}">
+                    <a16:rowId xmlns:a16="http://schemas.microsoft.com/office/drawing/2014/main" val="2077968614"/>
+                  </a:ext>
+                </a:extLst>
+              </a:tr>
+              <a:tr h="519574">
+                <a:tc>
+                  <a:txBody>
+                    <a:bodyPr/>
+                    <a:lstStyle/>
+                    <a:p>
+                      <a:pPr>
+                        <a:buNone/>
+                      </a:pPr>
+                      <a:r>
+                        <a:rPr lang="en-US" sz="1400"/>
+                        <a:t>Incident response planning</a:t>
+                      </a:r>
+                    </a:p>
+                  </a:txBody>
+                  <a:tcPr marL="28255" marR="28255" marT="14128" marB="14128" anchor="ctr">
+                    <a:lnL w="12700" cap="flat" cmpd="sng" algn="ctr">
+                      <a:solidFill>
+                        <a:schemeClr val="tx1"/>
+                      </a:solidFill>
+                      <a:prstDash val="solid"/>
+                      <a:round/>
+                      <a:headEnd type="none" w="med" len="med"/>
+                      <a:tailEnd type="none" w="med" len="med"/>
+                    </a:lnL>
+                    <a:lnR w="12700" cap="flat" cmpd="sng" algn="ctr">
+                      <a:solidFill>
+                        <a:schemeClr val="tx1"/>
+                      </a:solidFill>
+                      <a:prstDash val="solid"/>
+                      <a:round/>
+                      <a:headEnd type="none" w="med" len="med"/>
+                      <a:tailEnd type="none" w="med" len="med"/>
+                    </a:lnR>
+                    <a:lnT w="12700" cap="flat" cmpd="sng" algn="ctr">
+                      <a:solidFill>
+                        <a:schemeClr val="tx1"/>
+                      </a:solidFill>
+                      <a:prstDash val="solid"/>
+                      <a:round/>
+                      <a:headEnd type="none" w="med" len="med"/>
+                      <a:tailEnd type="none" w="med" len="med"/>
+                    </a:lnT>
+                    <a:lnB w="12700" cap="flat" cmpd="sng" algn="ctr">
+                      <a:solidFill>
+                        <a:schemeClr val="tx1"/>
+                      </a:solidFill>
+                      <a:prstDash val="solid"/>
+                      <a:round/>
+                      <a:headEnd type="none" w="med" len="med"/>
+                      <a:tailEnd type="none" w="med" len="med"/>
+                    </a:lnB>
+                    <a:noFill/>
+                  </a:tcPr>
+                </a:tc>
+                <a:tc>
+                  <a:txBody>
+                    <a:bodyPr/>
+                    <a:lstStyle/>
+                    <a:p>
+                      <a:pPr>
+                        <a:buNone/>
+                      </a:pPr>
+                      <a:r>
+                        <a:rPr lang="en-US" sz="1400" b="1"/>
+                        <a:t>Medium</a:t>
+                      </a:r>
+                      <a:endParaRPr lang="en-US" sz="1400"/>
+                    </a:p>
+                  </a:txBody>
+                  <a:tcPr marL="28255" marR="28255" marT="14128" marB="14128" anchor="ctr">
+                    <a:lnL w="12700" cap="flat" cmpd="sng" algn="ctr">
+                      <a:solidFill>
+                        <a:schemeClr val="tx1"/>
+                      </a:solidFill>
+                      <a:prstDash val="solid"/>
+                      <a:round/>
+                      <a:headEnd type="none" w="med" len="med"/>
+                      <a:tailEnd type="none" w="med" len="med"/>
+                    </a:lnL>
+                    <a:lnR w="12700" cap="flat" cmpd="sng" algn="ctr">
+                      <a:solidFill>
+                        <a:schemeClr val="tx1"/>
+                      </a:solidFill>
+                      <a:prstDash val="solid"/>
+                      <a:round/>
+                      <a:headEnd type="none" w="med" len="med"/>
+                      <a:tailEnd type="none" w="med" len="med"/>
+                    </a:lnR>
+                    <a:lnT w="12700" cap="flat" cmpd="sng" algn="ctr">
+                      <a:solidFill>
+                        <a:schemeClr val="tx1"/>
+                      </a:solidFill>
+                      <a:prstDash val="solid"/>
+                      <a:round/>
+                      <a:headEnd type="none" w="med" len="med"/>
+                      <a:tailEnd type="none" w="med" len="med"/>
+                    </a:lnT>
+                    <a:lnB w="12700" cap="flat" cmpd="sng" algn="ctr">
+                      <a:solidFill>
+                        <a:schemeClr val="tx1"/>
+                      </a:solidFill>
+                      <a:prstDash val="solid"/>
+                      <a:round/>
+                      <a:headEnd type="none" w="med" len="med"/>
+                      <a:tailEnd type="none" w="med" len="med"/>
+                    </a:lnB>
+                    <a:noFill/>
+                  </a:tcPr>
+                </a:tc>
+                <a:tc>
+                  <a:txBody>
+                    <a:bodyPr/>
+                    <a:lstStyle/>
+                    <a:p>
+                      <a:pPr>
+                        <a:buNone/>
+                      </a:pPr>
+                      <a:r>
+                        <a:rPr lang="en-US" sz="1400"/>
+                        <a:t>Can draft playbooks and response strategies, but real-time coordination requires human oversight.</a:t>
+                      </a:r>
+                    </a:p>
+                  </a:txBody>
+                  <a:tcPr marL="28255" marR="28255" marT="14128" marB="14128" anchor="ctr">
+                    <a:lnL w="12700" cap="flat" cmpd="sng" algn="ctr">
+                      <a:solidFill>
+                        <a:schemeClr val="tx1"/>
+                      </a:solidFill>
+                      <a:prstDash val="solid"/>
+                      <a:round/>
+                      <a:headEnd type="none" w="med" len="med"/>
+                      <a:tailEnd type="none" w="med" len="med"/>
+                    </a:lnL>
+                    <a:lnR w="12700" cap="flat" cmpd="sng" algn="ctr">
+                      <a:solidFill>
+                        <a:schemeClr val="tx1"/>
+                      </a:solidFill>
+                      <a:prstDash val="solid"/>
+                      <a:round/>
+                      <a:headEnd type="none" w="med" len="med"/>
+                      <a:tailEnd type="none" w="med" len="med"/>
+                    </a:lnR>
+                    <a:lnT w="12700" cap="flat" cmpd="sng" algn="ctr">
+                      <a:solidFill>
+                        <a:schemeClr val="tx1"/>
+                      </a:solidFill>
+                      <a:prstDash val="solid"/>
+                      <a:round/>
+                      <a:headEnd type="none" w="med" len="med"/>
+                      <a:tailEnd type="none" w="med" len="med"/>
+                    </a:lnT>
+                    <a:lnB w="12700" cap="flat" cmpd="sng" algn="ctr">
+                      <a:solidFill>
+                        <a:schemeClr val="tx1"/>
+                      </a:solidFill>
+                      <a:prstDash val="solid"/>
+                      <a:round/>
+                      <a:headEnd type="none" w="med" len="med"/>
+                      <a:tailEnd type="none" w="med" len="med"/>
+                    </a:lnB>
+                    <a:noFill/>
+                  </a:tcPr>
+                </a:tc>
+                <a:extLst>
+                  <a:ext uri="{0D108BD9-81ED-4DB2-BD59-A6C34878D82A}">
+                    <a16:rowId xmlns:a16="http://schemas.microsoft.com/office/drawing/2014/main" val="2217931326"/>
+                  </a:ext>
+                </a:extLst>
+              </a:tr>
+              <a:tr h="519574">
+                <a:tc>
+                  <a:txBody>
+                    <a:bodyPr/>
+                    <a:lstStyle/>
+                    <a:p>
+                      <a:pPr>
+                        <a:buNone/>
+                      </a:pPr>
+                      <a:r>
+                        <a:rPr lang="en-US" sz="1400"/>
+                        <a:t>Penetration testing assistance</a:t>
+                      </a:r>
+                    </a:p>
+                  </a:txBody>
+                  <a:tcPr marL="28255" marR="28255" marT="14128" marB="14128" anchor="ctr">
+                    <a:lnL w="12700" cap="flat" cmpd="sng" algn="ctr">
+                      <a:solidFill>
+                        <a:schemeClr val="tx1"/>
+                      </a:solidFill>
+                      <a:prstDash val="solid"/>
+                      <a:round/>
+                      <a:headEnd type="none" w="med" len="med"/>
+                      <a:tailEnd type="none" w="med" len="med"/>
+                    </a:lnL>
+                    <a:lnR w="12700" cap="flat" cmpd="sng" algn="ctr">
+                      <a:solidFill>
+                        <a:schemeClr val="tx1"/>
+                      </a:solidFill>
+                      <a:prstDash val="solid"/>
+                      <a:round/>
+                      <a:headEnd type="none" w="med" len="med"/>
+                      <a:tailEnd type="none" w="med" len="med"/>
+                    </a:lnR>
+                    <a:lnT w="12700" cap="flat" cmpd="sng" algn="ctr">
+                      <a:solidFill>
+                        <a:schemeClr val="tx1"/>
+                      </a:solidFill>
+                      <a:prstDash val="solid"/>
+                      <a:round/>
+                      <a:headEnd type="none" w="med" len="med"/>
+                      <a:tailEnd type="none" w="med" len="med"/>
+                    </a:lnT>
+                    <a:lnB w="12700" cap="flat" cmpd="sng" algn="ctr">
+                      <a:solidFill>
+                        <a:schemeClr val="tx1"/>
+                      </a:solidFill>
+                      <a:prstDash val="solid"/>
+                      <a:round/>
+                      <a:headEnd type="none" w="med" len="med"/>
+                      <a:tailEnd type="none" w="med" len="med"/>
+                    </a:lnB>
+                    <a:noFill/>
+                  </a:tcPr>
+                </a:tc>
+                <a:tc>
+                  <a:txBody>
+                    <a:bodyPr/>
+                    <a:lstStyle/>
+                    <a:p>
+                      <a:pPr>
+                        <a:buNone/>
+                      </a:pPr>
+                      <a:r>
+                        <a:rPr lang="en-US" sz="1400" b="1"/>
+                        <a:t>Medium</a:t>
+                      </a:r>
+                      <a:endParaRPr lang="en-US" sz="1400"/>
+                    </a:p>
+                  </a:txBody>
+                  <a:tcPr marL="28255" marR="28255" marT="14128" marB="14128" anchor="ctr">
+                    <a:lnL w="12700" cap="flat" cmpd="sng" algn="ctr">
+                      <a:solidFill>
+                        <a:schemeClr val="tx1"/>
+                      </a:solidFill>
+                      <a:prstDash val="solid"/>
+                      <a:round/>
+                      <a:headEnd type="none" w="med" len="med"/>
+                      <a:tailEnd type="none" w="med" len="med"/>
+                    </a:lnL>
+                    <a:lnR w="12700" cap="flat" cmpd="sng" algn="ctr">
+                      <a:solidFill>
+                        <a:schemeClr val="tx1"/>
+                      </a:solidFill>
+                      <a:prstDash val="solid"/>
+                      <a:round/>
+                      <a:headEnd type="none" w="med" len="med"/>
+                      <a:tailEnd type="none" w="med" len="med"/>
+                    </a:lnR>
+                    <a:lnT w="12700" cap="flat" cmpd="sng" algn="ctr">
+                      <a:solidFill>
+                        <a:schemeClr val="tx1"/>
+                      </a:solidFill>
+                      <a:prstDash val="solid"/>
+                      <a:round/>
+                      <a:headEnd type="none" w="med" len="med"/>
+                      <a:tailEnd type="none" w="med" len="med"/>
+                    </a:lnT>
+                    <a:lnB w="12700" cap="flat" cmpd="sng" algn="ctr">
+                      <a:solidFill>
+                        <a:schemeClr val="tx1"/>
+                      </a:solidFill>
+                      <a:prstDash val="solid"/>
+                      <a:round/>
+                      <a:headEnd type="none" w="med" len="med"/>
+                      <a:tailEnd type="none" w="med" len="med"/>
+                    </a:lnB>
+                    <a:noFill/>
+                  </a:tcPr>
+                </a:tc>
+                <a:tc>
+                  <a:txBody>
+                    <a:bodyPr/>
+                    <a:lstStyle/>
+                    <a:p>
+                      <a:pPr>
+                        <a:buNone/>
+                      </a:pPr>
+                      <a:r>
+                        <a:rPr lang="en-US" sz="1400" dirty="0"/>
+                        <a:t>Can suggest attack vectors, generate scripts, or interpret results, but cannot replace hands-on testing.</a:t>
+                      </a:r>
+                    </a:p>
+                  </a:txBody>
+                  <a:tcPr marL="28255" marR="28255" marT="14128" marB="14128" anchor="ctr">
+                    <a:lnL w="12700" cap="flat" cmpd="sng" algn="ctr">
+                      <a:solidFill>
+                        <a:schemeClr val="tx1"/>
+                      </a:solidFill>
+                      <a:prstDash val="solid"/>
+                      <a:round/>
+                      <a:headEnd type="none" w="med" len="med"/>
+                      <a:tailEnd type="none" w="med" len="med"/>
+                    </a:lnL>
+                    <a:lnR w="12700" cap="flat" cmpd="sng" algn="ctr">
+                      <a:solidFill>
+                        <a:schemeClr val="tx1"/>
+                      </a:solidFill>
+                      <a:prstDash val="solid"/>
+                      <a:round/>
+                      <a:headEnd type="none" w="med" len="med"/>
+                      <a:tailEnd type="none" w="med" len="med"/>
+                    </a:lnR>
+                    <a:lnT w="12700" cap="flat" cmpd="sng" algn="ctr">
+                      <a:solidFill>
+                        <a:schemeClr val="tx1"/>
+                      </a:solidFill>
+                      <a:prstDash val="solid"/>
+                      <a:round/>
+                      <a:headEnd type="none" w="med" len="med"/>
+                      <a:tailEnd type="none" w="med" len="med"/>
+                    </a:lnT>
+                    <a:lnB w="12700" cap="flat" cmpd="sng" algn="ctr">
+                      <a:solidFill>
+                        <a:schemeClr val="tx1"/>
+                      </a:solidFill>
+                      <a:prstDash val="solid"/>
+                      <a:round/>
+                      <a:headEnd type="none" w="med" len="med"/>
+                      <a:tailEnd type="none" w="med" len="med"/>
+                    </a:lnB>
+                    <a:noFill/>
+                  </a:tcPr>
+                </a:tc>
+                <a:extLst>
+                  <a:ext uri="{0D108BD9-81ED-4DB2-BD59-A6C34878D82A}">
+                    <a16:rowId xmlns:a16="http://schemas.microsoft.com/office/drawing/2014/main" val="1140459625"/>
+                  </a:ext>
+                </a:extLst>
+              </a:tr>
+              <a:tr h="519574">
+                <a:tc>
+                  <a:txBody>
+                    <a:bodyPr/>
+                    <a:lstStyle/>
+                    <a:p>
+                      <a:pPr>
+                        <a:buNone/>
+                      </a:pPr>
+                      <a:r>
+                        <a:rPr lang="en-US" sz="1400"/>
+                        <a:t>Firewall, IDS/IPS, and network configuration</a:t>
+                      </a:r>
+                    </a:p>
+                  </a:txBody>
+                  <a:tcPr marL="28255" marR="28255" marT="14128" marB="14128" anchor="ctr">
+                    <a:lnL w="12700" cap="flat" cmpd="sng" algn="ctr">
+                      <a:solidFill>
+                        <a:schemeClr val="tx1"/>
+                      </a:solidFill>
+                      <a:prstDash val="solid"/>
+                      <a:round/>
+                      <a:headEnd type="none" w="med" len="med"/>
+                      <a:tailEnd type="none" w="med" len="med"/>
+                    </a:lnL>
+                    <a:lnR w="12700" cap="flat" cmpd="sng" algn="ctr">
+                      <a:solidFill>
+                        <a:schemeClr val="tx1"/>
+                      </a:solidFill>
+                      <a:prstDash val="solid"/>
+                      <a:round/>
+                      <a:headEnd type="none" w="med" len="med"/>
+                      <a:tailEnd type="none" w="med" len="med"/>
+                    </a:lnR>
+                    <a:lnT w="12700" cap="flat" cmpd="sng" algn="ctr">
+                      <a:solidFill>
+                        <a:schemeClr val="tx1"/>
+                      </a:solidFill>
+                      <a:prstDash val="solid"/>
+                      <a:round/>
+                      <a:headEnd type="none" w="med" len="med"/>
+                      <a:tailEnd type="none" w="med" len="med"/>
+                    </a:lnT>
+                    <a:lnB w="12700" cap="flat" cmpd="sng" algn="ctr">
+                      <a:solidFill>
+                        <a:schemeClr val="tx1"/>
+                      </a:solidFill>
+                      <a:prstDash val="solid"/>
+                      <a:round/>
+                      <a:headEnd type="none" w="med" len="med"/>
+                      <a:tailEnd type="none" w="med" len="med"/>
+                    </a:lnB>
+                    <a:noFill/>
+                  </a:tcPr>
+                </a:tc>
+                <a:tc>
+                  <a:txBody>
+                    <a:bodyPr/>
+                    <a:lstStyle/>
+                    <a:p>
+                      <a:pPr>
+                        <a:buNone/>
+                      </a:pPr>
+                      <a:r>
+                        <a:rPr lang="en-US" sz="1400" b="1"/>
+                        <a:t>Medium</a:t>
+                      </a:r>
+                      <a:endParaRPr lang="en-US" sz="1400"/>
+                    </a:p>
+                  </a:txBody>
+                  <a:tcPr marL="28255" marR="28255" marT="14128" marB="14128" anchor="ctr">
+                    <a:lnL w="12700" cap="flat" cmpd="sng" algn="ctr">
+                      <a:solidFill>
+                        <a:schemeClr val="tx1"/>
+                      </a:solidFill>
+                      <a:prstDash val="solid"/>
+                      <a:round/>
+                      <a:headEnd type="none" w="med" len="med"/>
+                      <a:tailEnd type="none" w="med" len="med"/>
+                    </a:lnL>
+                    <a:lnR w="12700" cap="flat" cmpd="sng" algn="ctr">
+                      <a:solidFill>
+                        <a:schemeClr val="tx1"/>
+                      </a:solidFill>
+                      <a:prstDash val="solid"/>
+                      <a:round/>
+                      <a:headEnd type="none" w="med" len="med"/>
+                      <a:tailEnd type="none" w="med" len="med"/>
+                    </a:lnR>
+                    <a:lnT w="12700" cap="flat" cmpd="sng" algn="ctr">
+                      <a:solidFill>
+                        <a:schemeClr val="tx1"/>
+                      </a:solidFill>
+                      <a:prstDash val="solid"/>
+                      <a:round/>
+                      <a:headEnd type="none" w="med" len="med"/>
+                      <a:tailEnd type="none" w="med" len="med"/>
+                    </a:lnT>
+                    <a:lnB w="12700" cap="flat" cmpd="sng" algn="ctr">
+                      <a:solidFill>
+                        <a:schemeClr val="tx1"/>
+                      </a:solidFill>
+                      <a:prstDash val="solid"/>
+                      <a:round/>
+                      <a:headEnd type="none" w="med" len="med"/>
+                      <a:tailEnd type="none" w="med" len="med"/>
+                    </a:lnB>
+                    <a:noFill/>
+                  </a:tcPr>
+                </a:tc>
+                <a:tc>
+                  <a:txBody>
+                    <a:bodyPr/>
+                    <a:lstStyle/>
+                    <a:p>
+                      <a:pPr>
+                        <a:buNone/>
+                      </a:pPr>
+                      <a:r>
+                        <a:rPr lang="en-US" sz="1400"/>
+                        <a:t>Can suggest configuration rules and optimizations, but implementation requires human action.</a:t>
+                      </a:r>
+                    </a:p>
+                  </a:txBody>
+                  <a:tcPr marL="28255" marR="28255" marT="14128" marB="14128" anchor="ctr">
+                    <a:lnL w="12700" cap="flat" cmpd="sng" algn="ctr">
+                      <a:solidFill>
+                        <a:schemeClr val="tx1"/>
+                      </a:solidFill>
+                      <a:prstDash val="solid"/>
+                      <a:round/>
+                      <a:headEnd type="none" w="med" len="med"/>
+                      <a:tailEnd type="none" w="med" len="med"/>
+                    </a:lnL>
+                    <a:lnR w="12700" cap="flat" cmpd="sng" algn="ctr">
+                      <a:solidFill>
+                        <a:schemeClr val="tx1"/>
+                      </a:solidFill>
+                      <a:prstDash val="solid"/>
+                      <a:round/>
+                      <a:headEnd type="none" w="med" len="med"/>
+                      <a:tailEnd type="none" w="med" len="med"/>
+                    </a:lnR>
+                    <a:lnT w="12700" cap="flat" cmpd="sng" algn="ctr">
+                      <a:solidFill>
+                        <a:schemeClr val="tx1"/>
+                      </a:solidFill>
+                      <a:prstDash val="solid"/>
+                      <a:round/>
+                      <a:headEnd type="none" w="med" len="med"/>
+                      <a:tailEnd type="none" w="med" len="med"/>
+                    </a:lnT>
+                    <a:lnB w="12700" cap="flat" cmpd="sng" algn="ctr">
+                      <a:solidFill>
+                        <a:schemeClr val="tx1"/>
+                      </a:solidFill>
+                      <a:prstDash val="solid"/>
+                      <a:round/>
+                      <a:headEnd type="none" w="med" len="med"/>
+                      <a:tailEnd type="none" w="med" len="med"/>
+                    </a:lnB>
+                    <a:noFill/>
+                  </a:tcPr>
+                </a:tc>
+                <a:extLst>
+                  <a:ext uri="{0D108BD9-81ED-4DB2-BD59-A6C34878D82A}">
+                    <a16:rowId xmlns:a16="http://schemas.microsoft.com/office/drawing/2014/main" val="2768867090"/>
+                  </a:ext>
+                </a:extLst>
+              </a:tr>
+              <a:tr h="519574">
+                <a:tc>
+                  <a:txBody>
+                    <a:bodyPr/>
+                    <a:lstStyle/>
+                    <a:p>
+                      <a:pPr>
+                        <a:buNone/>
+                      </a:pPr>
+                      <a:r>
+                        <a:rPr lang="en-US" sz="1400"/>
+                        <a:t>Malware analysis</a:t>
+                      </a:r>
+                    </a:p>
+                  </a:txBody>
+                  <a:tcPr marL="28255" marR="28255" marT="14128" marB="14128" anchor="ctr">
+                    <a:lnL w="12700" cap="flat" cmpd="sng" algn="ctr">
+                      <a:solidFill>
+                        <a:schemeClr val="tx1"/>
+                      </a:solidFill>
+                      <a:prstDash val="solid"/>
+                      <a:round/>
+                      <a:headEnd type="none" w="med" len="med"/>
+                      <a:tailEnd type="none" w="med" len="med"/>
+                    </a:lnL>
+                    <a:lnR w="12700" cap="flat" cmpd="sng" algn="ctr">
+                      <a:solidFill>
+                        <a:schemeClr val="tx1"/>
+                      </a:solidFill>
+                      <a:prstDash val="solid"/>
+                      <a:round/>
+                      <a:headEnd type="none" w="med" len="med"/>
+                      <a:tailEnd type="none" w="med" len="med"/>
+                    </a:lnR>
+                    <a:lnT w="12700" cap="flat" cmpd="sng" algn="ctr">
+                      <a:solidFill>
+                        <a:schemeClr val="tx1"/>
+                      </a:solidFill>
+                      <a:prstDash val="solid"/>
+                      <a:round/>
+                      <a:headEnd type="none" w="med" len="med"/>
+                      <a:tailEnd type="none" w="med" len="med"/>
+                    </a:lnT>
+                    <a:lnB w="12700" cap="flat" cmpd="sng" algn="ctr">
+                      <a:solidFill>
+                        <a:schemeClr val="tx1"/>
+                      </a:solidFill>
+                      <a:prstDash val="solid"/>
+                      <a:round/>
+                      <a:headEnd type="none" w="med" len="med"/>
+                      <a:tailEnd type="none" w="med" len="med"/>
+                    </a:lnB>
+                    <a:noFill/>
+                  </a:tcPr>
+                </a:tc>
+                <a:tc>
+                  <a:txBody>
+                    <a:bodyPr/>
+                    <a:lstStyle/>
+                    <a:p>
+                      <a:pPr>
+                        <a:buNone/>
+                      </a:pPr>
+                      <a:r>
+                        <a:rPr lang="en-US" sz="1400" b="1"/>
+                        <a:t>Medium</a:t>
+                      </a:r>
+                      <a:endParaRPr lang="en-US" sz="1400"/>
+                    </a:p>
+                  </a:txBody>
+                  <a:tcPr marL="28255" marR="28255" marT="14128" marB="14128" anchor="ctr">
+                    <a:lnL w="12700" cap="flat" cmpd="sng" algn="ctr">
+                      <a:solidFill>
+                        <a:schemeClr val="tx1"/>
+                      </a:solidFill>
+                      <a:prstDash val="solid"/>
+                      <a:round/>
+                      <a:headEnd type="none" w="med" len="med"/>
+                      <a:tailEnd type="none" w="med" len="med"/>
+                    </a:lnL>
+                    <a:lnR w="12700" cap="flat" cmpd="sng" algn="ctr">
+                      <a:solidFill>
+                        <a:schemeClr val="tx1"/>
+                      </a:solidFill>
+                      <a:prstDash val="solid"/>
+                      <a:round/>
+                      <a:headEnd type="none" w="med" len="med"/>
+                      <a:tailEnd type="none" w="med" len="med"/>
+                    </a:lnR>
+                    <a:lnT w="12700" cap="flat" cmpd="sng" algn="ctr">
+                      <a:solidFill>
+                        <a:schemeClr val="tx1"/>
+                      </a:solidFill>
+                      <a:prstDash val="solid"/>
+                      <a:round/>
+                      <a:headEnd type="none" w="med" len="med"/>
+                      <a:tailEnd type="none" w="med" len="med"/>
+                    </a:lnT>
+                    <a:lnB w="12700" cap="flat" cmpd="sng" algn="ctr">
+                      <a:solidFill>
+                        <a:schemeClr val="tx1"/>
+                      </a:solidFill>
+                      <a:prstDash val="solid"/>
+                      <a:round/>
+                      <a:headEnd type="none" w="med" len="med"/>
+                      <a:tailEnd type="none" w="med" len="med"/>
+                    </a:lnB>
+                    <a:noFill/>
+                  </a:tcPr>
+                </a:tc>
+                <a:tc>
+                  <a:txBody>
+                    <a:bodyPr/>
+                    <a:lstStyle/>
+                    <a:p>
+                      <a:pPr>
+                        <a:buNone/>
+                      </a:pPr>
+                      <a:r>
+                        <a:rPr lang="en-US" sz="1400"/>
+                        <a:t>Can assist in code analysis and behavioral detection, but complex threats need expert review.</a:t>
+                      </a:r>
+                    </a:p>
+                  </a:txBody>
+                  <a:tcPr marL="28255" marR="28255" marT="14128" marB="14128" anchor="ctr">
+                    <a:lnL w="12700" cap="flat" cmpd="sng" algn="ctr">
+                      <a:solidFill>
+                        <a:schemeClr val="tx1"/>
+                      </a:solidFill>
+                      <a:prstDash val="solid"/>
+                      <a:round/>
+                      <a:headEnd type="none" w="med" len="med"/>
+                      <a:tailEnd type="none" w="med" len="med"/>
+                    </a:lnL>
+                    <a:lnR w="12700" cap="flat" cmpd="sng" algn="ctr">
+                      <a:solidFill>
+                        <a:schemeClr val="tx1"/>
+                      </a:solidFill>
+                      <a:prstDash val="solid"/>
+                      <a:round/>
+                      <a:headEnd type="none" w="med" len="med"/>
+                      <a:tailEnd type="none" w="med" len="med"/>
+                    </a:lnR>
+                    <a:lnT w="12700" cap="flat" cmpd="sng" algn="ctr">
+                      <a:solidFill>
+                        <a:schemeClr val="tx1"/>
+                      </a:solidFill>
+                      <a:prstDash val="solid"/>
+                      <a:round/>
+                      <a:headEnd type="none" w="med" len="med"/>
+                      <a:tailEnd type="none" w="med" len="med"/>
+                    </a:lnT>
+                    <a:lnB w="12700" cap="flat" cmpd="sng" algn="ctr">
+                      <a:solidFill>
+                        <a:schemeClr val="tx1"/>
+                      </a:solidFill>
+                      <a:prstDash val="solid"/>
+                      <a:round/>
+                      <a:headEnd type="none" w="med" len="med"/>
+                      <a:tailEnd type="none" w="med" len="med"/>
+                    </a:lnB>
+                    <a:noFill/>
+                  </a:tcPr>
+                </a:tc>
+                <a:extLst>
+                  <a:ext uri="{0D108BD9-81ED-4DB2-BD59-A6C34878D82A}">
+                    <a16:rowId xmlns:a16="http://schemas.microsoft.com/office/drawing/2014/main" val="3152275534"/>
+                  </a:ext>
+                </a:extLst>
+              </a:tr>
+              <a:tr h="398996">
+                <a:tc>
+                  <a:txBody>
+                    <a:bodyPr/>
+                    <a:lstStyle/>
+                    <a:p>
+                      <a:pPr>
+                        <a:buNone/>
+                      </a:pPr>
+                      <a:r>
+                        <a:rPr lang="en-US" sz="1400"/>
+                        <a:t>Security policy drafting</a:t>
+                      </a:r>
+                    </a:p>
+                  </a:txBody>
+                  <a:tcPr marL="28255" marR="28255" marT="14128" marB="14128" anchor="ctr">
+                    <a:lnL w="12700" cap="flat" cmpd="sng" algn="ctr">
+                      <a:solidFill>
+                        <a:schemeClr val="tx1"/>
+                      </a:solidFill>
+                      <a:prstDash val="solid"/>
+                      <a:round/>
+                      <a:headEnd type="none" w="med" len="med"/>
+                      <a:tailEnd type="none" w="med" len="med"/>
+                    </a:lnL>
+                    <a:lnR w="12700" cap="flat" cmpd="sng" algn="ctr">
+                      <a:solidFill>
+                        <a:schemeClr val="tx1"/>
+                      </a:solidFill>
+                      <a:prstDash val="solid"/>
+                      <a:round/>
+                      <a:headEnd type="none" w="med" len="med"/>
+                      <a:tailEnd type="none" w="med" len="med"/>
+                    </a:lnR>
+                    <a:lnT w="12700" cap="flat" cmpd="sng" algn="ctr">
+                      <a:solidFill>
+                        <a:schemeClr val="tx1"/>
+                      </a:solidFill>
+                      <a:prstDash val="solid"/>
+                      <a:round/>
+                      <a:headEnd type="none" w="med" len="med"/>
+                      <a:tailEnd type="none" w="med" len="med"/>
+                    </a:lnT>
+                    <a:lnB w="12700" cap="flat" cmpd="sng" algn="ctr">
+                      <a:solidFill>
+                        <a:schemeClr val="tx1"/>
+                      </a:solidFill>
+                      <a:prstDash val="solid"/>
+                      <a:round/>
+                      <a:headEnd type="none" w="med" len="med"/>
+                      <a:tailEnd type="none" w="med" len="med"/>
+                    </a:lnB>
+                    <a:noFill/>
+                  </a:tcPr>
+                </a:tc>
+                <a:tc>
+                  <a:txBody>
+                    <a:bodyPr/>
+                    <a:lstStyle/>
+                    <a:p>
+                      <a:pPr>
+                        <a:buNone/>
+                      </a:pPr>
+                      <a:r>
+                        <a:rPr lang="en-US" sz="1400" b="1"/>
+                        <a:t>High</a:t>
+                      </a:r>
+                      <a:endParaRPr lang="en-US" sz="1400"/>
+                    </a:p>
+                  </a:txBody>
+                  <a:tcPr marL="28255" marR="28255" marT="14128" marB="14128" anchor="ctr">
+                    <a:lnL w="12700" cap="flat" cmpd="sng" algn="ctr">
+                      <a:solidFill>
+                        <a:schemeClr val="tx1"/>
+                      </a:solidFill>
+                      <a:prstDash val="solid"/>
+                      <a:round/>
+                      <a:headEnd type="none" w="med" len="med"/>
+                      <a:tailEnd type="none" w="med" len="med"/>
+                    </a:lnL>
+                    <a:lnR w="12700" cap="flat" cmpd="sng" algn="ctr">
+                      <a:solidFill>
+                        <a:schemeClr val="tx1"/>
+                      </a:solidFill>
+                      <a:prstDash val="solid"/>
+                      <a:round/>
+                      <a:headEnd type="none" w="med" len="med"/>
+                      <a:tailEnd type="none" w="med" len="med"/>
+                    </a:lnR>
+                    <a:lnT w="12700" cap="flat" cmpd="sng" algn="ctr">
+                      <a:solidFill>
+                        <a:schemeClr val="tx1"/>
+                      </a:solidFill>
+                      <a:prstDash val="solid"/>
+                      <a:round/>
+                      <a:headEnd type="none" w="med" len="med"/>
+                      <a:tailEnd type="none" w="med" len="med"/>
+                    </a:lnT>
+                    <a:lnB w="12700" cap="flat" cmpd="sng" algn="ctr">
+                      <a:solidFill>
+                        <a:schemeClr val="tx1"/>
+                      </a:solidFill>
+                      <a:prstDash val="solid"/>
+                      <a:round/>
+                      <a:headEnd type="none" w="med" len="med"/>
+                      <a:tailEnd type="none" w="med" len="med"/>
+                    </a:lnB>
+                    <a:noFill/>
+                  </a:tcPr>
+                </a:tc>
+                <a:tc>
+                  <a:txBody>
+                    <a:bodyPr/>
+                    <a:lstStyle/>
+                    <a:p>
+                      <a:pPr>
+                        <a:buNone/>
+                      </a:pPr>
+                      <a:r>
+                        <a:rPr lang="en-US" sz="1400"/>
+                        <a:t>Can generate policies, compliance documentation, and guidelines efficiently.</a:t>
+                      </a:r>
+                    </a:p>
+                  </a:txBody>
+                  <a:tcPr marL="28255" marR="28255" marT="14128" marB="14128" anchor="ctr">
+                    <a:lnL w="12700" cap="flat" cmpd="sng" algn="ctr">
+                      <a:solidFill>
+                        <a:schemeClr val="tx1"/>
+                      </a:solidFill>
+                      <a:prstDash val="solid"/>
+                      <a:round/>
+                      <a:headEnd type="none" w="med" len="med"/>
+                      <a:tailEnd type="none" w="med" len="med"/>
+                    </a:lnL>
+                    <a:lnR w="12700" cap="flat" cmpd="sng" algn="ctr">
+                      <a:solidFill>
+                        <a:schemeClr val="tx1"/>
+                      </a:solidFill>
+                      <a:prstDash val="solid"/>
+                      <a:round/>
+                      <a:headEnd type="none" w="med" len="med"/>
+                      <a:tailEnd type="none" w="med" len="med"/>
+                    </a:lnR>
+                    <a:lnT w="12700" cap="flat" cmpd="sng" algn="ctr">
+                      <a:solidFill>
+                        <a:schemeClr val="tx1"/>
+                      </a:solidFill>
+                      <a:prstDash val="solid"/>
+                      <a:round/>
+                      <a:headEnd type="none" w="med" len="med"/>
+                      <a:tailEnd type="none" w="med" len="med"/>
+                    </a:lnT>
+                    <a:lnB w="12700" cap="flat" cmpd="sng" algn="ctr">
+                      <a:solidFill>
+                        <a:schemeClr val="tx1"/>
+                      </a:solidFill>
+                      <a:prstDash val="solid"/>
+                      <a:round/>
+                      <a:headEnd type="none" w="med" len="med"/>
+                      <a:tailEnd type="none" w="med" len="med"/>
+                    </a:lnB>
+                    <a:noFill/>
+                  </a:tcPr>
+                </a:tc>
+                <a:extLst>
+                  <a:ext uri="{0D108BD9-81ED-4DB2-BD59-A6C34878D82A}">
+                    <a16:rowId xmlns:a16="http://schemas.microsoft.com/office/drawing/2014/main" val="1355511871"/>
+                  </a:ext>
+                </a:extLst>
+              </a:tr>
+              <a:tr h="398996">
+                <a:tc>
+                  <a:txBody>
+                    <a:bodyPr/>
+                    <a:lstStyle/>
+                    <a:p>
+                      <a:pPr>
+                        <a:buNone/>
+                      </a:pPr>
+                      <a:r>
+                        <a:rPr lang="en-US" sz="1400"/>
+                        <a:t>User awareness training content</a:t>
+                      </a:r>
+                    </a:p>
+                  </a:txBody>
+                  <a:tcPr marL="28255" marR="28255" marT="14128" marB="14128" anchor="ctr">
+                    <a:lnL w="12700" cap="flat" cmpd="sng" algn="ctr">
+                      <a:solidFill>
+                        <a:schemeClr val="tx1"/>
+                      </a:solidFill>
+                      <a:prstDash val="solid"/>
+                      <a:round/>
+                      <a:headEnd type="none" w="med" len="med"/>
+                      <a:tailEnd type="none" w="med" len="med"/>
+                    </a:lnL>
+                    <a:lnR w="12700" cap="flat" cmpd="sng" algn="ctr">
+                      <a:solidFill>
+                        <a:schemeClr val="tx1"/>
+                      </a:solidFill>
+                      <a:prstDash val="solid"/>
+                      <a:round/>
+                      <a:headEnd type="none" w="med" len="med"/>
+                      <a:tailEnd type="none" w="med" len="med"/>
+                    </a:lnR>
+                    <a:lnT w="12700" cap="flat" cmpd="sng" algn="ctr">
+                      <a:solidFill>
+                        <a:schemeClr val="tx1"/>
+                      </a:solidFill>
+                      <a:prstDash val="solid"/>
+                      <a:round/>
+                      <a:headEnd type="none" w="med" len="med"/>
+                      <a:tailEnd type="none" w="med" len="med"/>
+                    </a:lnT>
+                    <a:lnB w="12700" cap="flat" cmpd="sng" algn="ctr">
+                      <a:solidFill>
+                        <a:schemeClr val="tx1"/>
+                      </a:solidFill>
+                      <a:prstDash val="solid"/>
+                      <a:round/>
+                      <a:headEnd type="none" w="med" len="med"/>
+                      <a:tailEnd type="none" w="med" len="med"/>
+                    </a:lnB>
+                    <a:noFill/>
+                  </a:tcPr>
+                </a:tc>
+                <a:tc>
+                  <a:txBody>
+                    <a:bodyPr/>
+                    <a:lstStyle/>
+                    <a:p>
+                      <a:pPr>
+                        <a:buNone/>
+                      </a:pPr>
+                      <a:r>
+                        <a:rPr lang="en-US" sz="1400" b="1"/>
+                        <a:t>High</a:t>
+                      </a:r>
+                      <a:endParaRPr lang="en-US" sz="1400"/>
+                    </a:p>
+                  </a:txBody>
+                  <a:tcPr marL="28255" marR="28255" marT="14128" marB="14128" anchor="ctr">
+                    <a:lnL w="12700" cap="flat" cmpd="sng" algn="ctr">
+                      <a:solidFill>
+                        <a:schemeClr val="tx1"/>
+                      </a:solidFill>
+                      <a:prstDash val="solid"/>
+                      <a:round/>
+                      <a:headEnd type="none" w="med" len="med"/>
+                      <a:tailEnd type="none" w="med" len="med"/>
+                    </a:lnL>
+                    <a:lnR w="12700" cap="flat" cmpd="sng" algn="ctr">
+                      <a:solidFill>
+                        <a:schemeClr val="tx1"/>
+                      </a:solidFill>
+                      <a:prstDash val="solid"/>
+                      <a:round/>
+                      <a:headEnd type="none" w="med" len="med"/>
+                      <a:tailEnd type="none" w="med" len="med"/>
+                    </a:lnR>
+                    <a:lnT w="12700" cap="flat" cmpd="sng" algn="ctr">
+                      <a:solidFill>
+                        <a:schemeClr val="tx1"/>
+                      </a:solidFill>
+                      <a:prstDash val="solid"/>
+                      <a:round/>
+                      <a:headEnd type="none" w="med" len="med"/>
+                      <a:tailEnd type="none" w="med" len="med"/>
+                    </a:lnT>
+                    <a:lnB w="12700" cap="flat" cmpd="sng" algn="ctr">
+                      <a:solidFill>
+                        <a:schemeClr val="tx1"/>
+                      </a:solidFill>
+                      <a:prstDash val="solid"/>
+                      <a:round/>
+                      <a:headEnd type="none" w="med" len="med"/>
+                      <a:tailEnd type="none" w="med" len="med"/>
+                    </a:lnB>
+                    <a:noFill/>
+                  </a:tcPr>
+                </a:tc>
+                <a:tc>
+                  <a:txBody>
+                    <a:bodyPr/>
+                    <a:lstStyle/>
+                    <a:p>
+                      <a:pPr>
+                        <a:buNone/>
+                      </a:pPr>
+                      <a:r>
+                        <a:rPr lang="en-US" sz="1400"/>
+                        <a:t>Can generate training modules, phishing simulations, and educational material.</a:t>
+                      </a:r>
+                    </a:p>
+                  </a:txBody>
+                  <a:tcPr marL="28255" marR="28255" marT="14128" marB="14128" anchor="ctr">
+                    <a:lnL w="12700" cap="flat" cmpd="sng" algn="ctr">
+                      <a:solidFill>
+                        <a:schemeClr val="tx1"/>
+                      </a:solidFill>
+                      <a:prstDash val="solid"/>
+                      <a:round/>
+                      <a:headEnd type="none" w="med" len="med"/>
+                      <a:tailEnd type="none" w="med" len="med"/>
+                    </a:lnL>
+                    <a:lnR w="12700" cap="flat" cmpd="sng" algn="ctr">
+                      <a:solidFill>
+                        <a:schemeClr val="tx1"/>
+                      </a:solidFill>
+                      <a:prstDash val="solid"/>
+                      <a:round/>
+                      <a:headEnd type="none" w="med" len="med"/>
+                      <a:tailEnd type="none" w="med" len="med"/>
+                    </a:lnR>
+                    <a:lnT w="12700" cap="flat" cmpd="sng" algn="ctr">
+                      <a:solidFill>
+                        <a:schemeClr val="tx1"/>
+                      </a:solidFill>
+                      <a:prstDash val="solid"/>
+                      <a:round/>
+                      <a:headEnd type="none" w="med" len="med"/>
+                      <a:tailEnd type="none" w="med" len="med"/>
+                    </a:lnT>
+                    <a:lnB w="12700" cap="flat" cmpd="sng" algn="ctr">
+                      <a:solidFill>
+                        <a:schemeClr val="tx1"/>
+                      </a:solidFill>
+                      <a:prstDash val="solid"/>
+                      <a:round/>
+                      <a:headEnd type="none" w="med" len="med"/>
+                      <a:tailEnd type="none" w="med" len="med"/>
+                    </a:lnB>
+                    <a:noFill/>
+                  </a:tcPr>
+                </a:tc>
+                <a:extLst>
+                  <a:ext uri="{0D108BD9-81ED-4DB2-BD59-A6C34878D82A}">
+                    <a16:rowId xmlns:a16="http://schemas.microsoft.com/office/drawing/2014/main" val="2919271223"/>
+                  </a:ext>
+                </a:extLst>
+              </a:tr>
+              <a:tr h="398996">
+                <a:tc>
+                  <a:txBody>
+                    <a:bodyPr/>
+                    <a:lstStyle/>
+                    <a:p>
+                      <a:pPr>
+                        <a:buNone/>
+                      </a:pPr>
+                      <a:r>
+                        <a:rPr lang="en-US" sz="1400"/>
+                        <a:t>Risk assessment and reporting</a:t>
+                      </a:r>
+                    </a:p>
+                  </a:txBody>
+                  <a:tcPr marL="28255" marR="28255" marT="14128" marB="14128" anchor="ctr">
+                    <a:lnL w="12700" cap="flat" cmpd="sng" algn="ctr">
+                      <a:solidFill>
+                        <a:schemeClr val="tx1"/>
+                      </a:solidFill>
+                      <a:prstDash val="solid"/>
+                      <a:round/>
+                      <a:headEnd type="none" w="med" len="med"/>
+                      <a:tailEnd type="none" w="med" len="med"/>
+                    </a:lnL>
+                    <a:lnR w="12700" cap="flat" cmpd="sng" algn="ctr">
+                      <a:solidFill>
+                        <a:schemeClr val="tx1"/>
+                      </a:solidFill>
+                      <a:prstDash val="solid"/>
+                      <a:round/>
+                      <a:headEnd type="none" w="med" len="med"/>
+                      <a:tailEnd type="none" w="med" len="med"/>
+                    </a:lnR>
+                    <a:lnT w="12700" cap="flat" cmpd="sng" algn="ctr">
+                      <a:solidFill>
+                        <a:schemeClr val="tx1"/>
+                      </a:solidFill>
+                      <a:prstDash val="solid"/>
+                      <a:round/>
+                      <a:headEnd type="none" w="med" len="med"/>
+                      <a:tailEnd type="none" w="med" len="med"/>
+                    </a:lnT>
+                    <a:lnB w="12700" cap="flat" cmpd="sng" algn="ctr">
+                      <a:solidFill>
+                        <a:schemeClr val="tx1"/>
+                      </a:solidFill>
+                      <a:prstDash val="solid"/>
+                      <a:round/>
+                      <a:headEnd type="none" w="med" len="med"/>
+                      <a:tailEnd type="none" w="med" len="med"/>
+                    </a:lnB>
+                    <a:noFill/>
+                  </a:tcPr>
+                </a:tc>
+                <a:tc>
+                  <a:txBody>
+                    <a:bodyPr/>
+                    <a:lstStyle/>
+                    <a:p>
+                      <a:pPr>
+                        <a:buNone/>
+                      </a:pPr>
+                      <a:r>
+                        <a:rPr lang="en-US" sz="1400" b="1"/>
+                        <a:t>High</a:t>
+                      </a:r>
+                      <a:endParaRPr lang="en-US" sz="1400"/>
+                    </a:p>
+                  </a:txBody>
+                  <a:tcPr marL="28255" marR="28255" marT="14128" marB="14128" anchor="ctr">
+                    <a:lnL w="12700" cap="flat" cmpd="sng" algn="ctr">
+                      <a:solidFill>
+                        <a:schemeClr val="tx1"/>
+                      </a:solidFill>
+                      <a:prstDash val="solid"/>
+                      <a:round/>
+                      <a:headEnd type="none" w="med" len="med"/>
+                      <a:tailEnd type="none" w="med" len="med"/>
+                    </a:lnL>
+                    <a:lnR w="12700" cap="flat" cmpd="sng" algn="ctr">
+                      <a:solidFill>
+                        <a:schemeClr val="tx1"/>
+                      </a:solidFill>
+                      <a:prstDash val="solid"/>
+                      <a:round/>
+                      <a:headEnd type="none" w="med" len="med"/>
+                      <a:tailEnd type="none" w="med" len="med"/>
+                    </a:lnR>
+                    <a:lnT w="12700" cap="flat" cmpd="sng" algn="ctr">
+                      <a:solidFill>
+                        <a:schemeClr val="tx1"/>
+                      </a:solidFill>
+                      <a:prstDash val="solid"/>
+                      <a:round/>
+                      <a:headEnd type="none" w="med" len="med"/>
+                      <a:tailEnd type="none" w="med" len="med"/>
+                    </a:lnT>
+                    <a:lnB w="12700" cap="flat" cmpd="sng" algn="ctr">
+                      <a:solidFill>
+                        <a:schemeClr val="tx1"/>
+                      </a:solidFill>
+                      <a:prstDash val="solid"/>
+                      <a:round/>
+                      <a:headEnd type="none" w="med" len="med"/>
+                      <a:tailEnd type="none" w="med" len="med"/>
+                    </a:lnB>
+                    <a:noFill/>
+                  </a:tcPr>
+                </a:tc>
+                <a:tc>
+                  <a:txBody>
+                    <a:bodyPr/>
+                    <a:lstStyle/>
+                    <a:p>
+                      <a:pPr>
+                        <a:buNone/>
+                      </a:pPr>
+                      <a:r>
+                        <a:rPr lang="en-US" sz="1400"/>
+                        <a:t>Can automate report generation and summarize risk levels for management.</a:t>
+                      </a:r>
+                    </a:p>
+                  </a:txBody>
+                  <a:tcPr marL="28255" marR="28255" marT="14128" marB="14128" anchor="ctr">
+                    <a:lnL w="12700" cap="flat" cmpd="sng" algn="ctr">
+                      <a:solidFill>
+                        <a:schemeClr val="tx1"/>
+                      </a:solidFill>
+                      <a:prstDash val="solid"/>
+                      <a:round/>
+                      <a:headEnd type="none" w="med" len="med"/>
+                      <a:tailEnd type="none" w="med" len="med"/>
+                    </a:lnL>
+                    <a:lnR w="12700" cap="flat" cmpd="sng" algn="ctr">
+                      <a:solidFill>
+                        <a:schemeClr val="tx1"/>
+                      </a:solidFill>
+                      <a:prstDash val="solid"/>
+                      <a:round/>
+                      <a:headEnd type="none" w="med" len="med"/>
+                      <a:tailEnd type="none" w="med" len="med"/>
+                    </a:lnR>
+                    <a:lnT w="12700" cap="flat" cmpd="sng" algn="ctr">
+                      <a:solidFill>
+                        <a:schemeClr val="tx1"/>
+                      </a:solidFill>
+                      <a:prstDash val="solid"/>
+                      <a:round/>
+                      <a:headEnd type="none" w="med" len="med"/>
+                      <a:tailEnd type="none" w="med" len="med"/>
+                    </a:lnT>
+                    <a:lnB w="12700" cap="flat" cmpd="sng" algn="ctr">
+                      <a:solidFill>
+                        <a:schemeClr val="tx1"/>
+                      </a:solidFill>
+                      <a:prstDash val="solid"/>
+                      <a:round/>
+                      <a:headEnd type="none" w="med" len="med"/>
+                      <a:tailEnd type="none" w="med" len="med"/>
+                    </a:lnB>
+                    <a:noFill/>
+                  </a:tcPr>
+                </a:tc>
+                <a:extLst>
+                  <a:ext uri="{0D108BD9-81ED-4DB2-BD59-A6C34878D82A}">
+                    <a16:rowId xmlns:a16="http://schemas.microsoft.com/office/drawing/2014/main" val="4048584271"/>
+                  </a:ext>
+                </a:extLst>
+              </a:tr>
+              <a:tr h="398996">
+                <a:tc>
+                  <a:txBody>
+                    <a:bodyPr/>
+                    <a:lstStyle/>
+                    <a:p>
+                      <a:pPr>
+                        <a:buNone/>
+                      </a:pPr>
+                      <a:r>
+                        <a:rPr lang="en-US" sz="1400"/>
+                        <a:t>Patch management planning</a:t>
+                      </a:r>
+                    </a:p>
+                  </a:txBody>
+                  <a:tcPr marL="28255" marR="28255" marT="14128" marB="14128" anchor="ctr">
+                    <a:lnL w="12700" cap="flat" cmpd="sng" algn="ctr">
+                      <a:solidFill>
+                        <a:schemeClr val="tx1"/>
+                      </a:solidFill>
+                      <a:prstDash val="solid"/>
+                      <a:round/>
+                      <a:headEnd type="none" w="med" len="med"/>
+                      <a:tailEnd type="none" w="med" len="med"/>
+                    </a:lnL>
+                    <a:lnR w="12700" cap="flat" cmpd="sng" algn="ctr">
+                      <a:solidFill>
+                        <a:schemeClr val="tx1"/>
+                      </a:solidFill>
+                      <a:prstDash val="solid"/>
+                      <a:round/>
+                      <a:headEnd type="none" w="med" len="med"/>
+                      <a:tailEnd type="none" w="med" len="med"/>
+                    </a:lnR>
+                    <a:lnT w="12700" cap="flat" cmpd="sng" algn="ctr">
+                      <a:solidFill>
+                        <a:schemeClr val="tx1"/>
+                      </a:solidFill>
+                      <a:prstDash val="solid"/>
+                      <a:round/>
+                      <a:headEnd type="none" w="med" len="med"/>
+                      <a:tailEnd type="none" w="med" len="med"/>
+                    </a:lnT>
+                    <a:lnB w="12700" cap="flat" cmpd="sng" algn="ctr">
+                      <a:solidFill>
+                        <a:schemeClr val="tx1"/>
+                      </a:solidFill>
+                      <a:prstDash val="solid"/>
+                      <a:round/>
+                      <a:headEnd type="none" w="med" len="med"/>
+                      <a:tailEnd type="none" w="med" len="med"/>
+                    </a:lnB>
+                    <a:noFill/>
+                  </a:tcPr>
+                </a:tc>
+                <a:tc>
+                  <a:txBody>
+                    <a:bodyPr/>
+                    <a:lstStyle/>
+                    <a:p>
+                      <a:pPr>
+                        <a:buNone/>
+                      </a:pPr>
+                      <a:r>
+                        <a:rPr lang="en-US" sz="1400" b="1"/>
+                        <a:t>Medium</a:t>
+                      </a:r>
+                      <a:endParaRPr lang="en-US" sz="1400"/>
+                    </a:p>
+                  </a:txBody>
+                  <a:tcPr marL="28255" marR="28255" marT="14128" marB="14128" anchor="ctr">
+                    <a:lnL w="12700" cap="flat" cmpd="sng" algn="ctr">
+                      <a:solidFill>
+                        <a:schemeClr val="tx1"/>
+                      </a:solidFill>
+                      <a:prstDash val="solid"/>
+                      <a:round/>
+                      <a:headEnd type="none" w="med" len="med"/>
+                      <a:tailEnd type="none" w="med" len="med"/>
+                    </a:lnL>
+                    <a:lnR w="12700" cap="flat" cmpd="sng" algn="ctr">
+                      <a:solidFill>
+                        <a:schemeClr val="tx1"/>
+                      </a:solidFill>
+                      <a:prstDash val="solid"/>
+                      <a:round/>
+                      <a:headEnd type="none" w="med" len="med"/>
+                      <a:tailEnd type="none" w="med" len="med"/>
+                    </a:lnR>
+                    <a:lnT w="12700" cap="flat" cmpd="sng" algn="ctr">
+                      <a:solidFill>
+                        <a:schemeClr val="tx1"/>
+                      </a:solidFill>
+                      <a:prstDash val="solid"/>
+                      <a:round/>
+                      <a:headEnd type="none" w="med" len="med"/>
+                      <a:tailEnd type="none" w="med" len="med"/>
+                    </a:lnT>
+                    <a:lnB w="12700" cap="flat" cmpd="sng" algn="ctr">
+                      <a:solidFill>
+                        <a:schemeClr val="tx1"/>
+                      </a:solidFill>
+                      <a:prstDash val="solid"/>
+                      <a:round/>
+                      <a:headEnd type="none" w="med" len="med"/>
+                      <a:tailEnd type="none" w="med" len="med"/>
+                    </a:lnB>
+                    <a:noFill/>
+                  </a:tcPr>
+                </a:tc>
+                <a:tc>
+                  <a:txBody>
+                    <a:bodyPr/>
+                    <a:lstStyle/>
+                    <a:p>
+                      <a:pPr>
+                        <a:buNone/>
+                      </a:pPr>
+                      <a:r>
+                        <a:rPr lang="en-US" sz="1400"/>
+                        <a:t>Can prioritize patching based on vulnerability data and threat intelligence.</a:t>
+                      </a:r>
+                    </a:p>
+                  </a:txBody>
+                  <a:tcPr marL="28255" marR="28255" marT="14128" marB="14128" anchor="ctr">
+                    <a:lnL w="12700" cap="flat" cmpd="sng" algn="ctr">
+                      <a:solidFill>
+                        <a:schemeClr val="tx1"/>
+                      </a:solidFill>
+                      <a:prstDash val="solid"/>
+                      <a:round/>
+                      <a:headEnd type="none" w="med" len="med"/>
+                      <a:tailEnd type="none" w="med" len="med"/>
+                    </a:lnL>
+                    <a:lnR w="12700" cap="flat" cmpd="sng" algn="ctr">
+                      <a:solidFill>
+                        <a:schemeClr val="tx1"/>
+                      </a:solidFill>
+                      <a:prstDash val="solid"/>
+                      <a:round/>
+                      <a:headEnd type="none" w="med" len="med"/>
+                      <a:tailEnd type="none" w="med" len="med"/>
+                    </a:lnR>
+                    <a:lnT w="12700" cap="flat" cmpd="sng" algn="ctr">
+                      <a:solidFill>
+                        <a:schemeClr val="tx1"/>
+                      </a:solidFill>
+                      <a:prstDash val="solid"/>
+                      <a:round/>
+                      <a:headEnd type="none" w="med" len="med"/>
+                      <a:tailEnd type="none" w="med" len="med"/>
+                    </a:lnT>
+                    <a:lnB w="12700" cap="flat" cmpd="sng" algn="ctr">
+                      <a:solidFill>
+                        <a:schemeClr val="tx1"/>
+                      </a:solidFill>
+                      <a:prstDash val="solid"/>
+                      <a:round/>
+                      <a:headEnd type="none" w="med" len="med"/>
+                      <a:tailEnd type="none" w="med" len="med"/>
+                    </a:lnB>
+                    <a:noFill/>
+                  </a:tcPr>
+                </a:tc>
+                <a:extLst>
+                  <a:ext uri="{0D108BD9-81ED-4DB2-BD59-A6C34878D82A}">
+                    <a16:rowId xmlns:a16="http://schemas.microsoft.com/office/drawing/2014/main" val="3090467347"/>
+                  </a:ext>
+                </a:extLst>
+              </a:tr>
+              <a:tr h="278417">
+                <a:tc>
+                  <a:txBody>
+                    <a:bodyPr/>
+                    <a:lstStyle/>
+                    <a:p>
+                      <a:pPr>
+                        <a:buNone/>
+                      </a:pPr>
+                      <a:r>
+                        <a:rPr lang="en-US" sz="1400"/>
+                        <a:t>Log analysis and anomaly detection</a:t>
+                      </a:r>
+                    </a:p>
+                  </a:txBody>
+                  <a:tcPr marL="28255" marR="28255" marT="14128" marB="14128" anchor="ctr">
+                    <a:lnL w="12700" cap="flat" cmpd="sng" algn="ctr">
+                      <a:solidFill>
+                        <a:schemeClr val="tx1"/>
+                      </a:solidFill>
+                      <a:prstDash val="solid"/>
+                      <a:round/>
+                      <a:headEnd type="none" w="med" len="med"/>
+                      <a:tailEnd type="none" w="med" len="med"/>
+                    </a:lnL>
+                    <a:lnR w="12700" cap="flat" cmpd="sng" algn="ctr">
+                      <a:solidFill>
+                        <a:schemeClr val="tx1"/>
+                      </a:solidFill>
+                      <a:prstDash val="solid"/>
+                      <a:round/>
+                      <a:headEnd type="none" w="med" len="med"/>
+                      <a:tailEnd type="none" w="med" len="med"/>
+                    </a:lnR>
+                    <a:lnT w="12700" cap="flat" cmpd="sng" algn="ctr">
+                      <a:solidFill>
+                        <a:schemeClr val="tx1"/>
+                      </a:solidFill>
+                      <a:prstDash val="solid"/>
+                      <a:round/>
+                      <a:headEnd type="none" w="med" len="med"/>
+                      <a:tailEnd type="none" w="med" len="med"/>
+                    </a:lnT>
+                    <a:lnB w="12700" cap="flat" cmpd="sng" algn="ctr">
+                      <a:solidFill>
+                        <a:schemeClr val="tx1"/>
+                      </a:solidFill>
+                      <a:prstDash val="solid"/>
+                      <a:round/>
+                      <a:headEnd type="none" w="med" len="med"/>
+                      <a:tailEnd type="none" w="med" len="med"/>
+                    </a:lnB>
+                    <a:noFill/>
+                  </a:tcPr>
+                </a:tc>
+                <a:tc>
+                  <a:txBody>
+                    <a:bodyPr/>
+                    <a:lstStyle/>
+                    <a:p>
+                      <a:pPr>
+                        <a:buNone/>
+                      </a:pPr>
+                      <a:r>
+                        <a:rPr lang="en-US" sz="1400" b="1"/>
+                        <a:t>High</a:t>
+                      </a:r>
+                      <a:endParaRPr lang="en-US" sz="1400"/>
+                    </a:p>
+                  </a:txBody>
+                  <a:tcPr marL="28255" marR="28255" marT="14128" marB="14128" anchor="ctr">
+                    <a:lnL w="12700" cap="flat" cmpd="sng" algn="ctr">
+                      <a:solidFill>
+                        <a:schemeClr val="tx1"/>
+                      </a:solidFill>
+                      <a:prstDash val="solid"/>
+                      <a:round/>
+                      <a:headEnd type="none" w="med" len="med"/>
+                      <a:tailEnd type="none" w="med" len="med"/>
+                    </a:lnL>
+                    <a:lnR w="12700" cap="flat" cmpd="sng" algn="ctr">
+                      <a:solidFill>
+                        <a:schemeClr val="tx1"/>
+                      </a:solidFill>
+                      <a:prstDash val="solid"/>
+                      <a:round/>
+                      <a:headEnd type="none" w="med" len="med"/>
+                      <a:tailEnd type="none" w="med" len="med"/>
+                    </a:lnR>
+                    <a:lnT w="12700" cap="flat" cmpd="sng" algn="ctr">
+                      <a:solidFill>
+                        <a:schemeClr val="tx1"/>
+                      </a:solidFill>
+                      <a:prstDash val="solid"/>
+                      <a:round/>
+                      <a:headEnd type="none" w="med" len="med"/>
+                      <a:tailEnd type="none" w="med" len="med"/>
+                    </a:lnT>
+                    <a:lnB w="12700" cap="flat" cmpd="sng" algn="ctr">
+                      <a:solidFill>
+                        <a:schemeClr val="tx1"/>
+                      </a:solidFill>
+                      <a:prstDash val="solid"/>
+                      <a:round/>
+                      <a:headEnd type="none" w="med" len="med"/>
+                      <a:tailEnd type="none" w="med" len="med"/>
+                    </a:lnB>
+                    <a:noFill/>
+                  </a:tcPr>
+                </a:tc>
+                <a:tc>
+                  <a:txBody>
+                    <a:bodyPr/>
+                    <a:lstStyle/>
+                    <a:p>
+                      <a:pPr>
+                        <a:buNone/>
+                      </a:pPr>
+                      <a:r>
+                        <a:rPr lang="en-US" sz="1400"/>
+                        <a:t>Can parse logs, detect patterns, and highlight suspicious activity.</a:t>
+                      </a:r>
+                    </a:p>
+                  </a:txBody>
+                  <a:tcPr marL="28255" marR="28255" marT="14128" marB="14128" anchor="ctr">
+                    <a:lnL w="12700" cap="flat" cmpd="sng" algn="ctr">
+                      <a:solidFill>
+                        <a:schemeClr val="tx1"/>
+                      </a:solidFill>
+                      <a:prstDash val="solid"/>
+                      <a:round/>
+                      <a:headEnd type="none" w="med" len="med"/>
+                      <a:tailEnd type="none" w="med" len="med"/>
+                    </a:lnL>
+                    <a:lnR w="12700" cap="flat" cmpd="sng" algn="ctr">
+                      <a:solidFill>
+                        <a:schemeClr val="tx1"/>
+                      </a:solidFill>
+                      <a:prstDash val="solid"/>
+                      <a:round/>
+                      <a:headEnd type="none" w="med" len="med"/>
+                      <a:tailEnd type="none" w="med" len="med"/>
+                    </a:lnR>
+                    <a:lnT w="12700" cap="flat" cmpd="sng" algn="ctr">
+                      <a:solidFill>
+                        <a:schemeClr val="tx1"/>
+                      </a:solidFill>
+                      <a:prstDash val="solid"/>
+                      <a:round/>
+                      <a:headEnd type="none" w="med" len="med"/>
+                      <a:tailEnd type="none" w="med" len="med"/>
+                    </a:lnT>
+                    <a:lnB w="12700" cap="flat" cmpd="sng" algn="ctr">
+                      <a:solidFill>
+                        <a:schemeClr val="tx1"/>
+                      </a:solidFill>
+                      <a:prstDash val="solid"/>
+                      <a:round/>
+                      <a:headEnd type="none" w="med" len="med"/>
+                      <a:tailEnd type="none" w="med" len="med"/>
+                    </a:lnB>
+                    <a:noFill/>
+                  </a:tcPr>
+                </a:tc>
+                <a:extLst>
+                  <a:ext uri="{0D108BD9-81ED-4DB2-BD59-A6C34878D82A}">
+                    <a16:rowId xmlns:a16="http://schemas.microsoft.com/office/drawing/2014/main" val="919357657"/>
+                  </a:ext>
+                </a:extLst>
+              </a:tr>
+              <a:tr h="398996">
+                <a:tc>
+                  <a:txBody>
+                    <a:bodyPr/>
+                    <a:lstStyle/>
+                    <a:p>
+                      <a:pPr>
+                        <a:buNone/>
+                      </a:pPr>
+                      <a:r>
+                        <a:rPr lang="en-US" sz="1400"/>
+                        <a:t>Compliance and regulatory checking</a:t>
+                      </a:r>
+                    </a:p>
+                  </a:txBody>
+                  <a:tcPr marL="28255" marR="28255" marT="14128" marB="14128" anchor="ctr">
+                    <a:lnL w="12700" cap="flat" cmpd="sng" algn="ctr">
+                      <a:solidFill>
+                        <a:schemeClr val="tx1"/>
+                      </a:solidFill>
+                      <a:prstDash val="solid"/>
+                      <a:round/>
+                      <a:headEnd type="none" w="med" len="med"/>
+                      <a:tailEnd type="none" w="med" len="med"/>
+                    </a:lnL>
+                    <a:lnR w="12700" cap="flat" cmpd="sng" algn="ctr">
+                      <a:solidFill>
+                        <a:schemeClr val="tx1"/>
+                      </a:solidFill>
+                      <a:prstDash val="solid"/>
+                      <a:round/>
+                      <a:headEnd type="none" w="med" len="med"/>
+                      <a:tailEnd type="none" w="med" len="med"/>
+                    </a:lnR>
+                    <a:lnT w="12700" cap="flat" cmpd="sng" algn="ctr">
+                      <a:solidFill>
+                        <a:schemeClr val="tx1"/>
+                      </a:solidFill>
+                      <a:prstDash val="solid"/>
+                      <a:round/>
+                      <a:headEnd type="none" w="med" len="med"/>
+                      <a:tailEnd type="none" w="med" len="med"/>
+                    </a:lnT>
+                    <a:lnB w="12700" cap="flat" cmpd="sng" algn="ctr">
+                      <a:solidFill>
+                        <a:schemeClr val="tx1"/>
+                      </a:solidFill>
+                      <a:prstDash val="solid"/>
+                      <a:round/>
+                      <a:headEnd type="none" w="med" len="med"/>
+                      <a:tailEnd type="none" w="med" len="med"/>
+                    </a:lnB>
+                    <a:noFill/>
+                  </a:tcPr>
+                </a:tc>
+                <a:tc>
+                  <a:txBody>
+                    <a:bodyPr/>
+                    <a:lstStyle/>
+                    <a:p>
+                      <a:pPr>
+                        <a:buNone/>
+                      </a:pPr>
+                      <a:r>
+                        <a:rPr lang="en-US" sz="1400" b="1"/>
+                        <a:t>Medium</a:t>
+                      </a:r>
+                      <a:endParaRPr lang="en-US" sz="1400"/>
+                    </a:p>
+                  </a:txBody>
+                  <a:tcPr marL="28255" marR="28255" marT="14128" marB="14128" anchor="ctr">
+                    <a:lnL w="12700" cap="flat" cmpd="sng" algn="ctr">
+                      <a:solidFill>
+                        <a:schemeClr val="tx1"/>
+                      </a:solidFill>
+                      <a:prstDash val="solid"/>
+                      <a:round/>
+                      <a:headEnd type="none" w="med" len="med"/>
+                      <a:tailEnd type="none" w="med" len="med"/>
+                    </a:lnL>
+                    <a:lnR w="12700" cap="flat" cmpd="sng" algn="ctr">
+                      <a:solidFill>
+                        <a:schemeClr val="tx1"/>
+                      </a:solidFill>
+                      <a:prstDash val="solid"/>
+                      <a:round/>
+                      <a:headEnd type="none" w="med" len="med"/>
+                      <a:tailEnd type="none" w="med" len="med"/>
+                    </a:lnR>
+                    <a:lnT w="12700" cap="flat" cmpd="sng" algn="ctr">
+                      <a:solidFill>
+                        <a:schemeClr val="tx1"/>
+                      </a:solidFill>
+                      <a:prstDash val="solid"/>
+                      <a:round/>
+                      <a:headEnd type="none" w="med" len="med"/>
+                      <a:tailEnd type="none" w="med" len="med"/>
+                    </a:lnT>
+                    <a:lnB w="12700" cap="flat" cmpd="sng" algn="ctr">
+                      <a:solidFill>
+                        <a:schemeClr val="tx1"/>
+                      </a:solidFill>
+                      <a:prstDash val="solid"/>
+                      <a:round/>
+                      <a:headEnd type="none" w="med" len="med"/>
+                      <a:tailEnd type="none" w="med" len="med"/>
+                    </a:lnB>
+                    <a:noFill/>
+                  </a:tcPr>
+                </a:tc>
+                <a:tc>
+                  <a:txBody>
+                    <a:bodyPr/>
+                    <a:lstStyle/>
+                    <a:p>
+                      <a:pPr>
+                        <a:buNone/>
+                      </a:pPr>
+                      <a:r>
+                        <a:rPr lang="en-US" sz="1400"/>
+                        <a:t>Can cross-reference internal policies with regulations and generate compliance reports.</a:t>
+                      </a:r>
+                    </a:p>
+                  </a:txBody>
+                  <a:tcPr marL="28255" marR="28255" marT="14128" marB="14128" anchor="ctr">
+                    <a:lnL w="12700" cap="flat" cmpd="sng" algn="ctr">
+                      <a:solidFill>
+                        <a:schemeClr val="tx1"/>
+                      </a:solidFill>
+                      <a:prstDash val="solid"/>
+                      <a:round/>
+                      <a:headEnd type="none" w="med" len="med"/>
+                      <a:tailEnd type="none" w="med" len="med"/>
+                    </a:lnL>
+                    <a:lnR w="12700" cap="flat" cmpd="sng" algn="ctr">
+                      <a:solidFill>
+                        <a:schemeClr val="tx1"/>
+                      </a:solidFill>
+                      <a:prstDash val="solid"/>
+                      <a:round/>
+                      <a:headEnd type="none" w="med" len="med"/>
+                      <a:tailEnd type="none" w="med" len="med"/>
+                    </a:lnR>
+                    <a:lnT w="12700" cap="flat" cmpd="sng" algn="ctr">
+                      <a:solidFill>
+                        <a:schemeClr val="tx1"/>
+                      </a:solidFill>
+                      <a:prstDash val="solid"/>
+                      <a:round/>
+                      <a:headEnd type="none" w="med" len="med"/>
+                      <a:tailEnd type="none" w="med" len="med"/>
+                    </a:lnT>
+                    <a:lnB w="12700" cap="flat" cmpd="sng" algn="ctr">
+                      <a:solidFill>
+                        <a:schemeClr val="tx1"/>
+                      </a:solidFill>
+                      <a:prstDash val="solid"/>
+                      <a:round/>
+                      <a:headEnd type="none" w="med" len="med"/>
+                      <a:tailEnd type="none" w="med" len="med"/>
+                    </a:lnB>
+                    <a:noFill/>
+                  </a:tcPr>
+                </a:tc>
+                <a:extLst>
+                  <a:ext uri="{0D108BD9-81ED-4DB2-BD59-A6C34878D82A}">
+                    <a16:rowId xmlns:a16="http://schemas.microsoft.com/office/drawing/2014/main" val="146189958"/>
+                  </a:ext>
+                </a:extLst>
+              </a:tr>
+              <a:tr h="398996">
+                <a:tc>
+                  <a:txBody>
+                    <a:bodyPr/>
+                    <a:lstStyle/>
+                    <a:p>
+                      <a:pPr>
+                        <a:buNone/>
+                      </a:pPr>
+                      <a:r>
+                        <a:rPr lang="en-US" sz="1400"/>
+                        <a:t>Forensic investigation support</a:t>
+                      </a:r>
+                    </a:p>
+                  </a:txBody>
+                  <a:tcPr marL="28255" marR="28255" marT="14128" marB="14128" anchor="ctr">
+                    <a:lnL w="12700" cap="flat" cmpd="sng" algn="ctr">
+                      <a:solidFill>
+                        <a:schemeClr val="tx1"/>
+                      </a:solidFill>
+                      <a:prstDash val="solid"/>
+                      <a:round/>
+                      <a:headEnd type="none" w="med" len="med"/>
+                      <a:tailEnd type="none" w="med" len="med"/>
+                    </a:lnL>
+                    <a:lnR w="12700" cap="flat" cmpd="sng" algn="ctr">
+                      <a:solidFill>
+                        <a:schemeClr val="tx1"/>
+                      </a:solidFill>
+                      <a:prstDash val="solid"/>
+                      <a:round/>
+                      <a:headEnd type="none" w="med" len="med"/>
+                      <a:tailEnd type="none" w="med" len="med"/>
+                    </a:lnR>
+                    <a:lnT w="12700" cap="flat" cmpd="sng" algn="ctr">
+                      <a:solidFill>
+                        <a:schemeClr val="tx1"/>
+                      </a:solidFill>
+                      <a:prstDash val="solid"/>
+                      <a:round/>
+                      <a:headEnd type="none" w="med" len="med"/>
+                      <a:tailEnd type="none" w="med" len="med"/>
+                    </a:lnT>
+                    <a:lnB w="12700" cap="flat" cmpd="sng" algn="ctr">
+                      <a:solidFill>
+                        <a:schemeClr val="tx1"/>
+                      </a:solidFill>
+                      <a:prstDash val="solid"/>
+                      <a:round/>
+                      <a:headEnd type="none" w="med" len="med"/>
+                      <a:tailEnd type="none" w="med" len="med"/>
+                    </a:lnB>
+                    <a:noFill/>
+                  </a:tcPr>
+                </a:tc>
+                <a:tc>
+                  <a:txBody>
+                    <a:bodyPr/>
+                    <a:lstStyle/>
+                    <a:p>
+                      <a:pPr>
+                        <a:buNone/>
+                      </a:pPr>
+                      <a:r>
+                        <a:rPr lang="en-US" sz="1400" b="1"/>
+                        <a:t>Medium</a:t>
+                      </a:r>
+                      <a:endParaRPr lang="en-US" sz="1400"/>
+                    </a:p>
+                  </a:txBody>
+                  <a:tcPr marL="28255" marR="28255" marT="14128" marB="14128" anchor="ctr">
+                    <a:lnL w="12700" cap="flat" cmpd="sng" algn="ctr">
+                      <a:solidFill>
+                        <a:schemeClr val="tx1"/>
+                      </a:solidFill>
+                      <a:prstDash val="solid"/>
+                      <a:round/>
+                      <a:headEnd type="none" w="med" len="med"/>
+                      <a:tailEnd type="none" w="med" len="med"/>
+                    </a:lnL>
+                    <a:lnR w="12700" cap="flat" cmpd="sng" algn="ctr">
+                      <a:solidFill>
+                        <a:schemeClr val="tx1"/>
+                      </a:solidFill>
+                      <a:prstDash val="solid"/>
+                      <a:round/>
+                      <a:headEnd type="none" w="med" len="med"/>
+                      <a:tailEnd type="none" w="med" len="med"/>
+                    </a:lnR>
+                    <a:lnT w="12700" cap="flat" cmpd="sng" algn="ctr">
+                      <a:solidFill>
+                        <a:schemeClr val="tx1"/>
+                      </a:solidFill>
+                      <a:prstDash val="solid"/>
+                      <a:round/>
+                      <a:headEnd type="none" w="med" len="med"/>
+                      <a:tailEnd type="none" w="med" len="med"/>
+                    </a:lnT>
+                    <a:lnB w="12700" cap="flat" cmpd="sng" algn="ctr">
+                      <a:solidFill>
+                        <a:schemeClr val="tx1"/>
+                      </a:solidFill>
+                      <a:prstDash val="solid"/>
+                      <a:round/>
+                      <a:headEnd type="none" w="med" len="med"/>
+                      <a:tailEnd type="none" w="med" len="med"/>
+                    </a:lnB>
+                    <a:noFill/>
+                  </a:tcPr>
+                </a:tc>
+                <a:tc>
+                  <a:txBody>
+                    <a:bodyPr/>
+                    <a:lstStyle/>
+                    <a:p>
+                      <a:pPr>
+                        <a:buNone/>
+                      </a:pPr>
+                      <a:r>
+                        <a:rPr lang="en-US" sz="1400"/>
+                        <a:t>Can assist in analyzing logs, tracing attack paths, and documenting findings.</a:t>
+                      </a:r>
+                    </a:p>
+                  </a:txBody>
+                  <a:tcPr marL="28255" marR="28255" marT="14128" marB="14128" anchor="ctr">
+                    <a:lnL w="12700" cap="flat" cmpd="sng" algn="ctr">
+                      <a:solidFill>
+                        <a:schemeClr val="tx1"/>
+                      </a:solidFill>
+                      <a:prstDash val="solid"/>
+                      <a:round/>
+                      <a:headEnd type="none" w="med" len="med"/>
+                      <a:tailEnd type="none" w="med" len="med"/>
+                    </a:lnL>
+                    <a:lnR w="12700" cap="flat" cmpd="sng" algn="ctr">
+                      <a:solidFill>
+                        <a:schemeClr val="tx1"/>
+                      </a:solidFill>
+                      <a:prstDash val="solid"/>
+                      <a:round/>
+                      <a:headEnd type="none" w="med" len="med"/>
+                      <a:tailEnd type="none" w="med" len="med"/>
+                    </a:lnR>
+                    <a:lnT w="12700" cap="flat" cmpd="sng" algn="ctr">
+                      <a:solidFill>
+                        <a:schemeClr val="tx1"/>
+                      </a:solidFill>
+                      <a:prstDash val="solid"/>
+                      <a:round/>
+                      <a:headEnd type="none" w="med" len="med"/>
+                      <a:tailEnd type="none" w="med" len="med"/>
+                    </a:lnT>
+                    <a:lnB w="12700" cap="flat" cmpd="sng" algn="ctr">
+                      <a:solidFill>
+                        <a:schemeClr val="tx1"/>
+                      </a:solidFill>
+                      <a:prstDash val="solid"/>
+                      <a:round/>
+                      <a:headEnd type="none" w="med" len="med"/>
+                      <a:tailEnd type="none" w="med" len="med"/>
+                    </a:lnB>
+                    <a:noFill/>
+                  </a:tcPr>
+                </a:tc>
+                <a:extLst>
+                  <a:ext uri="{0D108BD9-81ED-4DB2-BD59-A6C34878D82A}">
+                    <a16:rowId xmlns:a16="http://schemas.microsoft.com/office/drawing/2014/main" val="1297429569"/>
+                  </a:ext>
+                </a:extLst>
+              </a:tr>
+              <a:tr h="398996">
+                <a:tc>
+                  <a:txBody>
+                    <a:bodyPr/>
+                    <a:lstStyle/>
+                    <a:p>
+                      <a:pPr>
+                        <a:buNone/>
+                      </a:pPr>
+                      <a:r>
+                        <a:rPr lang="en-US" sz="1400"/>
+                        <a:t>Threat modeling and architecture review</a:t>
+                      </a:r>
+                    </a:p>
+                  </a:txBody>
+                  <a:tcPr marL="28255" marR="28255" marT="14128" marB="14128" anchor="ctr">
+                    <a:lnL w="12700" cap="flat" cmpd="sng" algn="ctr">
+                      <a:solidFill>
+                        <a:schemeClr val="tx1"/>
+                      </a:solidFill>
+                      <a:prstDash val="solid"/>
+                      <a:round/>
+                      <a:headEnd type="none" w="med" len="med"/>
+                      <a:tailEnd type="none" w="med" len="med"/>
+                    </a:lnL>
+                    <a:lnR w="12700" cap="flat" cmpd="sng" algn="ctr">
+                      <a:solidFill>
+                        <a:schemeClr val="tx1"/>
+                      </a:solidFill>
+                      <a:prstDash val="solid"/>
+                      <a:round/>
+                      <a:headEnd type="none" w="med" len="med"/>
+                      <a:tailEnd type="none" w="med" len="med"/>
+                    </a:lnR>
+                    <a:lnT w="12700" cap="flat" cmpd="sng" algn="ctr">
+                      <a:solidFill>
+                        <a:schemeClr val="tx1"/>
+                      </a:solidFill>
+                      <a:prstDash val="solid"/>
+                      <a:round/>
+                      <a:headEnd type="none" w="med" len="med"/>
+                      <a:tailEnd type="none" w="med" len="med"/>
+                    </a:lnT>
+                    <a:lnB w="12700" cap="flat" cmpd="sng" algn="ctr">
+                      <a:solidFill>
+                        <a:schemeClr val="tx1"/>
+                      </a:solidFill>
+                      <a:prstDash val="solid"/>
+                      <a:round/>
+                      <a:headEnd type="none" w="med" len="med"/>
+                      <a:tailEnd type="none" w="med" len="med"/>
+                    </a:lnB>
+                    <a:noFill/>
+                  </a:tcPr>
+                </a:tc>
+                <a:tc>
+                  <a:txBody>
+                    <a:bodyPr/>
+                    <a:lstStyle/>
+                    <a:p>
+                      <a:pPr>
+                        <a:buNone/>
+                      </a:pPr>
+                      <a:r>
+                        <a:rPr lang="en-US" sz="1400" b="1"/>
+                        <a:t>Medium</a:t>
+                      </a:r>
+                      <a:endParaRPr lang="en-US" sz="1400"/>
+                    </a:p>
+                  </a:txBody>
+                  <a:tcPr marL="28255" marR="28255" marT="14128" marB="14128" anchor="ctr">
+                    <a:lnL w="12700" cap="flat" cmpd="sng" algn="ctr">
+                      <a:solidFill>
+                        <a:schemeClr val="tx1"/>
+                      </a:solidFill>
+                      <a:prstDash val="solid"/>
+                      <a:round/>
+                      <a:headEnd type="none" w="med" len="med"/>
+                      <a:tailEnd type="none" w="med" len="med"/>
+                    </a:lnL>
+                    <a:lnR w="12700" cap="flat" cmpd="sng" algn="ctr">
+                      <a:solidFill>
+                        <a:schemeClr val="tx1"/>
+                      </a:solidFill>
+                      <a:prstDash val="solid"/>
+                      <a:round/>
+                      <a:headEnd type="none" w="med" len="med"/>
+                      <a:tailEnd type="none" w="med" len="med"/>
+                    </a:lnR>
+                    <a:lnT w="12700" cap="flat" cmpd="sng" algn="ctr">
+                      <a:solidFill>
+                        <a:schemeClr val="tx1"/>
+                      </a:solidFill>
+                      <a:prstDash val="solid"/>
+                      <a:round/>
+                      <a:headEnd type="none" w="med" len="med"/>
+                      <a:tailEnd type="none" w="med" len="med"/>
+                    </a:lnT>
+                    <a:lnB w="12700" cap="flat" cmpd="sng" algn="ctr">
+                      <a:solidFill>
+                        <a:schemeClr val="tx1"/>
+                      </a:solidFill>
+                      <a:prstDash val="solid"/>
+                      <a:round/>
+                      <a:headEnd type="none" w="med" len="med"/>
+                      <a:tailEnd type="none" w="med" len="med"/>
+                    </a:lnB>
+                    <a:noFill/>
+                  </a:tcPr>
+                </a:tc>
+                <a:tc>
+                  <a:txBody>
+                    <a:bodyPr/>
+                    <a:lstStyle/>
+                    <a:p>
+                      <a:pPr>
+                        <a:buNone/>
+                      </a:pPr>
+                      <a:r>
+                        <a:rPr lang="en-US" sz="1400" dirty="0"/>
+                        <a:t>Can suggest potential threat vectors, but architecture decisions need human judgment.</a:t>
+                      </a:r>
+                    </a:p>
+                  </a:txBody>
+                  <a:tcPr marL="28255" marR="28255" marT="14128" marB="14128" anchor="ctr">
+                    <a:lnL w="12700" cap="flat" cmpd="sng" algn="ctr">
+                      <a:solidFill>
+                        <a:schemeClr val="tx1"/>
+                      </a:solidFill>
+                      <a:prstDash val="solid"/>
+                      <a:round/>
+                      <a:headEnd type="none" w="med" len="med"/>
+                      <a:tailEnd type="none" w="med" len="med"/>
+                    </a:lnL>
+                    <a:lnR w="12700" cap="flat" cmpd="sng" algn="ctr">
+                      <a:solidFill>
+                        <a:schemeClr val="tx1"/>
+                      </a:solidFill>
+                      <a:prstDash val="solid"/>
+                      <a:round/>
+                      <a:headEnd type="none" w="med" len="med"/>
+                      <a:tailEnd type="none" w="med" len="med"/>
+                    </a:lnR>
+                    <a:lnT w="12700" cap="flat" cmpd="sng" algn="ctr">
+                      <a:solidFill>
+                        <a:schemeClr val="tx1"/>
+                      </a:solidFill>
+                      <a:prstDash val="solid"/>
+                      <a:round/>
+                      <a:headEnd type="none" w="med" len="med"/>
+                      <a:tailEnd type="none" w="med" len="med"/>
+                    </a:lnT>
+                    <a:lnB w="12700" cap="flat" cmpd="sng" algn="ctr">
+                      <a:solidFill>
+                        <a:schemeClr val="tx1"/>
+                      </a:solidFill>
+                      <a:prstDash val="solid"/>
+                      <a:round/>
+                      <a:headEnd type="none" w="med" len="med"/>
+                      <a:tailEnd type="none" w="med" len="med"/>
+                    </a:lnB>
+                    <a:noFill/>
+                  </a:tcPr>
+                </a:tc>
+                <a:extLst>
+                  <a:ext uri="{0D108BD9-81ED-4DB2-BD59-A6C34878D82A}">
+                    <a16:rowId xmlns:a16="http://schemas.microsoft.com/office/drawing/2014/main" val="2262237322"/>
+                  </a:ext>
+                </a:extLst>
+              </a:tr>
+            </a:tbl>
+          </a:graphicData>
+        </a:graphic>
+      </p:graphicFrame>
     </p:spTree>
+    <p:extLst>
+      <p:ext uri="{BB962C8B-B14F-4D97-AF65-F5344CB8AC3E}">
+        <p14:creationId xmlns:p14="http://schemas.microsoft.com/office/powerpoint/2010/main" val="3597938524"/>
+      </p:ext>
+    </p:extLst>
   </p:cSld>
   <p:clrMapOvr>
     <a:masterClrMapping/>
@@ -13006,7 +18807,7 @@
       </p:grpSpPr>
       <p:sp>
         <p:nvSpPr>
-          <p:cNvPr id="2" name="Title 1"/>
+          <p:cNvPr id="4" name="Title 3"/>
           <p:cNvSpPr>
             <a:spLocks noGrp="1"/>
           </p:cNvSpPr>
@@ -13021,57 +18822,8 @@
           <a:p>
             <a:r>
               <a:rPr lang="en-US"/>
-              <a:t>Example 2: Legal documentation review	</a:t>
+              <a:t>New workflows and new Opportunities</a:t>
             </a:r>
-          </a:p>
-        </p:txBody>
-      </p:sp>
-      <p:pic>
-        <p:nvPicPr>
-          <p:cNvPr id="4" name="Content Placeholder 3"/>
-          <p:cNvPicPr>
-            <a:picLocks noGrp="1" noChangeAspect="1"/>
-          </p:cNvPicPr>
-          <p:nvPr>
-            <p:ph idx="1"/>
-          </p:nvPr>
-        </p:nvPicPr>
-        <p:blipFill>
-          <a:blip r:embed="rId2"/>
-          <a:stretch>
-            <a:fillRect/>
-          </a:stretch>
-        </p:blipFill>
-        <p:spPr>
-          <a:xfrm>
-            <a:off x="955675" y="1825625"/>
-            <a:ext cx="10279380" cy="4351655"/>
-          </a:xfrm>
-          <a:prstGeom prst="rect">
-            <a:avLst/>
-          </a:prstGeom>
-        </p:spPr>
-      </p:pic>
-      <p:sp>
-        <p:nvSpPr>
-          <p:cNvPr id="3" name="Slide Number Placeholder 2"/>
-          <p:cNvSpPr>
-            <a:spLocks noGrp="1"/>
-          </p:cNvSpPr>
-          <p:nvPr>
-            <p:ph type="sldNum" sz="quarter" idx="12"/>
-          </p:nvPr>
-        </p:nvSpPr>
-        <p:spPr/>
-        <p:txBody>
-          <a:bodyPr/>
-          <a:lstStyle/>
-          <a:p>
-            <a:fld id="{9B618960-8005-486C-9A75-10CB2AAC16F9}" type="slidenum">
-              <a:rPr lang="en-US" smtClean="0"/>
-              <a:t>9</a:t>
-            </a:fld>
-            <a:endParaRPr lang="en-US"/>
           </a:p>
         </p:txBody>
       </p:sp>

--- a/slides/LLMs/05  Gen AI - Business Apps.pptx
+++ b/slides/LLMs/05  Gen AI - Business Apps.pptx
@@ -5,10 +5,10 @@
     <p:sldMasterId id="2147483648" r:id="rId1"/>
   </p:sldMasterIdLst>
   <p:notesMasterIdLst>
-    <p:notesMasterId r:id="rId18"/>
+    <p:notesMasterId r:id="rId17"/>
   </p:notesMasterIdLst>
   <p:handoutMasterIdLst>
-    <p:handoutMasterId r:id="rId19"/>
+    <p:handoutMasterId r:id="rId18"/>
   </p:handoutMasterIdLst>
   <p:sldIdLst>
     <p:sldId id="256" r:id="rId2"/>
@@ -16,17 +16,16 @@
     <p:sldId id="426" r:id="rId4"/>
     <p:sldId id="427" r:id="rId5"/>
     <p:sldId id="431" r:id="rId6"/>
-    <p:sldId id="1319" r:id="rId7"/>
-    <p:sldId id="1320" r:id="rId8"/>
-    <p:sldId id="1321" r:id="rId9"/>
-    <p:sldId id="435" r:id="rId10"/>
-    <p:sldId id="429" r:id="rId11"/>
-    <p:sldId id="430" r:id="rId12"/>
-    <p:sldId id="436" r:id="rId13"/>
-    <p:sldId id="437" r:id="rId14"/>
-    <p:sldId id="438" r:id="rId15"/>
-    <p:sldId id="1317" r:id="rId16"/>
-    <p:sldId id="1315" r:id="rId17"/>
+    <p:sldId id="437" r:id="rId7"/>
+    <p:sldId id="438" r:id="rId8"/>
+    <p:sldId id="1319" r:id="rId9"/>
+    <p:sldId id="1320" r:id="rId10"/>
+    <p:sldId id="1321" r:id="rId11"/>
+    <p:sldId id="435" r:id="rId12"/>
+    <p:sldId id="429" r:id="rId13"/>
+    <p:sldId id="430" r:id="rId14"/>
+    <p:sldId id="436" r:id="rId15"/>
+    <p:sldId id="1315" r:id="rId16"/>
   </p:sldIdLst>
   <p:sldSz cx="12192000" cy="6858000"/>
   <p:notesSz cx="6858000" cy="9144000"/>
@@ -3704,6 +3703,2928 @@
       </p:grpSpPr>
       <p:sp>
         <p:nvSpPr>
+          <p:cNvPr id="2" name="Title 1">
+            <a:extLst>
+              <a:ext uri="{FF2B5EF4-FFF2-40B4-BE49-F238E27FC236}">
+                <a16:creationId xmlns:a16="http://schemas.microsoft.com/office/drawing/2014/main" id="{55F42937-FFA4-A3C7-8281-340C1304B16D}"/>
+              </a:ext>
+            </a:extLst>
+          </p:cNvPr>
+          <p:cNvSpPr>
+            <a:spLocks noGrp="1"/>
+          </p:cNvSpPr>
+          <p:nvPr>
+            <p:ph type="title"/>
+          </p:nvPr>
+        </p:nvSpPr>
+        <p:spPr>
+          <a:xfrm>
+            <a:off x="10719319" y="136525"/>
+            <a:ext cx="1653073" cy="1325563"/>
+          </a:xfrm>
+        </p:spPr>
+        <p:txBody>
+          <a:bodyPr>
+            <a:normAutofit fontScale="90000"/>
+          </a:bodyPr>
+          <a:lstStyle/>
+          <a:p>
+            <a:r>
+              <a:rPr lang="en-US" sz="2000" b="1" dirty="0"/>
+              <a:t>Cybersecurity Engineer</a:t>
+            </a:r>
+            <a:r>
+              <a:rPr lang="en-US" sz="2000" dirty="0"/>
+              <a:t> (focused on critical infrastructures)</a:t>
+            </a:r>
+          </a:p>
+        </p:txBody>
+      </p:sp>
+      <p:sp>
+        <p:nvSpPr>
+          <p:cNvPr id="4" name="Slide Number Placeholder 3">
+            <a:extLst>
+              <a:ext uri="{FF2B5EF4-FFF2-40B4-BE49-F238E27FC236}">
+                <a16:creationId xmlns:a16="http://schemas.microsoft.com/office/drawing/2014/main" id="{B014B015-84F9-243F-1003-48C0891FF0BF}"/>
+              </a:ext>
+            </a:extLst>
+          </p:cNvPr>
+          <p:cNvSpPr>
+            <a:spLocks noGrp="1"/>
+          </p:cNvSpPr>
+          <p:nvPr>
+            <p:ph type="sldNum" sz="quarter" idx="12"/>
+          </p:nvPr>
+        </p:nvSpPr>
+        <p:spPr/>
+        <p:txBody>
+          <a:bodyPr/>
+          <a:lstStyle/>
+          <a:p>
+            <a:fld id="{9B618960-8005-486C-9A75-10CB2AAC16F9}" type="slidenum">
+              <a:rPr lang="en-US" smtClean="0"/>
+              <a:t>10</a:t>
+            </a:fld>
+            <a:endParaRPr lang="en-US"/>
+          </a:p>
+        </p:txBody>
+      </p:sp>
+      <p:graphicFrame>
+        <p:nvGraphicFramePr>
+          <p:cNvPr id="5" name="Table 4">
+            <a:extLst>
+              <a:ext uri="{FF2B5EF4-FFF2-40B4-BE49-F238E27FC236}">
+                <a16:creationId xmlns:a16="http://schemas.microsoft.com/office/drawing/2014/main" id="{7AF43F20-E981-B04D-74AF-6B93FF114618}"/>
+              </a:ext>
+            </a:extLst>
+          </p:cNvPr>
+          <p:cNvGraphicFramePr>
+            <a:graphicFrameLocks noGrp="1"/>
+          </p:cNvGraphicFramePr>
+          <p:nvPr>
+            <p:extLst>
+              <p:ext uri="{D42A27DB-BD31-4B8C-83A1-F6EECF244321}">
+                <p14:modId xmlns:p14="http://schemas.microsoft.com/office/powerpoint/2010/main" val="1597092895"/>
+              </p:ext>
+            </p:extLst>
+          </p:nvPr>
+        </p:nvGraphicFramePr>
+        <p:xfrm>
+          <a:off x="76593" y="52400"/>
+          <a:ext cx="10802901" cy="6708867"/>
+        </p:xfrm>
+        <a:graphic>
+          <a:graphicData uri="http://schemas.openxmlformats.org/drawingml/2006/table">
+            <a:tbl>
+              <a:tblPr/>
+              <a:tblGrid>
+                <a:gridCol w="3093309">
+                  <a:extLst>
+                    <a:ext uri="{9D8B030D-6E8A-4147-A177-3AD203B41FA5}">
+                      <a16:colId xmlns:a16="http://schemas.microsoft.com/office/drawing/2014/main" val="1000547542"/>
+                    </a:ext>
+                  </a:extLst>
+                </a:gridCol>
+                <a:gridCol w="1318368">
+                  <a:extLst>
+                    <a:ext uri="{9D8B030D-6E8A-4147-A177-3AD203B41FA5}">
+                      <a16:colId xmlns:a16="http://schemas.microsoft.com/office/drawing/2014/main" val="2917834481"/>
+                    </a:ext>
+                  </a:extLst>
+                </a:gridCol>
+                <a:gridCol w="6391224">
+                  <a:extLst>
+                    <a:ext uri="{9D8B030D-6E8A-4147-A177-3AD203B41FA5}">
+                      <a16:colId xmlns:a16="http://schemas.microsoft.com/office/drawing/2014/main" val="3077857697"/>
+                    </a:ext>
+                  </a:extLst>
+                </a:gridCol>
+              </a:tblGrid>
+              <a:tr h="157839">
+                <a:tc>
+                  <a:txBody>
+                    <a:bodyPr/>
+                    <a:lstStyle/>
+                    <a:p>
+                      <a:pPr>
+                        <a:buNone/>
+                      </a:pPr>
+                      <a:r>
+                        <a:rPr lang="en-US" sz="1400" b="1"/>
+                        <a:t>Task</a:t>
+                      </a:r>
+                      <a:endParaRPr lang="en-US" sz="1400"/>
+                    </a:p>
+                  </a:txBody>
+                  <a:tcPr marL="28255" marR="28255" marT="14128" marB="14128" anchor="ctr">
+                    <a:lnL w="12700" cap="flat" cmpd="sng" algn="ctr">
+                      <a:solidFill>
+                        <a:schemeClr val="tx1"/>
+                      </a:solidFill>
+                      <a:prstDash val="solid"/>
+                      <a:round/>
+                      <a:headEnd type="none" w="med" len="med"/>
+                      <a:tailEnd type="none" w="med" len="med"/>
+                    </a:lnL>
+                    <a:lnR w="12700" cap="flat" cmpd="sng" algn="ctr">
+                      <a:solidFill>
+                        <a:schemeClr val="tx1"/>
+                      </a:solidFill>
+                      <a:prstDash val="solid"/>
+                      <a:round/>
+                      <a:headEnd type="none" w="med" len="med"/>
+                      <a:tailEnd type="none" w="med" len="med"/>
+                    </a:lnR>
+                    <a:lnT w="12700" cap="flat" cmpd="sng" algn="ctr">
+                      <a:solidFill>
+                        <a:schemeClr val="tx1"/>
+                      </a:solidFill>
+                      <a:prstDash val="solid"/>
+                      <a:round/>
+                      <a:headEnd type="none" w="med" len="med"/>
+                      <a:tailEnd type="none" w="med" len="med"/>
+                    </a:lnT>
+                    <a:lnB w="12700" cap="flat" cmpd="sng" algn="ctr">
+                      <a:solidFill>
+                        <a:schemeClr val="tx1"/>
+                      </a:solidFill>
+                      <a:prstDash val="solid"/>
+                      <a:round/>
+                      <a:headEnd type="none" w="med" len="med"/>
+                      <a:tailEnd type="none" w="med" len="med"/>
+                    </a:lnB>
+                    <a:noFill/>
+                  </a:tcPr>
+                </a:tc>
+                <a:tc>
+                  <a:txBody>
+                    <a:bodyPr/>
+                    <a:lstStyle/>
+                    <a:p>
+                      <a:pPr>
+                        <a:buNone/>
+                      </a:pPr>
+                      <a:r>
+                        <a:rPr lang="en-US" sz="1400" b="1"/>
+                        <a:t>GenAI Potential</a:t>
+                      </a:r>
+                      <a:endParaRPr lang="en-US" sz="1400"/>
+                    </a:p>
+                  </a:txBody>
+                  <a:tcPr marL="28255" marR="28255" marT="14128" marB="14128" anchor="ctr">
+                    <a:lnL w="12700" cap="flat" cmpd="sng" algn="ctr">
+                      <a:solidFill>
+                        <a:schemeClr val="tx1"/>
+                      </a:solidFill>
+                      <a:prstDash val="solid"/>
+                      <a:round/>
+                      <a:headEnd type="none" w="med" len="med"/>
+                      <a:tailEnd type="none" w="med" len="med"/>
+                    </a:lnL>
+                    <a:lnR w="12700" cap="flat" cmpd="sng" algn="ctr">
+                      <a:solidFill>
+                        <a:schemeClr val="tx1"/>
+                      </a:solidFill>
+                      <a:prstDash val="solid"/>
+                      <a:round/>
+                      <a:headEnd type="none" w="med" len="med"/>
+                      <a:tailEnd type="none" w="med" len="med"/>
+                    </a:lnR>
+                    <a:lnT w="12700" cap="flat" cmpd="sng" algn="ctr">
+                      <a:solidFill>
+                        <a:schemeClr val="tx1"/>
+                      </a:solidFill>
+                      <a:prstDash val="solid"/>
+                      <a:round/>
+                      <a:headEnd type="none" w="med" len="med"/>
+                      <a:tailEnd type="none" w="med" len="med"/>
+                    </a:lnT>
+                    <a:lnB w="12700" cap="flat" cmpd="sng" algn="ctr">
+                      <a:solidFill>
+                        <a:schemeClr val="tx1"/>
+                      </a:solidFill>
+                      <a:prstDash val="solid"/>
+                      <a:round/>
+                      <a:headEnd type="none" w="med" len="med"/>
+                      <a:tailEnd type="none" w="med" len="med"/>
+                    </a:lnB>
+                    <a:noFill/>
+                  </a:tcPr>
+                </a:tc>
+                <a:tc>
+                  <a:txBody>
+                    <a:bodyPr/>
+                    <a:lstStyle/>
+                    <a:p>
+                      <a:pPr>
+                        <a:buNone/>
+                      </a:pPr>
+                      <a:r>
+                        <a:rPr lang="en-US" sz="1400" b="1"/>
+                        <a:t>Notes / Examples</a:t>
+                      </a:r>
+                      <a:endParaRPr lang="en-US" sz="1400"/>
+                    </a:p>
+                  </a:txBody>
+                  <a:tcPr marL="28255" marR="28255" marT="14128" marB="14128" anchor="ctr">
+                    <a:lnL w="12700" cap="flat" cmpd="sng" algn="ctr">
+                      <a:solidFill>
+                        <a:schemeClr val="tx1"/>
+                      </a:solidFill>
+                      <a:prstDash val="solid"/>
+                      <a:round/>
+                      <a:headEnd type="none" w="med" len="med"/>
+                      <a:tailEnd type="none" w="med" len="med"/>
+                    </a:lnL>
+                    <a:lnR w="12700" cap="flat" cmpd="sng" algn="ctr">
+                      <a:solidFill>
+                        <a:schemeClr val="tx1"/>
+                      </a:solidFill>
+                      <a:prstDash val="solid"/>
+                      <a:round/>
+                      <a:headEnd type="none" w="med" len="med"/>
+                      <a:tailEnd type="none" w="med" len="med"/>
+                    </a:lnR>
+                    <a:lnT w="12700" cap="flat" cmpd="sng" algn="ctr">
+                      <a:solidFill>
+                        <a:schemeClr val="tx1"/>
+                      </a:solidFill>
+                      <a:prstDash val="solid"/>
+                      <a:round/>
+                      <a:headEnd type="none" w="med" len="med"/>
+                      <a:tailEnd type="none" w="med" len="med"/>
+                    </a:lnT>
+                    <a:lnB w="12700" cap="flat" cmpd="sng" algn="ctr">
+                      <a:solidFill>
+                        <a:schemeClr val="tx1"/>
+                      </a:solidFill>
+                      <a:prstDash val="solid"/>
+                      <a:round/>
+                      <a:headEnd type="none" w="med" len="med"/>
+                      <a:tailEnd type="none" w="med" len="med"/>
+                    </a:lnB>
+                    <a:noFill/>
+                  </a:tcPr>
+                </a:tc>
+                <a:extLst>
+                  <a:ext uri="{0D108BD9-81ED-4DB2-BD59-A6C34878D82A}">
+                    <a16:rowId xmlns:a16="http://schemas.microsoft.com/office/drawing/2014/main" val="2019482500"/>
+                  </a:ext>
+                </a:extLst>
+              </a:tr>
+              <a:tr h="519574">
+                <a:tc>
+                  <a:txBody>
+                    <a:bodyPr/>
+                    <a:lstStyle/>
+                    <a:p>
+                      <a:pPr>
+                        <a:buNone/>
+                      </a:pPr>
+                      <a:r>
+                        <a:rPr lang="en-US" sz="1400"/>
+                        <a:t>Threat intelligence gathering</a:t>
+                      </a:r>
+                    </a:p>
+                  </a:txBody>
+                  <a:tcPr marL="28255" marR="28255" marT="14128" marB="14128" anchor="ctr">
+                    <a:lnL w="12700" cap="flat" cmpd="sng" algn="ctr">
+                      <a:solidFill>
+                        <a:schemeClr val="tx1"/>
+                      </a:solidFill>
+                      <a:prstDash val="solid"/>
+                      <a:round/>
+                      <a:headEnd type="none" w="med" len="med"/>
+                      <a:tailEnd type="none" w="med" len="med"/>
+                    </a:lnL>
+                    <a:lnR w="12700" cap="flat" cmpd="sng" algn="ctr">
+                      <a:solidFill>
+                        <a:schemeClr val="tx1"/>
+                      </a:solidFill>
+                      <a:prstDash val="solid"/>
+                      <a:round/>
+                      <a:headEnd type="none" w="med" len="med"/>
+                      <a:tailEnd type="none" w="med" len="med"/>
+                    </a:lnR>
+                    <a:lnT w="12700" cap="flat" cmpd="sng" algn="ctr">
+                      <a:solidFill>
+                        <a:schemeClr val="tx1"/>
+                      </a:solidFill>
+                      <a:prstDash val="solid"/>
+                      <a:round/>
+                      <a:headEnd type="none" w="med" len="med"/>
+                      <a:tailEnd type="none" w="med" len="med"/>
+                    </a:lnT>
+                    <a:lnB w="12700" cap="flat" cmpd="sng" algn="ctr">
+                      <a:solidFill>
+                        <a:schemeClr val="tx1"/>
+                      </a:solidFill>
+                      <a:prstDash val="solid"/>
+                      <a:round/>
+                      <a:headEnd type="none" w="med" len="med"/>
+                      <a:tailEnd type="none" w="med" len="med"/>
+                    </a:lnB>
+                    <a:noFill/>
+                  </a:tcPr>
+                </a:tc>
+                <a:tc>
+                  <a:txBody>
+                    <a:bodyPr/>
+                    <a:lstStyle/>
+                    <a:p>
+                      <a:pPr>
+                        <a:buNone/>
+                      </a:pPr>
+                      <a:r>
+                        <a:rPr lang="en-US" sz="1400" b="1"/>
+                        <a:t>High</a:t>
+                      </a:r>
+                      <a:endParaRPr lang="en-US" sz="1400"/>
+                    </a:p>
+                  </a:txBody>
+                  <a:tcPr marL="28255" marR="28255" marT="14128" marB="14128" anchor="ctr">
+                    <a:lnL w="12700" cap="flat" cmpd="sng" algn="ctr">
+                      <a:solidFill>
+                        <a:schemeClr val="tx1"/>
+                      </a:solidFill>
+                      <a:prstDash val="solid"/>
+                      <a:round/>
+                      <a:headEnd type="none" w="med" len="med"/>
+                      <a:tailEnd type="none" w="med" len="med"/>
+                    </a:lnL>
+                    <a:lnR w="12700" cap="flat" cmpd="sng" algn="ctr">
+                      <a:solidFill>
+                        <a:schemeClr val="tx1"/>
+                      </a:solidFill>
+                      <a:prstDash val="solid"/>
+                      <a:round/>
+                      <a:headEnd type="none" w="med" len="med"/>
+                      <a:tailEnd type="none" w="med" len="med"/>
+                    </a:lnR>
+                    <a:lnT w="12700" cap="flat" cmpd="sng" algn="ctr">
+                      <a:solidFill>
+                        <a:schemeClr val="tx1"/>
+                      </a:solidFill>
+                      <a:prstDash val="solid"/>
+                      <a:round/>
+                      <a:headEnd type="none" w="med" len="med"/>
+                      <a:tailEnd type="none" w="med" len="med"/>
+                    </a:lnT>
+                    <a:lnB w="12700" cap="flat" cmpd="sng" algn="ctr">
+                      <a:solidFill>
+                        <a:schemeClr val="tx1"/>
+                      </a:solidFill>
+                      <a:prstDash val="solid"/>
+                      <a:round/>
+                      <a:headEnd type="none" w="med" len="med"/>
+                      <a:tailEnd type="none" w="med" len="med"/>
+                    </a:lnB>
+                    <a:noFill/>
+                  </a:tcPr>
+                </a:tc>
+                <a:tc>
+                  <a:txBody>
+                    <a:bodyPr/>
+                    <a:lstStyle/>
+                    <a:p>
+                      <a:pPr>
+                        <a:buNone/>
+                      </a:pPr>
+                      <a:r>
+                        <a:rPr lang="en-US" sz="1400"/>
+                        <a:t>GenAI can process large volumes of threat reports, dark web info, and news to identify emerging threats.</a:t>
+                      </a:r>
+                    </a:p>
+                  </a:txBody>
+                  <a:tcPr marL="28255" marR="28255" marT="14128" marB="14128" anchor="ctr">
+                    <a:lnL w="12700" cap="flat" cmpd="sng" algn="ctr">
+                      <a:solidFill>
+                        <a:schemeClr val="tx1"/>
+                      </a:solidFill>
+                      <a:prstDash val="solid"/>
+                      <a:round/>
+                      <a:headEnd type="none" w="med" len="med"/>
+                      <a:tailEnd type="none" w="med" len="med"/>
+                    </a:lnL>
+                    <a:lnR w="12700" cap="flat" cmpd="sng" algn="ctr">
+                      <a:solidFill>
+                        <a:schemeClr val="tx1"/>
+                      </a:solidFill>
+                      <a:prstDash val="solid"/>
+                      <a:round/>
+                      <a:headEnd type="none" w="med" len="med"/>
+                      <a:tailEnd type="none" w="med" len="med"/>
+                    </a:lnR>
+                    <a:lnT w="12700" cap="flat" cmpd="sng" algn="ctr">
+                      <a:solidFill>
+                        <a:schemeClr val="tx1"/>
+                      </a:solidFill>
+                      <a:prstDash val="solid"/>
+                      <a:round/>
+                      <a:headEnd type="none" w="med" len="med"/>
+                      <a:tailEnd type="none" w="med" len="med"/>
+                    </a:lnT>
+                    <a:lnB w="12700" cap="flat" cmpd="sng" algn="ctr">
+                      <a:solidFill>
+                        <a:schemeClr val="tx1"/>
+                      </a:solidFill>
+                      <a:prstDash val="solid"/>
+                      <a:round/>
+                      <a:headEnd type="none" w="med" len="med"/>
+                      <a:tailEnd type="none" w="med" len="med"/>
+                    </a:lnB>
+                    <a:noFill/>
+                  </a:tcPr>
+                </a:tc>
+                <a:extLst>
+                  <a:ext uri="{0D108BD9-81ED-4DB2-BD59-A6C34878D82A}">
+                    <a16:rowId xmlns:a16="http://schemas.microsoft.com/office/drawing/2014/main" val="3037926155"/>
+                  </a:ext>
+                </a:extLst>
+              </a:tr>
+              <a:tr h="398996">
+                <a:tc>
+                  <a:txBody>
+                    <a:bodyPr/>
+                    <a:lstStyle/>
+                    <a:p>
+                      <a:pPr>
+                        <a:buNone/>
+                      </a:pPr>
+                      <a:r>
+                        <a:rPr lang="en-US" sz="1400"/>
+                        <a:t>Vulnerability scanning and assessment</a:t>
+                      </a:r>
+                    </a:p>
+                  </a:txBody>
+                  <a:tcPr marL="28255" marR="28255" marT="14128" marB="14128" anchor="ctr">
+                    <a:lnL w="12700" cap="flat" cmpd="sng" algn="ctr">
+                      <a:solidFill>
+                        <a:schemeClr val="tx1"/>
+                      </a:solidFill>
+                      <a:prstDash val="solid"/>
+                      <a:round/>
+                      <a:headEnd type="none" w="med" len="med"/>
+                      <a:tailEnd type="none" w="med" len="med"/>
+                    </a:lnL>
+                    <a:lnR w="12700" cap="flat" cmpd="sng" algn="ctr">
+                      <a:solidFill>
+                        <a:schemeClr val="tx1"/>
+                      </a:solidFill>
+                      <a:prstDash val="solid"/>
+                      <a:round/>
+                      <a:headEnd type="none" w="med" len="med"/>
+                      <a:tailEnd type="none" w="med" len="med"/>
+                    </a:lnR>
+                    <a:lnT w="12700" cap="flat" cmpd="sng" algn="ctr">
+                      <a:solidFill>
+                        <a:schemeClr val="tx1"/>
+                      </a:solidFill>
+                      <a:prstDash val="solid"/>
+                      <a:round/>
+                      <a:headEnd type="none" w="med" len="med"/>
+                      <a:tailEnd type="none" w="med" len="med"/>
+                    </a:lnT>
+                    <a:lnB w="12700" cap="flat" cmpd="sng" algn="ctr">
+                      <a:solidFill>
+                        <a:schemeClr val="tx1"/>
+                      </a:solidFill>
+                      <a:prstDash val="solid"/>
+                      <a:round/>
+                      <a:headEnd type="none" w="med" len="med"/>
+                      <a:tailEnd type="none" w="med" len="med"/>
+                    </a:lnB>
+                    <a:noFill/>
+                  </a:tcPr>
+                </a:tc>
+                <a:tc>
+                  <a:txBody>
+                    <a:bodyPr/>
+                    <a:lstStyle/>
+                    <a:p>
+                      <a:pPr>
+                        <a:buNone/>
+                      </a:pPr>
+                      <a:r>
+                        <a:rPr lang="en-US" sz="1400" b="1"/>
+                        <a:t>High</a:t>
+                      </a:r>
+                      <a:endParaRPr lang="en-US" sz="1400"/>
+                    </a:p>
+                  </a:txBody>
+                  <a:tcPr marL="28255" marR="28255" marT="14128" marB="14128" anchor="ctr">
+                    <a:lnL w="12700" cap="flat" cmpd="sng" algn="ctr">
+                      <a:solidFill>
+                        <a:schemeClr val="tx1"/>
+                      </a:solidFill>
+                      <a:prstDash val="solid"/>
+                      <a:round/>
+                      <a:headEnd type="none" w="med" len="med"/>
+                      <a:tailEnd type="none" w="med" len="med"/>
+                    </a:lnL>
+                    <a:lnR w="12700" cap="flat" cmpd="sng" algn="ctr">
+                      <a:solidFill>
+                        <a:schemeClr val="tx1"/>
+                      </a:solidFill>
+                      <a:prstDash val="solid"/>
+                      <a:round/>
+                      <a:headEnd type="none" w="med" len="med"/>
+                      <a:tailEnd type="none" w="med" len="med"/>
+                    </a:lnR>
+                    <a:lnT w="12700" cap="flat" cmpd="sng" algn="ctr">
+                      <a:solidFill>
+                        <a:schemeClr val="tx1"/>
+                      </a:solidFill>
+                      <a:prstDash val="solid"/>
+                      <a:round/>
+                      <a:headEnd type="none" w="med" len="med"/>
+                      <a:tailEnd type="none" w="med" len="med"/>
+                    </a:lnT>
+                    <a:lnB w="12700" cap="flat" cmpd="sng" algn="ctr">
+                      <a:solidFill>
+                        <a:schemeClr val="tx1"/>
+                      </a:solidFill>
+                      <a:prstDash val="solid"/>
+                      <a:round/>
+                      <a:headEnd type="none" w="med" len="med"/>
+                      <a:tailEnd type="none" w="med" len="med"/>
+                    </a:lnB>
+                    <a:noFill/>
+                  </a:tcPr>
+                </a:tc>
+                <a:tc>
+                  <a:txBody>
+                    <a:bodyPr/>
+                    <a:lstStyle/>
+                    <a:p>
+                      <a:pPr>
+                        <a:buNone/>
+                      </a:pPr>
+                      <a:r>
+                        <a:rPr lang="en-US" sz="1400"/>
+                        <a:t>Can analyze scan results, prioritize risks, and suggest mitigations.</a:t>
+                      </a:r>
+                    </a:p>
+                  </a:txBody>
+                  <a:tcPr marL="28255" marR="28255" marT="14128" marB="14128" anchor="ctr">
+                    <a:lnL w="12700" cap="flat" cmpd="sng" algn="ctr">
+                      <a:solidFill>
+                        <a:schemeClr val="tx1"/>
+                      </a:solidFill>
+                      <a:prstDash val="solid"/>
+                      <a:round/>
+                      <a:headEnd type="none" w="med" len="med"/>
+                      <a:tailEnd type="none" w="med" len="med"/>
+                    </a:lnL>
+                    <a:lnR w="12700" cap="flat" cmpd="sng" algn="ctr">
+                      <a:solidFill>
+                        <a:schemeClr val="tx1"/>
+                      </a:solidFill>
+                      <a:prstDash val="solid"/>
+                      <a:round/>
+                      <a:headEnd type="none" w="med" len="med"/>
+                      <a:tailEnd type="none" w="med" len="med"/>
+                    </a:lnR>
+                    <a:lnT w="12700" cap="flat" cmpd="sng" algn="ctr">
+                      <a:solidFill>
+                        <a:schemeClr val="tx1"/>
+                      </a:solidFill>
+                      <a:prstDash val="solid"/>
+                      <a:round/>
+                      <a:headEnd type="none" w="med" len="med"/>
+                      <a:tailEnd type="none" w="med" len="med"/>
+                    </a:lnT>
+                    <a:lnB w="12700" cap="flat" cmpd="sng" algn="ctr">
+                      <a:solidFill>
+                        <a:schemeClr val="tx1"/>
+                      </a:solidFill>
+                      <a:prstDash val="solid"/>
+                      <a:round/>
+                      <a:headEnd type="none" w="med" len="med"/>
+                      <a:tailEnd type="none" w="med" len="med"/>
+                    </a:lnB>
+                    <a:noFill/>
+                  </a:tcPr>
+                </a:tc>
+                <a:extLst>
+                  <a:ext uri="{0D108BD9-81ED-4DB2-BD59-A6C34878D82A}">
+                    <a16:rowId xmlns:a16="http://schemas.microsoft.com/office/drawing/2014/main" val="2151879802"/>
+                  </a:ext>
+                </a:extLst>
+              </a:tr>
+              <a:tr h="398996">
+                <a:tc>
+                  <a:txBody>
+                    <a:bodyPr/>
+                    <a:lstStyle/>
+                    <a:p>
+                      <a:pPr>
+                        <a:buNone/>
+                      </a:pPr>
+                      <a:r>
+                        <a:rPr lang="en-US" sz="1400"/>
+                        <a:t>Security monitoring (SIEM analysis)</a:t>
+                      </a:r>
+                    </a:p>
+                  </a:txBody>
+                  <a:tcPr marL="28255" marR="28255" marT="14128" marB="14128" anchor="ctr">
+                    <a:lnL w="12700" cap="flat" cmpd="sng" algn="ctr">
+                      <a:solidFill>
+                        <a:schemeClr val="tx1"/>
+                      </a:solidFill>
+                      <a:prstDash val="solid"/>
+                      <a:round/>
+                      <a:headEnd type="none" w="med" len="med"/>
+                      <a:tailEnd type="none" w="med" len="med"/>
+                    </a:lnL>
+                    <a:lnR w="12700" cap="flat" cmpd="sng" algn="ctr">
+                      <a:solidFill>
+                        <a:schemeClr val="tx1"/>
+                      </a:solidFill>
+                      <a:prstDash val="solid"/>
+                      <a:round/>
+                      <a:headEnd type="none" w="med" len="med"/>
+                      <a:tailEnd type="none" w="med" len="med"/>
+                    </a:lnR>
+                    <a:lnT w="12700" cap="flat" cmpd="sng" algn="ctr">
+                      <a:solidFill>
+                        <a:schemeClr val="tx1"/>
+                      </a:solidFill>
+                      <a:prstDash val="solid"/>
+                      <a:round/>
+                      <a:headEnd type="none" w="med" len="med"/>
+                      <a:tailEnd type="none" w="med" len="med"/>
+                    </a:lnT>
+                    <a:lnB w="12700" cap="flat" cmpd="sng" algn="ctr">
+                      <a:solidFill>
+                        <a:schemeClr val="tx1"/>
+                      </a:solidFill>
+                      <a:prstDash val="solid"/>
+                      <a:round/>
+                      <a:headEnd type="none" w="med" len="med"/>
+                      <a:tailEnd type="none" w="med" len="med"/>
+                    </a:lnB>
+                    <a:noFill/>
+                  </a:tcPr>
+                </a:tc>
+                <a:tc>
+                  <a:txBody>
+                    <a:bodyPr/>
+                    <a:lstStyle/>
+                    <a:p>
+                      <a:pPr>
+                        <a:buNone/>
+                      </a:pPr>
+                      <a:r>
+                        <a:rPr lang="en-US" sz="1400" b="1"/>
+                        <a:t>High</a:t>
+                      </a:r>
+                      <a:endParaRPr lang="en-US" sz="1400"/>
+                    </a:p>
+                  </a:txBody>
+                  <a:tcPr marL="28255" marR="28255" marT="14128" marB="14128" anchor="ctr">
+                    <a:lnL w="12700" cap="flat" cmpd="sng" algn="ctr">
+                      <a:solidFill>
+                        <a:schemeClr val="tx1"/>
+                      </a:solidFill>
+                      <a:prstDash val="solid"/>
+                      <a:round/>
+                      <a:headEnd type="none" w="med" len="med"/>
+                      <a:tailEnd type="none" w="med" len="med"/>
+                    </a:lnL>
+                    <a:lnR w="12700" cap="flat" cmpd="sng" algn="ctr">
+                      <a:solidFill>
+                        <a:schemeClr val="tx1"/>
+                      </a:solidFill>
+                      <a:prstDash val="solid"/>
+                      <a:round/>
+                      <a:headEnd type="none" w="med" len="med"/>
+                      <a:tailEnd type="none" w="med" len="med"/>
+                    </a:lnR>
+                    <a:lnT w="12700" cap="flat" cmpd="sng" algn="ctr">
+                      <a:solidFill>
+                        <a:schemeClr val="tx1"/>
+                      </a:solidFill>
+                      <a:prstDash val="solid"/>
+                      <a:round/>
+                      <a:headEnd type="none" w="med" len="med"/>
+                      <a:tailEnd type="none" w="med" len="med"/>
+                    </a:lnT>
+                    <a:lnB w="12700" cap="flat" cmpd="sng" algn="ctr">
+                      <a:solidFill>
+                        <a:schemeClr val="tx1"/>
+                      </a:solidFill>
+                      <a:prstDash val="solid"/>
+                      <a:round/>
+                      <a:headEnd type="none" w="med" len="med"/>
+                      <a:tailEnd type="none" w="med" len="med"/>
+                    </a:lnB>
+                    <a:noFill/>
+                  </a:tcPr>
+                </a:tc>
+                <a:tc>
+                  <a:txBody>
+                    <a:bodyPr/>
+                    <a:lstStyle/>
+                    <a:p>
+                      <a:pPr>
+                        <a:buNone/>
+                      </a:pPr>
+                      <a:r>
+                        <a:rPr lang="en-US" sz="1400"/>
+                        <a:t>Can help detect anomalies and generate alerts from logs and network data.</a:t>
+                      </a:r>
+                    </a:p>
+                  </a:txBody>
+                  <a:tcPr marL="28255" marR="28255" marT="14128" marB="14128" anchor="ctr">
+                    <a:lnL w="12700" cap="flat" cmpd="sng" algn="ctr">
+                      <a:solidFill>
+                        <a:schemeClr val="tx1"/>
+                      </a:solidFill>
+                      <a:prstDash val="solid"/>
+                      <a:round/>
+                      <a:headEnd type="none" w="med" len="med"/>
+                      <a:tailEnd type="none" w="med" len="med"/>
+                    </a:lnL>
+                    <a:lnR w="12700" cap="flat" cmpd="sng" algn="ctr">
+                      <a:solidFill>
+                        <a:schemeClr val="tx1"/>
+                      </a:solidFill>
+                      <a:prstDash val="solid"/>
+                      <a:round/>
+                      <a:headEnd type="none" w="med" len="med"/>
+                      <a:tailEnd type="none" w="med" len="med"/>
+                    </a:lnR>
+                    <a:lnT w="12700" cap="flat" cmpd="sng" algn="ctr">
+                      <a:solidFill>
+                        <a:schemeClr val="tx1"/>
+                      </a:solidFill>
+                      <a:prstDash val="solid"/>
+                      <a:round/>
+                      <a:headEnd type="none" w="med" len="med"/>
+                      <a:tailEnd type="none" w="med" len="med"/>
+                    </a:lnT>
+                    <a:lnB w="12700" cap="flat" cmpd="sng" algn="ctr">
+                      <a:solidFill>
+                        <a:schemeClr val="tx1"/>
+                      </a:solidFill>
+                      <a:prstDash val="solid"/>
+                      <a:round/>
+                      <a:headEnd type="none" w="med" len="med"/>
+                      <a:tailEnd type="none" w="med" len="med"/>
+                    </a:lnB>
+                    <a:noFill/>
+                  </a:tcPr>
+                </a:tc>
+                <a:extLst>
+                  <a:ext uri="{0D108BD9-81ED-4DB2-BD59-A6C34878D82A}">
+                    <a16:rowId xmlns:a16="http://schemas.microsoft.com/office/drawing/2014/main" val="2077968614"/>
+                  </a:ext>
+                </a:extLst>
+              </a:tr>
+              <a:tr h="519574">
+                <a:tc>
+                  <a:txBody>
+                    <a:bodyPr/>
+                    <a:lstStyle/>
+                    <a:p>
+                      <a:pPr>
+                        <a:buNone/>
+                      </a:pPr>
+                      <a:r>
+                        <a:rPr lang="en-US" sz="1400"/>
+                        <a:t>Incident response planning</a:t>
+                      </a:r>
+                    </a:p>
+                  </a:txBody>
+                  <a:tcPr marL="28255" marR="28255" marT="14128" marB="14128" anchor="ctr">
+                    <a:lnL w="12700" cap="flat" cmpd="sng" algn="ctr">
+                      <a:solidFill>
+                        <a:schemeClr val="tx1"/>
+                      </a:solidFill>
+                      <a:prstDash val="solid"/>
+                      <a:round/>
+                      <a:headEnd type="none" w="med" len="med"/>
+                      <a:tailEnd type="none" w="med" len="med"/>
+                    </a:lnL>
+                    <a:lnR w="12700" cap="flat" cmpd="sng" algn="ctr">
+                      <a:solidFill>
+                        <a:schemeClr val="tx1"/>
+                      </a:solidFill>
+                      <a:prstDash val="solid"/>
+                      <a:round/>
+                      <a:headEnd type="none" w="med" len="med"/>
+                      <a:tailEnd type="none" w="med" len="med"/>
+                    </a:lnR>
+                    <a:lnT w="12700" cap="flat" cmpd="sng" algn="ctr">
+                      <a:solidFill>
+                        <a:schemeClr val="tx1"/>
+                      </a:solidFill>
+                      <a:prstDash val="solid"/>
+                      <a:round/>
+                      <a:headEnd type="none" w="med" len="med"/>
+                      <a:tailEnd type="none" w="med" len="med"/>
+                    </a:lnT>
+                    <a:lnB w="12700" cap="flat" cmpd="sng" algn="ctr">
+                      <a:solidFill>
+                        <a:schemeClr val="tx1"/>
+                      </a:solidFill>
+                      <a:prstDash val="solid"/>
+                      <a:round/>
+                      <a:headEnd type="none" w="med" len="med"/>
+                      <a:tailEnd type="none" w="med" len="med"/>
+                    </a:lnB>
+                    <a:noFill/>
+                  </a:tcPr>
+                </a:tc>
+                <a:tc>
+                  <a:txBody>
+                    <a:bodyPr/>
+                    <a:lstStyle/>
+                    <a:p>
+                      <a:pPr>
+                        <a:buNone/>
+                      </a:pPr>
+                      <a:r>
+                        <a:rPr lang="en-US" sz="1400" b="1"/>
+                        <a:t>Medium</a:t>
+                      </a:r>
+                      <a:endParaRPr lang="en-US" sz="1400"/>
+                    </a:p>
+                  </a:txBody>
+                  <a:tcPr marL="28255" marR="28255" marT="14128" marB="14128" anchor="ctr">
+                    <a:lnL w="12700" cap="flat" cmpd="sng" algn="ctr">
+                      <a:solidFill>
+                        <a:schemeClr val="tx1"/>
+                      </a:solidFill>
+                      <a:prstDash val="solid"/>
+                      <a:round/>
+                      <a:headEnd type="none" w="med" len="med"/>
+                      <a:tailEnd type="none" w="med" len="med"/>
+                    </a:lnL>
+                    <a:lnR w="12700" cap="flat" cmpd="sng" algn="ctr">
+                      <a:solidFill>
+                        <a:schemeClr val="tx1"/>
+                      </a:solidFill>
+                      <a:prstDash val="solid"/>
+                      <a:round/>
+                      <a:headEnd type="none" w="med" len="med"/>
+                      <a:tailEnd type="none" w="med" len="med"/>
+                    </a:lnR>
+                    <a:lnT w="12700" cap="flat" cmpd="sng" algn="ctr">
+                      <a:solidFill>
+                        <a:schemeClr val="tx1"/>
+                      </a:solidFill>
+                      <a:prstDash val="solid"/>
+                      <a:round/>
+                      <a:headEnd type="none" w="med" len="med"/>
+                      <a:tailEnd type="none" w="med" len="med"/>
+                    </a:lnT>
+                    <a:lnB w="12700" cap="flat" cmpd="sng" algn="ctr">
+                      <a:solidFill>
+                        <a:schemeClr val="tx1"/>
+                      </a:solidFill>
+                      <a:prstDash val="solid"/>
+                      <a:round/>
+                      <a:headEnd type="none" w="med" len="med"/>
+                      <a:tailEnd type="none" w="med" len="med"/>
+                    </a:lnB>
+                    <a:noFill/>
+                  </a:tcPr>
+                </a:tc>
+                <a:tc>
+                  <a:txBody>
+                    <a:bodyPr/>
+                    <a:lstStyle/>
+                    <a:p>
+                      <a:pPr>
+                        <a:buNone/>
+                      </a:pPr>
+                      <a:r>
+                        <a:rPr lang="en-US" sz="1400"/>
+                        <a:t>Can draft playbooks and response strategies, but real-time coordination requires human oversight.</a:t>
+                      </a:r>
+                    </a:p>
+                  </a:txBody>
+                  <a:tcPr marL="28255" marR="28255" marT="14128" marB="14128" anchor="ctr">
+                    <a:lnL w="12700" cap="flat" cmpd="sng" algn="ctr">
+                      <a:solidFill>
+                        <a:schemeClr val="tx1"/>
+                      </a:solidFill>
+                      <a:prstDash val="solid"/>
+                      <a:round/>
+                      <a:headEnd type="none" w="med" len="med"/>
+                      <a:tailEnd type="none" w="med" len="med"/>
+                    </a:lnL>
+                    <a:lnR w="12700" cap="flat" cmpd="sng" algn="ctr">
+                      <a:solidFill>
+                        <a:schemeClr val="tx1"/>
+                      </a:solidFill>
+                      <a:prstDash val="solid"/>
+                      <a:round/>
+                      <a:headEnd type="none" w="med" len="med"/>
+                      <a:tailEnd type="none" w="med" len="med"/>
+                    </a:lnR>
+                    <a:lnT w="12700" cap="flat" cmpd="sng" algn="ctr">
+                      <a:solidFill>
+                        <a:schemeClr val="tx1"/>
+                      </a:solidFill>
+                      <a:prstDash val="solid"/>
+                      <a:round/>
+                      <a:headEnd type="none" w="med" len="med"/>
+                      <a:tailEnd type="none" w="med" len="med"/>
+                    </a:lnT>
+                    <a:lnB w="12700" cap="flat" cmpd="sng" algn="ctr">
+                      <a:solidFill>
+                        <a:schemeClr val="tx1"/>
+                      </a:solidFill>
+                      <a:prstDash val="solid"/>
+                      <a:round/>
+                      <a:headEnd type="none" w="med" len="med"/>
+                      <a:tailEnd type="none" w="med" len="med"/>
+                    </a:lnB>
+                    <a:noFill/>
+                  </a:tcPr>
+                </a:tc>
+                <a:extLst>
+                  <a:ext uri="{0D108BD9-81ED-4DB2-BD59-A6C34878D82A}">
+                    <a16:rowId xmlns:a16="http://schemas.microsoft.com/office/drawing/2014/main" val="2217931326"/>
+                  </a:ext>
+                </a:extLst>
+              </a:tr>
+              <a:tr h="519574">
+                <a:tc>
+                  <a:txBody>
+                    <a:bodyPr/>
+                    <a:lstStyle/>
+                    <a:p>
+                      <a:pPr>
+                        <a:buNone/>
+                      </a:pPr>
+                      <a:r>
+                        <a:rPr lang="en-US" sz="1400"/>
+                        <a:t>Penetration testing assistance</a:t>
+                      </a:r>
+                    </a:p>
+                  </a:txBody>
+                  <a:tcPr marL="28255" marR="28255" marT="14128" marB="14128" anchor="ctr">
+                    <a:lnL w="12700" cap="flat" cmpd="sng" algn="ctr">
+                      <a:solidFill>
+                        <a:schemeClr val="tx1"/>
+                      </a:solidFill>
+                      <a:prstDash val="solid"/>
+                      <a:round/>
+                      <a:headEnd type="none" w="med" len="med"/>
+                      <a:tailEnd type="none" w="med" len="med"/>
+                    </a:lnL>
+                    <a:lnR w="12700" cap="flat" cmpd="sng" algn="ctr">
+                      <a:solidFill>
+                        <a:schemeClr val="tx1"/>
+                      </a:solidFill>
+                      <a:prstDash val="solid"/>
+                      <a:round/>
+                      <a:headEnd type="none" w="med" len="med"/>
+                      <a:tailEnd type="none" w="med" len="med"/>
+                    </a:lnR>
+                    <a:lnT w="12700" cap="flat" cmpd="sng" algn="ctr">
+                      <a:solidFill>
+                        <a:schemeClr val="tx1"/>
+                      </a:solidFill>
+                      <a:prstDash val="solid"/>
+                      <a:round/>
+                      <a:headEnd type="none" w="med" len="med"/>
+                      <a:tailEnd type="none" w="med" len="med"/>
+                    </a:lnT>
+                    <a:lnB w="12700" cap="flat" cmpd="sng" algn="ctr">
+                      <a:solidFill>
+                        <a:schemeClr val="tx1"/>
+                      </a:solidFill>
+                      <a:prstDash val="solid"/>
+                      <a:round/>
+                      <a:headEnd type="none" w="med" len="med"/>
+                      <a:tailEnd type="none" w="med" len="med"/>
+                    </a:lnB>
+                    <a:noFill/>
+                  </a:tcPr>
+                </a:tc>
+                <a:tc>
+                  <a:txBody>
+                    <a:bodyPr/>
+                    <a:lstStyle/>
+                    <a:p>
+                      <a:pPr>
+                        <a:buNone/>
+                      </a:pPr>
+                      <a:r>
+                        <a:rPr lang="en-US" sz="1400" b="1"/>
+                        <a:t>Medium</a:t>
+                      </a:r>
+                      <a:endParaRPr lang="en-US" sz="1400"/>
+                    </a:p>
+                  </a:txBody>
+                  <a:tcPr marL="28255" marR="28255" marT="14128" marB="14128" anchor="ctr">
+                    <a:lnL w="12700" cap="flat" cmpd="sng" algn="ctr">
+                      <a:solidFill>
+                        <a:schemeClr val="tx1"/>
+                      </a:solidFill>
+                      <a:prstDash val="solid"/>
+                      <a:round/>
+                      <a:headEnd type="none" w="med" len="med"/>
+                      <a:tailEnd type="none" w="med" len="med"/>
+                    </a:lnL>
+                    <a:lnR w="12700" cap="flat" cmpd="sng" algn="ctr">
+                      <a:solidFill>
+                        <a:schemeClr val="tx1"/>
+                      </a:solidFill>
+                      <a:prstDash val="solid"/>
+                      <a:round/>
+                      <a:headEnd type="none" w="med" len="med"/>
+                      <a:tailEnd type="none" w="med" len="med"/>
+                    </a:lnR>
+                    <a:lnT w="12700" cap="flat" cmpd="sng" algn="ctr">
+                      <a:solidFill>
+                        <a:schemeClr val="tx1"/>
+                      </a:solidFill>
+                      <a:prstDash val="solid"/>
+                      <a:round/>
+                      <a:headEnd type="none" w="med" len="med"/>
+                      <a:tailEnd type="none" w="med" len="med"/>
+                    </a:lnT>
+                    <a:lnB w="12700" cap="flat" cmpd="sng" algn="ctr">
+                      <a:solidFill>
+                        <a:schemeClr val="tx1"/>
+                      </a:solidFill>
+                      <a:prstDash val="solid"/>
+                      <a:round/>
+                      <a:headEnd type="none" w="med" len="med"/>
+                      <a:tailEnd type="none" w="med" len="med"/>
+                    </a:lnB>
+                    <a:noFill/>
+                  </a:tcPr>
+                </a:tc>
+                <a:tc>
+                  <a:txBody>
+                    <a:bodyPr/>
+                    <a:lstStyle/>
+                    <a:p>
+                      <a:pPr>
+                        <a:buNone/>
+                      </a:pPr>
+                      <a:r>
+                        <a:rPr lang="en-US" sz="1400" dirty="0"/>
+                        <a:t>Can suggest attack vectors, generate scripts, or interpret results, but cannot replace hands-on testing.</a:t>
+                      </a:r>
+                    </a:p>
+                  </a:txBody>
+                  <a:tcPr marL="28255" marR="28255" marT="14128" marB="14128" anchor="ctr">
+                    <a:lnL w="12700" cap="flat" cmpd="sng" algn="ctr">
+                      <a:solidFill>
+                        <a:schemeClr val="tx1"/>
+                      </a:solidFill>
+                      <a:prstDash val="solid"/>
+                      <a:round/>
+                      <a:headEnd type="none" w="med" len="med"/>
+                      <a:tailEnd type="none" w="med" len="med"/>
+                    </a:lnL>
+                    <a:lnR w="12700" cap="flat" cmpd="sng" algn="ctr">
+                      <a:solidFill>
+                        <a:schemeClr val="tx1"/>
+                      </a:solidFill>
+                      <a:prstDash val="solid"/>
+                      <a:round/>
+                      <a:headEnd type="none" w="med" len="med"/>
+                      <a:tailEnd type="none" w="med" len="med"/>
+                    </a:lnR>
+                    <a:lnT w="12700" cap="flat" cmpd="sng" algn="ctr">
+                      <a:solidFill>
+                        <a:schemeClr val="tx1"/>
+                      </a:solidFill>
+                      <a:prstDash val="solid"/>
+                      <a:round/>
+                      <a:headEnd type="none" w="med" len="med"/>
+                      <a:tailEnd type="none" w="med" len="med"/>
+                    </a:lnT>
+                    <a:lnB w="12700" cap="flat" cmpd="sng" algn="ctr">
+                      <a:solidFill>
+                        <a:schemeClr val="tx1"/>
+                      </a:solidFill>
+                      <a:prstDash val="solid"/>
+                      <a:round/>
+                      <a:headEnd type="none" w="med" len="med"/>
+                      <a:tailEnd type="none" w="med" len="med"/>
+                    </a:lnB>
+                    <a:noFill/>
+                  </a:tcPr>
+                </a:tc>
+                <a:extLst>
+                  <a:ext uri="{0D108BD9-81ED-4DB2-BD59-A6C34878D82A}">
+                    <a16:rowId xmlns:a16="http://schemas.microsoft.com/office/drawing/2014/main" val="1140459625"/>
+                  </a:ext>
+                </a:extLst>
+              </a:tr>
+              <a:tr h="519574">
+                <a:tc>
+                  <a:txBody>
+                    <a:bodyPr/>
+                    <a:lstStyle/>
+                    <a:p>
+                      <a:pPr>
+                        <a:buNone/>
+                      </a:pPr>
+                      <a:r>
+                        <a:rPr lang="en-US" sz="1400"/>
+                        <a:t>Firewall, IDS/IPS, and network configuration</a:t>
+                      </a:r>
+                    </a:p>
+                  </a:txBody>
+                  <a:tcPr marL="28255" marR="28255" marT="14128" marB="14128" anchor="ctr">
+                    <a:lnL w="12700" cap="flat" cmpd="sng" algn="ctr">
+                      <a:solidFill>
+                        <a:schemeClr val="tx1"/>
+                      </a:solidFill>
+                      <a:prstDash val="solid"/>
+                      <a:round/>
+                      <a:headEnd type="none" w="med" len="med"/>
+                      <a:tailEnd type="none" w="med" len="med"/>
+                    </a:lnL>
+                    <a:lnR w="12700" cap="flat" cmpd="sng" algn="ctr">
+                      <a:solidFill>
+                        <a:schemeClr val="tx1"/>
+                      </a:solidFill>
+                      <a:prstDash val="solid"/>
+                      <a:round/>
+                      <a:headEnd type="none" w="med" len="med"/>
+                      <a:tailEnd type="none" w="med" len="med"/>
+                    </a:lnR>
+                    <a:lnT w="12700" cap="flat" cmpd="sng" algn="ctr">
+                      <a:solidFill>
+                        <a:schemeClr val="tx1"/>
+                      </a:solidFill>
+                      <a:prstDash val="solid"/>
+                      <a:round/>
+                      <a:headEnd type="none" w="med" len="med"/>
+                      <a:tailEnd type="none" w="med" len="med"/>
+                    </a:lnT>
+                    <a:lnB w="12700" cap="flat" cmpd="sng" algn="ctr">
+                      <a:solidFill>
+                        <a:schemeClr val="tx1"/>
+                      </a:solidFill>
+                      <a:prstDash val="solid"/>
+                      <a:round/>
+                      <a:headEnd type="none" w="med" len="med"/>
+                      <a:tailEnd type="none" w="med" len="med"/>
+                    </a:lnB>
+                    <a:noFill/>
+                  </a:tcPr>
+                </a:tc>
+                <a:tc>
+                  <a:txBody>
+                    <a:bodyPr/>
+                    <a:lstStyle/>
+                    <a:p>
+                      <a:pPr>
+                        <a:buNone/>
+                      </a:pPr>
+                      <a:r>
+                        <a:rPr lang="en-US" sz="1400" b="1"/>
+                        <a:t>Medium</a:t>
+                      </a:r>
+                      <a:endParaRPr lang="en-US" sz="1400"/>
+                    </a:p>
+                  </a:txBody>
+                  <a:tcPr marL="28255" marR="28255" marT="14128" marB="14128" anchor="ctr">
+                    <a:lnL w="12700" cap="flat" cmpd="sng" algn="ctr">
+                      <a:solidFill>
+                        <a:schemeClr val="tx1"/>
+                      </a:solidFill>
+                      <a:prstDash val="solid"/>
+                      <a:round/>
+                      <a:headEnd type="none" w="med" len="med"/>
+                      <a:tailEnd type="none" w="med" len="med"/>
+                    </a:lnL>
+                    <a:lnR w="12700" cap="flat" cmpd="sng" algn="ctr">
+                      <a:solidFill>
+                        <a:schemeClr val="tx1"/>
+                      </a:solidFill>
+                      <a:prstDash val="solid"/>
+                      <a:round/>
+                      <a:headEnd type="none" w="med" len="med"/>
+                      <a:tailEnd type="none" w="med" len="med"/>
+                    </a:lnR>
+                    <a:lnT w="12700" cap="flat" cmpd="sng" algn="ctr">
+                      <a:solidFill>
+                        <a:schemeClr val="tx1"/>
+                      </a:solidFill>
+                      <a:prstDash val="solid"/>
+                      <a:round/>
+                      <a:headEnd type="none" w="med" len="med"/>
+                      <a:tailEnd type="none" w="med" len="med"/>
+                    </a:lnT>
+                    <a:lnB w="12700" cap="flat" cmpd="sng" algn="ctr">
+                      <a:solidFill>
+                        <a:schemeClr val="tx1"/>
+                      </a:solidFill>
+                      <a:prstDash val="solid"/>
+                      <a:round/>
+                      <a:headEnd type="none" w="med" len="med"/>
+                      <a:tailEnd type="none" w="med" len="med"/>
+                    </a:lnB>
+                    <a:noFill/>
+                  </a:tcPr>
+                </a:tc>
+                <a:tc>
+                  <a:txBody>
+                    <a:bodyPr/>
+                    <a:lstStyle/>
+                    <a:p>
+                      <a:pPr>
+                        <a:buNone/>
+                      </a:pPr>
+                      <a:r>
+                        <a:rPr lang="en-US" sz="1400"/>
+                        <a:t>Can suggest configuration rules and optimizations, but implementation requires human action.</a:t>
+                      </a:r>
+                    </a:p>
+                  </a:txBody>
+                  <a:tcPr marL="28255" marR="28255" marT="14128" marB="14128" anchor="ctr">
+                    <a:lnL w="12700" cap="flat" cmpd="sng" algn="ctr">
+                      <a:solidFill>
+                        <a:schemeClr val="tx1"/>
+                      </a:solidFill>
+                      <a:prstDash val="solid"/>
+                      <a:round/>
+                      <a:headEnd type="none" w="med" len="med"/>
+                      <a:tailEnd type="none" w="med" len="med"/>
+                    </a:lnL>
+                    <a:lnR w="12700" cap="flat" cmpd="sng" algn="ctr">
+                      <a:solidFill>
+                        <a:schemeClr val="tx1"/>
+                      </a:solidFill>
+                      <a:prstDash val="solid"/>
+                      <a:round/>
+                      <a:headEnd type="none" w="med" len="med"/>
+                      <a:tailEnd type="none" w="med" len="med"/>
+                    </a:lnR>
+                    <a:lnT w="12700" cap="flat" cmpd="sng" algn="ctr">
+                      <a:solidFill>
+                        <a:schemeClr val="tx1"/>
+                      </a:solidFill>
+                      <a:prstDash val="solid"/>
+                      <a:round/>
+                      <a:headEnd type="none" w="med" len="med"/>
+                      <a:tailEnd type="none" w="med" len="med"/>
+                    </a:lnT>
+                    <a:lnB w="12700" cap="flat" cmpd="sng" algn="ctr">
+                      <a:solidFill>
+                        <a:schemeClr val="tx1"/>
+                      </a:solidFill>
+                      <a:prstDash val="solid"/>
+                      <a:round/>
+                      <a:headEnd type="none" w="med" len="med"/>
+                      <a:tailEnd type="none" w="med" len="med"/>
+                    </a:lnB>
+                    <a:noFill/>
+                  </a:tcPr>
+                </a:tc>
+                <a:extLst>
+                  <a:ext uri="{0D108BD9-81ED-4DB2-BD59-A6C34878D82A}">
+                    <a16:rowId xmlns:a16="http://schemas.microsoft.com/office/drawing/2014/main" val="2768867090"/>
+                  </a:ext>
+                </a:extLst>
+              </a:tr>
+              <a:tr h="519574">
+                <a:tc>
+                  <a:txBody>
+                    <a:bodyPr/>
+                    <a:lstStyle/>
+                    <a:p>
+                      <a:pPr>
+                        <a:buNone/>
+                      </a:pPr>
+                      <a:r>
+                        <a:rPr lang="en-US" sz="1400"/>
+                        <a:t>Malware analysis</a:t>
+                      </a:r>
+                    </a:p>
+                  </a:txBody>
+                  <a:tcPr marL="28255" marR="28255" marT="14128" marB="14128" anchor="ctr">
+                    <a:lnL w="12700" cap="flat" cmpd="sng" algn="ctr">
+                      <a:solidFill>
+                        <a:schemeClr val="tx1"/>
+                      </a:solidFill>
+                      <a:prstDash val="solid"/>
+                      <a:round/>
+                      <a:headEnd type="none" w="med" len="med"/>
+                      <a:tailEnd type="none" w="med" len="med"/>
+                    </a:lnL>
+                    <a:lnR w="12700" cap="flat" cmpd="sng" algn="ctr">
+                      <a:solidFill>
+                        <a:schemeClr val="tx1"/>
+                      </a:solidFill>
+                      <a:prstDash val="solid"/>
+                      <a:round/>
+                      <a:headEnd type="none" w="med" len="med"/>
+                      <a:tailEnd type="none" w="med" len="med"/>
+                    </a:lnR>
+                    <a:lnT w="12700" cap="flat" cmpd="sng" algn="ctr">
+                      <a:solidFill>
+                        <a:schemeClr val="tx1"/>
+                      </a:solidFill>
+                      <a:prstDash val="solid"/>
+                      <a:round/>
+                      <a:headEnd type="none" w="med" len="med"/>
+                      <a:tailEnd type="none" w="med" len="med"/>
+                    </a:lnT>
+                    <a:lnB w="12700" cap="flat" cmpd="sng" algn="ctr">
+                      <a:solidFill>
+                        <a:schemeClr val="tx1"/>
+                      </a:solidFill>
+                      <a:prstDash val="solid"/>
+                      <a:round/>
+                      <a:headEnd type="none" w="med" len="med"/>
+                      <a:tailEnd type="none" w="med" len="med"/>
+                    </a:lnB>
+                    <a:noFill/>
+                  </a:tcPr>
+                </a:tc>
+                <a:tc>
+                  <a:txBody>
+                    <a:bodyPr/>
+                    <a:lstStyle/>
+                    <a:p>
+                      <a:pPr>
+                        <a:buNone/>
+                      </a:pPr>
+                      <a:r>
+                        <a:rPr lang="en-US" sz="1400" b="1"/>
+                        <a:t>Medium</a:t>
+                      </a:r>
+                      <a:endParaRPr lang="en-US" sz="1400"/>
+                    </a:p>
+                  </a:txBody>
+                  <a:tcPr marL="28255" marR="28255" marT="14128" marB="14128" anchor="ctr">
+                    <a:lnL w="12700" cap="flat" cmpd="sng" algn="ctr">
+                      <a:solidFill>
+                        <a:schemeClr val="tx1"/>
+                      </a:solidFill>
+                      <a:prstDash val="solid"/>
+                      <a:round/>
+                      <a:headEnd type="none" w="med" len="med"/>
+                      <a:tailEnd type="none" w="med" len="med"/>
+                    </a:lnL>
+                    <a:lnR w="12700" cap="flat" cmpd="sng" algn="ctr">
+                      <a:solidFill>
+                        <a:schemeClr val="tx1"/>
+                      </a:solidFill>
+                      <a:prstDash val="solid"/>
+                      <a:round/>
+                      <a:headEnd type="none" w="med" len="med"/>
+                      <a:tailEnd type="none" w="med" len="med"/>
+                    </a:lnR>
+                    <a:lnT w="12700" cap="flat" cmpd="sng" algn="ctr">
+                      <a:solidFill>
+                        <a:schemeClr val="tx1"/>
+                      </a:solidFill>
+                      <a:prstDash val="solid"/>
+                      <a:round/>
+                      <a:headEnd type="none" w="med" len="med"/>
+                      <a:tailEnd type="none" w="med" len="med"/>
+                    </a:lnT>
+                    <a:lnB w="12700" cap="flat" cmpd="sng" algn="ctr">
+                      <a:solidFill>
+                        <a:schemeClr val="tx1"/>
+                      </a:solidFill>
+                      <a:prstDash val="solid"/>
+                      <a:round/>
+                      <a:headEnd type="none" w="med" len="med"/>
+                      <a:tailEnd type="none" w="med" len="med"/>
+                    </a:lnB>
+                    <a:noFill/>
+                  </a:tcPr>
+                </a:tc>
+                <a:tc>
+                  <a:txBody>
+                    <a:bodyPr/>
+                    <a:lstStyle/>
+                    <a:p>
+                      <a:pPr>
+                        <a:buNone/>
+                      </a:pPr>
+                      <a:r>
+                        <a:rPr lang="en-US" sz="1400"/>
+                        <a:t>Can assist in code analysis and behavioral detection, but complex threats need expert review.</a:t>
+                      </a:r>
+                    </a:p>
+                  </a:txBody>
+                  <a:tcPr marL="28255" marR="28255" marT="14128" marB="14128" anchor="ctr">
+                    <a:lnL w="12700" cap="flat" cmpd="sng" algn="ctr">
+                      <a:solidFill>
+                        <a:schemeClr val="tx1"/>
+                      </a:solidFill>
+                      <a:prstDash val="solid"/>
+                      <a:round/>
+                      <a:headEnd type="none" w="med" len="med"/>
+                      <a:tailEnd type="none" w="med" len="med"/>
+                    </a:lnL>
+                    <a:lnR w="12700" cap="flat" cmpd="sng" algn="ctr">
+                      <a:solidFill>
+                        <a:schemeClr val="tx1"/>
+                      </a:solidFill>
+                      <a:prstDash val="solid"/>
+                      <a:round/>
+                      <a:headEnd type="none" w="med" len="med"/>
+                      <a:tailEnd type="none" w="med" len="med"/>
+                    </a:lnR>
+                    <a:lnT w="12700" cap="flat" cmpd="sng" algn="ctr">
+                      <a:solidFill>
+                        <a:schemeClr val="tx1"/>
+                      </a:solidFill>
+                      <a:prstDash val="solid"/>
+                      <a:round/>
+                      <a:headEnd type="none" w="med" len="med"/>
+                      <a:tailEnd type="none" w="med" len="med"/>
+                    </a:lnT>
+                    <a:lnB w="12700" cap="flat" cmpd="sng" algn="ctr">
+                      <a:solidFill>
+                        <a:schemeClr val="tx1"/>
+                      </a:solidFill>
+                      <a:prstDash val="solid"/>
+                      <a:round/>
+                      <a:headEnd type="none" w="med" len="med"/>
+                      <a:tailEnd type="none" w="med" len="med"/>
+                    </a:lnB>
+                    <a:noFill/>
+                  </a:tcPr>
+                </a:tc>
+                <a:extLst>
+                  <a:ext uri="{0D108BD9-81ED-4DB2-BD59-A6C34878D82A}">
+                    <a16:rowId xmlns:a16="http://schemas.microsoft.com/office/drawing/2014/main" val="3152275534"/>
+                  </a:ext>
+                </a:extLst>
+              </a:tr>
+              <a:tr h="398996">
+                <a:tc>
+                  <a:txBody>
+                    <a:bodyPr/>
+                    <a:lstStyle/>
+                    <a:p>
+                      <a:pPr>
+                        <a:buNone/>
+                      </a:pPr>
+                      <a:r>
+                        <a:rPr lang="en-US" sz="1400"/>
+                        <a:t>Security policy drafting</a:t>
+                      </a:r>
+                    </a:p>
+                  </a:txBody>
+                  <a:tcPr marL="28255" marR="28255" marT="14128" marB="14128" anchor="ctr">
+                    <a:lnL w="12700" cap="flat" cmpd="sng" algn="ctr">
+                      <a:solidFill>
+                        <a:schemeClr val="tx1"/>
+                      </a:solidFill>
+                      <a:prstDash val="solid"/>
+                      <a:round/>
+                      <a:headEnd type="none" w="med" len="med"/>
+                      <a:tailEnd type="none" w="med" len="med"/>
+                    </a:lnL>
+                    <a:lnR w="12700" cap="flat" cmpd="sng" algn="ctr">
+                      <a:solidFill>
+                        <a:schemeClr val="tx1"/>
+                      </a:solidFill>
+                      <a:prstDash val="solid"/>
+                      <a:round/>
+                      <a:headEnd type="none" w="med" len="med"/>
+                      <a:tailEnd type="none" w="med" len="med"/>
+                    </a:lnR>
+                    <a:lnT w="12700" cap="flat" cmpd="sng" algn="ctr">
+                      <a:solidFill>
+                        <a:schemeClr val="tx1"/>
+                      </a:solidFill>
+                      <a:prstDash val="solid"/>
+                      <a:round/>
+                      <a:headEnd type="none" w="med" len="med"/>
+                      <a:tailEnd type="none" w="med" len="med"/>
+                    </a:lnT>
+                    <a:lnB w="12700" cap="flat" cmpd="sng" algn="ctr">
+                      <a:solidFill>
+                        <a:schemeClr val="tx1"/>
+                      </a:solidFill>
+                      <a:prstDash val="solid"/>
+                      <a:round/>
+                      <a:headEnd type="none" w="med" len="med"/>
+                      <a:tailEnd type="none" w="med" len="med"/>
+                    </a:lnB>
+                    <a:noFill/>
+                  </a:tcPr>
+                </a:tc>
+                <a:tc>
+                  <a:txBody>
+                    <a:bodyPr/>
+                    <a:lstStyle/>
+                    <a:p>
+                      <a:pPr>
+                        <a:buNone/>
+                      </a:pPr>
+                      <a:r>
+                        <a:rPr lang="en-US" sz="1400" b="1"/>
+                        <a:t>High</a:t>
+                      </a:r>
+                      <a:endParaRPr lang="en-US" sz="1400"/>
+                    </a:p>
+                  </a:txBody>
+                  <a:tcPr marL="28255" marR="28255" marT="14128" marB="14128" anchor="ctr">
+                    <a:lnL w="12700" cap="flat" cmpd="sng" algn="ctr">
+                      <a:solidFill>
+                        <a:schemeClr val="tx1"/>
+                      </a:solidFill>
+                      <a:prstDash val="solid"/>
+                      <a:round/>
+                      <a:headEnd type="none" w="med" len="med"/>
+                      <a:tailEnd type="none" w="med" len="med"/>
+                    </a:lnL>
+                    <a:lnR w="12700" cap="flat" cmpd="sng" algn="ctr">
+                      <a:solidFill>
+                        <a:schemeClr val="tx1"/>
+                      </a:solidFill>
+                      <a:prstDash val="solid"/>
+                      <a:round/>
+                      <a:headEnd type="none" w="med" len="med"/>
+                      <a:tailEnd type="none" w="med" len="med"/>
+                    </a:lnR>
+                    <a:lnT w="12700" cap="flat" cmpd="sng" algn="ctr">
+                      <a:solidFill>
+                        <a:schemeClr val="tx1"/>
+                      </a:solidFill>
+                      <a:prstDash val="solid"/>
+                      <a:round/>
+                      <a:headEnd type="none" w="med" len="med"/>
+                      <a:tailEnd type="none" w="med" len="med"/>
+                    </a:lnT>
+                    <a:lnB w="12700" cap="flat" cmpd="sng" algn="ctr">
+                      <a:solidFill>
+                        <a:schemeClr val="tx1"/>
+                      </a:solidFill>
+                      <a:prstDash val="solid"/>
+                      <a:round/>
+                      <a:headEnd type="none" w="med" len="med"/>
+                      <a:tailEnd type="none" w="med" len="med"/>
+                    </a:lnB>
+                    <a:noFill/>
+                  </a:tcPr>
+                </a:tc>
+                <a:tc>
+                  <a:txBody>
+                    <a:bodyPr/>
+                    <a:lstStyle/>
+                    <a:p>
+                      <a:pPr>
+                        <a:buNone/>
+                      </a:pPr>
+                      <a:r>
+                        <a:rPr lang="en-US" sz="1400"/>
+                        <a:t>Can generate policies, compliance documentation, and guidelines efficiently.</a:t>
+                      </a:r>
+                    </a:p>
+                  </a:txBody>
+                  <a:tcPr marL="28255" marR="28255" marT="14128" marB="14128" anchor="ctr">
+                    <a:lnL w="12700" cap="flat" cmpd="sng" algn="ctr">
+                      <a:solidFill>
+                        <a:schemeClr val="tx1"/>
+                      </a:solidFill>
+                      <a:prstDash val="solid"/>
+                      <a:round/>
+                      <a:headEnd type="none" w="med" len="med"/>
+                      <a:tailEnd type="none" w="med" len="med"/>
+                    </a:lnL>
+                    <a:lnR w="12700" cap="flat" cmpd="sng" algn="ctr">
+                      <a:solidFill>
+                        <a:schemeClr val="tx1"/>
+                      </a:solidFill>
+                      <a:prstDash val="solid"/>
+                      <a:round/>
+                      <a:headEnd type="none" w="med" len="med"/>
+                      <a:tailEnd type="none" w="med" len="med"/>
+                    </a:lnR>
+                    <a:lnT w="12700" cap="flat" cmpd="sng" algn="ctr">
+                      <a:solidFill>
+                        <a:schemeClr val="tx1"/>
+                      </a:solidFill>
+                      <a:prstDash val="solid"/>
+                      <a:round/>
+                      <a:headEnd type="none" w="med" len="med"/>
+                      <a:tailEnd type="none" w="med" len="med"/>
+                    </a:lnT>
+                    <a:lnB w="12700" cap="flat" cmpd="sng" algn="ctr">
+                      <a:solidFill>
+                        <a:schemeClr val="tx1"/>
+                      </a:solidFill>
+                      <a:prstDash val="solid"/>
+                      <a:round/>
+                      <a:headEnd type="none" w="med" len="med"/>
+                      <a:tailEnd type="none" w="med" len="med"/>
+                    </a:lnB>
+                    <a:noFill/>
+                  </a:tcPr>
+                </a:tc>
+                <a:extLst>
+                  <a:ext uri="{0D108BD9-81ED-4DB2-BD59-A6C34878D82A}">
+                    <a16:rowId xmlns:a16="http://schemas.microsoft.com/office/drawing/2014/main" val="1355511871"/>
+                  </a:ext>
+                </a:extLst>
+              </a:tr>
+              <a:tr h="398996">
+                <a:tc>
+                  <a:txBody>
+                    <a:bodyPr/>
+                    <a:lstStyle/>
+                    <a:p>
+                      <a:pPr>
+                        <a:buNone/>
+                      </a:pPr>
+                      <a:r>
+                        <a:rPr lang="en-US" sz="1400"/>
+                        <a:t>User awareness training content</a:t>
+                      </a:r>
+                    </a:p>
+                  </a:txBody>
+                  <a:tcPr marL="28255" marR="28255" marT="14128" marB="14128" anchor="ctr">
+                    <a:lnL w="12700" cap="flat" cmpd="sng" algn="ctr">
+                      <a:solidFill>
+                        <a:schemeClr val="tx1"/>
+                      </a:solidFill>
+                      <a:prstDash val="solid"/>
+                      <a:round/>
+                      <a:headEnd type="none" w="med" len="med"/>
+                      <a:tailEnd type="none" w="med" len="med"/>
+                    </a:lnL>
+                    <a:lnR w="12700" cap="flat" cmpd="sng" algn="ctr">
+                      <a:solidFill>
+                        <a:schemeClr val="tx1"/>
+                      </a:solidFill>
+                      <a:prstDash val="solid"/>
+                      <a:round/>
+                      <a:headEnd type="none" w="med" len="med"/>
+                      <a:tailEnd type="none" w="med" len="med"/>
+                    </a:lnR>
+                    <a:lnT w="12700" cap="flat" cmpd="sng" algn="ctr">
+                      <a:solidFill>
+                        <a:schemeClr val="tx1"/>
+                      </a:solidFill>
+                      <a:prstDash val="solid"/>
+                      <a:round/>
+                      <a:headEnd type="none" w="med" len="med"/>
+                      <a:tailEnd type="none" w="med" len="med"/>
+                    </a:lnT>
+                    <a:lnB w="12700" cap="flat" cmpd="sng" algn="ctr">
+                      <a:solidFill>
+                        <a:schemeClr val="tx1"/>
+                      </a:solidFill>
+                      <a:prstDash val="solid"/>
+                      <a:round/>
+                      <a:headEnd type="none" w="med" len="med"/>
+                      <a:tailEnd type="none" w="med" len="med"/>
+                    </a:lnB>
+                    <a:noFill/>
+                  </a:tcPr>
+                </a:tc>
+                <a:tc>
+                  <a:txBody>
+                    <a:bodyPr/>
+                    <a:lstStyle/>
+                    <a:p>
+                      <a:pPr>
+                        <a:buNone/>
+                      </a:pPr>
+                      <a:r>
+                        <a:rPr lang="en-US" sz="1400" b="1"/>
+                        <a:t>High</a:t>
+                      </a:r>
+                      <a:endParaRPr lang="en-US" sz="1400"/>
+                    </a:p>
+                  </a:txBody>
+                  <a:tcPr marL="28255" marR="28255" marT="14128" marB="14128" anchor="ctr">
+                    <a:lnL w="12700" cap="flat" cmpd="sng" algn="ctr">
+                      <a:solidFill>
+                        <a:schemeClr val="tx1"/>
+                      </a:solidFill>
+                      <a:prstDash val="solid"/>
+                      <a:round/>
+                      <a:headEnd type="none" w="med" len="med"/>
+                      <a:tailEnd type="none" w="med" len="med"/>
+                    </a:lnL>
+                    <a:lnR w="12700" cap="flat" cmpd="sng" algn="ctr">
+                      <a:solidFill>
+                        <a:schemeClr val="tx1"/>
+                      </a:solidFill>
+                      <a:prstDash val="solid"/>
+                      <a:round/>
+                      <a:headEnd type="none" w="med" len="med"/>
+                      <a:tailEnd type="none" w="med" len="med"/>
+                    </a:lnR>
+                    <a:lnT w="12700" cap="flat" cmpd="sng" algn="ctr">
+                      <a:solidFill>
+                        <a:schemeClr val="tx1"/>
+                      </a:solidFill>
+                      <a:prstDash val="solid"/>
+                      <a:round/>
+                      <a:headEnd type="none" w="med" len="med"/>
+                      <a:tailEnd type="none" w="med" len="med"/>
+                    </a:lnT>
+                    <a:lnB w="12700" cap="flat" cmpd="sng" algn="ctr">
+                      <a:solidFill>
+                        <a:schemeClr val="tx1"/>
+                      </a:solidFill>
+                      <a:prstDash val="solid"/>
+                      <a:round/>
+                      <a:headEnd type="none" w="med" len="med"/>
+                      <a:tailEnd type="none" w="med" len="med"/>
+                    </a:lnB>
+                    <a:noFill/>
+                  </a:tcPr>
+                </a:tc>
+                <a:tc>
+                  <a:txBody>
+                    <a:bodyPr/>
+                    <a:lstStyle/>
+                    <a:p>
+                      <a:pPr>
+                        <a:buNone/>
+                      </a:pPr>
+                      <a:r>
+                        <a:rPr lang="en-US" sz="1400"/>
+                        <a:t>Can generate training modules, phishing simulations, and educational material.</a:t>
+                      </a:r>
+                    </a:p>
+                  </a:txBody>
+                  <a:tcPr marL="28255" marR="28255" marT="14128" marB="14128" anchor="ctr">
+                    <a:lnL w="12700" cap="flat" cmpd="sng" algn="ctr">
+                      <a:solidFill>
+                        <a:schemeClr val="tx1"/>
+                      </a:solidFill>
+                      <a:prstDash val="solid"/>
+                      <a:round/>
+                      <a:headEnd type="none" w="med" len="med"/>
+                      <a:tailEnd type="none" w="med" len="med"/>
+                    </a:lnL>
+                    <a:lnR w="12700" cap="flat" cmpd="sng" algn="ctr">
+                      <a:solidFill>
+                        <a:schemeClr val="tx1"/>
+                      </a:solidFill>
+                      <a:prstDash val="solid"/>
+                      <a:round/>
+                      <a:headEnd type="none" w="med" len="med"/>
+                      <a:tailEnd type="none" w="med" len="med"/>
+                    </a:lnR>
+                    <a:lnT w="12700" cap="flat" cmpd="sng" algn="ctr">
+                      <a:solidFill>
+                        <a:schemeClr val="tx1"/>
+                      </a:solidFill>
+                      <a:prstDash val="solid"/>
+                      <a:round/>
+                      <a:headEnd type="none" w="med" len="med"/>
+                      <a:tailEnd type="none" w="med" len="med"/>
+                    </a:lnT>
+                    <a:lnB w="12700" cap="flat" cmpd="sng" algn="ctr">
+                      <a:solidFill>
+                        <a:schemeClr val="tx1"/>
+                      </a:solidFill>
+                      <a:prstDash val="solid"/>
+                      <a:round/>
+                      <a:headEnd type="none" w="med" len="med"/>
+                      <a:tailEnd type="none" w="med" len="med"/>
+                    </a:lnB>
+                    <a:noFill/>
+                  </a:tcPr>
+                </a:tc>
+                <a:extLst>
+                  <a:ext uri="{0D108BD9-81ED-4DB2-BD59-A6C34878D82A}">
+                    <a16:rowId xmlns:a16="http://schemas.microsoft.com/office/drawing/2014/main" val="2919271223"/>
+                  </a:ext>
+                </a:extLst>
+              </a:tr>
+              <a:tr h="398996">
+                <a:tc>
+                  <a:txBody>
+                    <a:bodyPr/>
+                    <a:lstStyle/>
+                    <a:p>
+                      <a:pPr>
+                        <a:buNone/>
+                      </a:pPr>
+                      <a:r>
+                        <a:rPr lang="en-US" sz="1400"/>
+                        <a:t>Risk assessment and reporting</a:t>
+                      </a:r>
+                    </a:p>
+                  </a:txBody>
+                  <a:tcPr marL="28255" marR="28255" marT="14128" marB="14128" anchor="ctr">
+                    <a:lnL w="12700" cap="flat" cmpd="sng" algn="ctr">
+                      <a:solidFill>
+                        <a:schemeClr val="tx1"/>
+                      </a:solidFill>
+                      <a:prstDash val="solid"/>
+                      <a:round/>
+                      <a:headEnd type="none" w="med" len="med"/>
+                      <a:tailEnd type="none" w="med" len="med"/>
+                    </a:lnL>
+                    <a:lnR w="12700" cap="flat" cmpd="sng" algn="ctr">
+                      <a:solidFill>
+                        <a:schemeClr val="tx1"/>
+                      </a:solidFill>
+                      <a:prstDash val="solid"/>
+                      <a:round/>
+                      <a:headEnd type="none" w="med" len="med"/>
+                      <a:tailEnd type="none" w="med" len="med"/>
+                    </a:lnR>
+                    <a:lnT w="12700" cap="flat" cmpd="sng" algn="ctr">
+                      <a:solidFill>
+                        <a:schemeClr val="tx1"/>
+                      </a:solidFill>
+                      <a:prstDash val="solid"/>
+                      <a:round/>
+                      <a:headEnd type="none" w="med" len="med"/>
+                      <a:tailEnd type="none" w="med" len="med"/>
+                    </a:lnT>
+                    <a:lnB w="12700" cap="flat" cmpd="sng" algn="ctr">
+                      <a:solidFill>
+                        <a:schemeClr val="tx1"/>
+                      </a:solidFill>
+                      <a:prstDash val="solid"/>
+                      <a:round/>
+                      <a:headEnd type="none" w="med" len="med"/>
+                      <a:tailEnd type="none" w="med" len="med"/>
+                    </a:lnB>
+                    <a:noFill/>
+                  </a:tcPr>
+                </a:tc>
+                <a:tc>
+                  <a:txBody>
+                    <a:bodyPr/>
+                    <a:lstStyle/>
+                    <a:p>
+                      <a:pPr>
+                        <a:buNone/>
+                      </a:pPr>
+                      <a:r>
+                        <a:rPr lang="en-US" sz="1400" b="1"/>
+                        <a:t>High</a:t>
+                      </a:r>
+                      <a:endParaRPr lang="en-US" sz="1400"/>
+                    </a:p>
+                  </a:txBody>
+                  <a:tcPr marL="28255" marR="28255" marT="14128" marB="14128" anchor="ctr">
+                    <a:lnL w="12700" cap="flat" cmpd="sng" algn="ctr">
+                      <a:solidFill>
+                        <a:schemeClr val="tx1"/>
+                      </a:solidFill>
+                      <a:prstDash val="solid"/>
+                      <a:round/>
+                      <a:headEnd type="none" w="med" len="med"/>
+                      <a:tailEnd type="none" w="med" len="med"/>
+                    </a:lnL>
+                    <a:lnR w="12700" cap="flat" cmpd="sng" algn="ctr">
+                      <a:solidFill>
+                        <a:schemeClr val="tx1"/>
+                      </a:solidFill>
+                      <a:prstDash val="solid"/>
+                      <a:round/>
+                      <a:headEnd type="none" w="med" len="med"/>
+                      <a:tailEnd type="none" w="med" len="med"/>
+                    </a:lnR>
+                    <a:lnT w="12700" cap="flat" cmpd="sng" algn="ctr">
+                      <a:solidFill>
+                        <a:schemeClr val="tx1"/>
+                      </a:solidFill>
+                      <a:prstDash val="solid"/>
+                      <a:round/>
+                      <a:headEnd type="none" w="med" len="med"/>
+                      <a:tailEnd type="none" w="med" len="med"/>
+                    </a:lnT>
+                    <a:lnB w="12700" cap="flat" cmpd="sng" algn="ctr">
+                      <a:solidFill>
+                        <a:schemeClr val="tx1"/>
+                      </a:solidFill>
+                      <a:prstDash val="solid"/>
+                      <a:round/>
+                      <a:headEnd type="none" w="med" len="med"/>
+                      <a:tailEnd type="none" w="med" len="med"/>
+                    </a:lnB>
+                    <a:noFill/>
+                  </a:tcPr>
+                </a:tc>
+                <a:tc>
+                  <a:txBody>
+                    <a:bodyPr/>
+                    <a:lstStyle/>
+                    <a:p>
+                      <a:pPr>
+                        <a:buNone/>
+                      </a:pPr>
+                      <a:r>
+                        <a:rPr lang="en-US" sz="1400"/>
+                        <a:t>Can automate report generation and summarize risk levels for management.</a:t>
+                      </a:r>
+                    </a:p>
+                  </a:txBody>
+                  <a:tcPr marL="28255" marR="28255" marT="14128" marB="14128" anchor="ctr">
+                    <a:lnL w="12700" cap="flat" cmpd="sng" algn="ctr">
+                      <a:solidFill>
+                        <a:schemeClr val="tx1"/>
+                      </a:solidFill>
+                      <a:prstDash val="solid"/>
+                      <a:round/>
+                      <a:headEnd type="none" w="med" len="med"/>
+                      <a:tailEnd type="none" w="med" len="med"/>
+                    </a:lnL>
+                    <a:lnR w="12700" cap="flat" cmpd="sng" algn="ctr">
+                      <a:solidFill>
+                        <a:schemeClr val="tx1"/>
+                      </a:solidFill>
+                      <a:prstDash val="solid"/>
+                      <a:round/>
+                      <a:headEnd type="none" w="med" len="med"/>
+                      <a:tailEnd type="none" w="med" len="med"/>
+                    </a:lnR>
+                    <a:lnT w="12700" cap="flat" cmpd="sng" algn="ctr">
+                      <a:solidFill>
+                        <a:schemeClr val="tx1"/>
+                      </a:solidFill>
+                      <a:prstDash val="solid"/>
+                      <a:round/>
+                      <a:headEnd type="none" w="med" len="med"/>
+                      <a:tailEnd type="none" w="med" len="med"/>
+                    </a:lnT>
+                    <a:lnB w="12700" cap="flat" cmpd="sng" algn="ctr">
+                      <a:solidFill>
+                        <a:schemeClr val="tx1"/>
+                      </a:solidFill>
+                      <a:prstDash val="solid"/>
+                      <a:round/>
+                      <a:headEnd type="none" w="med" len="med"/>
+                      <a:tailEnd type="none" w="med" len="med"/>
+                    </a:lnB>
+                    <a:noFill/>
+                  </a:tcPr>
+                </a:tc>
+                <a:extLst>
+                  <a:ext uri="{0D108BD9-81ED-4DB2-BD59-A6C34878D82A}">
+                    <a16:rowId xmlns:a16="http://schemas.microsoft.com/office/drawing/2014/main" val="4048584271"/>
+                  </a:ext>
+                </a:extLst>
+              </a:tr>
+              <a:tr h="398996">
+                <a:tc>
+                  <a:txBody>
+                    <a:bodyPr/>
+                    <a:lstStyle/>
+                    <a:p>
+                      <a:pPr>
+                        <a:buNone/>
+                      </a:pPr>
+                      <a:r>
+                        <a:rPr lang="en-US" sz="1400"/>
+                        <a:t>Patch management planning</a:t>
+                      </a:r>
+                    </a:p>
+                  </a:txBody>
+                  <a:tcPr marL="28255" marR="28255" marT="14128" marB="14128" anchor="ctr">
+                    <a:lnL w="12700" cap="flat" cmpd="sng" algn="ctr">
+                      <a:solidFill>
+                        <a:schemeClr val="tx1"/>
+                      </a:solidFill>
+                      <a:prstDash val="solid"/>
+                      <a:round/>
+                      <a:headEnd type="none" w="med" len="med"/>
+                      <a:tailEnd type="none" w="med" len="med"/>
+                    </a:lnL>
+                    <a:lnR w="12700" cap="flat" cmpd="sng" algn="ctr">
+                      <a:solidFill>
+                        <a:schemeClr val="tx1"/>
+                      </a:solidFill>
+                      <a:prstDash val="solid"/>
+                      <a:round/>
+                      <a:headEnd type="none" w="med" len="med"/>
+                      <a:tailEnd type="none" w="med" len="med"/>
+                    </a:lnR>
+                    <a:lnT w="12700" cap="flat" cmpd="sng" algn="ctr">
+                      <a:solidFill>
+                        <a:schemeClr val="tx1"/>
+                      </a:solidFill>
+                      <a:prstDash val="solid"/>
+                      <a:round/>
+                      <a:headEnd type="none" w="med" len="med"/>
+                      <a:tailEnd type="none" w="med" len="med"/>
+                    </a:lnT>
+                    <a:lnB w="12700" cap="flat" cmpd="sng" algn="ctr">
+                      <a:solidFill>
+                        <a:schemeClr val="tx1"/>
+                      </a:solidFill>
+                      <a:prstDash val="solid"/>
+                      <a:round/>
+                      <a:headEnd type="none" w="med" len="med"/>
+                      <a:tailEnd type="none" w="med" len="med"/>
+                    </a:lnB>
+                    <a:noFill/>
+                  </a:tcPr>
+                </a:tc>
+                <a:tc>
+                  <a:txBody>
+                    <a:bodyPr/>
+                    <a:lstStyle/>
+                    <a:p>
+                      <a:pPr>
+                        <a:buNone/>
+                      </a:pPr>
+                      <a:r>
+                        <a:rPr lang="en-US" sz="1400" b="1"/>
+                        <a:t>Medium</a:t>
+                      </a:r>
+                      <a:endParaRPr lang="en-US" sz="1400"/>
+                    </a:p>
+                  </a:txBody>
+                  <a:tcPr marL="28255" marR="28255" marT="14128" marB="14128" anchor="ctr">
+                    <a:lnL w="12700" cap="flat" cmpd="sng" algn="ctr">
+                      <a:solidFill>
+                        <a:schemeClr val="tx1"/>
+                      </a:solidFill>
+                      <a:prstDash val="solid"/>
+                      <a:round/>
+                      <a:headEnd type="none" w="med" len="med"/>
+                      <a:tailEnd type="none" w="med" len="med"/>
+                    </a:lnL>
+                    <a:lnR w="12700" cap="flat" cmpd="sng" algn="ctr">
+                      <a:solidFill>
+                        <a:schemeClr val="tx1"/>
+                      </a:solidFill>
+                      <a:prstDash val="solid"/>
+                      <a:round/>
+                      <a:headEnd type="none" w="med" len="med"/>
+                      <a:tailEnd type="none" w="med" len="med"/>
+                    </a:lnR>
+                    <a:lnT w="12700" cap="flat" cmpd="sng" algn="ctr">
+                      <a:solidFill>
+                        <a:schemeClr val="tx1"/>
+                      </a:solidFill>
+                      <a:prstDash val="solid"/>
+                      <a:round/>
+                      <a:headEnd type="none" w="med" len="med"/>
+                      <a:tailEnd type="none" w="med" len="med"/>
+                    </a:lnT>
+                    <a:lnB w="12700" cap="flat" cmpd="sng" algn="ctr">
+                      <a:solidFill>
+                        <a:schemeClr val="tx1"/>
+                      </a:solidFill>
+                      <a:prstDash val="solid"/>
+                      <a:round/>
+                      <a:headEnd type="none" w="med" len="med"/>
+                      <a:tailEnd type="none" w="med" len="med"/>
+                    </a:lnB>
+                    <a:noFill/>
+                  </a:tcPr>
+                </a:tc>
+                <a:tc>
+                  <a:txBody>
+                    <a:bodyPr/>
+                    <a:lstStyle/>
+                    <a:p>
+                      <a:pPr>
+                        <a:buNone/>
+                      </a:pPr>
+                      <a:r>
+                        <a:rPr lang="en-US" sz="1400"/>
+                        <a:t>Can prioritize patching based on vulnerability data and threat intelligence.</a:t>
+                      </a:r>
+                    </a:p>
+                  </a:txBody>
+                  <a:tcPr marL="28255" marR="28255" marT="14128" marB="14128" anchor="ctr">
+                    <a:lnL w="12700" cap="flat" cmpd="sng" algn="ctr">
+                      <a:solidFill>
+                        <a:schemeClr val="tx1"/>
+                      </a:solidFill>
+                      <a:prstDash val="solid"/>
+                      <a:round/>
+                      <a:headEnd type="none" w="med" len="med"/>
+                      <a:tailEnd type="none" w="med" len="med"/>
+                    </a:lnL>
+                    <a:lnR w="12700" cap="flat" cmpd="sng" algn="ctr">
+                      <a:solidFill>
+                        <a:schemeClr val="tx1"/>
+                      </a:solidFill>
+                      <a:prstDash val="solid"/>
+                      <a:round/>
+                      <a:headEnd type="none" w="med" len="med"/>
+                      <a:tailEnd type="none" w="med" len="med"/>
+                    </a:lnR>
+                    <a:lnT w="12700" cap="flat" cmpd="sng" algn="ctr">
+                      <a:solidFill>
+                        <a:schemeClr val="tx1"/>
+                      </a:solidFill>
+                      <a:prstDash val="solid"/>
+                      <a:round/>
+                      <a:headEnd type="none" w="med" len="med"/>
+                      <a:tailEnd type="none" w="med" len="med"/>
+                    </a:lnT>
+                    <a:lnB w="12700" cap="flat" cmpd="sng" algn="ctr">
+                      <a:solidFill>
+                        <a:schemeClr val="tx1"/>
+                      </a:solidFill>
+                      <a:prstDash val="solid"/>
+                      <a:round/>
+                      <a:headEnd type="none" w="med" len="med"/>
+                      <a:tailEnd type="none" w="med" len="med"/>
+                    </a:lnB>
+                    <a:noFill/>
+                  </a:tcPr>
+                </a:tc>
+                <a:extLst>
+                  <a:ext uri="{0D108BD9-81ED-4DB2-BD59-A6C34878D82A}">
+                    <a16:rowId xmlns:a16="http://schemas.microsoft.com/office/drawing/2014/main" val="3090467347"/>
+                  </a:ext>
+                </a:extLst>
+              </a:tr>
+              <a:tr h="278417">
+                <a:tc>
+                  <a:txBody>
+                    <a:bodyPr/>
+                    <a:lstStyle/>
+                    <a:p>
+                      <a:pPr>
+                        <a:buNone/>
+                      </a:pPr>
+                      <a:r>
+                        <a:rPr lang="en-US" sz="1400"/>
+                        <a:t>Log analysis and anomaly detection</a:t>
+                      </a:r>
+                    </a:p>
+                  </a:txBody>
+                  <a:tcPr marL="28255" marR="28255" marT="14128" marB="14128" anchor="ctr">
+                    <a:lnL w="12700" cap="flat" cmpd="sng" algn="ctr">
+                      <a:solidFill>
+                        <a:schemeClr val="tx1"/>
+                      </a:solidFill>
+                      <a:prstDash val="solid"/>
+                      <a:round/>
+                      <a:headEnd type="none" w="med" len="med"/>
+                      <a:tailEnd type="none" w="med" len="med"/>
+                    </a:lnL>
+                    <a:lnR w="12700" cap="flat" cmpd="sng" algn="ctr">
+                      <a:solidFill>
+                        <a:schemeClr val="tx1"/>
+                      </a:solidFill>
+                      <a:prstDash val="solid"/>
+                      <a:round/>
+                      <a:headEnd type="none" w="med" len="med"/>
+                      <a:tailEnd type="none" w="med" len="med"/>
+                    </a:lnR>
+                    <a:lnT w="12700" cap="flat" cmpd="sng" algn="ctr">
+                      <a:solidFill>
+                        <a:schemeClr val="tx1"/>
+                      </a:solidFill>
+                      <a:prstDash val="solid"/>
+                      <a:round/>
+                      <a:headEnd type="none" w="med" len="med"/>
+                      <a:tailEnd type="none" w="med" len="med"/>
+                    </a:lnT>
+                    <a:lnB w="12700" cap="flat" cmpd="sng" algn="ctr">
+                      <a:solidFill>
+                        <a:schemeClr val="tx1"/>
+                      </a:solidFill>
+                      <a:prstDash val="solid"/>
+                      <a:round/>
+                      <a:headEnd type="none" w="med" len="med"/>
+                      <a:tailEnd type="none" w="med" len="med"/>
+                    </a:lnB>
+                    <a:noFill/>
+                  </a:tcPr>
+                </a:tc>
+                <a:tc>
+                  <a:txBody>
+                    <a:bodyPr/>
+                    <a:lstStyle/>
+                    <a:p>
+                      <a:pPr>
+                        <a:buNone/>
+                      </a:pPr>
+                      <a:r>
+                        <a:rPr lang="en-US" sz="1400" b="1"/>
+                        <a:t>High</a:t>
+                      </a:r>
+                      <a:endParaRPr lang="en-US" sz="1400"/>
+                    </a:p>
+                  </a:txBody>
+                  <a:tcPr marL="28255" marR="28255" marT="14128" marB="14128" anchor="ctr">
+                    <a:lnL w="12700" cap="flat" cmpd="sng" algn="ctr">
+                      <a:solidFill>
+                        <a:schemeClr val="tx1"/>
+                      </a:solidFill>
+                      <a:prstDash val="solid"/>
+                      <a:round/>
+                      <a:headEnd type="none" w="med" len="med"/>
+                      <a:tailEnd type="none" w="med" len="med"/>
+                    </a:lnL>
+                    <a:lnR w="12700" cap="flat" cmpd="sng" algn="ctr">
+                      <a:solidFill>
+                        <a:schemeClr val="tx1"/>
+                      </a:solidFill>
+                      <a:prstDash val="solid"/>
+                      <a:round/>
+                      <a:headEnd type="none" w="med" len="med"/>
+                      <a:tailEnd type="none" w="med" len="med"/>
+                    </a:lnR>
+                    <a:lnT w="12700" cap="flat" cmpd="sng" algn="ctr">
+                      <a:solidFill>
+                        <a:schemeClr val="tx1"/>
+                      </a:solidFill>
+                      <a:prstDash val="solid"/>
+                      <a:round/>
+                      <a:headEnd type="none" w="med" len="med"/>
+                      <a:tailEnd type="none" w="med" len="med"/>
+                    </a:lnT>
+                    <a:lnB w="12700" cap="flat" cmpd="sng" algn="ctr">
+                      <a:solidFill>
+                        <a:schemeClr val="tx1"/>
+                      </a:solidFill>
+                      <a:prstDash val="solid"/>
+                      <a:round/>
+                      <a:headEnd type="none" w="med" len="med"/>
+                      <a:tailEnd type="none" w="med" len="med"/>
+                    </a:lnB>
+                    <a:noFill/>
+                  </a:tcPr>
+                </a:tc>
+                <a:tc>
+                  <a:txBody>
+                    <a:bodyPr/>
+                    <a:lstStyle/>
+                    <a:p>
+                      <a:pPr>
+                        <a:buNone/>
+                      </a:pPr>
+                      <a:r>
+                        <a:rPr lang="en-US" sz="1400"/>
+                        <a:t>Can parse logs, detect patterns, and highlight suspicious activity.</a:t>
+                      </a:r>
+                    </a:p>
+                  </a:txBody>
+                  <a:tcPr marL="28255" marR="28255" marT="14128" marB="14128" anchor="ctr">
+                    <a:lnL w="12700" cap="flat" cmpd="sng" algn="ctr">
+                      <a:solidFill>
+                        <a:schemeClr val="tx1"/>
+                      </a:solidFill>
+                      <a:prstDash val="solid"/>
+                      <a:round/>
+                      <a:headEnd type="none" w="med" len="med"/>
+                      <a:tailEnd type="none" w="med" len="med"/>
+                    </a:lnL>
+                    <a:lnR w="12700" cap="flat" cmpd="sng" algn="ctr">
+                      <a:solidFill>
+                        <a:schemeClr val="tx1"/>
+                      </a:solidFill>
+                      <a:prstDash val="solid"/>
+                      <a:round/>
+                      <a:headEnd type="none" w="med" len="med"/>
+                      <a:tailEnd type="none" w="med" len="med"/>
+                    </a:lnR>
+                    <a:lnT w="12700" cap="flat" cmpd="sng" algn="ctr">
+                      <a:solidFill>
+                        <a:schemeClr val="tx1"/>
+                      </a:solidFill>
+                      <a:prstDash val="solid"/>
+                      <a:round/>
+                      <a:headEnd type="none" w="med" len="med"/>
+                      <a:tailEnd type="none" w="med" len="med"/>
+                    </a:lnT>
+                    <a:lnB w="12700" cap="flat" cmpd="sng" algn="ctr">
+                      <a:solidFill>
+                        <a:schemeClr val="tx1"/>
+                      </a:solidFill>
+                      <a:prstDash val="solid"/>
+                      <a:round/>
+                      <a:headEnd type="none" w="med" len="med"/>
+                      <a:tailEnd type="none" w="med" len="med"/>
+                    </a:lnB>
+                    <a:noFill/>
+                  </a:tcPr>
+                </a:tc>
+                <a:extLst>
+                  <a:ext uri="{0D108BD9-81ED-4DB2-BD59-A6C34878D82A}">
+                    <a16:rowId xmlns:a16="http://schemas.microsoft.com/office/drawing/2014/main" val="919357657"/>
+                  </a:ext>
+                </a:extLst>
+              </a:tr>
+              <a:tr h="398996">
+                <a:tc>
+                  <a:txBody>
+                    <a:bodyPr/>
+                    <a:lstStyle/>
+                    <a:p>
+                      <a:pPr>
+                        <a:buNone/>
+                      </a:pPr>
+                      <a:r>
+                        <a:rPr lang="en-US" sz="1400"/>
+                        <a:t>Compliance and regulatory checking</a:t>
+                      </a:r>
+                    </a:p>
+                  </a:txBody>
+                  <a:tcPr marL="28255" marR="28255" marT="14128" marB="14128" anchor="ctr">
+                    <a:lnL w="12700" cap="flat" cmpd="sng" algn="ctr">
+                      <a:solidFill>
+                        <a:schemeClr val="tx1"/>
+                      </a:solidFill>
+                      <a:prstDash val="solid"/>
+                      <a:round/>
+                      <a:headEnd type="none" w="med" len="med"/>
+                      <a:tailEnd type="none" w="med" len="med"/>
+                    </a:lnL>
+                    <a:lnR w="12700" cap="flat" cmpd="sng" algn="ctr">
+                      <a:solidFill>
+                        <a:schemeClr val="tx1"/>
+                      </a:solidFill>
+                      <a:prstDash val="solid"/>
+                      <a:round/>
+                      <a:headEnd type="none" w="med" len="med"/>
+                      <a:tailEnd type="none" w="med" len="med"/>
+                    </a:lnR>
+                    <a:lnT w="12700" cap="flat" cmpd="sng" algn="ctr">
+                      <a:solidFill>
+                        <a:schemeClr val="tx1"/>
+                      </a:solidFill>
+                      <a:prstDash val="solid"/>
+                      <a:round/>
+                      <a:headEnd type="none" w="med" len="med"/>
+                      <a:tailEnd type="none" w="med" len="med"/>
+                    </a:lnT>
+                    <a:lnB w="12700" cap="flat" cmpd="sng" algn="ctr">
+                      <a:solidFill>
+                        <a:schemeClr val="tx1"/>
+                      </a:solidFill>
+                      <a:prstDash val="solid"/>
+                      <a:round/>
+                      <a:headEnd type="none" w="med" len="med"/>
+                      <a:tailEnd type="none" w="med" len="med"/>
+                    </a:lnB>
+                    <a:noFill/>
+                  </a:tcPr>
+                </a:tc>
+                <a:tc>
+                  <a:txBody>
+                    <a:bodyPr/>
+                    <a:lstStyle/>
+                    <a:p>
+                      <a:pPr>
+                        <a:buNone/>
+                      </a:pPr>
+                      <a:r>
+                        <a:rPr lang="en-US" sz="1400" b="1"/>
+                        <a:t>Medium</a:t>
+                      </a:r>
+                      <a:endParaRPr lang="en-US" sz="1400"/>
+                    </a:p>
+                  </a:txBody>
+                  <a:tcPr marL="28255" marR="28255" marT="14128" marB="14128" anchor="ctr">
+                    <a:lnL w="12700" cap="flat" cmpd="sng" algn="ctr">
+                      <a:solidFill>
+                        <a:schemeClr val="tx1"/>
+                      </a:solidFill>
+                      <a:prstDash val="solid"/>
+                      <a:round/>
+                      <a:headEnd type="none" w="med" len="med"/>
+                      <a:tailEnd type="none" w="med" len="med"/>
+                    </a:lnL>
+                    <a:lnR w="12700" cap="flat" cmpd="sng" algn="ctr">
+                      <a:solidFill>
+                        <a:schemeClr val="tx1"/>
+                      </a:solidFill>
+                      <a:prstDash val="solid"/>
+                      <a:round/>
+                      <a:headEnd type="none" w="med" len="med"/>
+                      <a:tailEnd type="none" w="med" len="med"/>
+                    </a:lnR>
+                    <a:lnT w="12700" cap="flat" cmpd="sng" algn="ctr">
+                      <a:solidFill>
+                        <a:schemeClr val="tx1"/>
+                      </a:solidFill>
+                      <a:prstDash val="solid"/>
+                      <a:round/>
+                      <a:headEnd type="none" w="med" len="med"/>
+                      <a:tailEnd type="none" w="med" len="med"/>
+                    </a:lnT>
+                    <a:lnB w="12700" cap="flat" cmpd="sng" algn="ctr">
+                      <a:solidFill>
+                        <a:schemeClr val="tx1"/>
+                      </a:solidFill>
+                      <a:prstDash val="solid"/>
+                      <a:round/>
+                      <a:headEnd type="none" w="med" len="med"/>
+                      <a:tailEnd type="none" w="med" len="med"/>
+                    </a:lnB>
+                    <a:noFill/>
+                  </a:tcPr>
+                </a:tc>
+                <a:tc>
+                  <a:txBody>
+                    <a:bodyPr/>
+                    <a:lstStyle/>
+                    <a:p>
+                      <a:pPr>
+                        <a:buNone/>
+                      </a:pPr>
+                      <a:r>
+                        <a:rPr lang="en-US" sz="1400"/>
+                        <a:t>Can cross-reference internal policies with regulations and generate compliance reports.</a:t>
+                      </a:r>
+                    </a:p>
+                  </a:txBody>
+                  <a:tcPr marL="28255" marR="28255" marT="14128" marB="14128" anchor="ctr">
+                    <a:lnL w="12700" cap="flat" cmpd="sng" algn="ctr">
+                      <a:solidFill>
+                        <a:schemeClr val="tx1"/>
+                      </a:solidFill>
+                      <a:prstDash val="solid"/>
+                      <a:round/>
+                      <a:headEnd type="none" w="med" len="med"/>
+                      <a:tailEnd type="none" w="med" len="med"/>
+                    </a:lnL>
+                    <a:lnR w="12700" cap="flat" cmpd="sng" algn="ctr">
+                      <a:solidFill>
+                        <a:schemeClr val="tx1"/>
+                      </a:solidFill>
+                      <a:prstDash val="solid"/>
+                      <a:round/>
+                      <a:headEnd type="none" w="med" len="med"/>
+                      <a:tailEnd type="none" w="med" len="med"/>
+                    </a:lnR>
+                    <a:lnT w="12700" cap="flat" cmpd="sng" algn="ctr">
+                      <a:solidFill>
+                        <a:schemeClr val="tx1"/>
+                      </a:solidFill>
+                      <a:prstDash val="solid"/>
+                      <a:round/>
+                      <a:headEnd type="none" w="med" len="med"/>
+                      <a:tailEnd type="none" w="med" len="med"/>
+                    </a:lnT>
+                    <a:lnB w="12700" cap="flat" cmpd="sng" algn="ctr">
+                      <a:solidFill>
+                        <a:schemeClr val="tx1"/>
+                      </a:solidFill>
+                      <a:prstDash val="solid"/>
+                      <a:round/>
+                      <a:headEnd type="none" w="med" len="med"/>
+                      <a:tailEnd type="none" w="med" len="med"/>
+                    </a:lnB>
+                    <a:noFill/>
+                  </a:tcPr>
+                </a:tc>
+                <a:extLst>
+                  <a:ext uri="{0D108BD9-81ED-4DB2-BD59-A6C34878D82A}">
+                    <a16:rowId xmlns:a16="http://schemas.microsoft.com/office/drawing/2014/main" val="146189958"/>
+                  </a:ext>
+                </a:extLst>
+              </a:tr>
+              <a:tr h="398996">
+                <a:tc>
+                  <a:txBody>
+                    <a:bodyPr/>
+                    <a:lstStyle/>
+                    <a:p>
+                      <a:pPr>
+                        <a:buNone/>
+                      </a:pPr>
+                      <a:r>
+                        <a:rPr lang="en-US" sz="1400"/>
+                        <a:t>Forensic investigation support</a:t>
+                      </a:r>
+                    </a:p>
+                  </a:txBody>
+                  <a:tcPr marL="28255" marR="28255" marT="14128" marB="14128" anchor="ctr">
+                    <a:lnL w="12700" cap="flat" cmpd="sng" algn="ctr">
+                      <a:solidFill>
+                        <a:schemeClr val="tx1"/>
+                      </a:solidFill>
+                      <a:prstDash val="solid"/>
+                      <a:round/>
+                      <a:headEnd type="none" w="med" len="med"/>
+                      <a:tailEnd type="none" w="med" len="med"/>
+                    </a:lnL>
+                    <a:lnR w="12700" cap="flat" cmpd="sng" algn="ctr">
+                      <a:solidFill>
+                        <a:schemeClr val="tx1"/>
+                      </a:solidFill>
+                      <a:prstDash val="solid"/>
+                      <a:round/>
+                      <a:headEnd type="none" w="med" len="med"/>
+                      <a:tailEnd type="none" w="med" len="med"/>
+                    </a:lnR>
+                    <a:lnT w="12700" cap="flat" cmpd="sng" algn="ctr">
+                      <a:solidFill>
+                        <a:schemeClr val="tx1"/>
+                      </a:solidFill>
+                      <a:prstDash val="solid"/>
+                      <a:round/>
+                      <a:headEnd type="none" w="med" len="med"/>
+                      <a:tailEnd type="none" w="med" len="med"/>
+                    </a:lnT>
+                    <a:lnB w="12700" cap="flat" cmpd="sng" algn="ctr">
+                      <a:solidFill>
+                        <a:schemeClr val="tx1"/>
+                      </a:solidFill>
+                      <a:prstDash val="solid"/>
+                      <a:round/>
+                      <a:headEnd type="none" w="med" len="med"/>
+                      <a:tailEnd type="none" w="med" len="med"/>
+                    </a:lnB>
+                    <a:noFill/>
+                  </a:tcPr>
+                </a:tc>
+                <a:tc>
+                  <a:txBody>
+                    <a:bodyPr/>
+                    <a:lstStyle/>
+                    <a:p>
+                      <a:pPr>
+                        <a:buNone/>
+                      </a:pPr>
+                      <a:r>
+                        <a:rPr lang="en-US" sz="1400" b="1"/>
+                        <a:t>Medium</a:t>
+                      </a:r>
+                      <a:endParaRPr lang="en-US" sz="1400"/>
+                    </a:p>
+                  </a:txBody>
+                  <a:tcPr marL="28255" marR="28255" marT="14128" marB="14128" anchor="ctr">
+                    <a:lnL w="12700" cap="flat" cmpd="sng" algn="ctr">
+                      <a:solidFill>
+                        <a:schemeClr val="tx1"/>
+                      </a:solidFill>
+                      <a:prstDash val="solid"/>
+                      <a:round/>
+                      <a:headEnd type="none" w="med" len="med"/>
+                      <a:tailEnd type="none" w="med" len="med"/>
+                    </a:lnL>
+                    <a:lnR w="12700" cap="flat" cmpd="sng" algn="ctr">
+                      <a:solidFill>
+                        <a:schemeClr val="tx1"/>
+                      </a:solidFill>
+                      <a:prstDash val="solid"/>
+                      <a:round/>
+                      <a:headEnd type="none" w="med" len="med"/>
+                      <a:tailEnd type="none" w="med" len="med"/>
+                    </a:lnR>
+                    <a:lnT w="12700" cap="flat" cmpd="sng" algn="ctr">
+                      <a:solidFill>
+                        <a:schemeClr val="tx1"/>
+                      </a:solidFill>
+                      <a:prstDash val="solid"/>
+                      <a:round/>
+                      <a:headEnd type="none" w="med" len="med"/>
+                      <a:tailEnd type="none" w="med" len="med"/>
+                    </a:lnT>
+                    <a:lnB w="12700" cap="flat" cmpd="sng" algn="ctr">
+                      <a:solidFill>
+                        <a:schemeClr val="tx1"/>
+                      </a:solidFill>
+                      <a:prstDash val="solid"/>
+                      <a:round/>
+                      <a:headEnd type="none" w="med" len="med"/>
+                      <a:tailEnd type="none" w="med" len="med"/>
+                    </a:lnB>
+                    <a:noFill/>
+                  </a:tcPr>
+                </a:tc>
+                <a:tc>
+                  <a:txBody>
+                    <a:bodyPr/>
+                    <a:lstStyle/>
+                    <a:p>
+                      <a:pPr>
+                        <a:buNone/>
+                      </a:pPr>
+                      <a:r>
+                        <a:rPr lang="en-US" sz="1400"/>
+                        <a:t>Can assist in analyzing logs, tracing attack paths, and documenting findings.</a:t>
+                      </a:r>
+                    </a:p>
+                  </a:txBody>
+                  <a:tcPr marL="28255" marR="28255" marT="14128" marB="14128" anchor="ctr">
+                    <a:lnL w="12700" cap="flat" cmpd="sng" algn="ctr">
+                      <a:solidFill>
+                        <a:schemeClr val="tx1"/>
+                      </a:solidFill>
+                      <a:prstDash val="solid"/>
+                      <a:round/>
+                      <a:headEnd type="none" w="med" len="med"/>
+                      <a:tailEnd type="none" w="med" len="med"/>
+                    </a:lnL>
+                    <a:lnR w="12700" cap="flat" cmpd="sng" algn="ctr">
+                      <a:solidFill>
+                        <a:schemeClr val="tx1"/>
+                      </a:solidFill>
+                      <a:prstDash val="solid"/>
+                      <a:round/>
+                      <a:headEnd type="none" w="med" len="med"/>
+                      <a:tailEnd type="none" w="med" len="med"/>
+                    </a:lnR>
+                    <a:lnT w="12700" cap="flat" cmpd="sng" algn="ctr">
+                      <a:solidFill>
+                        <a:schemeClr val="tx1"/>
+                      </a:solidFill>
+                      <a:prstDash val="solid"/>
+                      <a:round/>
+                      <a:headEnd type="none" w="med" len="med"/>
+                      <a:tailEnd type="none" w="med" len="med"/>
+                    </a:lnT>
+                    <a:lnB w="12700" cap="flat" cmpd="sng" algn="ctr">
+                      <a:solidFill>
+                        <a:schemeClr val="tx1"/>
+                      </a:solidFill>
+                      <a:prstDash val="solid"/>
+                      <a:round/>
+                      <a:headEnd type="none" w="med" len="med"/>
+                      <a:tailEnd type="none" w="med" len="med"/>
+                    </a:lnB>
+                    <a:noFill/>
+                  </a:tcPr>
+                </a:tc>
+                <a:extLst>
+                  <a:ext uri="{0D108BD9-81ED-4DB2-BD59-A6C34878D82A}">
+                    <a16:rowId xmlns:a16="http://schemas.microsoft.com/office/drawing/2014/main" val="1297429569"/>
+                  </a:ext>
+                </a:extLst>
+              </a:tr>
+              <a:tr h="398996">
+                <a:tc>
+                  <a:txBody>
+                    <a:bodyPr/>
+                    <a:lstStyle/>
+                    <a:p>
+                      <a:pPr>
+                        <a:buNone/>
+                      </a:pPr>
+                      <a:r>
+                        <a:rPr lang="en-US" sz="1400"/>
+                        <a:t>Threat modeling and architecture review</a:t>
+                      </a:r>
+                    </a:p>
+                  </a:txBody>
+                  <a:tcPr marL="28255" marR="28255" marT="14128" marB="14128" anchor="ctr">
+                    <a:lnL w="12700" cap="flat" cmpd="sng" algn="ctr">
+                      <a:solidFill>
+                        <a:schemeClr val="tx1"/>
+                      </a:solidFill>
+                      <a:prstDash val="solid"/>
+                      <a:round/>
+                      <a:headEnd type="none" w="med" len="med"/>
+                      <a:tailEnd type="none" w="med" len="med"/>
+                    </a:lnL>
+                    <a:lnR w="12700" cap="flat" cmpd="sng" algn="ctr">
+                      <a:solidFill>
+                        <a:schemeClr val="tx1"/>
+                      </a:solidFill>
+                      <a:prstDash val="solid"/>
+                      <a:round/>
+                      <a:headEnd type="none" w="med" len="med"/>
+                      <a:tailEnd type="none" w="med" len="med"/>
+                    </a:lnR>
+                    <a:lnT w="12700" cap="flat" cmpd="sng" algn="ctr">
+                      <a:solidFill>
+                        <a:schemeClr val="tx1"/>
+                      </a:solidFill>
+                      <a:prstDash val="solid"/>
+                      <a:round/>
+                      <a:headEnd type="none" w="med" len="med"/>
+                      <a:tailEnd type="none" w="med" len="med"/>
+                    </a:lnT>
+                    <a:lnB w="12700" cap="flat" cmpd="sng" algn="ctr">
+                      <a:solidFill>
+                        <a:schemeClr val="tx1"/>
+                      </a:solidFill>
+                      <a:prstDash val="solid"/>
+                      <a:round/>
+                      <a:headEnd type="none" w="med" len="med"/>
+                      <a:tailEnd type="none" w="med" len="med"/>
+                    </a:lnB>
+                    <a:noFill/>
+                  </a:tcPr>
+                </a:tc>
+                <a:tc>
+                  <a:txBody>
+                    <a:bodyPr/>
+                    <a:lstStyle/>
+                    <a:p>
+                      <a:pPr>
+                        <a:buNone/>
+                      </a:pPr>
+                      <a:r>
+                        <a:rPr lang="en-US" sz="1400" b="1"/>
+                        <a:t>Medium</a:t>
+                      </a:r>
+                      <a:endParaRPr lang="en-US" sz="1400"/>
+                    </a:p>
+                  </a:txBody>
+                  <a:tcPr marL="28255" marR="28255" marT="14128" marB="14128" anchor="ctr">
+                    <a:lnL w="12700" cap="flat" cmpd="sng" algn="ctr">
+                      <a:solidFill>
+                        <a:schemeClr val="tx1"/>
+                      </a:solidFill>
+                      <a:prstDash val="solid"/>
+                      <a:round/>
+                      <a:headEnd type="none" w="med" len="med"/>
+                      <a:tailEnd type="none" w="med" len="med"/>
+                    </a:lnL>
+                    <a:lnR w="12700" cap="flat" cmpd="sng" algn="ctr">
+                      <a:solidFill>
+                        <a:schemeClr val="tx1"/>
+                      </a:solidFill>
+                      <a:prstDash val="solid"/>
+                      <a:round/>
+                      <a:headEnd type="none" w="med" len="med"/>
+                      <a:tailEnd type="none" w="med" len="med"/>
+                    </a:lnR>
+                    <a:lnT w="12700" cap="flat" cmpd="sng" algn="ctr">
+                      <a:solidFill>
+                        <a:schemeClr val="tx1"/>
+                      </a:solidFill>
+                      <a:prstDash val="solid"/>
+                      <a:round/>
+                      <a:headEnd type="none" w="med" len="med"/>
+                      <a:tailEnd type="none" w="med" len="med"/>
+                    </a:lnT>
+                    <a:lnB w="12700" cap="flat" cmpd="sng" algn="ctr">
+                      <a:solidFill>
+                        <a:schemeClr val="tx1"/>
+                      </a:solidFill>
+                      <a:prstDash val="solid"/>
+                      <a:round/>
+                      <a:headEnd type="none" w="med" len="med"/>
+                      <a:tailEnd type="none" w="med" len="med"/>
+                    </a:lnB>
+                    <a:noFill/>
+                  </a:tcPr>
+                </a:tc>
+                <a:tc>
+                  <a:txBody>
+                    <a:bodyPr/>
+                    <a:lstStyle/>
+                    <a:p>
+                      <a:pPr>
+                        <a:buNone/>
+                      </a:pPr>
+                      <a:r>
+                        <a:rPr lang="en-US" sz="1400" dirty="0"/>
+                        <a:t>Can suggest potential threat vectors, but architecture decisions need human judgment.</a:t>
+                      </a:r>
+                    </a:p>
+                  </a:txBody>
+                  <a:tcPr marL="28255" marR="28255" marT="14128" marB="14128" anchor="ctr">
+                    <a:lnL w="12700" cap="flat" cmpd="sng" algn="ctr">
+                      <a:solidFill>
+                        <a:schemeClr val="tx1"/>
+                      </a:solidFill>
+                      <a:prstDash val="solid"/>
+                      <a:round/>
+                      <a:headEnd type="none" w="med" len="med"/>
+                      <a:tailEnd type="none" w="med" len="med"/>
+                    </a:lnL>
+                    <a:lnR w="12700" cap="flat" cmpd="sng" algn="ctr">
+                      <a:solidFill>
+                        <a:schemeClr val="tx1"/>
+                      </a:solidFill>
+                      <a:prstDash val="solid"/>
+                      <a:round/>
+                      <a:headEnd type="none" w="med" len="med"/>
+                      <a:tailEnd type="none" w="med" len="med"/>
+                    </a:lnR>
+                    <a:lnT w="12700" cap="flat" cmpd="sng" algn="ctr">
+                      <a:solidFill>
+                        <a:schemeClr val="tx1"/>
+                      </a:solidFill>
+                      <a:prstDash val="solid"/>
+                      <a:round/>
+                      <a:headEnd type="none" w="med" len="med"/>
+                      <a:tailEnd type="none" w="med" len="med"/>
+                    </a:lnT>
+                    <a:lnB w="12700" cap="flat" cmpd="sng" algn="ctr">
+                      <a:solidFill>
+                        <a:schemeClr val="tx1"/>
+                      </a:solidFill>
+                      <a:prstDash val="solid"/>
+                      <a:round/>
+                      <a:headEnd type="none" w="med" len="med"/>
+                      <a:tailEnd type="none" w="med" len="med"/>
+                    </a:lnB>
+                    <a:noFill/>
+                  </a:tcPr>
+                </a:tc>
+                <a:extLst>
+                  <a:ext uri="{0D108BD9-81ED-4DB2-BD59-A6C34878D82A}">
+                    <a16:rowId xmlns:a16="http://schemas.microsoft.com/office/drawing/2014/main" val="2262237322"/>
+                  </a:ext>
+                </a:extLst>
+              </a:tr>
+            </a:tbl>
+          </a:graphicData>
+        </a:graphic>
+      </p:graphicFrame>
+    </p:spTree>
+    <p:extLst>
+      <p:ext uri="{BB962C8B-B14F-4D97-AF65-F5344CB8AC3E}">
+        <p14:creationId xmlns:p14="http://schemas.microsoft.com/office/powerpoint/2010/main" val="3597938524"/>
+      </p:ext>
+    </p:extLst>
+  </p:cSld>
+  <p:clrMapOvr>
+    <a:masterClrMapping/>
+  </p:clrMapOvr>
+</p:sld>
+</file>
+
+<file path=ppt/slides/slide11.xml><?xml version="1.0" encoding="utf-8"?>
+<p:sld xmlns:a="http://schemas.openxmlformats.org/drawingml/2006/main" xmlns:r="http://schemas.openxmlformats.org/officeDocument/2006/relationships" xmlns:p="http://schemas.openxmlformats.org/presentationml/2006/main">
+  <p:cSld>
+    <p:spTree>
+      <p:nvGrpSpPr>
+        <p:cNvPr id="1" name=""/>
+        <p:cNvGrpSpPr/>
+        <p:nvPr/>
+      </p:nvGrpSpPr>
+      <p:grpSpPr>
+        <a:xfrm>
+          <a:off x="0" y="0"/>
+          <a:ext cx="0" cy="0"/>
+          <a:chOff x="0" y="0"/>
+          <a:chExt cx="0" cy="0"/>
+        </a:xfrm>
+      </p:grpSpPr>
+      <p:sp>
+        <p:nvSpPr>
+          <p:cNvPr id="4" name="Title 3"/>
+          <p:cNvSpPr>
+            <a:spLocks noGrp="1"/>
+          </p:cNvSpPr>
+          <p:nvPr>
+            <p:ph type="title"/>
+          </p:nvPr>
+        </p:nvSpPr>
+        <p:spPr/>
+        <p:txBody>
+          <a:bodyPr/>
+          <a:lstStyle/>
+          <a:p>
+            <a:r>
+              <a:rPr lang="en-US"/>
+              <a:t>New workflows and new Opportunities</a:t>
+            </a:r>
+          </a:p>
+        </p:txBody>
+      </p:sp>
+    </p:spTree>
+  </p:cSld>
+  <p:clrMapOvr>
+    <a:masterClrMapping/>
+  </p:clrMapOvr>
+</p:sld>
+</file>
+
+<file path=ppt/slides/slide12.xml><?xml version="1.0" encoding="utf-8"?>
+<p:sld xmlns:a="http://schemas.openxmlformats.org/drawingml/2006/main" xmlns:r="http://schemas.openxmlformats.org/officeDocument/2006/relationships" xmlns:p="http://schemas.openxmlformats.org/presentationml/2006/main">
+  <p:cSld>
+    <p:spTree>
+      <p:nvGrpSpPr>
+        <p:cNvPr id="1" name=""/>
+        <p:cNvGrpSpPr/>
+        <p:nvPr/>
+      </p:nvGrpSpPr>
+      <p:grpSpPr>
+        <a:xfrm>
+          <a:off x="0" y="0"/>
+          <a:ext cx="0" cy="0"/>
+          <a:chOff x="0" y="0"/>
+          <a:chExt cx="0" cy="0"/>
+        </a:xfrm>
+      </p:grpSpPr>
+      <p:sp>
+        <p:nvSpPr>
           <p:cNvPr id="2" name="Title 1"/>
           <p:cNvSpPr>
             <a:spLocks noGrp="1"/>
@@ -3767,7 +6688,7 @@
           <a:p>
             <a:fld id="{9B618960-8005-486C-9A75-10CB2AAC16F9}" type="slidenum">
               <a:rPr lang="en-US" smtClean="0"/>
-              <a:t>10</a:t>
+              <a:t>12</a:t>
             </a:fld>
             <a:endParaRPr lang="en-US"/>
           </a:p>
@@ -3781,7 +6702,7 @@
 </p:sld>
 </file>
 
-<file path=ppt/slides/slide11.xml><?xml version="1.0" encoding="utf-8"?>
+<file path=ppt/slides/slide13.xml><?xml version="1.0" encoding="utf-8"?>
 <p:sld xmlns:a="http://schemas.openxmlformats.org/drawingml/2006/main" xmlns:r="http://schemas.openxmlformats.org/officeDocument/2006/relationships" xmlns:p="http://schemas.openxmlformats.org/presentationml/2006/main">
   <p:cSld>
     <p:spTree>
@@ -3863,7 +6784,7 @@
           <a:p>
             <a:fld id="{9B618960-8005-486C-9A75-10CB2AAC16F9}" type="slidenum">
               <a:rPr lang="en-US" smtClean="0"/>
-              <a:t>11</a:t>
+              <a:t>13</a:t>
             </a:fld>
             <a:endParaRPr lang="en-US"/>
           </a:p>
@@ -3877,7 +6798,7 @@
 </p:sld>
 </file>
 
-<file path=ppt/slides/slide12.xml><?xml version="1.0" encoding="utf-8"?>
+<file path=ppt/slides/slide14.xml><?xml version="1.0" encoding="utf-8"?>
 <p:sld xmlns:a="http://schemas.openxmlformats.org/drawingml/2006/main" xmlns:r="http://schemas.openxmlformats.org/officeDocument/2006/relationships" xmlns:p="http://schemas.openxmlformats.org/presentationml/2006/main">
   <p:cSld>
     <p:spTree>
@@ -3959,201 +6880,6 @@
           <a:p>
             <a:fld id="{9B618960-8005-486C-9A75-10CB2AAC16F9}" type="slidenum">
               <a:rPr lang="en-US" smtClean="0"/>
-              <a:t>12</a:t>
-            </a:fld>
-            <a:endParaRPr lang="en-US"/>
-          </a:p>
-        </p:txBody>
-      </p:sp>
-    </p:spTree>
-  </p:cSld>
-  <p:clrMapOvr>
-    <a:masterClrMapping/>
-  </p:clrMapOvr>
-</p:sld>
-</file>
-
-<file path=ppt/slides/slide13.xml><?xml version="1.0" encoding="utf-8"?>
-<p:sld xmlns:a="http://schemas.openxmlformats.org/drawingml/2006/main" xmlns:r="http://schemas.openxmlformats.org/officeDocument/2006/relationships" xmlns:p="http://schemas.openxmlformats.org/presentationml/2006/main">
-  <p:cSld>
-    <p:spTree>
-      <p:nvGrpSpPr>
-        <p:cNvPr id="1" name=""/>
-        <p:cNvGrpSpPr/>
-        <p:nvPr/>
-      </p:nvGrpSpPr>
-      <p:grpSpPr>
-        <a:xfrm>
-          <a:off x="0" y="0"/>
-          <a:ext cx="0" cy="0"/>
-          <a:chOff x="0" y="0"/>
-          <a:chExt cx="0" cy="0"/>
-        </a:xfrm>
-      </p:grpSpPr>
-      <p:sp>
-        <p:nvSpPr>
-          <p:cNvPr id="2" name="Title 1"/>
-          <p:cNvSpPr>
-            <a:spLocks noGrp="1"/>
-          </p:cNvSpPr>
-          <p:nvPr>
-            <p:ph type="title"/>
-          </p:nvPr>
-        </p:nvSpPr>
-        <p:spPr/>
-        <p:txBody>
-          <a:bodyPr/>
-          <a:lstStyle/>
-          <a:p>
-            <a:r>
-              <a:rPr lang="en-US">
-                <a:sym typeface="+mn-ea"/>
-              </a:rPr>
-              <a:t>Wordpress AI Assitant </a:t>
-            </a:r>
-            <a:endParaRPr lang="en-US"/>
-          </a:p>
-        </p:txBody>
-      </p:sp>
-      <p:pic>
-        <p:nvPicPr>
-          <p:cNvPr id="4" name="Content Placeholder 3"/>
-          <p:cNvPicPr>
-            <a:picLocks noGrp="1" noChangeAspect="1"/>
-          </p:cNvPicPr>
-          <p:nvPr>
-            <p:ph idx="1"/>
-          </p:nvPr>
-        </p:nvPicPr>
-        <p:blipFill>
-          <a:blip r:embed="rId2"/>
-          <a:stretch>
-            <a:fillRect/>
-          </a:stretch>
-        </p:blipFill>
-        <p:spPr>
-          <a:xfrm>
-            <a:off x="1532255" y="1825625"/>
-            <a:ext cx="9126220" cy="4351655"/>
-          </a:xfrm>
-          <a:prstGeom prst="rect">
-            <a:avLst/>
-          </a:prstGeom>
-        </p:spPr>
-      </p:pic>
-      <p:sp>
-        <p:nvSpPr>
-          <p:cNvPr id="3" name="Slide Number Placeholder 2"/>
-          <p:cNvSpPr>
-            <a:spLocks noGrp="1"/>
-          </p:cNvSpPr>
-          <p:nvPr>
-            <p:ph type="sldNum" sz="quarter" idx="12"/>
-          </p:nvPr>
-        </p:nvSpPr>
-        <p:spPr/>
-        <p:txBody>
-          <a:bodyPr/>
-          <a:lstStyle/>
-          <a:p>
-            <a:fld id="{9B618960-8005-486C-9A75-10CB2AAC16F9}" type="slidenum">
-              <a:rPr lang="en-US" smtClean="0"/>
-              <a:t>13</a:t>
-            </a:fld>
-            <a:endParaRPr lang="en-US"/>
-          </a:p>
-        </p:txBody>
-      </p:sp>
-    </p:spTree>
-  </p:cSld>
-  <p:clrMapOvr>
-    <a:masterClrMapping/>
-  </p:clrMapOvr>
-</p:sld>
-</file>
-
-<file path=ppt/slides/slide14.xml><?xml version="1.0" encoding="utf-8"?>
-<p:sld xmlns:a="http://schemas.openxmlformats.org/drawingml/2006/main" xmlns:r="http://schemas.openxmlformats.org/officeDocument/2006/relationships" xmlns:p="http://schemas.openxmlformats.org/presentationml/2006/main">
-  <p:cSld>
-    <p:spTree>
-      <p:nvGrpSpPr>
-        <p:cNvPr id="1" name=""/>
-        <p:cNvGrpSpPr/>
-        <p:nvPr/>
-      </p:nvGrpSpPr>
-      <p:grpSpPr>
-        <a:xfrm>
-          <a:off x="0" y="0"/>
-          <a:ext cx="0" cy="0"/>
-          <a:chOff x="0" y="0"/>
-          <a:chExt cx="0" cy="0"/>
-        </a:xfrm>
-      </p:grpSpPr>
-      <p:sp>
-        <p:nvSpPr>
-          <p:cNvPr id="2" name="Title 1"/>
-          <p:cNvSpPr>
-            <a:spLocks noGrp="1"/>
-          </p:cNvSpPr>
-          <p:nvPr>
-            <p:ph type="title"/>
-          </p:nvPr>
-        </p:nvSpPr>
-        <p:spPr/>
-        <p:txBody>
-          <a:bodyPr/>
-          <a:lstStyle/>
-          <a:p>
-            <a:r>
-              <a:rPr lang="en-US"/>
-              <a:t>Wordpress AI Assitant </a:t>
-            </a:r>
-          </a:p>
-        </p:txBody>
-      </p:sp>
-      <p:pic>
-        <p:nvPicPr>
-          <p:cNvPr id="4" name="Content Placeholder 3"/>
-          <p:cNvPicPr>
-            <a:picLocks noGrp="1" noChangeAspect="1"/>
-          </p:cNvPicPr>
-          <p:nvPr>
-            <p:ph idx="1"/>
-          </p:nvPr>
-        </p:nvPicPr>
-        <p:blipFill>
-          <a:blip r:embed="rId2"/>
-          <a:stretch>
-            <a:fillRect/>
-          </a:stretch>
-        </p:blipFill>
-        <p:spPr>
-          <a:xfrm>
-            <a:off x="8225790" y="206375"/>
-            <a:ext cx="3128010" cy="6445250"/>
-          </a:xfrm>
-          <a:prstGeom prst="rect">
-            <a:avLst/>
-          </a:prstGeom>
-        </p:spPr>
-      </p:pic>
-      <p:sp>
-        <p:nvSpPr>
-          <p:cNvPr id="3" name="Slide Number Placeholder 2"/>
-          <p:cNvSpPr>
-            <a:spLocks noGrp="1"/>
-          </p:cNvSpPr>
-          <p:nvPr>
-            <p:ph type="sldNum" sz="quarter" idx="12"/>
-          </p:nvPr>
-        </p:nvSpPr>
-        <p:spPr/>
-        <p:txBody>
-          <a:bodyPr/>
-          <a:lstStyle/>
-          <a:p>
-            <a:fld id="{9B618960-8005-486C-9A75-10CB2AAC16F9}" type="slidenum">
-              <a:rPr lang="en-US" smtClean="0"/>
               <a:t>14</a:t>
             </a:fld>
             <a:endParaRPr lang="en-US"/>
@@ -4169,258 +6895,6 @@
 </file>
 
 <file path=ppt/slides/slide15.xml><?xml version="1.0" encoding="utf-8"?>
-<p:sld xmlns:a="http://schemas.openxmlformats.org/drawingml/2006/main" xmlns:r="http://schemas.openxmlformats.org/officeDocument/2006/relationships" xmlns:p="http://schemas.openxmlformats.org/presentationml/2006/main">
-  <p:cSld>
-    <p:spTree>
-      <p:nvGrpSpPr>
-        <p:cNvPr id="1" name=""/>
-        <p:cNvGrpSpPr/>
-        <p:nvPr/>
-      </p:nvGrpSpPr>
-      <p:grpSpPr>
-        <a:xfrm>
-          <a:off x="0" y="0"/>
-          <a:ext cx="0" cy="0"/>
-          <a:chOff x="0" y="0"/>
-          <a:chExt cx="0" cy="0"/>
-        </a:xfrm>
-      </p:grpSpPr>
-      <p:sp>
-        <p:nvSpPr>
-          <p:cNvPr id="2" name="Title 1"/>
-          <p:cNvSpPr>
-            <a:spLocks noGrp="1"/>
-          </p:cNvSpPr>
-          <p:nvPr>
-            <p:ph type="title"/>
-          </p:nvPr>
-        </p:nvSpPr>
-        <p:spPr/>
-        <p:txBody>
-          <a:bodyPr>
-            <a:normAutofit/>
-          </a:bodyPr>
-          <a:lstStyle/>
-          <a:p>
-            <a:r>
-              <a:rPr lang="en-US" altLang="en-GB"/>
-              <a:t>Contents creation timeline</a:t>
-            </a:r>
-          </a:p>
-        </p:txBody>
-      </p:sp>
-      <p:sp>
-        <p:nvSpPr>
-          <p:cNvPr id="3" name="Content Placeholder 2"/>
-          <p:cNvSpPr>
-            <a:spLocks noGrp="1"/>
-          </p:cNvSpPr>
-          <p:nvPr>
-            <p:ph idx="1"/>
-          </p:nvPr>
-        </p:nvSpPr>
-        <p:spPr/>
-        <p:txBody>
-          <a:bodyPr>
-            <a:normAutofit fontScale="75000" lnSpcReduction="20000"/>
-          </a:bodyPr>
-          <a:lstStyle/>
-          <a:p>
-            <a:r>
-              <a:rPr lang="zh-CN" altLang="en-US"/>
-              <a:t>🌐</a:t>
-            </a:r>
-            <a:r>
-              <a:rPr lang="en-US" altLang="en-GB"/>
-              <a:t> Web 1.0 (1990s) </a:t>
-            </a:r>
-            <a:r>
-              <a:rPr lang="zh-CN" altLang="en-US"/>
-              <a:t>🌐</a:t>
-            </a:r>
-            <a:r>
-              <a:rPr lang="en-US" altLang="en-GB"/>
-              <a:t> </a:t>
-            </a:r>
-            <a:r>
-              <a:rPr lang="en-US" altLang="en-US"/>
-              <a:t>➡</a:t>
-            </a:r>
-            <a:r>
-              <a:rPr lang="" altLang="en-US"/>
-              <a:t>️</a:t>
-            </a:r>
-            <a:r>
-              <a:rPr lang="en-US" altLang="en-GB"/>
-              <a:t> Static pages, one-way streets for information.</a:t>
-            </a:r>
-          </a:p>
-          <a:p>
-            <a:endParaRPr lang="en-US" altLang="en-GB"/>
-          </a:p>
-          <a:p>
-            <a:r>
-              <a:rPr lang="zh-CN" altLang="en-US"/>
-              <a:t>📸</a:t>
-            </a:r>
-            <a:r>
-              <a:rPr lang="en-US" altLang="en-GB"/>
-              <a:t> Web 2.0 (Early 2000s) </a:t>
-            </a:r>
-            <a:r>
-              <a:rPr lang="zh-CN" altLang="en-US"/>
-              <a:t>📸</a:t>
-            </a:r>
-            <a:r>
-              <a:rPr lang="en-US" altLang="en-GB"/>
-              <a:t> </a:t>
-            </a:r>
-            <a:r>
-              <a:rPr lang="en-US" altLang="en-US"/>
-              <a:t>➡</a:t>
-            </a:r>
-            <a:r>
-              <a:rPr lang="" altLang="en-US"/>
-              <a:t>️</a:t>
-            </a:r>
-            <a:r>
-              <a:rPr lang="en-US" altLang="en-GB"/>
-              <a:t> User-generated content via blogs and forums.</a:t>
-            </a:r>
-          </a:p>
-          <a:p>
-            <a:endParaRPr lang="en-US" altLang="en-GB"/>
-          </a:p>
-          <a:p>
-            <a:r>
-              <a:rPr lang="zh-CN" altLang="en-US"/>
-              <a:t>📱</a:t>
-            </a:r>
-            <a:r>
-              <a:rPr lang="en-US" altLang="en-GB"/>
-              <a:t> The Rise of Social Media (Mid-2000s) </a:t>
-            </a:r>
-            <a:r>
-              <a:rPr lang="zh-CN" altLang="en-US"/>
-              <a:t>📱</a:t>
-            </a:r>
-            <a:r>
-              <a:rPr lang="en-US" altLang="en-GB"/>
-              <a:t> </a:t>
-            </a:r>
-            <a:r>
-              <a:rPr lang="en-US" altLang="en-US"/>
-              <a:t>➡</a:t>
-            </a:r>
-            <a:r>
-              <a:rPr lang="" altLang="en-US"/>
-              <a:t>️</a:t>
-            </a:r>
-            <a:r>
-              <a:rPr lang="en-US" altLang="en-GB"/>
-              <a:t> Content creation exploded, share &amp; influence, "Viral" became a buzzword.</a:t>
-            </a:r>
-          </a:p>
-          <a:p>
-            <a:endParaRPr lang="en-US" altLang="en-GB"/>
-          </a:p>
-          <a:p>
-            <a:r>
-              <a:rPr lang="zh-CN" altLang="en-US"/>
-              <a:t>📱</a:t>
-            </a:r>
-            <a:r>
-              <a:rPr lang="en-US" altLang="en-GB"/>
-              <a:t> Mobile Era (2010s) </a:t>
-            </a:r>
-            <a:r>
-              <a:rPr lang="zh-CN" altLang="en-US"/>
-              <a:t>📱</a:t>
-            </a:r>
-            <a:r>
-              <a:rPr lang="en-US" altLang="en-GB"/>
-              <a:t> </a:t>
-            </a:r>
-            <a:r>
-              <a:rPr lang="en-US" altLang="en-US"/>
-              <a:t>➡</a:t>
-            </a:r>
-            <a:r>
-              <a:rPr lang="" altLang="en-US"/>
-              <a:t>️</a:t>
-            </a:r>
-            <a:r>
-              <a:rPr lang="en-US" altLang="en-GB"/>
-              <a:t> Content consumption habits changed, visual storytelling, short content.</a:t>
-            </a:r>
-          </a:p>
-          <a:p>
-            <a:endParaRPr lang="en-US" altLang="en-GB"/>
-          </a:p>
-          <a:p>
-            <a:r>
-              <a:rPr lang="zh-CN" altLang="en-US"/>
-              <a:t>🤖</a:t>
-            </a:r>
-            <a:r>
-              <a:rPr lang="en-US" altLang="en-GB"/>
-              <a:t> AI and Automation (Present) </a:t>
-            </a:r>
-            <a:r>
-              <a:rPr lang="zh-CN" altLang="en-US"/>
-              <a:t>🤖</a:t>
-            </a:r>
-            <a:r>
-              <a:rPr lang="en-US" altLang="en-GB"/>
-              <a:t> </a:t>
-            </a:r>
-            <a:r>
-              <a:rPr lang="en-US" altLang="en-US"/>
-              <a:t>➡</a:t>
-            </a:r>
-            <a:r>
-              <a:rPr lang="" altLang="en-US"/>
-              <a:t>️</a:t>
-            </a:r>
-            <a:r>
-              <a:rPr lang="en-US" altLang="en-GB"/>
-              <a:t> Today's helpers. Today, AI assists content creators with everything.</a:t>
-            </a:r>
-          </a:p>
-        </p:txBody>
-      </p:sp>
-      <p:sp>
-        <p:nvSpPr>
-          <p:cNvPr id="4" name="Slide Number Placeholder 3"/>
-          <p:cNvSpPr>
-            <a:spLocks noGrp="1"/>
-          </p:cNvSpPr>
-          <p:nvPr>
-            <p:ph type="sldNum" sz="quarter" idx="12"/>
-          </p:nvPr>
-        </p:nvSpPr>
-        <p:spPr/>
-        <p:txBody>
-          <a:bodyPr/>
-          <a:lstStyle/>
-          <a:p>
-            <a:fld id="{9B618960-8005-486C-9A75-10CB2AAC16F9}" type="slidenum">
-              <a:rPr lang="en-US" smtClean="0"/>
-              <a:t>15</a:t>
-            </a:fld>
-            <a:endParaRPr lang="en-US"/>
-          </a:p>
-        </p:txBody>
-      </p:sp>
-    </p:spTree>
-  </p:cSld>
-  <p:clrMapOvr>
-    <a:masterClrMapping/>
-  </p:clrMapOvr>
-</p:sld>
-</file>
-
-<file path=ppt/slides/slide16.xml><?xml version="1.0" encoding="utf-8"?>
 <p:sld xmlns:a="http://schemas.openxmlformats.org/drawingml/2006/main" xmlns:r="http://schemas.openxmlformats.org/officeDocument/2006/relationships" xmlns:p="http://schemas.openxmlformats.org/presentationml/2006/main">
   <p:cSld>
     <p:spTree>
@@ -4528,7 +7002,7 @@
           <a:p>
             <a:fld id="{9B618960-8005-486C-9A75-10CB2AAC16F9}" type="slidenum">
               <a:rPr lang="en-US" smtClean="0"/>
-              <a:t>16</a:t>
+              <a:t>15</a:t>
             </a:fld>
             <a:endParaRPr lang="en-US"/>
           </a:p>
@@ -11060,6 +13534,211 @@
       </p:grpSpPr>
       <p:sp>
         <p:nvSpPr>
+          <p:cNvPr id="2" name="Title 1"/>
+          <p:cNvSpPr>
+            <a:spLocks noGrp="1"/>
+          </p:cNvSpPr>
+          <p:nvPr>
+            <p:ph type="title"/>
+          </p:nvPr>
+        </p:nvSpPr>
+        <p:spPr/>
+        <p:txBody>
+          <a:bodyPr/>
+          <a:lstStyle/>
+          <a:p>
+            <a:r>
+              <a:rPr lang="en-US">
+                <a:sym typeface="+mn-ea"/>
+              </a:rPr>
+              <a:t>Wordpress AI Assitant </a:t>
+            </a:r>
+            <a:endParaRPr lang="en-US"/>
+          </a:p>
+        </p:txBody>
+      </p:sp>
+      <p:pic>
+        <p:nvPicPr>
+          <p:cNvPr id="4" name="Content Placeholder 3"/>
+          <p:cNvPicPr>
+            <a:picLocks noGrp="1" noChangeAspect="1"/>
+          </p:cNvPicPr>
+          <p:nvPr>
+            <p:ph idx="1"/>
+          </p:nvPr>
+        </p:nvPicPr>
+        <p:blipFill>
+          <a:blip r:embed="rId2"/>
+          <a:stretch>
+            <a:fillRect/>
+          </a:stretch>
+        </p:blipFill>
+        <p:spPr>
+          <a:xfrm>
+            <a:off x="1532255" y="1825625"/>
+            <a:ext cx="9126220" cy="4351655"/>
+          </a:xfrm>
+          <a:prstGeom prst="rect">
+            <a:avLst/>
+          </a:prstGeom>
+        </p:spPr>
+      </p:pic>
+      <p:sp>
+        <p:nvSpPr>
+          <p:cNvPr id="3" name="Slide Number Placeholder 2"/>
+          <p:cNvSpPr>
+            <a:spLocks noGrp="1"/>
+          </p:cNvSpPr>
+          <p:nvPr>
+            <p:ph type="sldNum" sz="quarter" idx="12"/>
+          </p:nvPr>
+        </p:nvSpPr>
+        <p:spPr/>
+        <p:txBody>
+          <a:bodyPr/>
+          <a:lstStyle/>
+          <a:p>
+            <a:fld id="{9B618960-8005-486C-9A75-10CB2AAC16F9}" type="slidenum">
+              <a:rPr lang="en-US" smtClean="0"/>
+              <a:t>6</a:t>
+            </a:fld>
+            <a:endParaRPr lang="en-US"/>
+          </a:p>
+        </p:txBody>
+      </p:sp>
+    </p:spTree>
+    <p:extLst>
+      <p:ext uri="{BB962C8B-B14F-4D97-AF65-F5344CB8AC3E}">
+        <p14:creationId xmlns:p14="http://schemas.microsoft.com/office/powerpoint/2010/main" val="1223466115"/>
+      </p:ext>
+    </p:extLst>
+  </p:cSld>
+  <p:clrMapOvr>
+    <a:masterClrMapping/>
+  </p:clrMapOvr>
+</p:sld>
+</file>
+
+<file path=ppt/slides/slide7.xml><?xml version="1.0" encoding="utf-8"?>
+<p:sld xmlns:a="http://schemas.openxmlformats.org/drawingml/2006/main" xmlns:r="http://schemas.openxmlformats.org/officeDocument/2006/relationships" xmlns:p="http://schemas.openxmlformats.org/presentationml/2006/main">
+  <p:cSld>
+    <p:spTree>
+      <p:nvGrpSpPr>
+        <p:cNvPr id="1" name=""/>
+        <p:cNvGrpSpPr/>
+        <p:nvPr/>
+      </p:nvGrpSpPr>
+      <p:grpSpPr>
+        <a:xfrm>
+          <a:off x="0" y="0"/>
+          <a:ext cx="0" cy="0"/>
+          <a:chOff x="0" y="0"/>
+          <a:chExt cx="0" cy="0"/>
+        </a:xfrm>
+      </p:grpSpPr>
+      <p:sp>
+        <p:nvSpPr>
+          <p:cNvPr id="2" name="Title 1"/>
+          <p:cNvSpPr>
+            <a:spLocks noGrp="1"/>
+          </p:cNvSpPr>
+          <p:nvPr>
+            <p:ph type="title"/>
+          </p:nvPr>
+        </p:nvSpPr>
+        <p:spPr/>
+        <p:txBody>
+          <a:bodyPr/>
+          <a:lstStyle/>
+          <a:p>
+            <a:r>
+              <a:rPr lang="en-US"/>
+              <a:t>Wordpress AI Assitant </a:t>
+            </a:r>
+          </a:p>
+        </p:txBody>
+      </p:sp>
+      <p:pic>
+        <p:nvPicPr>
+          <p:cNvPr id="4" name="Content Placeholder 3"/>
+          <p:cNvPicPr>
+            <a:picLocks noGrp="1" noChangeAspect="1"/>
+          </p:cNvPicPr>
+          <p:nvPr>
+            <p:ph idx="1"/>
+          </p:nvPr>
+        </p:nvPicPr>
+        <p:blipFill>
+          <a:blip r:embed="rId2"/>
+          <a:stretch>
+            <a:fillRect/>
+          </a:stretch>
+        </p:blipFill>
+        <p:spPr>
+          <a:xfrm>
+            <a:off x="8225790" y="206375"/>
+            <a:ext cx="3128010" cy="6445250"/>
+          </a:xfrm>
+          <a:prstGeom prst="rect">
+            <a:avLst/>
+          </a:prstGeom>
+        </p:spPr>
+      </p:pic>
+      <p:sp>
+        <p:nvSpPr>
+          <p:cNvPr id="3" name="Slide Number Placeholder 2"/>
+          <p:cNvSpPr>
+            <a:spLocks noGrp="1"/>
+          </p:cNvSpPr>
+          <p:nvPr>
+            <p:ph type="sldNum" sz="quarter" idx="12"/>
+          </p:nvPr>
+        </p:nvSpPr>
+        <p:spPr/>
+        <p:txBody>
+          <a:bodyPr/>
+          <a:lstStyle/>
+          <a:p>
+            <a:fld id="{9B618960-8005-486C-9A75-10CB2AAC16F9}" type="slidenum">
+              <a:rPr lang="en-US" smtClean="0"/>
+              <a:t>7</a:t>
+            </a:fld>
+            <a:endParaRPr lang="en-US"/>
+          </a:p>
+        </p:txBody>
+      </p:sp>
+    </p:spTree>
+    <p:extLst>
+      <p:ext uri="{BB962C8B-B14F-4D97-AF65-F5344CB8AC3E}">
+        <p14:creationId xmlns:p14="http://schemas.microsoft.com/office/powerpoint/2010/main" val="1239862180"/>
+      </p:ext>
+    </p:extLst>
+  </p:cSld>
+  <p:clrMapOvr>
+    <a:masterClrMapping/>
+  </p:clrMapOvr>
+</p:sld>
+</file>
+
+<file path=ppt/slides/slide8.xml><?xml version="1.0" encoding="utf-8"?>
+<p:sld xmlns:a="http://schemas.openxmlformats.org/drawingml/2006/main" xmlns:r="http://schemas.openxmlformats.org/officeDocument/2006/relationships" xmlns:p="http://schemas.openxmlformats.org/presentationml/2006/main">
+  <p:cSld>
+    <p:spTree>
+      <p:nvGrpSpPr>
+        <p:cNvPr id="1" name=""/>
+        <p:cNvGrpSpPr/>
+        <p:nvPr/>
+      </p:nvGrpSpPr>
+      <p:grpSpPr>
+        <a:xfrm>
+          <a:off x="0" y="0"/>
+          <a:ext cx="0" cy="0"/>
+          <a:chOff x="0" y="0"/>
+          <a:chExt cx="0" cy="0"/>
+        </a:xfrm>
+      </p:grpSpPr>
+      <p:sp>
+        <p:nvSpPr>
           <p:cNvPr id="2" name="Title 1">
             <a:extLst>
               <a:ext uri="{FF2B5EF4-FFF2-40B4-BE49-F238E27FC236}">
@@ -11114,7 +13793,7 @@
           <a:p>
             <a:fld id="{9B618960-8005-486C-9A75-10CB2AAC16F9}" type="slidenum">
               <a:rPr lang="en-US" smtClean="0"/>
-              <a:t>6</a:t>
+              <a:t>8</a:t>
             </a:fld>
             <a:endParaRPr lang="en-US"/>
           </a:p>
@@ -13038,7 +15717,7 @@
 </p:sld>
 </file>
 
-<file path=ppt/slides/slide7.xml><?xml version="1.0" encoding="utf-8"?>
+<file path=ppt/slides/slide9.xml><?xml version="1.0" encoding="utf-8"?>
 <p:sld xmlns:a="http://schemas.openxmlformats.org/drawingml/2006/main" xmlns:r="http://schemas.openxmlformats.org/officeDocument/2006/relationships" xmlns:p="http://schemas.openxmlformats.org/presentationml/2006/main">
   <p:cSld>
     <p:spTree>
@@ -13117,7 +15796,7 @@
           <a:p>
             <a:fld id="{9B618960-8005-486C-9A75-10CB2AAC16F9}" type="slidenum">
               <a:rPr lang="en-US" smtClean="0"/>
-              <a:t>7</a:t>
+              <a:t>9</a:t>
             </a:fld>
             <a:endParaRPr lang="en-US"/>
           </a:p>
@@ -15906,2928 +18585,6 @@
         <p14:creationId xmlns:p14="http://schemas.microsoft.com/office/powerpoint/2010/main" val="2207115179"/>
       </p:ext>
     </p:extLst>
-  </p:cSld>
-  <p:clrMapOvr>
-    <a:masterClrMapping/>
-  </p:clrMapOvr>
-</p:sld>
-</file>
-
-<file path=ppt/slides/slide8.xml><?xml version="1.0" encoding="utf-8"?>
-<p:sld xmlns:a="http://schemas.openxmlformats.org/drawingml/2006/main" xmlns:r="http://schemas.openxmlformats.org/officeDocument/2006/relationships" xmlns:p="http://schemas.openxmlformats.org/presentationml/2006/main">
-  <p:cSld>
-    <p:spTree>
-      <p:nvGrpSpPr>
-        <p:cNvPr id="1" name=""/>
-        <p:cNvGrpSpPr/>
-        <p:nvPr/>
-      </p:nvGrpSpPr>
-      <p:grpSpPr>
-        <a:xfrm>
-          <a:off x="0" y="0"/>
-          <a:ext cx="0" cy="0"/>
-          <a:chOff x="0" y="0"/>
-          <a:chExt cx="0" cy="0"/>
-        </a:xfrm>
-      </p:grpSpPr>
-      <p:sp>
-        <p:nvSpPr>
-          <p:cNvPr id="2" name="Title 1">
-            <a:extLst>
-              <a:ext uri="{FF2B5EF4-FFF2-40B4-BE49-F238E27FC236}">
-                <a16:creationId xmlns:a16="http://schemas.microsoft.com/office/drawing/2014/main" id="{55F42937-FFA4-A3C7-8281-340C1304B16D}"/>
-              </a:ext>
-            </a:extLst>
-          </p:cNvPr>
-          <p:cNvSpPr>
-            <a:spLocks noGrp="1"/>
-          </p:cNvSpPr>
-          <p:nvPr>
-            <p:ph type="title"/>
-          </p:nvPr>
-        </p:nvSpPr>
-        <p:spPr>
-          <a:xfrm>
-            <a:off x="10719319" y="136525"/>
-            <a:ext cx="1653073" cy="1325563"/>
-          </a:xfrm>
-        </p:spPr>
-        <p:txBody>
-          <a:bodyPr>
-            <a:normAutofit fontScale="90000"/>
-          </a:bodyPr>
-          <a:lstStyle/>
-          <a:p>
-            <a:r>
-              <a:rPr lang="en-US" sz="2000" b="1" dirty="0"/>
-              <a:t>Cybersecurity Engineer</a:t>
-            </a:r>
-            <a:r>
-              <a:rPr lang="en-US" sz="2000" dirty="0"/>
-              <a:t> (focused on critical infrastructures)</a:t>
-            </a:r>
-          </a:p>
-        </p:txBody>
-      </p:sp>
-      <p:sp>
-        <p:nvSpPr>
-          <p:cNvPr id="4" name="Slide Number Placeholder 3">
-            <a:extLst>
-              <a:ext uri="{FF2B5EF4-FFF2-40B4-BE49-F238E27FC236}">
-                <a16:creationId xmlns:a16="http://schemas.microsoft.com/office/drawing/2014/main" id="{B014B015-84F9-243F-1003-48C0891FF0BF}"/>
-              </a:ext>
-            </a:extLst>
-          </p:cNvPr>
-          <p:cNvSpPr>
-            <a:spLocks noGrp="1"/>
-          </p:cNvSpPr>
-          <p:nvPr>
-            <p:ph type="sldNum" sz="quarter" idx="12"/>
-          </p:nvPr>
-        </p:nvSpPr>
-        <p:spPr/>
-        <p:txBody>
-          <a:bodyPr/>
-          <a:lstStyle/>
-          <a:p>
-            <a:fld id="{9B618960-8005-486C-9A75-10CB2AAC16F9}" type="slidenum">
-              <a:rPr lang="en-US" smtClean="0"/>
-              <a:t>8</a:t>
-            </a:fld>
-            <a:endParaRPr lang="en-US"/>
-          </a:p>
-        </p:txBody>
-      </p:sp>
-      <p:graphicFrame>
-        <p:nvGraphicFramePr>
-          <p:cNvPr id="5" name="Table 4">
-            <a:extLst>
-              <a:ext uri="{FF2B5EF4-FFF2-40B4-BE49-F238E27FC236}">
-                <a16:creationId xmlns:a16="http://schemas.microsoft.com/office/drawing/2014/main" id="{7AF43F20-E981-B04D-74AF-6B93FF114618}"/>
-              </a:ext>
-            </a:extLst>
-          </p:cNvPr>
-          <p:cNvGraphicFramePr>
-            <a:graphicFrameLocks noGrp="1"/>
-          </p:cNvGraphicFramePr>
-          <p:nvPr>
-            <p:extLst>
-              <p:ext uri="{D42A27DB-BD31-4B8C-83A1-F6EECF244321}">
-                <p14:modId xmlns:p14="http://schemas.microsoft.com/office/powerpoint/2010/main" val="1597092895"/>
-              </p:ext>
-            </p:extLst>
-          </p:nvPr>
-        </p:nvGraphicFramePr>
-        <p:xfrm>
-          <a:off x="76593" y="52400"/>
-          <a:ext cx="10802901" cy="6708867"/>
-        </p:xfrm>
-        <a:graphic>
-          <a:graphicData uri="http://schemas.openxmlformats.org/drawingml/2006/table">
-            <a:tbl>
-              <a:tblPr/>
-              <a:tblGrid>
-                <a:gridCol w="3093309">
-                  <a:extLst>
-                    <a:ext uri="{9D8B030D-6E8A-4147-A177-3AD203B41FA5}">
-                      <a16:colId xmlns:a16="http://schemas.microsoft.com/office/drawing/2014/main" val="1000547542"/>
-                    </a:ext>
-                  </a:extLst>
-                </a:gridCol>
-                <a:gridCol w="1318368">
-                  <a:extLst>
-                    <a:ext uri="{9D8B030D-6E8A-4147-A177-3AD203B41FA5}">
-                      <a16:colId xmlns:a16="http://schemas.microsoft.com/office/drawing/2014/main" val="2917834481"/>
-                    </a:ext>
-                  </a:extLst>
-                </a:gridCol>
-                <a:gridCol w="6391224">
-                  <a:extLst>
-                    <a:ext uri="{9D8B030D-6E8A-4147-A177-3AD203B41FA5}">
-                      <a16:colId xmlns:a16="http://schemas.microsoft.com/office/drawing/2014/main" val="3077857697"/>
-                    </a:ext>
-                  </a:extLst>
-                </a:gridCol>
-              </a:tblGrid>
-              <a:tr h="157839">
-                <a:tc>
-                  <a:txBody>
-                    <a:bodyPr/>
-                    <a:lstStyle/>
-                    <a:p>
-                      <a:pPr>
-                        <a:buNone/>
-                      </a:pPr>
-                      <a:r>
-                        <a:rPr lang="en-US" sz="1400" b="1"/>
-                        <a:t>Task</a:t>
-                      </a:r>
-                      <a:endParaRPr lang="en-US" sz="1400"/>
-                    </a:p>
-                  </a:txBody>
-                  <a:tcPr marL="28255" marR="28255" marT="14128" marB="14128" anchor="ctr">
-                    <a:lnL w="12700" cap="flat" cmpd="sng" algn="ctr">
-                      <a:solidFill>
-                        <a:schemeClr val="tx1"/>
-                      </a:solidFill>
-                      <a:prstDash val="solid"/>
-                      <a:round/>
-                      <a:headEnd type="none" w="med" len="med"/>
-                      <a:tailEnd type="none" w="med" len="med"/>
-                    </a:lnL>
-                    <a:lnR w="12700" cap="flat" cmpd="sng" algn="ctr">
-                      <a:solidFill>
-                        <a:schemeClr val="tx1"/>
-                      </a:solidFill>
-                      <a:prstDash val="solid"/>
-                      <a:round/>
-                      <a:headEnd type="none" w="med" len="med"/>
-                      <a:tailEnd type="none" w="med" len="med"/>
-                    </a:lnR>
-                    <a:lnT w="12700" cap="flat" cmpd="sng" algn="ctr">
-                      <a:solidFill>
-                        <a:schemeClr val="tx1"/>
-                      </a:solidFill>
-                      <a:prstDash val="solid"/>
-                      <a:round/>
-                      <a:headEnd type="none" w="med" len="med"/>
-                      <a:tailEnd type="none" w="med" len="med"/>
-                    </a:lnT>
-                    <a:lnB w="12700" cap="flat" cmpd="sng" algn="ctr">
-                      <a:solidFill>
-                        <a:schemeClr val="tx1"/>
-                      </a:solidFill>
-                      <a:prstDash val="solid"/>
-                      <a:round/>
-                      <a:headEnd type="none" w="med" len="med"/>
-                      <a:tailEnd type="none" w="med" len="med"/>
-                    </a:lnB>
-                    <a:noFill/>
-                  </a:tcPr>
-                </a:tc>
-                <a:tc>
-                  <a:txBody>
-                    <a:bodyPr/>
-                    <a:lstStyle/>
-                    <a:p>
-                      <a:pPr>
-                        <a:buNone/>
-                      </a:pPr>
-                      <a:r>
-                        <a:rPr lang="en-US" sz="1400" b="1"/>
-                        <a:t>GenAI Potential</a:t>
-                      </a:r>
-                      <a:endParaRPr lang="en-US" sz="1400"/>
-                    </a:p>
-                  </a:txBody>
-                  <a:tcPr marL="28255" marR="28255" marT="14128" marB="14128" anchor="ctr">
-                    <a:lnL w="12700" cap="flat" cmpd="sng" algn="ctr">
-                      <a:solidFill>
-                        <a:schemeClr val="tx1"/>
-                      </a:solidFill>
-                      <a:prstDash val="solid"/>
-                      <a:round/>
-                      <a:headEnd type="none" w="med" len="med"/>
-                      <a:tailEnd type="none" w="med" len="med"/>
-                    </a:lnL>
-                    <a:lnR w="12700" cap="flat" cmpd="sng" algn="ctr">
-                      <a:solidFill>
-                        <a:schemeClr val="tx1"/>
-                      </a:solidFill>
-                      <a:prstDash val="solid"/>
-                      <a:round/>
-                      <a:headEnd type="none" w="med" len="med"/>
-                      <a:tailEnd type="none" w="med" len="med"/>
-                    </a:lnR>
-                    <a:lnT w="12700" cap="flat" cmpd="sng" algn="ctr">
-                      <a:solidFill>
-                        <a:schemeClr val="tx1"/>
-                      </a:solidFill>
-                      <a:prstDash val="solid"/>
-                      <a:round/>
-                      <a:headEnd type="none" w="med" len="med"/>
-                      <a:tailEnd type="none" w="med" len="med"/>
-                    </a:lnT>
-                    <a:lnB w="12700" cap="flat" cmpd="sng" algn="ctr">
-                      <a:solidFill>
-                        <a:schemeClr val="tx1"/>
-                      </a:solidFill>
-                      <a:prstDash val="solid"/>
-                      <a:round/>
-                      <a:headEnd type="none" w="med" len="med"/>
-                      <a:tailEnd type="none" w="med" len="med"/>
-                    </a:lnB>
-                    <a:noFill/>
-                  </a:tcPr>
-                </a:tc>
-                <a:tc>
-                  <a:txBody>
-                    <a:bodyPr/>
-                    <a:lstStyle/>
-                    <a:p>
-                      <a:pPr>
-                        <a:buNone/>
-                      </a:pPr>
-                      <a:r>
-                        <a:rPr lang="en-US" sz="1400" b="1"/>
-                        <a:t>Notes / Examples</a:t>
-                      </a:r>
-                      <a:endParaRPr lang="en-US" sz="1400"/>
-                    </a:p>
-                  </a:txBody>
-                  <a:tcPr marL="28255" marR="28255" marT="14128" marB="14128" anchor="ctr">
-                    <a:lnL w="12700" cap="flat" cmpd="sng" algn="ctr">
-                      <a:solidFill>
-                        <a:schemeClr val="tx1"/>
-                      </a:solidFill>
-                      <a:prstDash val="solid"/>
-                      <a:round/>
-                      <a:headEnd type="none" w="med" len="med"/>
-                      <a:tailEnd type="none" w="med" len="med"/>
-                    </a:lnL>
-                    <a:lnR w="12700" cap="flat" cmpd="sng" algn="ctr">
-                      <a:solidFill>
-                        <a:schemeClr val="tx1"/>
-                      </a:solidFill>
-                      <a:prstDash val="solid"/>
-                      <a:round/>
-                      <a:headEnd type="none" w="med" len="med"/>
-                      <a:tailEnd type="none" w="med" len="med"/>
-                    </a:lnR>
-                    <a:lnT w="12700" cap="flat" cmpd="sng" algn="ctr">
-                      <a:solidFill>
-                        <a:schemeClr val="tx1"/>
-                      </a:solidFill>
-                      <a:prstDash val="solid"/>
-                      <a:round/>
-                      <a:headEnd type="none" w="med" len="med"/>
-                      <a:tailEnd type="none" w="med" len="med"/>
-                    </a:lnT>
-                    <a:lnB w="12700" cap="flat" cmpd="sng" algn="ctr">
-                      <a:solidFill>
-                        <a:schemeClr val="tx1"/>
-                      </a:solidFill>
-                      <a:prstDash val="solid"/>
-                      <a:round/>
-                      <a:headEnd type="none" w="med" len="med"/>
-                      <a:tailEnd type="none" w="med" len="med"/>
-                    </a:lnB>
-                    <a:noFill/>
-                  </a:tcPr>
-                </a:tc>
-                <a:extLst>
-                  <a:ext uri="{0D108BD9-81ED-4DB2-BD59-A6C34878D82A}">
-                    <a16:rowId xmlns:a16="http://schemas.microsoft.com/office/drawing/2014/main" val="2019482500"/>
-                  </a:ext>
-                </a:extLst>
-              </a:tr>
-              <a:tr h="519574">
-                <a:tc>
-                  <a:txBody>
-                    <a:bodyPr/>
-                    <a:lstStyle/>
-                    <a:p>
-                      <a:pPr>
-                        <a:buNone/>
-                      </a:pPr>
-                      <a:r>
-                        <a:rPr lang="en-US" sz="1400"/>
-                        <a:t>Threat intelligence gathering</a:t>
-                      </a:r>
-                    </a:p>
-                  </a:txBody>
-                  <a:tcPr marL="28255" marR="28255" marT="14128" marB="14128" anchor="ctr">
-                    <a:lnL w="12700" cap="flat" cmpd="sng" algn="ctr">
-                      <a:solidFill>
-                        <a:schemeClr val="tx1"/>
-                      </a:solidFill>
-                      <a:prstDash val="solid"/>
-                      <a:round/>
-                      <a:headEnd type="none" w="med" len="med"/>
-                      <a:tailEnd type="none" w="med" len="med"/>
-                    </a:lnL>
-                    <a:lnR w="12700" cap="flat" cmpd="sng" algn="ctr">
-                      <a:solidFill>
-                        <a:schemeClr val="tx1"/>
-                      </a:solidFill>
-                      <a:prstDash val="solid"/>
-                      <a:round/>
-                      <a:headEnd type="none" w="med" len="med"/>
-                      <a:tailEnd type="none" w="med" len="med"/>
-                    </a:lnR>
-                    <a:lnT w="12700" cap="flat" cmpd="sng" algn="ctr">
-                      <a:solidFill>
-                        <a:schemeClr val="tx1"/>
-                      </a:solidFill>
-                      <a:prstDash val="solid"/>
-                      <a:round/>
-                      <a:headEnd type="none" w="med" len="med"/>
-                      <a:tailEnd type="none" w="med" len="med"/>
-                    </a:lnT>
-                    <a:lnB w="12700" cap="flat" cmpd="sng" algn="ctr">
-                      <a:solidFill>
-                        <a:schemeClr val="tx1"/>
-                      </a:solidFill>
-                      <a:prstDash val="solid"/>
-                      <a:round/>
-                      <a:headEnd type="none" w="med" len="med"/>
-                      <a:tailEnd type="none" w="med" len="med"/>
-                    </a:lnB>
-                    <a:noFill/>
-                  </a:tcPr>
-                </a:tc>
-                <a:tc>
-                  <a:txBody>
-                    <a:bodyPr/>
-                    <a:lstStyle/>
-                    <a:p>
-                      <a:pPr>
-                        <a:buNone/>
-                      </a:pPr>
-                      <a:r>
-                        <a:rPr lang="en-US" sz="1400" b="1"/>
-                        <a:t>High</a:t>
-                      </a:r>
-                      <a:endParaRPr lang="en-US" sz="1400"/>
-                    </a:p>
-                  </a:txBody>
-                  <a:tcPr marL="28255" marR="28255" marT="14128" marB="14128" anchor="ctr">
-                    <a:lnL w="12700" cap="flat" cmpd="sng" algn="ctr">
-                      <a:solidFill>
-                        <a:schemeClr val="tx1"/>
-                      </a:solidFill>
-                      <a:prstDash val="solid"/>
-                      <a:round/>
-                      <a:headEnd type="none" w="med" len="med"/>
-                      <a:tailEnd type="none" w="med" len="med"/>
-                    </a:lnL>
-                    <a:lnR w="12700" cap="flat" cmpd="sng" algn="ctr">
-                      <a:solidFill>
-                        <a:schemeClr val="tx1"/>
-                      </a:solidFill>
-                      <a:prstDash val="solid"/>
-                      <a:round/>
-                      <a:headEnd type="none" w="med" len="med"/>
-                      <a:tailEnd type="none" w="med" len="med"/>
-                    </a:lnR>
-                    <a:lnT w="12700" cap="flat" cmpd="sng" algn="ctr">
-                      <a:solidFill>
-                        <a:schemeClr val="tx1"/>
-                      </a:solidFill>
-                      <a:prstDash val="solid"/>
-                      <a:round/>
-                      <a:headEnd type="none" w="med" len="med"/>
-                      <a:tailEnd type="none" w="med" len="med"/>
-                    </a:lnT>
-                    <a:lnB w="12700" cap="flat" cmpd="sng" algn="ctr">
-                      <a:solidFill>
-                        <a:schemeClr val="tx1"/>
-                      </a:solidFill>
-                      <a:prstDash val="solid"/>
-                      <a:round/>
-                      <a:headEnd type="none" w="med" len="med"/>
-                      <a:tailEnd type="none" w="med" len="med"/>
-                    </a:lnB>
-                    <a:noFill/>
-                  </a:tcPr>
-                </a:tc>
-                <a:tc>
-                  <a:txBody>
-                    <a:bodyPr/>
-                    <a:lstStyle/>
-                    <a:p>
-                      <a:pPr>
-                        <a:buNone/>
-                      </a:pPr>
-                      <a:r>
-                        <a:rPr lang="en-US" sz="1400"/>
-                        <a:t>GenAI can process large volumes of threat reports, dark web info, and news to identify emerging threats.</a:t>
-                      </a:r>
-                    </a:p>
-                  </a:txBody>
-                  <a:tcPr marL="28255" marR="28255" marT="14128" marB="14128" anchor="ctr">
-                    <a:lnL w="12700" cap="flat" cmpd="sng" algn="ctr">
-                      <a:solidFill>
-                        <a:schemeClr val="tx1"/>
-                      </a:solidFill>
-                      <a:prstDash val="solid"/>
-                      <a:round/>
-                      <a:headEnd type="none" w="med" len="med"/>
-                      <a:tailEnd type="none" w="med" len="med"/>
-                    </a:lnL>
-                    <a:lnR w="12700" cap="flat" cmpd="sng" algn="ctr">
-                      <a:solidFill>
-                        <a:schemeClr val="tx1"/>
-                      </a:solidFill>
-                      <a:prstDash val="solid"/>
-                      <a:round/>
-                      <a:headEnd type="none" w="med" len="med"/>
-                      <a:tailEnd type="none" w="med" len="med"/>
-                    </a:lnR>
-                    <a:lnT w="12700" cap="flat" cmpd="sng" algn="ctr">
-                      <a:solidFill>
-                        <a:schemeClr val="tx1"/>
-                      </a:solidFill>
-                      <a:prstDash val="solid"/>
-                      <a:round/>
-                      <a:headEnd type="none" w="med" len="med"/>
-                      <a:tailEnd type="none" w="med" len="med"/>
-                    </a:lnT>
-                    <a:lnB w="12700" cap="flat" cmpd="sng" algn="ctr">
-                      <a:solidFill>
-                        <a:schemeClr val="tx1"/>
-                      </a:solidFill>
-                      <a:prstDash val="solid"/>
-                      <a:round/>
-                      <a:headEnd type="none" w="med" len="med"/>
-                      <a:tailEnd type="none" w="med" len="med"/>
-                    </a:lnB>
-                    <a:noFill/>
-                  </a:tcPr>
-                </a:tc>
-                <a:extLst>
-                  <a:ext uri="{0D108BD9-81ED-4DB2-BD59-A6C34878D82A}">
-                    <a16:rowId xmlns:a16="http://schemas.microsoft.com/office/drawing/2014/main" val="3037926155"/>
-                  </a:ext>
-                </a:extLst>
-              </a:tr>
-              <a:tr h="398996">
-                <a:tc>
-                  <a:txBody>
-                    <a:bodyPr/>
-                    <a:lstStyle/>
-                    <a:p>
-                      <a:pPr>
-                        <a:buNone/>
-                      </a:pPr>
-                      <a:r>
-                        <a:rPr lang="en-US" sz="1400"/>
-                        <a:t>Vulnerability scanning and assessment</a:t>
-                      </a:r>
-                    </a:p>
-                  </a:txBody>
-                  <a:tcPr marL="28255" marR="28255" marT="14128" marB="14128" anchor="ctr">
-                    <a:lnL w="12700" cap="flat" cmpd="sng" algn="ctr">
-                      <a:solidFill>
-                        <a:schemeClr val="tx1"/>
-                      </a:solidFill>
-                      <a:prstDash val="solid"/>
-                      <a:round/>
-                      <a:headEnd type="none" w="med" len="med"/>
-                      <a:tailEnd type="none" w="med" len="med"/>
-                    </a:lnL>
-                    <a:lnR w="12700" cap="flat" cmpd="sng" algn="ctr">
-                      <a:solidFill>
-                        <a:schemeClr val="tx1"/>
-                      </a:solidFill>
-                      <a:prstDash val="solid"/>
-                      <a:round/>
-                      <a:headEnd type="none" w="med" len="med"/>
-                      <a:tailEnd type="none" w="med" len="med"/>
-                    </a:lnR>
-                    <a:lnT w="12700" cap="flat" cmpd="sng" algn="ctr">
-                      <a:solidFill>
-                        <a:schemeClr val="tx1"/>
-                      </a:solidFill>
-                      <a:prstDash val="solid"/>
-                      <a:round/>
-                      <a:headEnd type="none" w="med" len="med"/>
-                      <a:tailEnd type="none" w="med" len="med"/>
-                    </a:lnT>
-                    <a:lnB w="12700" cap="flat" cmpd="sng" algn="ctr">
-                      <a:solidFill>
-                        <a:schemeClr val="tx1"/>
-                      </a:solidFill>
-                      <a:prstDash val="solid"/>
-                      <a:round/>
-                      <a:headEnd type="none" w="med" len="med"/>
-                      <a:tailEnd type="none" w="med" len="med"/>
-                    </a:lnB>
-                    <a:noFill/>
-                  </a:tcPr>
-                </a:tc>
-                <a:tc>
-                  <a:txBody>
-                    <a:bodyPr/>
-                    <a:lstStyle/>
-                    <a:p>
-                      <a:pPr>
-                        <a:buNone/>
-                      </a:pPr>
-                      <a:r>
-                        <a:rPr lang="en-US" sz="1400" b="1"/>
-                        <a:t>High</a:t>
-                      </a:r>
-                      <a:endParaRPr lang="en-US" sz="1400"/>
-                    </a:p>
-                  </a:txBody>
-                  <a:tcPr marL="28255" marR="28255" marT="14128" marB="14128" anchor="ctr">
-                    <a:lnL w="12700" cap="flat" cmpd="sng" algn="ctr">
-                      <a:solidFill>
-                        <a:schemeClr val="tx1"/>
-                      </a:solidFill>
-                      <a:prstDash val="solid"/>
-                      <a:round/>
-                      <a:headEnd type="none" w="med" len="med"/>
-                      <a:tailEnd type="none" w="med" len="med"/>
-                    </a:lnL>
-                    <a:lnR w="12700" cap="flat" cmpd="sng" algn="ctr">
-                      <a:solidFill>
-                        <a:schemeClr val="tx1"/>
-                      </a:solidFill>
-                      <a:prstDash val="solid"/>
-                      <a:round/>
-                      <a:headEnd type="none" w="med" len="med"/>
-                      <a:tailEnd type="none" w="med" len="med"/>
-                    </a:lnR>
-                    <a:lnT w="12700" cap="flat" cmpd="sng" algn="ctr">
-                      <a:solidFill>
-                        <a:schemeClr val="tx1"/>
-                      </a:solidFill>
-                      <a:prstDash val="solid"/>
-                      <a:round/>
-                      <a:headEnd type="none" w="med" len="med"/>
-                      <a:tailEnd type="none" w="med" len="med"/>
-                    </a:lnT>
-                    <a:lnB w="12700" cap="flat" cmpd="sng" algn="ctr">
-                      <a:solidFill>
-                        <a:schemeClr val="tx1"/>
-                      </a:solidFill>
-                      <a:prstDash val="solid"/>
-                      <a:round/>
-                      <a:headEnd type="none" w="med" len="med"/>
-                      <a:tailEnd type="none" w="med" len="med"/>
-                    </a:lnB>
-                    <a:noFill/>
-                  </a:tcPr>
-                </a:tc>
-                <a:tc>
-                  <a:txBody>
-                    <a:bodyPr/>
-                    <a:lstStyle/>
-                    <a:p>
-                      <a:pPr>
-                        <a:buNone/>
-                      </a:pPr>
-                      <a:r>
-                        <a:rPr lang="en-US" sz="1400"/>
-                        <a:t>Can analyze scan results, prioritize risks, and suggest mitigations.</a:t>
-                      </a:r>
-                    </a:p>
-                  </a:txBody>
-                  <a:tcPr marL="28255" marR="28255" marT="14128" marB="14128" anchor="ctr">
-                    <a:lnL w="12700" cap="flat" cmpd="sng" algn="ctr">
-                      <a:solidFill>
-                        <a:schemeClr val="tx1"/>
-                      </a:solidFill>
-                      <a:prstDash val="solid"/>
-                      <a:round/>
-                      <a:headEnd type="none" w="med" len="med"/>
-                      <a:tailEnd type="none" w="med" len="med"/>
-                    </a:lnL>
-                    <a:lnR w="12700" cap="flat" cmpd="sng" algn="ctr">
-                      <a:solidFill>
-                        <a:schemeClr val="tx1"/>
-                      </a:solidFill>
-                      <a:prstDash val="solid"/>
-                      <a:round/>
-                      <a:headEnd type="none" w="med" len="med"/>
-                      <a:tailEnd type="none" w="med" len="med"/>
-                    </a:lnR>
-                    <a:lnT w="12700" cap="flat" cmpd="sng" algn="ctr">
-                      <a:solidFill>
-                        <a:schemeClr val="tx1"/>
-                      </a:solidFill>
-                      <a:prstDash val="solid"/>
-                      <a:round/>
-                      <a:headEnd type="none" w="med" len="med"/>
-                      <a:tailEnd type="none" w="med" len="med"/>
-                    </a:lnT>
-                    <a:lnB w="12700" cap="flat" cmpd="sng" algn="ctr">
-                      <a:solidFill>
-                        <a:schemeClr val="tx1"/>
-                      </a:solidFill>
-                      <a:prstDash val="solid"/>
-                      <a:round/>
-                      <a:headEnd type="none" w="med" len="med"/>
-                      <a:tailEnd type="none" w="med" len="med"/>
-                    </a:lnB>
-                    <a:noFill/>
-                  </a:tcPr>
-                </a:tc>
-                <a:extLst>
-                  <a:ext uri="{0D108BD9-81ED-4DB2-BD59-A6C34878D82A}">
-                    <a16:rowId xmlns:a16="http://schemas.microsoft.com/office/drawing/2014/main" val="2151879802"/>
-                  </a:ext>
-                </a:extLst>
-              </a:tr>
-              <a:tr h="398996">
-                <a:tc>
-                  <a:txBody>
-                    <a:bodyPr/>
-                    <a:lstStyle/>
-                    <a:p>
-                      <a:pPr>
-                        <a:buNone/>
-                      </a:pPr>
-                      <a:r>
-                        <a:rPr lang="en-US" sz="1400"/>
-                        <a:t>Security monitoring (SIEM analysis)</a:t>
-                      </a:r>
-                    </a:p>
-                  </a:txBody>
-                  <a:tcPr marL="28255" marR="28255" marT="14128" marB="14128" anchor="ctr">
-                    <a:lnL w="12700" cap="flat" cmpd="sng" algn="ctr">
-                      <a:solidFill>
-                        <a:schemeClr val="tx1"/>
-                      </a:solidFill>
-                      <a:prstDash val="solid"/>
-                      <a:round/>
-                      <a:headEnd type="none" w="med" len="med"/>
-                      <a:tailEnd type="none" w="med" len="med"/>
-                    </a:lnL>
-                    <a:lnR w="12700" cap="flat" cmpd="sng" algn="ctr">
-                      <a:solidFill>
-                        <a:schemeClr val="tx1"/>
-                      </a:solidFill>
-                      <a:prstDash val="solid"/>
-                      <a:round/>
-                      <a:headEnd type="none" w="med" len="med"/>
-                      <a:tailEnd type="none" w="med" len="med"/>
-                    </a:lnR>
-                    <a:lnT w="12700" cap="flat" cmpd="sng" algn="ctr">
-                      <a:solidFill>
-                        <a:schemeClr val="tx1"/>
-                      </a:solidFill>
-                      <a:prstDash val="solid"/>
-                      <a:round/>
-                      <a:headEnd type="none" w="med" len="med"/>
-                      <a:tailEnd type="none" w="med" len="med"/>
-                    </a:lnT>
-                    <a:lnB w="12700" cap="flat" cmpd="sng" algn="ctr">
-                      <a:solidFill>
-                        <a:schemeClr val="tx1"/>
-                      </a:solidFill>
-                      <a:prstDash val="solid"/>
-                      <a:round/>
-                      <a:headEnd type="none" w="med" len="med"/>
-                      <a:tailEnd type="none" w="med" len="med"/>
-                    </a:lnB>
-                    <a:noFill/>
-                  </a:tcPr>
-                </a:tc>
-                <a:tc>
-                  <a:txBody>
-                    <a:bodyPr/>
-                    <a:lstStyle/>
-                    <a:p>
-                      <a:pPr>
-                        <a:buNone/>
-                      </a:pPr>
-                      <a:r>
-                        <a:rPr lang="en-US" sz="1400" b="1"/>
-                        <a:t>High</a:t>
-                      </a:r>
-                      <a:endParaRPr lang="en-US" sz="1400"/>
-                    </a:p>
-                  </a:txBody>
-                  <a:tcPr marL="28255" marR="28255" marT="14128" marB="14128" anchor="ctr">
-                    <a:lnL w="12700" cap="flat" cmpd="sng" algn="ctr">
-                      <a:solidFill>
-                        <a:schemeClr val="tx1"/>
-                      </a:solidFill>
-                      <a:prstDash val="solid"/>
-                      <a:round/>
-                      <a:headEnd type="none" w="med" len="med"/>
-                      <a:tailEnd type="none" w="med" len="med"/>
-                    </a:lnL>
-                    <a:lnR w="12700" cap="flat" cmpd="sng" algn="ctr">
-                      <a:solidFill>
-                        <a:schemeClr val="tx1"/>
-                      </a:solidFill>
-                      <a:prstDash val="solid"/>
-                      <a:round/>
-                      <a:headEnd type="none" w="med" len="med"/>
-                      <a:tailEnd type="none" w="med" len="med"/>
-                    </a:lnR>
-                    <a:lnT w="12700" cap="flat" cmpd="sng" algn="ctr">
-                      <a:solidFill>
-                        <a:schemeClr val="tx1"/>
-                      </a:solidFill>
-                      <a:prstDash val="solid"/>
-                      <a:round/>
-                      <a:headEnd type="none" w="med" len="med"/>
-                      <a:tailEnd type="none" w="med" len="med"/>
-                    </a:lnT>
-                    <a:lnB w="12700" cap="flat" cmpd="sng" algn="ctr">
-                      <a:solidFill>
-                        <a:schemeClr val="tx1"/>
-                      </a:solidFill>
-                      <a:prstDash val="solid"/>
-                      <a:round/>
-                      <a:headEnd type="none" w="med" len="med"/>
-                      <a:tailEnd type="none" w="med" len="med"/>
-                    </a:lnB>
-                    <a:noFill/>
-                  </a:tcPr>
-                </a:tc>
-                <a:tc>
-                  <a:txBody>
-                    <a:bodyPr/>
-                    <a:lstStyle/>
-                    <a:p>
-                      <a:pPr>
-                        <a:buNone/>
-                      </a:pPr>
-                      <a:r>
-                        <a:rPr lang="en-US" sz="1400"/>
-                        <a:t>Can help detect anomalies and generate alerts from logs and network data.</a:t>
-                      </a:r>
-                    </a:p>
-                  </a:txBody>
-                  <a:tcPr marL="28255" marR="28255" marT="14128" marB="14128" anchor="ctr">
-                    <a:lnL w="12700" cap="flat" cmpd="sng" algn="ctr">
-                      <a:solidFill>
-                        <a:schemeClr val="tx1"/>
-                      </a:solidFill>
-                      <a:prstDash val="solid"/>
-                      <a:round/>
-                      <a:headEnd type="none" w="med" len="med"/>
-                      <a:tailEnd type="none" w="med" len="med"/>
-                    </a:lnL>
-                    <a:lnR w="12700" cap="flat" cmpd="sng" algn="ctr">
-                      <a:solidFill>
-                        <a:schemeClr val="tx1"/>
-                      </a:solidFill>
-                      <a:prstDash val="solid"/>
-                      <a:round/>
-                      <a:headEnd type="none" w="med" len="med"/>
-                      <a:tailEnd type="none" w="med" len="med"/>
-                    </a:lnR>
-                    <a:lnT w="12700" cap="flat" cmpd="sng" algn="ctr">
-                      <a:solidFill>
-                        <a:schemeClr val="tx1"/>
-                      </a:solidFill>
-                      <a:prstDash val="solid"/>
-                      <a:round/>
-                      <a:headEnd type="none" w="med" len="med"/>
-                      <a:tailEnd type="none" w="med" len="med"/>
-                    </a:lnT>
-                    <a:lnB w="12700" cap="flat" cmpd="sng" algn="ctr">
-                      <a:solidFill>
-                        <a:schemeClr val="tx1"/>
-                      </a:solidFill>
-                      <a:prstDash val="solid"/>
-                      <a:round/>
-                      <a:headEnd type="none" w="med" len="med"/>
-                      <a:tailEnd type="none" w="med" len="med"/>
-                    </a:lnB>
-                    <a:noFill/>
-                  </a:tcPr>
-                </a:tc>
-                <a:extLst>
-                  <a:ext uri="{0D108BD9-81ED-4DB2-BD59-A6C34878D82A}">
-                    <a16:rowId xmlns:a16="http://schemas.microsoft.com/office/drawing/2014/main" val="2077968614"/>
-                  </a:ext>
-                </a:extLst>
-              </a:tr>
-              <a:tr h="519574">
-                <a:tc>
-                  <a:txBody>
-                    <a:bodyPr/>
-                    <a:lstStyle/>
-                    <a:p>
-                      <a:pPr>
-                        <a:buNone/>
-                      </a:pPr>
-                      <a:r>
-                        <a:rPr lang="en-US" sz="1400"/>
-                        <a:t>Incident response planning</a:t>
-                      </a:r>
-                    </a:p>
-                  </a:txBody>
-                  <a:tcPr marL="28255" marR="28255" marT="14128" marB="14128" anchor="ctr">
-                    <a:lnL w="12700" cap="flat" cmpd="sng" algn="ctr">
-                      <a:solidFill>
-                        <a:schemeClr val="tx1"/>
-                      </a:solidFill>
-                      <a:prstDash val="solid"/>
-                      <a:round/>
-                      <a:headEnd type="none" w="med" len="med"/>
-                      <a:tailEnd type="none" w="med" len="med"/>
-                    </a:lnL>
-                    <a:lnR w="12700" cap="flat" cmpd="sng" algn="ctr">
-                      <a:solidFill>
-                        <a:schemeClr val="tx1"/>
-                      </a:solidFill>
-                      <a:prstDash val="solid"/>
-                      <a:round/>
-                      <a:headEnd type="none" w="med" len="med"/>
-                      <a:tailEnd type="none" w="med" len="med"/>
-                    </a:lnR>
-                    <a:lnT w="12700" cap="flat" cmpd="sng" algn="ctr">
-                      <a:solidFill>
-                        <a:schemeClr val="tx1"/>
-                      </a:solidFill>
-                      <a:prstDash val="solid"/>
-                      <a:round/>
-                      <a:headEnd type="none" w="med" len="med"/>
-                      <a:tailEnd type="none" w="med" len="med"/>
-                    </a:lnT>
-                    <a:lnB w="12700" cap="flat" cmpd="sng" algn="ctr">
-                      <a:solidFill>
-                        <a:schemeClr val="tx1"/>
-                      </a:solidFill>
-                      <a:prstDash val="solid"/>
-                      <a:round/>
-                      <a:headEnd type="none" w="med" len="med"/>
-                      <a:tailEnd type="none" w="med" len="med"/>
-                    </a:lnB>
-                    <a:noFill/>
-                  </a:tcPr>
-                </a:tc>
-                <a:tc>
-                  <a:txBody>
-                    <a:bodyPr/>
-                    <a:lstStyle/>
-                    <a:p>
-                      <a:pPr>
-                        <a:buNone/>
-                      </a:pPr>
-                      <a:r>
-                        <a:rPr lang="en-US" sz="1400" b="1"/>
-                        <a:t>Medium</a:t>
-                      </a:r>
-                      <a:endParaRPr lang="en-US" sz="1400"/>
-                    </a:p>
-                  </a:txBody>
-                  <a:tcPr marL="28255" marR="28255" marT="14128" marB="14128" anchor="ctr">
-                    <a:lnL w="12700" cap="flat" cmpd="sng" algn="ctr">
-                      <a:solidFill>
-                        <a:schemeClr val="tx1"/>
-                      </a:solidFill>
-                      <a:prstDash val="solid"/>
-                      <a:round/>
-                      <a:headEnd type="none" w="med" len="med"/>
-                      <a:tailEnd type="none" w="med" len="med"/>
-                    </a:lnL>
-                    <a:lnR w="12700" cap="flat" cmpd="sng" algn="ctr">
-                      <a:solidFill>
-                        <a:schemeClr val="tx1"/>
-                      </a:solidFill>
-                      <a:prstDash val="solid"/>
-                      <a:round/>
-                      <a:headEnd type="none" w="med" len="med"/>
-                      <a:tailEnd type="none" w="med" len="med"/>
-                    </a:lnR>
-                    <a:lnT w="12700" cap="flat" cmpd="sng" algn="ctr">
-                      <a:solidFill>
-                        <a:schemeClr val="tx1"/>
-                      </a:solidFill>
-                      <a:prstDash val="solid"/>
-                      <a:round/>
-                      <a:headEnd type="none" w="med" len="med"/>
-                      <a:tailEnd type="none" w="med" len="med"/>
-                    </a:lnT>
-                    <a:lnB w="12700" cap="flat" cmpd="sng" algn="ctr">
-                      <a:solidFill>
-                        <a:schemeClr val="tx1"/>
-                      </a:solidFill>
-                      <a:prstDash val="solid"/>
-                      <a:round/>
-                      <a:headEnd type="none" w="med" len="med"/>
-                      <a:tailEnd type="none" w="med" len="med"/>
-                    </a:lnB>
-                    <a:noFill/>
-                  </a:tcPr>
-                </a:tc>
-                <a:tc>
-                  <a:txBody>
-                    <a:bodyPr/>
-                    <a:lstStyle/>
-                    <a:p>
-                      <a:pPr>
-                        <a:buNone/>
-                      </a:pPr>
-                      <a:r>
-                        <a:rPr lang="en-US" sz="1400"/>
-                        <a:t>Can draft playbooks and response strategies, but real-time coordination requires human oversight.</a:t>
-                      </a:r>
-                    </a:p>
-                  </a:txBody>
-                  <a:tcPr marL="28255" marR="28255" marT="14128" marB="14128" anchor="ctr">
-                    <a:lnL w="12700" cap="flat" cmpd="sng" algn="ctr">
-                      <a:solidFill>
-                        <a:schemeClr val="tx1"/>
-                      </a:solidFill>
-                      <a:prstDash val="solid"/>
-                      <a:round/>
-                      <a:headEnd type="none" w="med" len="med"/>
-                      <a:tailEnd type="none" w="med" len="med"/>
-                    </a:lnL>
-                    <a:lnR w="12700" cap="flat" cmpd="sng" algn="ctr">
-                      <a:solidFill>
-                        <a:schemeClr val="tx1"/>
-                      </a:solidFill>
-                      <a:prstDash val="solid"/>
-                      <a:round/>
-                      <a:headEnd type="none" w="med" len="med"/>
-                      <a:tailEnd type="none" w="med" len="med"/>
-                    </a:lnR>
-                    <a:lnT w="12700" cap="flat" cmpd="sng" algn="ctr">
-                      <a:solidFill>
-                        <a:schemeClr val="tx1"/>
-                      </a:solidFill>
-                      <a:prstDash val="solid"/>
-                      <a:round/>
-                      <a:headEnd type="none" w="med" len="med"/>
-                      <a:tailEnd type="none" w="med" len="med"/>
-                    </a:lnT>
-                    <a:lnB w="12700" cap="flat" cmpd="sng" algn="ctr">
-                      <a:solidFill>
-                        <a:schemeClr val="tx1"/>
-                      </a:solidFill>
-                      <a:prstDash val="solid"/>
-                      <a:round/>
-                      <a:headEnd type="none" w="med" len="med"/>
-                      <a:tailEnd type="none" w="med" len="med"/>
-                    </a:lnB>
-                    <a:noFill/>
-                  </a:tcPr>
-                </a:tc>
-                <a:extLst>
-                  <a:ext uri="{0D108BD9-81ED-4DB2-BD59-A6C34878D82A}">
-                    <a16:rowId xmlns:a16="http://schemas.microsoft.com/office/drawing/2014/main" val="2217931326"/>
-                  </a:ext>
-                </a:extLst>
-              </a:tr>
-              <a:tr h="519574">
-                <a:tc>
-                  <a:txBody>
-                    <a:bodyPr/>
-                    <a:lstStyle/>
-                    <a:p>
-                      <a:pPr>
-                        <a:buNone/>
-                      </a:pPr>
-                      <a:r>
-                        <a:rPr lang="en-US" sz="1400"/>
-                        <a:t>Penetration testing assistance</a:t>
-                      </a:r>
-                    </a:p>
-                  </a:txBody>
-                  <a:tcPr marL="28255" marR="28255" marT="14128" marB="14128" anchor="ctr">
-                    <a:lnL w="12700" cap="flat" cmpd="sng" algn="ctr">
-                      <a:solidFill>
-                        <a:schemeClr val="tx1"/>
-                      </a:solidFill>
-                      <a:prstDash val="solid"/>
-                      <a:round/>
-                      <a:headEnd type="none" w="med" len="med"/>
-                      <a:tailEnd type="none" w="med" len="med"/>
-                    </a:lnL>
-                    <a:lnR w="12700" cap="flat" cmpd="sng" algn="ctr">
-                      <a:solidFill>
-                        <a:schemeClr val="tx1"/>
-                      </a:solidFill>
-                      <a:prstDash val="solid"/>
-                      <a:round/>
-                      <a:headEnd type="none" w="med" len="med"/>
-                      <a:tailEnd type="none" w="med" len="med"/>
-                    </a:lnR>
-                    <a:lnT w="12700" cap="flat" cmpd="sng" algn="ctr">
-                      <a:solidFill>
-                        <a:schemeClr val="tx1"/>
-                      </a:solidFill>
-                      <a:prstDash val="solid"/>
-                      <a:round/>
-                      <a:headEnd type="none" w="med" len="med"/>
-                      <a:tailEnd type="none" w="med" len="med"/>
-                    </a:lnT>
-                    <a:lnB w="12700" cap="flat" cmpd="sng" algn="ctr">
-                      <a:solidFill>
-                        <a:schemeClr val="tx1"/>
-                      </a:solidFill>
-                      <a:prstDash val="solid"/>
-                      <a:round/>
-                      <a:headEnd type="none" w="med" len="med"/>
-                      <a:tailEnd type="none" w="med" len="med"/>
-                    </a:lnB>
-                    <a:noFill/>
-                  </a:tcPr>
-                </a:tc>
-                <a:tc>
-                  <a:txBody>
-                    <a:bodyPr/>
-                    <a:lstStyle/>
-                    <a:p>
-                      <a:pPr>
-                        <a:buNone/>
-                      </a:pPr>
-                      <a:r>
-                        <a:rPr lang="en-US" sz="1400" b="1"/>
-                        <a:t>Medium</a:t>
-                      </a:r>
-                      <a:endParaRPr lang="en-US" sz="1400"/>
-                    </a:p>
-                  </a:txBody>
-                  <a:tcPr marL="28255" marR="28255" marT="14128" marB="14128" anchor="ctr">
-                    <a:lnL w="12700" cap="flat" cmpd="sng" algn="ctr">
-                      <a:solidFill>
-                        <a:schemeClr val="tx1"/>
-                      </a:solidFill>
-                      <a:prstDash val="solid"/>
-                      <a:round/>
-                      <a:headEnd type="none" w="med" len="med"/>
-                      <a:tailEnd type="none" w="med" len="med"/>
-                    </a:lnL>
-                    <a:lnR w="12700" cap="flat" cmpd="sng" algn="ctr">
-                      <a:solidFill>
-                        <a:schemeClr val="tx1"/>
-                      </a:solidFill>
-                      <a:prstDash val="solid"/>
-                      <a:round/>
-                      <a:headEnd type="none" w="med" len="med"/>
-                      <a:tailEnd type="none" w="med" len="med"/>
-                    </a:lnR>
-                    <a:lnT w="12700" cap="flat" cmpd="sng" algn="ctr">
-                      <a:solidFill>
-                        <a:schemeClr val="tx1"/>
-                      </a:solidFill>
-                      <a:prstDash val="solid"/>
-                      <a:round/>
-                      <a:headEnd type="none" w="med" len="med"/>
-                      <a:tailEnd type="none" w="med" len="med"/>
-                    </a:lnT>
-                    <a:lnB w="12700" cap="flat" cmpd="sng" algn="ctr">
-                      <a:solidFill>
-                        <a:schemeClr val="tx1"/>
-                      </a:solidFill>
-                      <a:prstDash val="solid"/>
-                      <a:round/>
-                      <a:headEnd type="none" w="med" len="med"/>
-                      <a:tailEnd type="none" w="med" len="med"/>
-                    </a:lnB>
-                    <a:noFill/>
-                  </a:tcPr>
-                </a:tc>
-                <a:tc>
-                  <a:txBody>
-                    <a:bodyPr/>
-                    <a:lstStyle/>
-                    <a:p>
-                      <a:pPr>
-                        <a:buNone/>
-                      </a:pPr>
-                      <a:r>
-                        <a:rPr lang="en-US" sz="1400" dirty="0"/>
-                        <a:t>Can suggest attack vectors, generate scripts, or interpret results, but cannot replace hands-on testing.</a:t>
-                      </a:r>
-                    </a:p>
-                  </a:txBody>
-                  <a:tcPr marL="28255" marR="28255" marT="14128" marB="14128" anchor="ctr">
-                    <a:lnL w="12700" cap="flat" cmpd="sng" algn="ctr">
-                      <a:solidFill>
-                        <a:schemeClr val="tx1"/>
-                      </a:solidFill>
-                      <a:prstDash val="solid"/>
-                      <a:round/>
-                      <a:headEnd type="none" w="med" len="med"/>
-                      <a:tailEnd type="none" w="med" len="med"/>
-                    </a:lnL>
-                    <a:lnR w="12700" cap="flat" cmpd="sng" algn="ctr">
-                      <a:solidFill>
-                        <a:schemeClr val="tx1"/>
-                      </a:solidFill>
-                      <a:prstDash val="solid"/>
-                      <a:round/>
-                      <a:headEnd type="none" w="med" len="med"/>
-                      <a:tailEnd type="none" w="med" len="med"/>
-                    </a:lnR>
-                    <a:lnT w="12700" cap="flat" cmpd="sng" algn="ctr">
-                      <a:solidFill>
-                        <a:schemeClr val="tx1"/>
-                      </a:solidFill>
-                      <a:prstDash val="solid"/>
-                      <a:round/>
-                      <a:headEnd type="none" w="med" len="med"/>
-                      <a:tailEnd type="none" w="med" len="med"/>
-                    </a:lnT>
-                    <a:lnB w="12700" cap="flat" cmpd="sng" algn="ctr">
-                      <a:solidFill>
-                        <a:schemeClr val="tx1"/>
-                      </a:solidFill>
-                      <a:prstDash val="solid"/>
-                      <a:round/>
-                      <a:headEnd type="none" w="med" len="med"/>
-                      <a:tailEnd type="none" w="med" len="med"/>
-                    </a:lnB>
-                    <a:noFill/>
-                  </a:tcPr>
-                </a:tc>
-                <a:extLst>
-                  <a:ext uri="{0D108BD9-81ED-4DB2-BD59-A6C34878D82A}">
-                    <a16:rowId xmlns:a16="http://schemas.microsoft.com/office/drawing/2014/main" val="1140459625"/>
-                  </a:ext>
-                </a:extLst>
-              </a:tr>
-              <a:tr h="519574">
-                <a:tc>
-                  <a:txBody>
-                    <a:bodyPr/>
-                    <a:lstStyle/>
-                    <a:p>
-                      <a:pPr>
-                        <a:buNone/>
-                      </a:pPr>
-                      <a:r>
-                        <a:rPr lang="en-US" sz="1400"/>
-                        <a:t>Firewall, IDS/IPS, and network configuration</a:t>
-                      </a:r>
-                    </a:p>
-                  </a:txBody>
-                  <a:tcPr marL="28255" marR="28255" marT="14128" marB="14128" anchor="ctr">
-                    <a:lnL w="12700" cap="flat" cmpd="sng" algn="ctr">
-                      <a:solidFill>
-                        <a:schemeClr val="tx1"/>
-                      </a:solidFill>
-                      <a:prstDash val="solid"/>
-                      <a:round/>
-                      <a:headEnd type="none" w="med" len="med"/>
-                      <a:tailEnd type="none" w="med" len="med"/>
-                    </a:lnL>
-                    <a:lnR w="12700" cap="flat" cmpd="sng" algn="ctr">
-                      <a:solidFill>
-                        <a:schemeClr val="tx1"/>
-                      </a:solidFill>
-                      <a:prstDash val="solid"/>
-                      <a:round/>
-                      <a:headEnd type="none" w="med" len="med"/>
-                      <a:tailEnd type="none" w="med" len="med"/>
-                    </a:lnR>
-                    <a:lnT w="12700" cap="flat" cmpd="sng" algn="ctr">
-                      <a:solidFill>
-                        <a:schemeClr val="tx1"/>
-                      </a:solidFill>
-                      <a:prstDash val="solid"/>
-                      <a:round/>
-                      <a:headEnd type="none" w="med" len="med"/>
-                      <a:tailEnd type="none" w="med" len="med"/>
-                    </a:lnT>
-                    <a:lnB w="12700" cap="flat" cmpd="sng" algn="ctr">
-                      <a:solidFill>
-                        <a:schemeClr val="tx1"/>
-                      </a:solidFill>
-                      <a:prstDash val="solid"/>
-                      <a:round/>
-                      <a:headEnd type="none" w="med" len="med"/>
-                      <a:tailEnd type="none" w="med" len="med"/>
-                    </a:lnB>
-                    <a:noFill/>
-                  </a:tcPr>
-                </a:tc>
-                <a:tc>
-                  <a:txBody>
-                    <a:bodyPr/>
-                    <a:lstStyle/>
-                    <a:p>
-                      <a:pPr>
-                        <a:buNone/>
-                      </a:pPr>
-                      <a:r>
-                        <a:rPr lang="en-US" sz="1400" b="1"/>
-                        <a:t>Medium</a:t>
-                      </a:r>
-                      <a:endParaRPr lang="en-US" sz="1400"/>
-                    </a:p>
-                  </a:txBody>
-                  <a:tcPr marL="28255" marR="28255" marT="14128" marB="14128" anchor="ctr">
-                    <a:lnL w="12700" cap="flat" cmpd="sng" algn="ctr">
-                      <a:solidFill>
-                        <a:schemeClr val="tx1"/>
-                      </a:solidFill>
-                      <a:prstDash val="solid"/>
-                      <a:round/>
-                      <a:headEnd type="none" w="med" len="med"/>
-                      <a:tailEnd type="none" w="med" len="med"/>
-                    </a:lnL>
-                    <a:lnR w="12700" cap="flat" cmpd="sng" algn="ctr">
-                      <a:solidFill>
-                        <a:schemeClr val="tx1"/>
-                      </a:solidFill>
-                      <a:prstDash val="solid"/>
-                      <a:round/>
-                      <a:headEnd type="none" w="med" len="med"/>
-                      <a:tailEnd type="none" w="med" len="med"/>
-                    </a:lnR>
-                    <a:lnT w="12700" cap="flat" cmpd="sng" algn="ctr">
-                      <a:solidFill>
-                        <a:schemeClr val="tx1"/>
-                      </a:solidFill>
-                      <a:prstDash val="solid"/>
-                      <a:round/>
-                      <a:headEnd type="none" w="med" len="med"/>
-                      <a:tailEnd type="none" w="med" len="med"/>
-                    </a:lnT>
-                    <a:lnB w="12700" cap="flat" cmpd="sng" algn="ctr">
-                      <a:solidFill>
-                        <a:schemeClr val="tx1"/>
-                      </a:solidFill>
-                      <a:prstDash val="solid"/>
-                      <a:round/>
-                      <a:headEnd type="none" w="med" len="med"/>
-                      <a:tailEnd type="none" w="med" len="med"/>
-                    </a:lnB>
-                    <a:noFill/>
-                  </a:tcPr>
-                </a:tc>
-                <a:tc>
-                  <a:txBody>
-                    <a:bodyPr/>
-                    <a:lstStyle/>
-                    <a:p>
-                      <a:pPr>
-                        <a:buNone/>
-                      </a:pPr>
-                      <a:r>
-                        <a:rPr lang="en-US" sz="1400"/>
-                        <a:t>Can suggest configuration rules and optimizations, but implementation requires human action.</a:t>
-                      </a:r>
-                    </a:p>
-                  </a:txBody>
-                  <a:tcPr marL="28255" marR="28255" marT="14128" marB="14128" anchor="ctr">
-                    <a:lnL w="12700" cap="flat" cmpd="sng" algn="ctr">
-                      <a:solidFill>
-                        <a:schemeClr val="tx1"/>
-                      </a:solidFill>
-                      <a:prstDash val="solid"/>
-                      <a:round/>
-                      <a:headEnd type="none" w="med" len="med"/>
-                      <a:tailEnd type="none" w="med" len="med"/>
-                    </a:lnL>
-                    <a:lnR w="12700" cap="flat" cmpd="sng" algn="ctr">
-                      <a:solidFill>
-                        <a:schemeClr val="tx1"/>
-                      </a:solidFill>
-                      <a:prstDash val="solid"/>
-                      <a:round/>
-                      <a:headEnd type="none" w="med" len="med"/>
-                      <a:tailEnd type="none" w="med" len="med"/>
-                    </a:lnR>
-                    <a:lnT w="12700" cap="flat" cmpd="sng" algn="ctr">
-                      <a:solidFill>
-                        <a:schemeClr val="tx1"/>
-                      </a:solidFill>
-                      <a:prstDash val="solid"/>
-                      <a:round/>
-                      <a:headEnd type="none" w="med" len="med"/>
-                      <a:tailEnd type="none" w="med" len="med"/>
-                    </a:lnT>
-                    <a:lnB w="12700" cap="flat" cmpd="sng" algn="ctr">
-                      <a:solidFill>
-                        <a:schemeClr val="tx1"/>
-                      </a:solidFill>
-                      <a:prstDash val="solid"/>
-                      <a:round/>
-                      <a:headEnd type="none" w="med" len="med"/>
-                      <a:tailEnd type="none" w="med" len="med"/>
-                    </a:lnB>
-                    <a:noFill/>
-                  </a:tcPr>
-                </a:tc>
-                <a:extLst>
-                  <a:ext uri="{0D108BD9-81ED-4DB2-BD59-A6C34878D82A}">
-                    <a16:rowId xmlns:a16="http://schemas.microsoft.com/office/drawing/2014/main" val="2768867090"/>
-                  </a:ext>
-                </a:extLst>
-              </a:tr>
-              <a:tr h="519574">
-                <a:tc>
-                  <a:txBody>
-                    <a:bodyPr/>
-                    <a:lstStyle/>
-                    <a:p>
-                      <a:pPr>
-                        <a:buNone/>
-                      </a:pPr>
-                      <a:r>
-                        <a:rPr lang="en-US" sz="1400"/>
-                        <a:t>Malware analysis</a:t>
-                      </a:r>
-                    </a:p>
-                  </a:txBody>
-                  <a:tcPr marL="28255" marR="28255" marT="14128" marB="14128" anchor="ctr">
-                    <a:lnL w="12700" cap="flat" cmpd="sng" algn="ctr">
-                      <a:solidFill>
-                        <a:schemeClr val="tx1"/>
-                      </a:solidFill>
-                      <a:prstDash val="solid"/>
-                      <a:round/>
-                      <a:headEnd type="none" w="med" len="med"/>
-                      <a:tailEnd type="none" w="med" len="med"/>
-                    </a:lnL>
-                    <a:lnR w="12700" cap="flat" cmpd="sng" algn="ctr">
-                      <a:solidFill>
-                        <a:schemeClr val="tx1"/>
-                      </a:solidFill>
-                      <a:prstDash val="solid"/>
-                      <a:round/>
-                      <a:headEnd type="none" w="med" len="med"/>
-                      <a:tailEnd type="none" w="med" len="med"/>
-                    </a:lnR>
-                    <a:lnT w="12700" cap="flat" cmpd="sng" algn="ctr">
-                      <a:solidFill>
-                        <a:schemeClr val="tx1"/>
-                      </a:solidFill>
-                      <a:prstDash val="solid"/>
-                      <a:round/>
-                      <a:headEnd type="none" w="med" len="med"/>
-                      <a:tailEnd type="none" w="med" len="med"/>
-                    </a:lnT>
-                    <a:lnB w="12700" cap="flat" cmpd="sng" algn="ctr">
-                      <a:solidFill>
-                        <a:schemeClr val="tx1"/>
-                      </a:solidFill>
-                      <a:prstDash val="solid"/>
-                      <a:round/>
-                      <a:headEnd type="none" w="med" len="med"/>
-                      <a:tailEnd type="none" w="med" len="med"/>
-                    </a:lnB>
-                    <a:noFill/>
-                  </a:tcPr>
-                </a:tc>
-                <a:tc>
-                  <a:txBody>
-                    <a:bodyPr/>
-                    <a:lstStyle/>
-                    <a:p>
-                      <a:pPr>
-                        <a:buNone/>
-                      </a:pPr>
-                      <a:r>
-                        <a:rPr lang="en-US" sz="1400" b="1"/>
-                        <a:t>Medium</a:t>
-                      </a:r>
-                      <a:endParaRPr lang="en-US" sz="1400"/>
-                    </a:p>
-                  </a:txBody>
-                  <a:tcPr marL="28255" marR="28255" marT="14128" marB="14128" anchor="ctr">
-                    <a:lnL w="12700" cap="flat" cmpd="sng" algn="ctr">
-                      <a:solidFill>
-                        <a:schemeClr val="tx1"/>
-                      </a:solidFill>
-                      <a:prstDash val="solid"/>
-                      <a:round/>
-                      <a:headEnd type="none" w="med" len="med"/>
-                      <a:tailEnd type="none" w="med" len="med"/>
-                    </a:lnL>
-                    <a:lnR w="12700" cap="flat" cmpd="sng" algn="ctr">
-                      <a:solidFill>
-                        <a:schemeClr val="tx1"/>
-                      </a:solidFill>
-                      <a:prstDash val="solid"/>
-                      <a:round/>
-                      <a:headEnd type="none" w="med" len="med"/>
-                      <a:tailEnd type="none" w="med" len="med"/>
-                    </a:lnR>
-                    <a:lnT w="12700" cap="flat" cmpd="sng" algn="ctr">
-                      <a:solidFill>
-                        <a:schemeClr val="tx1"/>
-                      </a:solidFill>
-                      <a:prstDash val="solid"/>
-                      <a:round/>
-                      <a:headEnd type="none" w="med" len="med"/>
-                      <a:tailEnd type="none" w="med" len="med"/>
-                    </a:lnT>
-                    <a:lnB w="12700" cap="flat" cmpd="sng" algn="ctr">
-                      <a:solidFill>
-                        <a:schemeClr val="tx1"/>
-                      </a:solidFill>
-                      <a:prstDash val="solid"/>
-                      <a:round/>
-                      <a:headEnd type="none" w="med" len="med"/>
-                      <a:tailEnd type="none" w="med" len="med"/>
-                    </a:lnB>
-                    <a:noFill/>
-                  </a:tcPr>
-                </a:tc>
-                <a:tc>
-                  <a:txBody>
-                    <a:bodyPr/>
-                    <a:lstStyle/>
-                    <a:p>
-                      <a:pPr>
-                        <a:buNone/>
-                      </a:pPr>
-                      <a:r>
-                        <a:rPr lang="en-US" sz="1400"/>
-                        <a:t>Can assist in code analysis and behavioral detection, but complex threats need expert review.</a:t>
-                      </a:r>
-                    </a:p>
-                  </a:txBody>
-                  <a:tcPr marL="28255" marR="28255" marT="14128" marB="14128" anchor="ctr">
-                    <a:lnL w="12700" cap="flat" cmpd="sng" algn="ctr">
-                      <a:solidFill>
-                        <a:schemeClr val="tx1"/>
-                      </a:solidFill>
-                      <a:prstDash val="solid"/>
-                      <a:round/>
-                      <a:headEnd type="none" w="med" len="med"/>
-                      <a:tailEnd type="none" w="med" len="med"/>
-                    </a:lnL>
-                    <a:lnR w="12700" cap="flat" cmpd="sng" algn="ctr">
-                      <a:solidFill>
-                        <a:schemeClr val="tx1"/>
-                      </a:solidFill>
-                      <a:prstDash val="solid"/>
-                      <a:round/>
-                      <a:headEnd type="none" w="med" len="med"/>
-                      <a:tailEnd type="none" w="med" len="med"/>
-                    </a:lnR>
-                    <a:lnT w="12700" cap="flat" cmpd="sng" algn="ctr">
-                      <a:solidFill>
-                        <a:schemeClr val="tx1"/>
-                      </a:solidFill>
-                      <a:prstDash val="solid"/>
-                      <a:round/>
-                      <a:headEnd type="none" w="med" len="med"/>
-                      <a:tailEnd type="none" w="med" len="med"/>
-                    </a:lnT>
-                    <a:lnB w="12700" cap="flat" cmpd="sng" algn="ctr">
-                      <a:solidFill>
-                        <a:schemeClr val="tx1"/>
-                      </a:solidFill>
-                      <a:prstDash val="solid"/>
-                      <a:round/>
-                      <a:headEnd type="none" w="med" len="med"/>
-                      <a:tailEnd type="none" w="med" len="med"/>
-                    </a:lnB>
-                    <a:noFill/>
-                  </a:tcPr>
-                </a:tc>
-                <a:extLst>
-                  <a:ext uri="{0D108BD9-81ED-4DB2-BD59-A6C34878D82A}">
-                    <a16:rowId xmlns:a16="http://schemas.microsoft.com/office/drawing/2014/main" val="3152275534"/>
-                  </a:ext>
-                </a:extLst>
-              </a:tr>
-              <a:tr h="398996">
-                <a:tc>
-                  <a:txBody>
-                    <a:bodyPr/>
-                    <a:lstStyle/>
-                    <a:p>
-                      <a:pPr>
-                        <a:buNone/>
-                      </a:pPr>
-                      <a:r>
-                        <a:rPr lang="en-US" sz="1400"/>
-                        <a:t>Security policy drafting</a:t>
-                      </a:r>
-                    </a:p>
-                  </a:txBody>
-                  <a:tcPr marL="28255" marR="28255" marT="14128" marB="14128" anchor="ctr">
-                    <a:lnL w="12700" cap="flat" cmpd="sng" algn="ctr">
-                      <a:solidFill>
-                        <a:schemeClr val="tx1"/>
-                      </a:solidFill>
-                      <a:prstDash val="solid"/>
-                      <a:round/>
-                      <a:headEnd type="none" w="med" len="med"/>
-                      <a:tailEnd type="none" w="med" len="med"/>
-                    </a:lnL>
-                    <a:lnR w="12700" cap="flat" cmpd="sng" algn="ctr">
-                      <a:solidFill>
-                        <a:schemeClr val="tx1"/>
-                      </a:solidFill>
-                      <a:prstDash val="solid"/>
-                      <a:round/>
-                      <a:headEnd type="none" w="med" len="med"/>
-                      <a:tailEnd type="none" w="med" len="med"/>
-                    </a:lnR>
-                    <a:lnT w="12700" cap="flat" cmpd="sng" algn="ctr">
-                      <a:solidFill>
-                        <a:schemeClr val="tx1"/>
-                      </a:solidFill>
-                      <a:prstDash val="solid"/>
-                      <a:round/>
-                      <a:headEnd type="none" w="med" len="med"/>
-                      <a:tailEnd type="none" w="med" len="med"/>
-                    </a:lnT>
-                    <a:lnB w="12700" cap="flat" cmpd="sng" algn="ctr">
-                      <a:solidFill>
-                        <a:schemeClr val="tx1"/>
-                      </a:solidFill>
-                      <a:prstDash val="solid"/>
-                      <a:round/>
-                      <a:headEnd type="none" w="med" len="med"/>
-                      <a:tailEnd type="none" w="med" len="med"/>
-                    </a:lnB>
-                    <a:noFill/>
-                  </a:tcPr>
-                </a:tc>
-                <a:tc>
-                  <a:txBody>
-                    <a:bodyPr/>
-                    <a:lstStyle/>
-                    <a:p>
-                      <a:pPr>
-                        <a:buNone/>
-                      </a:pPr>
-                      <a:r>
-                        <a:rPr lang="en-US" sz="1400" b="1"/>
-                        <a:t>High</a:t>
-                      </a:r>
-                      <a:endParaRPr lang="en-US" sz="1400"/>
-                    </a:p>
-                  </a:txBody>
-                  <a:tcPr marL="28255" marR="28255" marT="14128" marB="14128" anchor="ctr">
-                    <a:lnL w="12700" cap="flat" cmpd="sng" algn="ctr">
-                      <a:solidFill>
-                        <a:schemeClr val="tx1"/>
-                      </a:solidFill>
-                      <a:prstDash val="solid"/>
-                      <a:round/>
-                      <a:headEnd type="none" w="med" len="med"/>
-                      <a:tailEnd type="none" w="med" len="med"/>
-                    </a:lnL>
-                    <a:lnR w="12700" cap="flat" cmpd="sng" algn="ctr">
-                      <a:solidFill>
-                        <a:schemeClr val="tx1"/>
-                      </a:solidFill>
-                      <a:prstDash val="solid"/>
-                      <a:round/>
-                      <a:headEnd type="none" w="med" len="med"/>
-                      <a:tailEnd type="none" w="med" len="med"/>
-                    </a:lnR>
-                    <a:lnT w="12700" cap="flat" cmpd="sng" algn="ctr">
-                      <a:solidFill>
-                        <a:schemeClr val="tx1"/>
-                      </a:solidFill>
-                      <a:prstDash val="solid"/>
-                      <a:round/>
-                      <a:headEnd type="none" w="med" len="med"/>
-                      <a:tailEnd type="none" w="med" len="med"/>
-                    </a:lnT>
-                    <a:lnB w="12700" cap="flat" cmpd="sng" algn="ctr">
-                      <a:solidFill>
-                        <a:schemeClr val="tx1"/>
-                      </a:solidFill>
-                      <a:prstDash val="solid"/>
-                      <a:round/>
-                      <a:headEnd type="none" w="med" len="med"/>
-                      <a:tailEnd type="none" w="med" len="med"/>
-                    </a:lnB>
-                    <a:noFill/>
-                  </a:tcPr>
-                </a:tc>
-                <a:tc>
-                  <a:txBody>
-                    <a:bodyPr/>
-                    <a:lstStyle/>
-                    <a:p>
-                      <a:pPr>
-                        <a:buNone/>
-                      </a:pPr>
-                      <a:r>
-                        <a:rPr lang="en-US" sz="1400"/>
-                        <a:t>Can generate policies, compliance documentation, and guidelines efficiently.</a:t>
-                      </a:r>
-                    </a:p>
-                  </a:txBody>
-                  <a:tcPr marL="28255" marR="28255" marT="14128" marB="14128" anchor="ctr">
-                    <a:lnL w="12700" cap="flat" cmpd="sng" algn="ctr">
-                      <a:solidFill>
-                        <a:schemeClr val="tx1"/>
-                      </a:solidFill>
-                      <a:prstDash val="solid"/>
-                      <a:round/>
-                      <a:headEnd type="none" w="med" len="med"/>
-                      <a:tailEnd type="none" w="med" len="med"/>
-                    </a:lnL>
-                    <a:lnR w="12700" cap="flat" cmpd="sng" algn="ctr">
-                      <a:solidFill>
-                        <a:schemeClr val="tx1"/>
-                      </a:solidFill>
-                      <a:prstDash val="solid"/>
-                      <a:round/>
-                      <a:headEnd type="none" w="med" len="med"/>
-                      <a:tailEnd type="none" w="med" len="med"/>
-                    </a:lnR>
-                    <a:lnT w="12700" cap="flat" cmpd="sng" algn="ctr">
-                      <a:solidFill>
-                        <a:schemeClr val="tx1"/>
-                      </a:solidFill>
-                      <a:prstDash val="solid"/>
-                      <a:round/>
-                      <a:headEnd type="none" w="med" len="med"/>
-                      <a:tailEnd type="none" w="med" len="med"/>
-                    </a:lnT>
-                    <a:lnB w="12700" cap="flat" cmpd="sng" algn="ctr">
-                      <a:solidFill>
-                        <a:schemeClr val="tx1"/>
-                      </a:solidFill>
-                      <a:prstDash val="solid"/>
-                      <a:round/>
-                      <a:headEnd type="none" w="med" len="med"/>
-                      <a:tailEnd type="none" w="med" len="med"/>
-                    </a:lnB>
-                    <a:noFill/>
-                  </a:tcPr>
-                </a:tc>
-                <a:extLst>
-                  <a:ext uri="{0D108BD9-81ED-4DB2-BD59-A6C34878D82A}">
-                    <a16:rowId xmlns:a16="http://schemas.microsoft.com/office/drawing/2014/main" val="1355511871"/>
-                  </a:ext>
-                </a:extLst>
-              </a:tr>
-              <a:tr h="398996">
-                <a:tc>
-                  <a:txBody>
-                    <a:bodyPr/>
-                    <a:lstStyle/>
-                    <a:p>
-                      <a:pPr>
-                        <a:buNone/>
-                      </a:pPr>
-                      <a:r>
-                        <a:rPr lang="en-US" sz="1400"/>
-                        <a:t>User awareness training content</a:t>
-                      </a:r>
-                    </a:p>
-                  </a:txBody>
-                  <a:tcPr marL="28255" marR="28255" marT="14128" marB="14128" anchor="ctr">
-                    <a:lnL w="12700" cap="flat" cmpd="sng" algn="ctr">
-                      <a:solidFill>
-                        <a:schemeClr val="tx1"/>
-                      </a:solidFill>
-                      <a:prstDash val="solid"/>
-                      <a:round/>
-                      <a:headEnd type="none" w="med" len="med"/>
-                      <a:tailEnd type="none" w="med" len="med"/>
-                    </a:lnL>
-                    <a:lnR w="12700" cap="flat" cmpd="sng" algn="ctr">
-                      <a:solidFill>
-                        <a:schemeClr val="tx1"/>
-                      </a:solidFill>
-                      <a:prstDash val="solid"/>
-                      <a:round/>
-                      <a:headEnd type="none" w="med" len="med"/>
-                      <a:tailEnd type="none" w="med" len="med"/>
-                    </a:lnR>
-                    <a:lnT w="12700" cap="flat" cmpd="sng" algn="ctr">
-                      <a:solidFill>
-                        <a:schemeClr val="tx1"/>
-                      </a:solidFill>
-                      <a:prstDash val="solid"/>
-                      <a:round/>
-                      <a:headEnd type="none" w="med" len="med"/>
-                      <a:tailEnd type="none" w="med" len="med"/>
-                    </a:lnT>
-                    <a:lnB w="12700" cap="flat" cmpd="sng" algn="ctr">
-                      <a:solidFill>
-                        <a:schemeClr val="tx1"/>
-                      </a:solidFill>
-                      <a:prstDash val="solid"/>
-                      <a:round/>
-                      <a:headEnd type="none" w="med" len="med"/>
-                      <a:tailEnd type="none" w="med" len="med"/>
-                    </a:lnB>
-                    <a:noFill/>
-                  </a:tcPr>
-                </a:tc>
-                <a:tc>
-                  <a:txBody>
-                    <a:bodyPr/>
-                    <a:lstStyle/>
-                    <a:p>
-                      <a:pPr>
-                        <a:buNone/>
-                      </a:pPr>
-                      <a:r>
-                        <a:rPr lang="en-US" sz="1400" b="1"/>
-                        <a:t>High</a:t>
-                      </a:r>
-                      <a:endParaRPr lang="en-US" sz="1400"/>
-                    </a:p>
-                  </a:txBody>
-                  <a:tcPr marL="28255" marR="28255" marT="14128" marB="14128" anchor="ctr">
-                    <a:lnL w="12700" cap="flat" cmpd="sng" algn="ctr">
-                      <a:solidFill>
-                        <a:schemeClr val="tx1"/>
-                      </a:solidFill>
-                      <a:prstDash val="solid"/>
-                      <a:round/>
-                      <a:headEnd type="none" w="med" len="med"/>
-                      <a:tailEnd type="none" w="med" len="med"/>
-                    </a:lnL>
-                    <a:lnR w="12700" cap="flat" cmpd="sng" algn="ctr">
-                      <a:solidFill>
-                        <a:schemeClr val="tx1"/>
-                      </a:solidFill>
-                      <a:prstDash val="solid"/>
-                      <a:round/>
-                      <a:headEnd type="none" w="med" len="med"/>
-                      <a:tailEnd type="none" w="med" len="med"/>
-                    </a:lnR>
-                    <a:lnT w="12700" cap="flat" cmpd="sng" algn="ctr">
-                      <a:solidFill>
-                        <a:schemeClr val="tx1"/>
-                      </a:solidFill>
-                      <a:prstDash val="solid"/>
-                      <a:round/>
-                      <a:headEnd type="none" w="med" len="med"/>
-                      <a:tailEnd type="none" w="med" len="med"/>
-                    </a:lnT>
-                    <a:lnB w="12700" cap="flat" cmpd="sng" algn="ctr">
-                      <a:solidFill>
-                        <a:schemeClr val="tx1"/>
-                      </a:solidFill>
-                      <a:prstDash val="solid"/>
-                      <a:round/>
-                      <a:headEnd type="none" w="med" len="med"/>
-                      <a:tailEnd type="none" w="med" len="med"/>
-                    </a:lnB>
-                    <a:noFill/>
-                  </a:tcPr>
-                </a:tc>
-                <a:tc>
-                  <a:txBody>
-                    <a:bodyPr/>
-                    <a:lstStyle/>
-                    <a:p>
-                      <a:pPr>
-                        <a:buNone/>
-                      </a:pPr>
-                      <a:r>
-                        <a:rPr lang="en-US" sz="1400"/>
-                        <a:t>Can generate training modules, phishing simulations, and educational material.</a:t>
-                      </a:r>
-                    </a:p>
-                  </a:txBody>
-                  <a:tcPr marL="28255" marR="28255" marT="14128" marB="14128" anchor="ctr">
-                    <a:lnL w="12700" cap="flat" cmpd="sng" algn="ctr">
-                      <a:solidFill>
-                        <a:schemeClr val="tx1"/>
-                      </a:solidFill>
-                      <a:prstDash val="solid"/>
-                      <a:round/>
-                      <a:headEnd type="none" w="med" len="med"/>
-                      <a:tailEnd type="none" w="med" len="med"/>
-                    </a:lnL>
-                    <a:lnR w="12700" cap="flat" cmpd="sng" algn="ctr">
-                      <a:solidFill>
-                        <a:schemeClr val="tx1"/>
-                      </a:solidFill>
-                      <a:prstDash val="solid"/>
-                      <a:round/>
-                      <a:headEnd type="none" w="med" len="med"/>
-                      <a:tailEnd type="none" w="med" len="med"/>
-                    </a:lnR>
-                    <a:lnT w="12700" cap="flat" cmpd="sng" algn="ctr">
-                      <a:solidFill>
-                        <a:schemeClr val="tx1"/>
-                      </a:solidFill>
-                      <a:prstDash val="solid"/>
-                      <a:round/>
-                      <a:headEnd type="none" w="med" len="med"/>
-                      <a:tailEnd type="none" w="med" len="med"/>
-                    </a:lnT>
-                    <a:lnB w="12700" cap="flat" cmpd="sng" algn="ctr">
-                      <a:solidFill>
-                        <a:schemeClr val="tx1"/>
-                      </a:solidFill>
-                      <a:prstDash val="solid"/>
-                      <a:round/>
-                      <a:headEnd type="none" w="med" len="med"/>
-                      <a:tailEnd type="none" w="med" len="med"/>
-                    </a:lnB>
-                    <a:noFill/>
-                  </a:tcPr>
-                </a:tc>
-                <a:extLst>
-                  <a:ext uri="{0D108BD9-81ED-4DB2-BD59-A6C34878D82A}">
-                    <a16:rowId xmlns:a16="http://schemas.microsoft.com/office/drawing/2014/main" val="2919271223"/>
-                  </a:ext>
-                </a:extLst>
-              </a:tr>
-              <a:tr h="398996">
-                <a:tc>
-                  <a:txBody>
-                    <a:bodyPr/>
-                    <a:lstStyle/>
-                    <a:p>
-                      <a:pPr>
-                        <a:buNone/>
-                      </a:pPr>
-                      <a:r>
-                        <a:rPr lang="en-US" sz="1400"/>
-                        <a:t>Risk assessment and reporting</a:t>
-                      </a:r>
-                    </a:p>
-                  </a:txBody>
-                  <a:tcPr marL="28255" marR="28255" marT="14128" marB="14128" anchor="ctr">
-                    <a:lnL w="12700" cap="flat" cmpd="sng" algn="ctr">
-                      <a:solidFill>
-                        <a:schemeClr val="tx1"/>
-                      </a:solidFill>
-                      <a:prstDash val="solid"/>
-                      <a:round/>
-                      <a:headEnd type="none" w="med" len="med"/>
-                      <a:tailEnd type="none" w="med" len="med"/>
-                    </a:lnL>
-                    <a:lnR w="12700" cap="flat" cmpd="sng" algn="ctr">
-                      <a:solidFill>
-                        <a:schemeClr val="tx1"/>
-                      </a:solidFill>
-                      <a:prstDash val="solid"/>
-                      <a:round/>
-                      <a:headEnd type="none" w="med" len="med"/>
-                      <a:tailEnd type="none" w="med" len="med"/>
-                    </a:lnR>
-                    <a:lnT w="12700" cap="flat" cmpd="sng" algn="ctr">
-                      <a:solidFill>
-                        <a:schemeClr val="tx1"/>
-                      </a:solidFill>
-                      <a:prstDash val="solid"/>
-                      <a:round/>
-                      <a:headEnd type="none" w="med" len="med"/>
-                      <a:tailEnd type="none" w="med" len="med"/>
-                    </a:lnT>
-                    <a:lnB w="12700" cap="flat" cmpd="sng" algn="ctr">
-                      <a:solidFill>
-                        <a:schemeClr val="tx1"/>
-                      </a:solidFill>
-                      <a:prstDash val="solid"/>
-                      <a:round/>
-                      <a:headEnd type="none" w="med" len="med"/>
-                      <a:tailEnd type="none" w="med" len="med"/>
-                    </a:lnB>
-                    <a:noFill/>
-                  </a:tcPr>
-                </a:tc>
-                <a:tc>
-                  <a:txBody>
-                    <a:bodyPr/>
-                    <a:lstStyle/>
-                    <a:p>
-                      <a:pPr>
-                        <a:buNone/>
-                      </a:pPr>
-                      <a:r>
-                        <a:rPr lang="en-US" sz="1400" b="1"/>
-                        <a:t>High</a:t>
-                      </a:r>
-                      <a:endParaRPr lang="en-US" sz="1400"/>
-                    </a:p>
-                  </a:txBody>
-                  <a:tcPr marL="28255" marR="28255" marT="14128" marB="14128" anchor="ctr">
-                    <a:lnL w="12700" cap="flat" cmpd="sng" algn="ctr">
-                      <a:solidFill>
-                        <a:schemeClr val="tx1"/>
-                      </a:solidFill>
-                      <a:prstDash val="solid"/>
-                      <a:round/>
-                      <a:headEnd type="none" w="med" len="med"/>
-                      <a:tailEnd type="none" w="med" len="med"/>
-                    </a:lnL>
-                    <a:lnR w="12700" cap="flat" cmpd="sng" algn="ctr">
-                      <a:solidFill>
-                        <a:schemeClr val="tx1"/>
-                      </a:solidFill>
-                      <a:prstDash val="solid"/>
-                      <a:round/>
-                      <a:headEnd type="none" w="med" len="med"/>
-                      <a:tailEnd type="none" w="med" len="med"/>
-                    </a:lnR>
-                    <a:lnT w="12700" cap="flat" cmpd="sng" algn="ctr">
-                      <a:solidFill>
-                        <a:schemeClr val="tx1"/>
-                      </a:solidFill>
-                      <a:prstDash val="solid"/>
-                      <a:round/>
-                      <a:headEnd type="none" w="med" len="med"/>
-                      <a:tailEnd type="none" w="med" len="med"/>
-                    </a:lnT>
-                    <a:lnB w="12700" cap="flat" cmpd="sng" algn="ctr">
-                      <a:solidFill>
-                        <a:schemeClr val="tx1"/>
-                      </a:solidFill>
-                      <a:prstDash val="solid"/>
-                      <a:round/>
-                      <a:headEnd type="none" w="med" len="med"/>
-                      <a:tailEnd type="none" w="med" len="med"/>
-                    </a:lnB>
-                    <a:noFill/>
-                  </a:tcPr>
-                </a:tc>
-                <a:tc>
-                  <a:txBody>
-                    <a:bodyPr/>
-                    <a:lstStyle/>
-                    <a:p>
-                      <a:pPr>
-                        <a:buNone/>
-                      </a:pPr>
-                      <a:r>
-                        <a:rPr lang="en-US" sz="1400"/>
-                        <a:t>Can automate report generation and summarize risk levels for management.</a:t>
-                      </a:r>
-                    </a:p>
-                  </a:txBody>
-                  <a:tcPr marL="28255" marR="28255" marT="14128" marB="14128" anchor="ctr">
-                    <a:lnL w="12700" cap="flat" cmpd="sng" algn="ctr">
-                      <a:solidFill>
-                        <a:schemeClr val="tx1"/>
-                      </a:solidFill>
-                      <a:prstDash val="solid"/>
-                      <a:round/>
-                      <a:headEnd type="none" w="med" len="med"/>
-                      <a:tailEnd type="none" w="med" len="med"/>
-                    </a:lnL>
-                    <a:lnR w="12700" cap="flat" cmpd="sng" algn="ctr">
-                      <a:solidFill>
-                        <a:schemeClr val="tx1"/>
-                      </a:solidFill>
-                      <a:prstDash val="solid"/>
-                      <a:round/>
-                      <a:headEnd type="none" w="med" len="med"/>
-                      <a:tailEnd type="none" w="med" len="med"/>
-                    </a:lnR>
-                    <a:lnT w="12700" cap="flat" cmpd="sng" algn="ctr">
-                      <a:solidFill>
-                        <a:schemeClr val="tx1"/>
-                      </a:solidFill>
-                      <a:prstDash val="solid"/>
-                      <a:round/>
-                      <a:headEnd type="none" w="med" len="med"/>
-                      <a:tailEnd type="none" w="med" len="med"/>
-                    </a:lnT>
-                    <a:lnB w="12700" cap="flat" cmpd="sng" algn="ctr">
-                      <a:solidFill>
-                        <a:schemeClr val="tx1"/>
-                      </a:solidFill>
-                      <a:prstDash val="solid"/>
-                      <a:round/>
-                      <a:headEnd type="none" w="med" len="med"/>
-                      <a:tailEnd type="none" w="med" len="med"/>
-                    </a:lnB>
-                    <a:noFill/>
-                  </a:tcPr>
-                </a:tc>
-                <a:extLst>
-                  <a:ext uri="{0D108BD9-81ED-4DB2-BD59-A6C34878D82A}">
-                    <a16:rowId xmlns:a16="http://schemas.microsoft.com/office/drawing/2014/main" val="4048584271"/>
-                  </a:ext>
-                </a:extLst>
-              </a:tr>
-              <a:tr h="398996">
-                <a:tc>
-                  <a:txBody>
-                    <a:bodyPr/>
-                    <a:lstStyle/>
-                    <a:p>
-                      <a:pPr>
-                        <a:buNone/>
-                      </a:pPr>
-                      <a:r>
-                        <a:rPr lang="en-US" sz="1400"/>
-                        <a:t>Patch management planning</a:t>
-                      </a:r>
-                    </a:p>
-                  </a:txBody>
-                  <a:tcPr marL="28255" marR="28255" marT="14128" marB="14128" anchor="ctr">
-                    <a:lnL w="12700" cap="flat" cmpd="sng" algn="ctr">
-                      <a:solidFill>
-                        <a:schemeClr val="tx1"/>
-                      </a:solidFill>
-                      <a:prstDash val="solid"/>
-                      <a:round/>
-                      <a:headEnd type="none" w="med" len="med"/>
-                      <a:tailEnd type="none" w="med" len="med"/>
-                    </a:lnL>
-                    <a:lnR w="12700" cap="flat" cmpd="sng" algn="ctr">
-                      <a:solidFill>
-                        <a:schemeClr val="tx1"/>
-                      </a:solidFill>
-                      <a:prstDash val="solid"/>
-                      <a:round/>
-                      <a:headEnd type="none" w="med" len="med"/>
-                      <a:tailEnd type="none" w="med" len="med"/>
-                    </a:lnR>
-                    <a:lnT w="12700" cap="flat" cmpd="sng" algn="ctr">
-                      <a:solidFill>
-                        <a:schemeClr val="tx1"/>
-                      </a:solidFill>
-                      <a:prstDash val="solid"/>
-                      <a:round/>
-                      <a:headEnd type="none" w="med" len="med"/>
-                      <a:tailEnd type="none" w="med" len="med"/>
-                    </a:lnT>
-                    <a:lnB w="12700" cap="flat" cmpd="sng" algn="ctr">
-                      <a:solidFill>
-                        <a:schemeClr val="tx1"/>
-                      </a:solidFill>
-                      <a:prstDash val="solid"/>
-                      <a:round/>
-                      <a:headEnd type="none" w="med" len="med"/>
-                      <a:tailEnd type="none" w="med" len="med"/>
-                    </a:lnB>
-                    <a:noFill/>
-                  </a:tcPr>
-                </a:tc>
-                <a:tc>
-                  <a:txBody>
-                    <a:bodyPr/>
-                    <a:lstStyle/>
-                    <a:p>
-                      <a:pPr>
-                        <a:buNone/>
-                      </a:pPr>
-                      <a:r>
-                        <a:rPr lang="en-US" sz="1400" b="1"/>
-                        <a:t>Medium</a:t>
-                      </a:r>
-                      <a:endParaRPr lang="en-US" sz="1400"/>
-                    </a:p>
-                  </a:txBody>
-                  <a:tcPr marL="28255" marR="28255" marT="14128" marB="14128" anchor="ctr">
-                    <a:lnL w="12700" cap="flat" cmpd="sng" algn="ctr">
-                      <a:solidFill>
-                        <a:schemeClr val="tx1"/>
-                      </a:solidFill>
-                      <a:prstDash val="solid"/>
-                      <a:round/>
-                      <a:headEnd type="none" w="med" len="med"/>
-                      <a:tailEnd type="none" w="med" len="med"/>
-                    </a:lnL>
-                    <a:lnR w="12700" cap="flat" cmpd="sng" algn="ctr">
-                      <a:solidFill>
-                        <a:schemeClr val="tx1"/>
-                      </a:solidFill>
-                      <a:prstDash val="solid"/>
-                      <a:round/>
-                      <a:headEnd type="none" w="med" len="med"/>
-                      <a:tailEnd type="none" w="med" len="med"/>
-                    </a:lnR>
-                    <a:lnT w="12700" cap="flat" cmpd="sng" algn="ctr">
-                      <a:solidFill>
-                        <a:schemeClr val="tx1"/>
-                      </a:solidFill>
-                      <a:prstDash val="solid"/>
-                      <a:round/>
-                      <a:headEnd type="none" w="med" len="med"/>
-                      <a:tailEnd type="none" w="med" len="med"/>
-                    </a:lnT>
-                    <a:lnB w="12700" cap="flat" cmpd="sng" algn="ctr">
-                      <a:solidFill>
-                        <a:schemeClr val="tx1"/>
-                      </a:solidFill>
-                      <a:prstDash val="solid"/>
-                      <a:round/>
-                      <a:headEnd type="none" w="med" len="med"/>
-                      <a:tailEnd type="none" w="med" len="med"/>
-                    </a:lnB>
-                    <a:noFill/>
-                  </a:tcPr>
-                </a:tc>
-                <a:tc>
-                  <a:txBody>
-                    <a:bodyPr/>
-                    <a:lstStyle/>
-                    <a:p>
-                      <a:pPr>
-                        <a:buNone/>
-                      </a:pPr>
-                      <a:r>
-                        <a:rPr lang="en-US" sz="1400"/>
-                        <a:t>Can prioritize patching based on vulnerability data and threat intelligence.</a:t>
-                      </a:r>
-                    </a:p>
-                  </a:txBody>
-                  <a:tcPr marL="28255" marR="28255" marT="14128" marB="14128" anchor="ctr">
-                    <a:lnL w="12700" cap="flat" cmpd="sng" algn="ctr">
-                      <a:solidFill>
-                        <a:schemeClr val="tx1"/>
-                      </a:solidFill>
-                      <a:prstDash val="solid"/>
-                      <a:round/>
-                      <a:headEnd type="none" w="med" len="med"/>
-                      <a:tailEnd type="none" w="med" len="med"/>
-                    </a:lnL>
-                    <a:lnR w="12700" cap="flat" cmpd="sng" algn="ctr">
-                      <a:solidFill>
-                        <a:schemeClr val="tx1"/>
-                      </a:solidFill>
-                      <a:prstDash val="solid"/>
-                      <a:round/>
-                      <a:headEnd type="none" w="med" len="med"/>
-                      <a:tailEnd type="none" w="med" len="med"/>
-                    </a:lnR>
-                    <a:lnT w="12700" cap="flat" cmpd="sng" algn="ctr">
-                      <a:solidFill>
-                        <a:schemeClr val="tx1"/>
-                      </a:solidFill>
-                      <a:prstDash val="solid"/>
-                      <a:round/>
-                      <a:headEnd type="none" w="med" len="med"/>
-                      <a:tailEnd type="none" w="med" len="med"/>
-                    </a:lnT>
-                    <a:lnB w="12700" cap="flat" cmpd="sng" algn="ctr">
-                      <a:solidFill>
-                        <a:schemeClr val="tx1"/>
-                      </a:solidFill>
-                      <a:prstDash val="solid"/>
-                      <a:round/>
-                      <a:headEnd type="none" w="med" len="med"/>
-                      <a:tailEnd type="none" w="med" len="med"/>
-                    </a:lnB>
-                    <a:noFill/>
-                  </a:tcPr>
-                </a:tc>
-                <a:extLst>
-                  <a:ext uri="{0D108BD9-81ED-4DB2-BD59-A6C34878D82A}">
-                    <a16:rowId xmlns:a16="http://schemas.microsoft.com/office/drawing/2014/main" val="3090467347"/>
-                  </a:ext>
-                </a:extLst>
-              </a:tr>
-              <a:tr h="278417">
-                <a:tc>
-                  <a:txBody>
-                    <a:bodyPr/>
-                    <a:lstStyle/>
-                    <a:p>
-                      <a:pPr>
-                        <a:buNone/>
-                      </a:pPr>
-                      <a:r>
-                        <a:rPr lang="en-US" sz="1400"/>
-                        <a:t>Log analysis and anomaly detection</a:t>
-                      </a:r>
-                    </a:p>
-                  </a:txBody>
-                  <a:tcPr marL="28255" marR="28255" marT="14128" marB="14128" anchor="ctr">
-                    <a:lnL w="12700" cap="flat" cmpd="sng" algn="ctr">
-                      <a:solidFill>
-                        <a:schemeClr val="tx1"/>
-                      </a:solidFill>
-                      <a:prstDash val="solid"/>
-                      <a:round/>
-                      <a:headEnd type="none" w="med" len="med"/>
-                      <a:tailEnd type="none" w="med" len="med"/>
-                    </a:lnL>
-                    <a:lnR w="12700" cap="flat" cmpd="sng" algn="ctr">
-                      <a:solidFill>
-                        <a:schemeClr val="tx1"/>
-                      </a:solidFill>
-                      <a:prstDash val="solid"/>
-                      <a:round/>
-                      <a:headEnd type="none" w="med" len="med"/>
-                      <a:tailEnd type="none" w="med" len="med"/>
-                    </a:lnR>
-                    <a:lnT w="12700" cap="flat" cmpd="sng" algn="ctr">
-                      <a:solidFill>
-                        <a:schemeClr val="tx1"/>
-                      </a:solidFill>
-                      <a:prstDash val="solid"/>
-                      <a:round/>
-                      <a:headEnd type="none" w="med" len="med"/>
-                      <a:tailEnd type="none" w="med" len="med"/>
-                    </a:lnT>
-                    <a:lnB w="12700" cap="flat" cmpd="sng" algn="ctr">
-                      <a:solidFill>
-                        <a:schemeClr val="tx1"/>
-                      </a:solidFill>
-                      <a:prstDash val="solid"/>
-                      <a:round/>
-                      <a:headEnd type="none" w="med" len="med"/>
-                      <a:tailEnd type="none" w="med" len="med"/>
-                    </a:lnB>
-                    <a:noFill/>
-                  </a:tcPr>
-                </a:tc>
-                <a:tc>
-                  <a:txBody>
-                    <a:bodyPr/>
-                    <a:lstStyle/>
-                    <a:p>
-                      <a:pPr>
-                        <a:buNone/>
-                      </a:pPr>
-                      <a:r>
-                        <a:rPr lang="en-US" sz="1400" b="1"/>
-                        <a:t>High</a:t>
-                      </a:r>
-                      <a:endParaRPr lang="en-US" sz="1400"/>
-                    </a:p>
-                  </a:txBody>
-                  <a:tcPr marL="28255" marR="28255" marT="14128" marB="14128" anchor="ctr">
-                    <a:lnL w="12700" cap="flat" cmpd="sng" algn="ctr">
-                      <a:solidFill>
-                        <a:schemeClr val="tx1"/>
-                      </a:solidFill>
-                      <a:prstDash val="solid"/>
-                      <a:round/>
-                      <a:headEnd type="none" w="med" len="med"/>
-                      <a:tailEnd type="none" w="med" len="med"/>
-                    </a:lnL>
-                    <a:lnR w="12700" cap="flat" cmpd="sng" algn="ctr">
-                      <a:solidFill>
-                        <a:schemeClr val="tx1"/>
-                      </a:solidFill>
-                      <a:prstDash val="solid"/>
-                      <a:round/>
-                      <a:headEnd type="none" w="med" len="med"/>
-                      <a:tailEnd type="none" w="med" len="med"/>
-                    </a:lnR>
-                    <a:lnT w="12700" cap="flat" cmpd="sng" algn="ctr">
-                      <a:solidFill>
-                        <a:schemeClr val="tx1"/>
-                      </a:solidFill>
-                      <a:prstDash val="solid"/>
-                      <a:round/>
-                      <a:headEnd type="none" w="med" len="med"/>
-                      <a:tailEnd type="none" w="med" len="med"/>
-                    </a:lnT>
-                    <a:lnB w="12700" cap="flat" cmpd="sng" algn="ctr">
-                      <a:solidFill>
-                        <a:schemeClr val="tx1"/>
-                      </a:solidFill>
-                      <a:prstDash val="solid"/>
-                      <a:round/>
-                      <a:headEnd type="none" w="med" len="med"/>
-                      <a:tailEnd type="none" w="med" len="med"/>
-                    </a:lnB>
-                    <a:noFill/>
-                  </a:tcPr>
-                </a:tc>
-                <a:tc>
-                  <a:txBody>
-                    <a:bodyPr/>
-                    <a:lstStyle/>
-                    <a:p>
-                      <a:pPr>
-                        <a:buNone/>
-                      </a:pPr>
-                      <a:r>
-                        <a:rPr lang="en-US" sz="1400"/>
-                        <a:t>Can parse logs, detect patterns, and highlight suspicious activity.</a:t>
-                      </a:r>
-                    </a:p>
-                  </a:txBody>
-                  <a:tcPr marL="28255" marR="28255" marT="14128" marB="14128" anchor="ctr">
-                    <a:lnL w="12700" cap="flat" cmpd="sng" algn="ctr">
-                      <a:solidFill>
-                        <a:schemeClr val="tx1"/>
-                      </a:solidFill>
-                      <a:prstDash val="solid"/>
-                      <a:round/>
-                      <a:headEnd type="none" w="med" len="med"/>
-                      <a:tailEnd type="none" w="med" len="med"/>
-                    </a:lnL>
-                    <a:lnR w="12700" cap="flat" cmpd="sng" algn="ctr">
-                      <a:solidFill>
-                        <a:schemeClr val="tx1"/>
-                      </a:solidFill>
-                      <a:prstDash val="solid"/>
-                      <a:round/>
-                      <a:headEnd type="none" w="med" len="med"/>
-                      <a:tailEnd type="none" w="med" len="med"/>
-                    </a:lnR>
-                    <a:lnT w="12700" cap="flat" cmpd="sng" algn="ctr">
-                      <a:solidFill>
-                        <a:schemeClr val="tx1"/>
-                      </a:solidFill>
-                      <a:prstDash val="solid"/>
-                      <a:round/>
-                      <a:headEnd type="none" w="med" len="med"/>
-                      <a:tailEnd type="none" w="med" len="med"/>
-                    </a:lnT>
-                    <a:lnB w="12700" cap="flat" cmpd="sng" algn="ctr">
-                      <a:solidFill>
-                        <a:schemeClr val="tx1"/>
-                      </a:solidFill>
-                      <a:prstDash val="solid"/>
-                      <a:round/>
-                      <a:headEnd type="none" w="med" len="med"/>
-                      <a:tailEnd type="none" w="med" len="med"/>
-                    </a:lnB>
-                    <a:noFill/>
-                  </a:tcPr>
-                </a:tc>
-                <a:extLst>
-                  <a:ext uri="{0D108BD9-81ED-4DB2-BD59-A6C34878D82A}">
-                    <a16:rowId xmlns:a16="http://schemas.microsoft.com/office/drawing/2014/main" val="919357657"/>
-                  </a:ext>
-                </a:extLst>
-              </a:tr>
-              <a:tr h="398996">
-                <a:tc>
-                  <a:txBody>
-                    <a:bodyPr/>
-                    <a:lstStyle/>
-                    <a:p>
-                      <a:pPr>
-                        <a:buNone/>
-                      </a:pPr>
-                      <a:r>
-                        <a:rPr lang="en-US" sz="1400"/>
-                        <a:t>Compliance and regulatory checking</a:t>
-                      </a:r>
-                    </a:p>
-                  </a:txBody>
-                  <a:tcPr marL="28255" marR="28255" marT="14128" marB="14128" anchor="ctr">
-                    <a:lnL w="12700" cap="flat" cmpd="sng" algn="ctr">
-                      <a:solidFill>
-                        <a:schemeClr val="tx1"/>
-                      </a:solidFill>
-                      <a:prstDash val="solid"/>
-                      <a:round/>
-                      <a:headEnd type="none" w="med" len="med"/>
-                      <a:tailEnd type="none" w="med" len="med"/>
-                    </a:lnL>
-                    <a:lnR w="12700" cap="flat" cmpd="sng" algn="ctr">
-                      <a:solidFill>
-                        <a:schemeClr val="tx1"/>
-                      </a:solidFill>
-                      <a:prstDash val="solid"/>
-                      <a:round/>
-                      <a:headEnd type="none" w="med" len="med"/>
-                      <a:tailEnd type="none" w="med" len="med"/>
-                    </a:lnR>
-                    <a:lnT w="12700" cap="flat" cmpd="sng" algn="ctr">
-                      <a:solidFill>
-                        <a:schemeClr val="tx1"/>
-                      </a:solidFill>
-                      <a:prstDash val="solid"/>
-                      <a:round/>
-                      <a:headEnd type="none" w="med" len="med"/>
-                      <a:tailEnd type="none" w="med" len="med"/>
-                    </a:lnT>
-                    <a:lnB w="12700" cap="flat" cmpd="sng" algn="ctr">
-                      <a:solidFill>
-                        <a:schemeClr val="tx1"/>
-                      </a:solidFill>
-                      <a:prstDash val="solid"/>
-                      <a:round/>
-                      <a:headEnd type="none" w="med" len="med"/>
-                      <a:tailEnd type="none" w="med" len="med"/>
-                    </a:lnB>
-                    <a:noFill/>
-                  </a:tcPr>
-                </a:tc>
-                <a:tc>
-                  <a:txBody>
-                    <a:bodyPr/>
-                    <a:lstStyle/>
-                    <a:p>
-                      <a:pPr>
-                        <a:buNone/>
-                      </a:pPr>
-                      <a:r>
-                        <a:rPr lang="en-US" sz="1400" b="1"/>
-                        <a:t>Medium</a:t>
-                      </a:r>
-                      <a:endParaRPr lang="en-US" sz="1400"/>
-                    </a:p>
-                  </a:txBody>
-                  <a:tcPr marL="28255" marR="28255" marT="14128" marB="14128" anchor="ctr">
-                    <a:lnL w="12700" cap="flat" cmpd="sng" algn="ctr">
-                      <a:solidFill>
-                        <a:schemeClr val="tx1"/>
-                      </a:solidFill>
-                      <a:prstDash val="solid"/>
-                      <a:round/>
-                      <a:headEnd type="none" w="med" len="med"/>
-                      <a:tailEnd type="none" w="med" len="med"/>
-                    </a:lnL>
-                    <a:lnR w="12700" cap="flat" cmpd="sng" algn="ctr">
-                      <a:solidFill>
-                        <a:schemeClr val="tx1"/>
-                      </a:solidFill>
-                      <a:prstDash val="solid"/>
-                      <a:round/>
-                      <a:headEnd type="none" w="med" len="med"/>
-                      <a:tailEnd type="none" w="med" len="med"/>
-                    </a:lnR>
-                    <a:lnT w="12700" cap="flat" cmpd="sng" algn="ctr">
-                      <a:solidFill>
-                        <a:schemeClr val="tx1"/>
-                      </a:solidFill>
-                      <a:prstDash val="solid"/>
-                      <a:round/>
-                      <a:headEnd type="none" w="med" len="med"/>
-                      <a:tailEnd type="none" w="med" len="med"/>
-                    </a:lnT>
-                    <a:lnB w="12700" cap="flat" cmpd="sng" algn="ctr">
-                      <a:solidFill>
-                        <a:schemeClr val="tx1"/>
-                      </a:solidFill>
-                      <a:prstDash val="solid"/>
-                      <a:round/>
-                      <a:headEnd type="none" w="med" len="med"/>
-                      <a:tailEnd type="none" w="med" len="med"/>
-                    </a:lnB>
-                    <a:noFill/>
-                  </a:tcPr>
-                </a:tc>
-                <a:tc>
-                  <a:txBody>
-                    <a:bodyPr/>
-                    <a:lstStyle/>
-                    <a:p>
-                      <a:pPr>
-                        <a:buNone/>
-                      </a:pPr>
-                      <a:r>
-                        <a:rPr lang="en-US" sz="1400"/>
-                        <a:t>Can cross-reference internal policies with regulations and generate compliance reports.</a:t>
-                      </a:r>
-                    </a:p>
-                  </a:txBody>
-                  <a:tcPr marL="28255" marR="28255" marT="14128" marB="14128" anchor="ctr">
-                    <a:lnL w="12700" cap="flat" cmpd="sng" algn="ctr">
-                      <a:solidFill>
-                        <a:schemeClr val="tx1"/>
-                      </a:solidFill>
-                      <a:prstDash val="solid"/>
-                      <a:round/>
-                      <a:headEnd type="none" w="med" len="med"/>
-                      <a:tailEnd type="none" w="med" len="med"/>
-                    </a:lnL>
-                    <a:lnR w="12700" cap="flat" cmpd="sng" algn="ctr">
-                      <a:solidFill>
-                        <a:schemeClr val="tx1"/>
-                      </a:solidFill>
-                      <a:prstDash val="solid"/>
-                      <a:round/>
-                      <a:headEnd type="none" w="med" len="med"/>
-                      <a:tailEnd type="none" w="med" len="med"/>
-                    </a:lnR>
-                    <a:lnT w="12700" cap="flat" cmpd="sng" algn="ctr">
-                      <a:solidFill>
-                        <a:schemeClr val="tx1"/>
-                      </a:solidFill>
-                      <a:prstDash val="solid"/>
-                      <a:round/>
-                      <a:headEnd type="none" w="med" len="med"/>
-                      <a:tailEnd type="none" w="med" len="med"/>
-                    </a:lnT>
-                    <a:lnB w="12700" cap="flat" cmpd="sng" algn="ctr">
-                      <a:solidFill>
-                        <a:schemeClr val="tx1"/>
-                      </a:solidFill>
-                      <a:prstDash val="solid"/>
-                      <a:round/>
-                      <a:headEnd type="none" w="med" len="med"/>
-                      <a:tailEnd type="none" w="med" len="med"/>
-                    </a:lnB>
-                    <a:noFill/>
-                  </a:tcPr>
-                </a:tc>
-                <a:extLst>
-                  <a:ext uri="{0D108BD9-81ED-4DB2-BD59-A6C34878D82A}">
-                    <a16:rowId xmlns:a16="http://schemas.microsoft.com/office/drawing/2014/main" val="146189958"/>
-                  </a:ext>
-                </a:extLst>
-              </a:tr>
-              <a:tr h="398996">
-                <a:tc>
-                  <a:txBody>
-                    <a:bodyPr/>
-                    <a:lstStyle/>
-                    <a:p>
-                      <a:pPr>
-                        <a:buNone/>
-                      </a:pPr>
-                      <a:r>
-                        <a:rPr lang="en-US" sz="1400"/>
-                        <a:t>Forensic investigation support</a:t>
-                      </a:r>
-                    </a:p>
-                  </a:txBody>
-                  <a:tcPr marL="28255" marR="28255" marT="14128" marB="14128" anchor="ctr">
-                    <a:lnL w="12700" cap="flat" cmpd="sng" algn="ctr">
-                      <a:solidFill>
-                        <a:schemeClr val="tx1"/>
-                      </a:solidFill>
-                      <a:prstDash val="solid"/>
-                      <a:round/>
-                      <a:headEnd type="none" w="med" len="med"/>
-                      <a:tailEnd type="none" w="med" len="med"/>
-                    </a:lnL>
-                    <a:lnR w="12700" cap="flat" cmpd="sng" algn="ctr">
-                      <a:solidFill>
-                        <a:schemeClr val="tx1"/>
-                      </a:solidFill>
-                      <a:prstDash val="solid"/>
-                      <a:round/>
-                      <a:headEnd type="none" w="med" len="med"/>
-                      <a:tailEnd type="none" w="med" len="med"/>
-                    </a:lnR>
-                    <a:lnT w="12700" cap="flat" cmpd="sng" algn="ctr">
-                      <a:solidFill>
-                        <a:schemeClr val="tx1"/>
-                      </a:solidFill>
-                      <a:prstDash val="solid"/>
-                      <a:round/>
-                      <a:headEnd type="none" w="med" len="med"/>
-                      <a:tailEnd type="none" w="med" len="med"/>
-                    </a:lnT>
-                    <a:lnB w="12700" cap="flat" cmpd="sng" algn="ctr">
-                      <a:solidFill>
-                        <a:schemeClr val="tx1"/>
-                      </a:solidFill>
-                      <a:prstDash val="solid"/>
-                      <a:round/>
-                      <a:headEnd type="none" w="med" len="med"/>
-                      <a:tailEnd type="none" w="med" len="med"/>
-                    </a:lnB>
-                    <a:noFill/>
-                  </a:tcPr>
-                </a:tc>
-                <a:tc>
-                  <a:txBody>
-                    <a:bodyPr/>
-                    <a:lstStyle/>
-                    <a:p>
-                      <a:pPr>
-                        <a:buNone/>
-                      </a:pPr>
-                      <a:r>
-                        <a:rPr lang="en-US" sz="1400" b="1"/>
-                        <a:t>Medium</a:t>
-                      </a:r>
-                      <a:endParaRPr lang="en-US" sz="1400"/>
-                    </a:p>
-                  </a:txBody>
-                  <a:tcPr marL="28255" marR="28255" marT="14128" marB="14128" anchor="ctr">
-                    <a:lnL w="12700" cap="flat" cmpd="sng" algn="ctr">
-                      <a:solidFill>
-                        <a:schemeClr val="tx1"/>
-                      </a:solidFill>
-                      <a:prstDash val="solid"/>
-                      <a:round/>
-                      <a:headEnd type="none" w="med" len="med"/>
-                      <a:tailEnd type="none" w="med" len="med"/>
-                    </a:lnL>
-                    <a:lnR w="12700" cap="flat" cmpd="sng" algn="ctr">
-                      <a:solidFill>
-                        <a:schemeClr val="tx1"/>
-                      </a:solidFill>
-                      <a:prstDash val="solid"/>
-                      <a:round/>
-                      <a:headEnd type="none" w="med" len="med"/>
-                      <a:tailEnd type="none" w="med" len="med"/>
-                    </a:lnR>
-                    <a:lnT w="12700" cap="flat" cmpd="sng" algn="ctr">
-                      <a:solidFill>
-                        <a:schemeClr val="tx1"/>
-                      </a:solidFill>
-                      <a:prstDash val="solid"/>
-                      <a:round/>
-                      <a:headEnd type="none" w="med" len="med"/>
-                      <a:tailEnd type="none" w="med" len="med"/>
-                    </a:lnT>
-                    <a:lnB w="12700" cap="flat" cmpd="sng" algn="ctr">
-                      <a:solidFill>
-                        <a:schemeClr val="tx1"/>
-                      </a:solidFill>
-                      <a:prstDash val="solid"/>
-                      <a:round/>
-                      <a:headEnd type="none" w="med" len="med"/>
-                      <a:tailEnd type="none" w="med" len="med"/>
-                    </a:lnB>
-                    <a:noFill/>
-                  </a:tcPr>
-                </a:tc>
-                <a:tc>
-                  <a:txBody>
-                    <a:bodyPr/>
-                    <a:lstStyle/>
-                    <a:p>
-                      <a:pPr>
-                        <a:buNone/>
-                      </a:pPr>
-                      <a:r>
-                        <a:rPr lang="en-US" sz="1400"/>
-                        <a:t>Can assist in analyzing logs, tracing attack paths, and documenting findings.</a:t>
-                      </a:r>
-                    </a:p>
-                  </a:txBody>
-                  <a:tcPr marL="28255" marR="28255" marT="14128" marB="14128" anchor="ctr">
-                    <a:lnL w="12700" cap="flat" cmpd="sng" algn="ctr">
-                      <a:solidFill>
-                        <a:schemeClr val="tx1"/>
-                      </a:solidFill>
-                      <a:prstDash val="solid"/>
-                      <a:round/>
-                      <a:headEnd type="none" w="med" len="med"/>
-                      <a:tailEnd type="none" w="med" len="med"/>
-                    </a:lnL>
-                    <a:lnR w="12700" cap="flat" cmpd="sng" algn="ctr">
-                      <a:solidFill>
-                        <a:schemeClr val="tx1"/>
-                      </a:solidFill>
-                      <a:prstDash val="solid"/>
-                      <a:round/>
-                      <a:headEnd type="none" w="med" len="med"/>
-                      <a:tailEnd type="none" w="med" len="med"/>
-                    </a:lnR>
-                    <a:lnT w="12700" cap="flat" cmpd="sng" algn="ctr">
-                      <a:solidFill>
-                        <a:schemeClr val="tx1"/>
-                      </a:solidFill>
-                      <a:prstDash val="solid"/>
-                      <a:round/>
-                      <a:headEnd type="none" w="med" len="med"/>
-                      <a:tailEnd type="none" w="med" len="med"/>
-                    </a:lnT>
-                    <a:lnB w="12700" cap="flat" cmpd="sng" algn="ctr">
-                      <a:solidFill>
-                        <a:schemeClr val="tx1"/>
-                      </a:solidFill>
-                      <a:prstDash val="solid"/>
-                      <a:round/>
-                      <a:headEnd type="none" w="med" len="med"/>
-                      <a:tailEnd type="none" w="med" len="med"/>
-                    </a:lnB>
-                    <a:noFill/>
-                  </a:tcPr>
-                </a:tc>
-                <a:extLst>
-                  <a:ext uri="{0D108BD9-81ED-4DB2-BD59-A6C34878D82A}">
-                    <a16:rowId xmlns:a16="http://schemas.microsoft.com/office/drawing/2014/main" val="1297429569"/>
-                  </a:ext>
-                </a:extLst>
-              </a:tr>
-              <a:tr h="398996">
-                <a:tc>
-                  <a:txBody>
-                    <a:bodyPr/>
-                    <a:lstStyle/>
-                    <a:p>
-                      <a:pPr>
-                        <a:buNone/>
-                      </a:pPr>
-                      <a:r>
-                        <a:rPr lang="en-US" sz="1400"/>
-                        <a:t>Threat modeling and architecture review</a:t>
-                      </a:r>
-                    </a:p>
-                  </a:txBody>
-                  <a:tcPr marL="28255" marR="28255" marT="14128" marB="14128" anchor="ctr">
-                    <a:lnL w="12700" cap="flat" cmpd="sng" algn="ctr">
-                      <a:solidFill>
-                        <a:schemeClr val="tx1"/>
-                      </a:solidFill>
-                      <a:prstDash val="solid"/>
-                      <a:round/>
-                      <a:headEnd type="none" w="med" len="med"/>
-                      <a:tailEnd type="none" w="med" len="med"/>
-                    </a:lnL>
-                    <a:lnR w="12700" cap="flat" cmpd="sng" algn="ctr">
-                      <a:solidFill>
-                        <a:schemeClr val="tx1"/>
-                      </a:solidFill>
-                      <a:prstDash val="solid"/>
-                      <a:round/>
-                      <a:headEnd type="none" w="med" len="med"/>
-                      <a:tailEnd type="none" w="med" len="med"/>
-                    </a:lnR>
-                    <a:lnT w="12700" cap="flat" cmpd="sng" algn="ctr">
-                      <a:solidFill>
-                        <a:schemeClr val="tx1"/>
-                      </a:solidFill>
-                      <a:prstDash val="solid"/>
-                      <a:round/>
-                      <a:headEnd type="none" w="med" len="med"/>
-                      <a:tailEnd type="none" w="med" len="med"/>
-                    </a:lnT>
-                    <a:lnB w="12700" cap="flat" cmpd="sng" algn="ctr">
-                      <a:solidFill>
-                        <a:schemeClr val="tx1"/>
-                      </a:solidFill>
-                      <a:prstDash val="solid"/>
-                      <a:round/>
-                      <a:headEnd type="none" w="med" len="med"/>
-                      <a:tailEnd type="none" w="med" len="med"/>
-                    </a:lnB>
-                    <a:noFill/>
-                  </a:tcPr>
-                </a:tc>
-                <a:tc>
-                  <a:txBody>
-                    <a:bodyPr/>
-                    <a:lstStyle/>
-                    <a:p>
-                      <a:pPr>
-                        <a:buNone/>
-                      </a:pPr>
-                      <a:r>
-                        <a:rPr lang="en-US" sz="1400" b="1"/>
-                        <a:t>Medium</a:t>
-                      </a:r>
-                      <a:endParaRPr lang="en-US" sz="1400"/>
-                    </a:p>
-                  </a:txBody>
-                  <a:tcPr marL="28255" marR="28255" marT="14128" marB="14128" anchor="ctr">
-                    <a:lnL w="12700" cap="flat" cmpd="sng" algn="ctr">
-                      <a:solidFill>
-                        <a:schemeClr val="tx1"/>
-                      </a:solidFill>
-                      <a:prstDash val="solid"/>
-                      <a:round/>
-                      <a:headEnd type="none" w="med" len="med"/>
-                      <a:tailEnd type="none" w="med" len="med"/>
-                    </a:lnL>
-                    <a:lnR w="12700" cap="flat" cmpd="sng" algn="ctr">
-                      <a:solidFill>
-                        <a:schemeClr val="tx1"/>
-                      </a:solidFill>
-                      <a:prstDash val="solid"/>
-                      <a:round/>
-                      <a:headEnd type="none" w="med" len="med"/>
-                      <a:tailEnd type="none" w="med" len="med"/>
-                    </a:lnR>
-                    <a:lnT w="12700" cap="flat" cmpd="sng" algn="ctr">
-                      <a:solidFill>
-                        <a:schemeClr val="tx1"/>
-                      </a:solidFill>
-                      <a:prstDash val="solid"/>
-                      <a:round/>
-                      <a:headEnd type="none" w="med" len="med"/>
-                      <a:tailEnd type="none" w="med" len="med"/>
-                    </a:lnT>
-                    <a:lnB w="12700" cap="flat" cmpd="sng" algn="ctr">
-                      <a:solidFill>
-                        <a:schemeClr val="tx1"/>
-                      </a:solidFill>
-                      <a:prstDash val="solid"/>
-                      <a:round/>
-                      <a:headEnd type="none" w="med" len="med"/>
-                      <a:tailEnd type="none" w="med" len="med"/>
-                    </a:lnB>
-                    <a:noFill/>
-                  </a:tcPr>
-                </a:tc>
-                <a:tc>
-                  <a:txBody>
-                    <a:bodyPr/>
-                    <a:lstStyle/>
-                    <a:p>
-                      <a:pPr>
-                        <a:buNone/>
-                      </a:pPr>
-                      <a:r>
-                        <a:rPr lang="en-US" sz="1400" dirty="0"/>
-                        <a:t>Can suggest potential threat vectors, but architecture decisions need human judgment.</a:t>
-                      </a:r>
-                    </a:p>
-                  </a:txBody>
-                  <a:tcPr marL="28255" marR="28255" marT="14128" marB="14128" anchor="ctr">
-                    <a:lnL w="12700" cap="flat" cmpd="sng" algn="ctr">
-                      <a:solidFill>
-                        <a:schemeClr val="tx1"/>
-                      </a:solidFill>
-                      <a:prstDash val="solid"/>
-                      <a:round/>
-                      <a:headEnd type="none" w="med" len="med"/>
-                      <a:tailEnd type="none" w="med" len="med"/>
-                    </a:lnL>
-                    <a:lnR w="12700" cap="flat" cmpd="sng" algn="ctr">
-                      <a:solidFill>
-                        <a:schemeClr val="tx1"/>
-                      </a:solidFill>
-                      <a:prstDash val="solid"/>
-                      <a:round/>
-                      <a:headEnd type="none" w="med" len="med"/>
-                      <a:tailEnd type="none" w="med" len="med"/>
-                    </a:lnR>
-                    <a:lnT w="12700" cap="flat" cmpd="sng" algn="ctr">
-                      <a:solidFill>
-                        <a:schemeClr val="tx1"/>
-                      </a:solidFill>
-                      <a:prstDash val="solid"/>
-                      <a:round/>
-                      <a:headEnd type="none" w="med" len="med"/>
-                      <a:tailEnd type="none" w="med" len="med"/>
-                    </a:lnT>
-                    <a:lnB w="12700" cap="flat" cmpd="sng" algn="ctr">
-                      <a:solidFill>
-                        <a:schemeClr val="tx1"/>
-                      </a:solidFill>
-                      <a:prstDash val="solid"/>
-                      <a:round/>
-                      <a:headEnd type="none" w="med" len="med"/>
-                      <a:tailEnd type="none" w="med" len="med"/>
-                    </a:lnB>
-                    <a:noFill/>
-                  </a:tcPr>
-                </a:tc>
-                <a:extLst>
-                  <a:ext uri="{0D108BD9-81ED-4DB2-BD59-A6C34878D82A}">
-                    <a16:rowId xmlns:a16="http://schemas.microsoft.com/office/drawing/2014/main" val="2262237322"/>
-                  </a:ext>
-                </a:extLst>
-              </a:tr>
-            </a:tbl>
-          </a:graphicData>
-        </a:graphic>
-      </p:graphicFrame>
-    </p:spTree>
-    <p:extLst>
-      <p:ext uri="{BB962C8B-B14F-4D97-AF65-F5344CB8AC3E}">
-        <p14:creationId xmlns:p14="http://schemas.microsoft.com/office/powerpoint/2010/main" val="3597938524"/>
-      </p:ext>
-    </p:extLst>
-  </p:cSld>
-  <p:clrMapOvr>
-    <a:masterClrMapping/>
-  </p:clrMapOvr>
-</p:sld>
-</file>
-
-<file path=ppt/slides/slide9.xml><?xml version="1.0" encoding="utf-8"?>
-<p:sld xmlns:a="http://schemas.openxmlformats.org/drawingml/2006/main" xmlns:r="http://schemas.openxmlformats.org/officeDocument/2006/relationships" xmlns:p="http://schemas.openxmlformats.org/presentationml/2006/main">
-  <p:cSld>
-    <p:spTree>
-      <p:nvGrpSpPr>
-        <p:cNvPr id="1" name=""/>
-        <p:cNvGrpSpPr/>
-        <p:nvPr/>
-      </p:nvGrpSpPr>
-      <p:grpSpPr>
-        <a:xfrm>
-          <a:off x="0" y="0"/>
-          <a:ext cx="0" cy="0"/>
-          <a:chOff x="0" y="0"/>
-          <a:chExt cx="0" cy="0"/>
-        </a:xfrm>
-      </p:grpSpPr>
-      <p:sp>
-        <p:nvSpPr>
-          <p:cNvPr id="4" name="Title 3"/>
-          <p:cNvSpPr>
-            <a:spLocks noGrp="1"/>
-          </p:cNvSpPr>
-          <p:nvPr>
-            <p:ph type="title"/>
-          </p:nvPr>
-        </p:nvSpPr>
-        <p:spPr/>
-        <p:txBody>
-          <a:bodyPr/>
-          <a:lstStyle/>
-          <a:p>
-            <a:r>
-              <a:rPr lang="en-US"/>
-              <a:t>New workflows and new Opportunities</a:t>
-            </a:r>
-          </a:p>
-        </p:txBody>
-      </p:sp>
-    </p:spTree>
   </p:cSld>
   <p:clrMapOvr>
     <a:masterClrMapping/>
